--- a/OOSD_Project2_Team5_Presentation.pptx
+++ b/OOSD_Project2_Team5_Presentation.pptx
@@ -10,6 +10,7 @@
     <p:sldId id="258" r:id="rId4"/>
     <p:sldId id="259" r:id="rId5"/>
     <p:sldId id="260" r:id="rId6"/>
+    <p:sldId id="261" r:id="rId7"/>
   </p:sldIdLst>
   <p:sldSz cx="12192000" cy="6858000"/>
   <p:notesSz cx="6858000" cy="9144000"/>
@@ -108,6 +109,11 @@
       </a:defRPr>
     </a:lvl9pPr>
   </p:defaultTextStyle>
+  <p:extLst>
+    <p:ext uri="{EFAFB233-063F-42B5-8137-9DF3F51BA10A}">
+      <p15:sldGuideLst xmlns:p15="http://schemas.microsoft.com/office/powerpoint/2012/main"/>
+    </p:ext>
+  </p:extLst>
 </p:presentation>
 </file>
 
@@ -7602,7 +7608,15 @@
           <a:p>
             <a:r>
               <a:rPr lang="en-US" dirty="0" smtClean="0"/>
-              <a:t>Our take on Microsoft Technologies.</a:t>
+              <a:t>Our take on Microsoft Technologies</a:t>
+            </a:r>
+            <a:r>
+              <a:rPr lang="en-US" dirty="0" smtClean="0"/>
+              <a:t>. (</a:t>
+            </a:r>
+            <a:r>
+              <a:rPr lang="en-US" smtClean="0"/>
+              <a:t>Status Report)</a:t>
             </a:r>
             <a:endParaRPr lang="en-US" dirty="0"/>
           </a:p>
@@ -7791,14 +7805,75 @@
                             </p:stCondLst>
                             <p:childTnLst>
                               <p:par>
-                                <p:cTn id="13" presetID="31" presetClass="exit" presetSubtype="0" fill="hold" nodeType="clickEffect">
+                                <p:cTn id="13" presetID="14" presetClass="entr" presetSubtype="10" fill="hold" grpId="0" nodeType="clickEffect">
+                                  <p:stCondLst>
+                                    <p:cond delay="0"/>
+                                  </p:stCondLst>
+                                  <p:childTnLst>
+                                    <p:set>
+                                      <p:cBhvr>
+                                        <p:cTn id="14" dur="1" fill="hold">
+                                          <p:stCondLst>
+                                            <p:cond delay="0"/>
+                                          </p:stCondLst>
+                                        </p:cTn>
+                                        <p:tgtEl>
+                                          <p:spTgt spid="3">
+                                            <p:txEl>
+                                              <p:pRg st="0" end="0"/>
+                                            </p:txEl>
+                                          </p:spTgt>
+                                        </p:tgtEl>
+                                        <p:attrNameLst>
+                                          <p:attrName>style.visibility</p:attrName>
+                                        </p:attrNameLst>
+                                      </p:cBhvr>
+                                      <p:to>
+                                        <p:strVal val="visible"/>
+                                      </p:to>
+                                    </p:set>
+                                    <p:animEffect transition="in" filter="randombar(horizontal)">
+                                      <p:cBhvr>
+                                        <p:cTn id="15" dur="500"/>
+                                        <p:tgtEl>
+                                          <p:spTgt spid="3">
+                                            <p:txEl>
+                                              <p:pRg st="0" end="0"/>
+                                            </p:txEl>
+                                          </p:spTgt>
+                                        </p:tgtEl>
+                                      </p:cBhvr>
+                                    </p:animEffect>
+                                  </p:childTnLst>
+                                </p:cTn>
+                              </p:par>
+                            </p:childTnLst>
+                          </p:cTn>
+                        </p:par>
+                      </p:childTnLst>
+                    </p:cTn>
+                  </p:par>
+                  <p:par>
+                    <p:cTn id="16" fill="hold">
+                      <p:stCondLst>
+                        <p:cond delay="indefinite"/>
+                      </p:stCondLst>
+                      <p:childTnLst>
+                        <p:par>
+                          <p:cTn id="17" fill="hold">
+                            <p:stCondLst>
+                              <p:cond delay="0"/>
+                            </p:stCondLst>
+                            <p:childTnLst>
+                              <p:par>
+                                <p:cTn id="18" presetID="31" presetClass="exit" presetSubtype="0" fill="hold" nodeType="clickEffect">
                                   <p:stCondLst>
                                     <p:cond delay="0"/>
                                   </p:stCondLst>
                                   <p:childTnLst>
                                     <p:anim calcmode="lin" valueType="num">
                                       <p:cBhvr>
-                                        <p:cTn id="14" dur="1000"/>
+                                        <p:cTn id="19" dur="1000"/>
                                         <p:tgtEl>
                                           <p:spTgt spid="4"/>
                                         </p:tgtEl>
@@ -7821,7 +7896,7 @@
                                     </p:anim>
                                     <p:anim calcmode="lin" valueType="num">
                                       <p:cBhvr>
-                                        <p:cTn id="15" dur="1000"/>
+                                        <p:cTn id="20" dur="1000"/>
                                         <p:tgtEl>
                                           <p:spTgt spid="4"/>
                                         </p:tgtEl>
@@ -7844,7 +7919,7 @@
                                     </p:anim>
                                     <p:anim calcmode="lin" valueType="num">
                                       <p:cBhvr>
-                                        <p:cTn id="16" dur="1000"/>
+                                        <p:cTn id="21" dur="1000"/>
                                         <p:tgtEl>
                                           <p:spTgt spid="4"/>
                                         </p:tgtEl>
@@ -7867,7 +7942,7 @@
                                     </p:anim>
                                     <p:animEffect transition="out" filter="fade">
                                       <p:cBhvr>
-                                        <p:cTn id="17" dur="1000"/>
+                                        <p:cTn id="22" dur="1000"/>
                                         <p:tgtEl>
                                           <p:spTgt spid="4"/>
                                         </p:tgtEl>
@@ -7875,7 +7950,7 @@
                                     </p:animEffect>
                                     <p:set>
                                       <p:cBhvr>
-                                        <p:cTn id="18" dur="1" fill="hold">
+                                        <p:cTn id="23" dur="1" fill="hold">
                                           <p:stCondLst>
                                             <p:cond delay="999"/>
                                           </p:stCondLst>
@@ -7921,6 +7996,9 @@
         </p:cTn>
       </p:par>
     </p:tnLst>
+    <p:bldLst>
+      <p:bldP spid="3" grpId="0" build="p"/>
+    </p:bldLst>
   </p:timing>
 </p:sld>
 </file>
@@ -8155,7 +8233,7 @@
                             </p:stCondLst>
                             <p:childTnLst>
                               <p:par>
-                                <p:cTn id="10" presetID="2" presetClass="entr" presetSubtype="4" fill="hold" nodeType="clickEffect">
+                                <p:cTn id="10" presetID="16" presetClass="entr" presetSubtype="21" fill="hold" grpId="0" nodeType="clickEffect">
                                   <p:stCondLst>
                                     <p:cond delay="0"/>
                                   </p:stCondLst>
@@ -8168,6 +8246,67 @@
                                           </p:stCondLst>
                                         </p:cTn>
                                         <p:tgtEl>
+                                          <p:spTgt spid="3">
+                                            <p:txEl>
+                                              <p:pRg st="0" end="0"/>
+                                            </p:txEl>
+                                          </p:spTgt>
+                                        </p:tgtEl>
+                                        <p:attrNameLst>
+                                          <p:attrName>style.visibility</p:attrName>
+                                        </p:attrNameLst>
+                                      </p:cBhvr>
+                                      <p:to>
+                                        <p:strVal val="visible"/>
+                                      </p:to>
+                                    </p:set>
+                                    <p:animEffect transition="in" filter="barn(inVertical)">
+                                      <p:cBhvr>
+                                        <p:cTn id="12" dur="500"/>
+                                        <p:tgtEl>
+                                          <p:spTgt spid="3">
+                                            <p:txEl>
+                                              <p:pRg st="0" end="0"/>
+                                            </p:txEl>
+                                          </p:spTgt>
+                                        </p:tgtEl>
+                                      </p:cBhvr>
+                                    </p:animEffect>
+                                  </p:childTnLst>
+                                </p:cTn>
+                              </p:par>
+                            </p:childTnLst>
+                          </p:cTn>
+                        </p:par>
+                      </p:childTnLst>
+                    </p:cTn>
+                  </p:par>
+                  <p:par>
+                    <p:cTn id="13" fill="hold">
+                      <p:stCondLst>
+                        <p:cond delay="indefinite"/>
+                      </p:stCondLst>
+                      <p:childTnLst>
+                        <p:par>
+                          <p:cTn id="14" fill="hold">
+                            <p:stCondLst>
+                              <p:cond delay="0"/>
+                            </p:stCondLst>
+                            <p:childTnLst>
+                              <p:par>
+                                <p:cTn id="15" presetID="2" presetClass="entr" presetSubtype="4" fill="hold" nodeType="clickEffect">
+                                  <p:stCondLst>
+                                    <p:cond delay="0"/>
+                                  </p:stCondLst>
+                                  <p:childTnLst>
+                                    <p:set>
+                                      <p:cBhvr>
+                                        <p:cTn id="16" dur="1" fill="hold">
+                                          <p:stCondLst>
+                                            <p:cond delay="0"/>
+                                          </p:stCondLst>
+                                        </p:cTn>
+                                        <p:tgtEl>
                                           <p:spTgt spid="5"/>
                                         </p:tgtEl>
                                         <p:attrNameLst>
@@ -8180,7 +8319,7 @@
                                     </p:set>
                                     <p:anim calcmode="lin" valueType="num">
                                       <p:cBhvr additive="base">
-                                        <p:cTn id="12" dur="1000" fill="hold"/>
+                                        <p:cTn id="17" dur="1000" fill="hold"/>
                                         <p:tgtEl>
                                           <p:spTgt spid="5"/>
                                         </p:tgtEl>
@@ -8203,7 +8342,7 @@
                                     </p:anim>
                                     <p:anim calcmode="lin" valueType="num">
                                       <p:cBhvr additive="base">
-                                        <p:cTn id="13" dur="1000" fill="hold"/>
+                                        <p:cTn id="18" dur="1000" fill="hold"/>
                                         <p:tgtEl>
                                           <p:spTgt spid="5"/>
                                         </p:tgtEl>
@@ -8234,26 +8373,26 @@
                     </p:cTn>
                   </p:par>
                   <p:par>
-                    <p:cTn id="14" fill="hold">
+                    <p:cTn id="19" fill="hold">
                       <p:stCondLst>
                         <p:cond delay="indefinite"/>
                       </p:stCondLst>
                       <p:childTnLst>
                         <p:par>
-                          <p:cTn id="15" fill="hold">
+                          <p:cTn id="20" fill="hold">
                             <p:stCondLst>
                               <p:cond delay="0"/>
                             </p:stCondLst>
                             <p:childTnLst>
                               <p:par>
-                                <p:cTn id="16" presetID="2" presetClass="exit" presetSubtype="9" fill="hold" nodeType="clickEffect">
+                                <p:cTn id="21" presetID="2" presetClass="exit" presetSubtype="9" fill="hold" nodeType="clickEffect">
                                   <p:stCondLst>
                                     <p:cond delay="0"/>
                                   </p:stCondLst>
                                   <p:childTnLst>
                                     <p:anim calcmode="lin" valueType="num">
                                       <p:cBhvr additive="base">
-                                        <p:cTn id="17" dur="1000"/>
+                                        <p:cTn id="22" dur="1000"/>
                                         <p:tgtEl>
                                           <p:spTgt spid="5"/>
                                         </p:tgtEl>
@@ -8276,7 +8415,7 @@
                                     </p:anim>
                                     <p:anim calcmode="lin" valueType="num">
                                       <p:cBhvr additive="base">
-                                        <p:cTn id="18" dur="1000"/>
+                                        <p:cTn id="23" dur="1000"/>
                                         <p:tgtEl>
                                           <p:spTgt spid="5"/>
                                         </p:tgtEl>
@@ -8299,7 +8438,7 @@
                                     </p:anim>
                                     <p:set>
                                       <p:cBhvr>
-                                        <p:cTn id="19" dur="1" fill="hold">
+                                        <p:cTn id="24" dur="1" fill="hold">
                                           <p:stCondLst>
                                             <p:cond delay="999"/>
                                           </p:stCondLst>
@@ -8325,26 +8464,26 @@
                     </p:cTn>
                   </p:par>
                   <p:par>
-                    <p:cTn id="20" fill="hold">
+                    <p:cTn id="25" fill="hold">
                       <p:stCondLst>
                         <p:cond delay="indefinite"/>
                       </p:stCondLst>
                       <p:childTnLst>
                         <p:par>
-                          <p:cTn id="21" fill="hold">
+                          <p:cTn id="26" fill="hold">
                             <p:stCondLst>
                               <p:cond delay="0"/>
                             </p:stCondLst>
                             <p:childTnLst>
                               <p:par>
-                                <p:cTn id="22" presetID="10" presetClass="exit" presetSubtype="0" fill="hold" nodeType="clickEffect">
+                                <p:cTn id="27" presetID="10" presetClass="exit" presetSubtype="0" fill="hold" nodeType="clickEffect">
                                   <p:stCondLst>
                                     <p:cond delay="0"/>
                                   </p:stCondLst>
                                   <p:childTnLst>
                                     <p:animEffect transition="out" filter="fade">
                                       <p:cBhvr>
-                                        <p:cTn id="23" dur="500"/>
+                                        <p:cTn id="28" dur="500"/>
                                         <p:tgtEl>
                                           <p:spTgt spid="4"/>
                                         </p:tgtEl>
@@ -8352,7 +8491,7 @@
                                     </p:animEffect>
                                     <p:set>
                                       <p:cBhvr>
-                                        <p:cTn id="24" dur="1" fill="hold">
+                                        <p:cTn id="29" dur="1" fill="hold">
                                           <p:stCondLst>
                                             <p:cond delay="499"/>
                                           </p:stCondLst>
@@ -8398,6 +8537,9 @@
         </p:cTn>
       </p:par>
     </p:tnLst>
+    <p:bldLst>
+      <p:bldP spid="3" grpId="0" build="p"/>
+    </p:bldLst>
   </p:timing>
 </p:sld>
 </file>
@@ -8690,7 +8832,7 @@
                             </p:stCondLst>
                             <p:childTnLst>
                               <p:par>
-                                <p:cTn id="12" presetID="42" presetClass="entr" presetSubtype="0" fill="hold" nodeType="clickEffect">
+                                <p:cTn id="12" presetID="26" presetClass="entr" presetSubtype="0" fill="hold" grpId="0" nodeType="clickEffect">
                                   <p:stCondLst>
                                     <p:cond delay="0"/>
                                   </p:stCondLst>
@@ -8703,6 +8845,362 @@
                                           </p:stCondLst>
                                         </p:cTn>
                                         <p:tgtEl>
+                                          <p:spTgt spid="3">
+                                            <p:txEl>
+                                              <p:pRg st="0" end="0"/>
+                                            </p:txEl>
+                                          </p:spTgt>
+                                        </p:tgtEl>
+                                        <p:attrNameLst>
+                                          <p:attrName>style.visibility</p:attrName>
+                                        </p:attrNameLst>
+                                      </p:cBhvr>
+                                      <p:to>
+                                        <p:strVal val="visible"/>
+                                      </p:to>
+                                    </p:set>
+                                    <p:animEffect transition="in" filter="wipe(down)">
+                                      <p:cBhvr>
+                                        <p:cTn id="14" dur="580">
+                                          <p:stCondLst>
+                                            <p:cond delay="0"/>
+                                          </p:stCondLst>
+                                        </p:cTn>
+                                        <p:tgtEl>
+                                          <p:spTgt spid="3">
+                                            <p:txEl>
+                                              <p:pRg st="0" end="0"/>
+                                            </p:txEl>
+                                          </p:spTgt>
+                                        </p:tgtEl>
+                                      </p:cBhvr>
+                                    </p:animEffect>
+                                    <p:anim calcmode="lin" valueType="num">
+                                      <p:cBhvr>
+                                        <p:cTn id="15" dur="1822" tmFilter="0,0; 0.14,0.36; 0.43,0.73; 0.71,0.91; 1.0,1.0">
+                                          <p:stCondLst>
+                                            <p:cond delay="0"/>
+                                          </p:stCondLst>
+                                        </p:cTn>
+                                        <p:tgtEl>
+                                          <p:spTgt spid="3">
+                                            <p:txEl>
+                                              <p:pRg st="0" end="0"/>
+                                            </p:txEl>
+                                          </p:spTgt>
+                                        </p:tgtEl>
+                                        <p:attrNameLst>
+                                          <p:attrName>ppt_x</p:attrName>
+                                        </p:attrNameLst>
+                                      </p:cBhvr>
+                                      <p:tavLst>
+                                        <p:tav tm="0">
+                                          <p:val>
+                                            <p:strVal val="#ppt_x-0.25"/>
+                                          </p:val>
+                                        </p:tav>
+                                        <p:tav tm="100000">
+                                          <p:val>
+                                            <p:strVal val="#ppt_x"/>
+                                          </p:val>
+                                        </p:tav>
+                                      </p:tavLst>
+                                    </p:anim>
+                                    <p:anim calcmode="lin" valueType="num">
+                                      <p:cBhvr>
+                                        <p:cTn id="16" dur="664" tmFilter="0.0,0.0; 0.25,0.07; 0.50,0.2; 0.75,0.467; 1.0,1.0">
+                                          <p:stCondLst>
+                                            <p:cond delay="0"/>
+                                          </p:stCondLst>
+                                        </p:cTn>
+                                        <p:tgtEl>
+                                          <p:spTgt spid="3">
+                                            <p:txEl>
+                                              <p:pRg st="0" end="0"/>
+                                            </p:txEl>
+                                          </p:spTgt>
+                                        </p:tgtEl>
+                                        <p:attrNameLst>
+                                          <p:attrName>ppt_y</p:attrName>
+                                        </p:attrNameLst>
+                                      </p:cBhvr>
+                                      <p:tavLst>
+                                        <p:tav tm="0" fmla="#ppt_y-sin(pi*$)/3">
+                                          <p:val>
+                                            <p:fltVal val="0.5"/>
+                                          </p:val>
+                                        </p:tav>
+                                        <p:tav tm="100000">
+                                          <p:val>
+                                            <p:fltVal val="1"/>
+                                          </p:val>
+                                        </p:tav>
+                                      </p:tavLst>
+                                    </p:anim>
+                                    <p:anim calcmode="lin" valueType="num">
+                                      <p:cBhvr>
+                                        <p:cTn id="17" dur="664" tmFilter="0, 0; 0.125,0.2665; 0.25,0.4; 0.375,0.465; 0.5,0.5;  0.625,0.535; 0.75,0.6; 0.875,0.7335; 1,1">
+                                          <p:stCondLst>
+                                            <p:cond delay="664"/>
+                                          </p:stCondLst>
+                                        </p:cTn>
+                                        <p:tgtEl>
+                                          <p:spTgt spid="3">
+                                            <p:txEl>
+                                              <p:pRg st="0" end="0"/>
+                                            </p:txEl>
+                                          </p:spTgt>
+                                        </p:tgtEl>
+                                        <p:attrNameLst>
+                                          <p:attrName>ppt_y</p:attrName>
+                                        </p:attrNameLst>
+                                      </p:cBhvr>
+                                      <p:tavLst>
+                                        <p:tav tm="0" fmla="#ppt_y-sin(pi*$)/9">
+                                          <p:val>
+                                            <p:fltVal val="0"/>
+                                          </p:val>
+                                        </p:tav>
+                                        <p:tav tm="100000">
+                                          <p:val>
+                                            <p:fltVal val="1"/>
+                                          </p:val>
+                                        </p:tav>
+                                      </p:tavLst>
+                                    </p:anim>
+                                    <p:anim calcmode="lin" valueType="num">
+                                      <p:cBhvr>
+                                        <p:cTn id="18" dur="332" tmFilter="0, 0; 0.125,0.2665; 0.25,0.4; 0.375,0.465; 0.5,0.5;  0.625,0.535; 0.75,0.6; 0.875,0.7335; 1,1">
+                                          <p:stCondLst>
+                                            <p:cond delay="1324"/>
+                                          </p:stCondLst>
+                                        </p:cTn>
+                                        <p:tgtEl>
+                                          <p:spTgt spid="3">
+                                            <p:txEl>
+                                              <p:pRg st="0" end="0"/>
+                                            </p:txEl>
+                                          </p:spTgt>
+                                        </p:tgtEl>
+                                        <p:attrNameLst>
+                                          <p:attrName>ppt_y</p:attrName>
+                                        </p:attrNameLst>
+                                      </p:cBhvr>
+                                      <p:tavLst>
+                                        <p:tav tm="0" fmla="#ppt_y-sin(pi*$)/27">
+                                          <p:val>
+                                            <p:fltVal val="0"/>
+                                          </p:val>
+                                        </p:tav>
+                                        <p:tav tm="100000">
+                                          <p:val>
+                                            <p:fltVal val="1"/>
+                                          </p:val>
+                                        </p:tav>
+                                      </p:tavLst>
+                                    </p:anim>
+                                    <p:anim calcmode="lin" valueType="num">
+                                      <p:cBhvr>
+                                        <p:cTn id="19" dur="164" tmFilter="0, 0; 0.125,0.2665; 0.25,0.4; 0.375,0.465; 0.5,0.5;  0.625,0.535; 0.75,0.6; 0.875,0.7335; 1,1">
+                                          <p:stCondLst>
+                                            <p:cond delay="1656"/>
+                                          </p:stCondLst>
+                                        </p:cTn>
+                                        <p:tgtEl>
+                                          <p:spTgt spid="3">
+                                            <p:txEl>
+                                              <p:pRg st="0" end="0"/>
+                                            </p:txEl>
+                                          </p:spTgt>
+                                        </p:tgtEl>
+                                        <p:attrNameLst>
+                                          <p:attrName>ppt_y</p:attrName>
+                                        </p:attrNameLst>
+                                      </p:cBhvr>
+                                      <p:tavLst>
+                                        <p:tav tm="0" fmla="#ppt_y-sin(pi*$)/81">
+                                          <p:val>
+                                            <p:fltVal val="0"/>
+                                          </p:val>
+                                        </p:tav>
+                                        <p:tav tm="100000">
+                                          <p:val>
+                                            <p:fltVal val="1"/>
+                                          </p:val>
+                                        </p:tav>
+                                      </p:tavLst>
+                                    </p:anim>
+                                    <p:animScale>
+                                      <p:cBhvr>
+                                        <p:cTn id="20" dur="26">
+                                          <p:stCondLst>
+                                            <p:cond delay="650"/>
+                                          </p:stCondLst>
+                                        </p:cTn>
+                                        <p:tgtEl>
+                                          <p:spTgt spid="3">
+                                            <p:txEl>
+                                              <p:pRg st="0" end="0"/>
+                                            </p:txEl>
+                                          </p:spTgt>
+                                        </p:tgtEl>
+                                      </p:cBhvr>
+                                      <p:to x="100000" y="60000"/>
+                                    </p:animScale>
+                                    <p:animScale>
+                                      <p:cBhvr>
+                                        <p:cTn id="21" dur="166" decel="50000">
+                                          <p:stCondLst>
+                                            <p:cond delay="676"/>
+                                          </p:stCondLst>
+                                        </p:cTn>
+                                        <p:tgtEl>
+                                          <p:spTgt spid="3">
+                                            <p:txEl>
+                                              <p:pRg st="0" end="0"/>
+                                            </p:txEl>
+                                          </p:spTgt>
+                                        </p:tgtEl>
+                                      </p:cBhvr>
+                                      <p:to x="100000" y="100000"/>
+                                    </p:animScale>
+                                    <p:animScale>
+                                      <p:cBhvr>
+                                        <p:cTn id="22" dur="26">
+                                          <p:stCondLst>
+                                            <p:cond delay="1312"/>
+                                          </p:stCondLst>
+                                        </p:cTn>
+                                        <p:tgtEl>
+                                          <p:spTgt spid="3">
+                                            <p:txEl>
+                                              <p:pRg st="0" end="0"/>
+                                            </p:txEl>
+                                          </p:spTgt>
+                                        </p:tgtEl>
+                                      </p:cBhvr>
+                                      <p:to x="100000" y="80000"/>
+                                    </p:animScale>
+                                    <p:animScale>
+                                      <p:cBhvr>
+                                        <p:cTn id="23" dur="166" decel="50000">
+                                          <p:stCondLst>
+                                            <p:cond delay="1338"/>
+                                          </p:stCondLst>
+                                        </p:cTn>
+                                        <p:tgtEl>
+                                          <p:spTgt spid="3">
+                                            <p:txEl>
+                                              <p:pRg st="0" end="0"/>
+                                            </p:txEl>
+                                          </p:spTgt>
+                                        </p:tgtEl>
+                                      </p:cBhvr>
+                                      <p:to x="100000" y="100000"/>
+                                    </p:animScale>
+                                    <p:animScale>
+                                      <p:cBhvr>
+                                        <p:cTn id="24" dur="26">
+                                          <p:stCondLst>
+                                            <p:cond delay="1642"/>
+                                          </p:stCondLst>
+                                        </p:cTn>
+                                        <p:tgtEl>
+                                          <p:spTgt spid="3">
+                                            <p:txEl>
+                                              <p:pRg st="0" end="0"/>
+                                            </p:txEl>
+                                          </p:spTgt>
+                                        </p:tgtEl>
+                                      </p:cBhvr>
+                                      <p:to x="100000" y="90000"/>
+                                    </p:animScale>
+                                    <p:animScale>
+                                      <p:cBhvr>
+                                        <p:cTn id="25" dur="166" decel="50000">
+                                          <p:stCondLst>
+                                            <p:cond delay="1668"/>
+                                          </p:stCondLst>
+                                        </p:cTn>
+                                        <p:tgtEl>
+                                          <p:spTgt spid="3">
+                                            <p:txEl>
+                                              <p:pRg st="0" end="0"/>
+                                            </p:txEl>
+                                          </p:spTgt>
+                                        </p:tgtEl>
+                                      </p:cBhvr>
+                                      <p:to x="100000" y="100000"/>
+                                    </p:animScale>
+                                    <p:animScale>
+                                      <p:cBhvr>
+                                        <p:cTn id="26" dur="26">
+                                          <p:stCondLst>
+                                            <p:cond delay="1808"/>
+                                          </p:stCondLst>
+                                        </p:cTn>
+                                        <p:tgtEl>
+                                          <p:spTgt spid="3">
+                                            <p:txEl>
+                                              <p:pRg st="0" end="0"/>
+                                            </p:txEl>
+                                          </p:spTgt>
+                                        </p:tgtEl>
+                                      </p:cBhvr>
+                                      <p:to x="100000" y="95000"/>
+                                    </p:animScale>
+                                    <p:animScale>
+                                      <p:cBhvr>
+                                        <p:cTn id="27" dur="166" decel="50000">
+                                          <p:stCondLst>
+                                            <p:cond delay="1834"/>
+                                          </p:stCondLst>
+                                        </p:cTn>
+                                        <p:tgtEl>
+                                          <p:spTgt spid="3">
+                                            <p:txEl>
+                                              <p:pRg st="0" end="0"/>
+                                            </p:txEl>
+                                          </p:spTgt>
+                                        </p:tgtEl>
+                                      </p:cBhvr>
+                                      <p:to x="100000" y="100000"/>
+                                    </p:animScale>
+                                  </p:childTnLst>
+                                </p:cTn>
+                              </p:par>
+                            </p:childTnLst>
+                          </p:cTn>
+                        </p:par>
+                      </p:childTnLst>
+                    </p:cTn>
+                  </p:par>
+                  <p:par>
+                    <p:cTn id="28" fill="hold">
+                      <p:stCondLst>
+                        <p:cond delay="indefinite"/>
+                      </p:stCondLst>
+                      <p:childTnLst>
+                        <p:par>
+                          <p:cTn id="29" fill="hold">
+                            <p:stCondLst>
+                              <p:cond delay="0"/>
+                            </p:stCondLst>
+                            <p:childTnLst>
+                              <p:par>
+                                <p:cTn id="30" presetID="42" presetClass="entr" presetSubtype="0" fill="hold" nodeType="clickEffect">
+                                  <p:stCondLst>
+                                    <p:cond delay="0"/>
+                                  </p:stCondLst>
+                                  <p:childTnLst>
+                                    <p:set>
+                                      <p:cBhvr>
+                                        <p:cTn id="31" dur="1" fill="hold">
+                                          <p:stCondLst>
+                                            <p:cond delay="0"/>
+                                          </p:stCondLst>
+                                        </p:cTn>
+                                        <p:tgtEl>
                                           <p:spTgt spid="7"/>
                                         </p:tgtEl>
                                         <p:attrNameLst>
@@ -8715,7 +9213,7 @@
                                     </p:set>
                                     <p:animEffect transition="in" filter="fade">
                                       <p:cBhvr>
-                                        <p:cTn id="14" dur="1000"/>
+                                        <p:cTn id="32" dur="1000"/>
                                         <p:tgtEl>
                                           <p:spTgt spid="7"/>
                                         </p:tgtEl>
@@ -8723,7 +9221,7 @@
                                     </p:animEffect>
                                     <p:anim calcmode="lin" valueType="num">
                                       <p:cBhvr>
-                                        <p:cTn id="15" dur="1000" fill="hold"/>
+                                        <p:cTn id="33" dur="1000" fill="hold"/>
                                         <p:tgtEl>
                                           <p:spTgt spid="7"/>
                                         </p:tgtEl>
@@ -8746,7 +9244,7 @@
                                     </p:anim>
                                     <p:anim calcmode="lin" valueType="num">
                                       <p:cBhvr>
-                                        <p:cTn id="16" dur="1000" fill="hold"/>
+                                        <p:cTn id="34" dur="1000" fill="hold"/>
                                         <p:tgtEl>
                                           <p:spTgt spid="7"/>
                                         </p:tgtEl>
@@ -8777,26 +9275,382 @@
                     </p:cTn>
                   </p:par>
                   <p:par>
-                    <p:cTn id="17" fill="hold">
+                    <p:cTn id="35" fill="hold">
                       <p:stCondLst>
                         <p:cond delay="indefinite"/>
                       </p:stCondLst>
                       <p:childTnLst>
                         <p:par>
-                          <p:cTn id="18" fill="hold">
+                          <p:cTn id="36" fill="hold">
                             <p:stCondLst>
                               <p:cond delay="0"/>
                             </p:stCondLst>
                             <p:childTnLst>
                               <p:par>
-                                <p:cTn id="19" presetID="2" presetClass="entr" presetSubtype="6" fill="hold" nodeType="clickEffect">
+                                <p:cTn id="37" presetID="26" presetClass="entr" presetSubtype="0" fill="hold" grpId="0" nodeType="clickEffect">
                                   <p:stCondLst>
                                     <p:cond delay="0"/>
                                   </p:stCondLst>
                                   <p:childTnLst>
                                     <p:set>
                                       <p:cBhvr>
-                                        <p:cTn id="20" dur="1" fill="hold">
+                                        <p:cTn id="38" dur="1" fill="hold">
+                                          <p:stCondLst>
+                                            <p:cond delay="0"/>
+                                          </p:stCondLst>
+                                        </p:cTn>
+                                        <p:tgtEl>
+                                          <p:spTgt spid="3">
+                                            <p:txEl>
+                                              <p:pRg st="1" end="1"/>
+                                            </p:txEl>
+                                          </p:spTgt>
+                                        </p:tgtEl>
+                                        <p:attrNameLst>
+                                          <p:attrName>style.visibility</p:attrName>
+                                        </p:attrNameLst>
+                                      </p:cBhvr>
+                                      <p:to>
+                                        <p:strVal val="visible"/>
+                                      </p:to>
+                                    </p:set>
+                                    <p:animEffect transition="in" filter="wipe(down)">
+                                      <p:cBhvr>
+                                        <p:cTn id="39" dur="580">
+                                          <p:stCondLst>
+                                            <p:cond delay="0"/>
+                                          </p:stCondLst>
+                                        </p:cTn>
+                                        <p:tgtEl>
+                                          <p:spTgt spid="3">
+                                            <p:txEl>
+                                              <p:pRg st="1" end="1"/>
+                                            </p:txEl>
+                                          </p:spTgt>
+                                        </p:tgtEl>
+                                      </p:cBhvr>
+                                    </p:animEffect>
+                                    <p:anim calcmode="lin" valueType="num">
+                                      <p:cBhvr>
+                                        <p:cTn id="40" dur="1822" tmFilter="0,0; 0.14,0.36; 0.43,0.73; 0.71,0.91; 1.0,1.0">
+                                          <p:stCondLst>
+                                            <p:cond delay="0"/>
+                                          </p:stCondLst>
+                                        </p:cTn>
+                                        <p:tgtEl>
+                                          <p:spTgt spid="3">
+                                            <p:txEl>
+                                              <p:pRg st="1" end="1"/>
+                                            </p:txEl>
+                                          </p:spTgt>
+                                        </p:tgtEl>
+                                        <p:attrNameLst>
+                                          <p:attrName>ppt_x</p:attrName>
+                                        </p:attrNameLst>
+                                      </p:cBhvr>
+                                      <p:tavLst>
+                                        <p:tav tm="0">
+                                          <p:val>
+                                            <p:strVal val="#ppt_x-0.25"/>
+                                          </p:val>
+                                        </p:tav>
+                                        <p:tav tm="100000">
+                                          <p:val>
+                                            <p:strVal val="#ppt_x"/>
+                                          </p:val>
+                                        </p:tav>
+                                      </p:tavLst>
+                                    </p:anim>
+                                    <p:anim calcmode="lin" valueType="num">
+                                      <p:cBhvr>
+                                        <p:cTn id="41" dur="664" tmFilter="0.0,0.0; 0.25,0.07; 0.50,0.2; 0.75,0.467; 1.0,1.0">
+                                          <p:stCondLst>
+                                            <p:cond delay="0"/>
+                                          </p:stCondLst>
+                                        </p:cTn>
+                                        <p:tgtEl>
+                                          <p:spTgt spid="3">
+                                            <p:txEl>
+                                              <p:pRg st="1" end="1"/>
+                                            </p:txEl>
+                                          </p:spTgt>
+                                        </p:tgtEl>
+                                        <p:attrNameLst>
+                                          <p:attrName>ppt_y</p:attrName>
+                                        </p:attrNameLst>
+                                      </p:cBhvr>
+                                      <p:tavLst>
+                                        <p:tav tm="0" fmla="#ppt_y-sin(pi*$)/3">
+                                          <p:val>
+                                            <p:fltVal val="0.5"/>
+                                          </p:val>
+                                        </p:tav>
+                                        <p:tav tm="100000">
+                                          <p:val>
+                                            <p:fltVal val="1"/>
+                                          </p:val>
+                                        </p:tav>
+                                      </p:tavLst>
+                                    </p:anim>
+                                    <p:anim calcmode="lin" valueType="num">
+                                      <p:cBhvr>
+                                        <p:cTn id="42" dur="664" tmFilter="0, 0; 0.125,0.2665; 0.25,0.4; 0.375,0.465; 0.5,0.5;  0.625,0.535; 0.75,0.6; 0.875,0.7335; 1,1">
+                                          <p:stCondLst>
+                                            <p:cond delay="664"/>
+                                          </p:stCondLst>
+                                        </p:cTn>
+                                        <p:tgtEl>
+                                          <p:spTgt spid="3">
+                                            <p:txEl>
+                                              <p:pRg st="1" end="1"/>
+                                            </p:txEl>
+                                          </p:spTgt>
+                                        </p:tgtEl>
+                                        <p:attrNameLst>
+                                          <p:attrName>ppt_y</p:attrName>
+                                        </p:attrNameLst>
+                                      </p:cBhvr>
+                                      <p:tavLst>
+                                        <p:tav tm="0" fmla="#ppt_y-sin(pi*$)/9">
+                                          <p:val>
+                                            <p:fltVal val="0"/>
+                                          </p:val>
+                                        </p:tav>
+                                        <p:tav tm="100000">
+                                          <p:val>
+                                            <p:fltVal val="1"/>
+                                          </p:val>
+                                        </p:tav>
+                                      </p:tavLst>
+                                    </p:anim>
+                                    <p:anim calcmode="lin" valueType="num">
+                                      <p:cBhvr>
+                                        <p:cTn id="43" dur="332" tmFilter="0, 0; 0.125,0.2665; 0.25,0.4; 0.375,0.465; 0.5,0.5;  0.625,0.535; 0.75,0.6; 0.875,0.7335; 1,1">
+                                          <p:stCondLst>
+                                            <p:cond delay="1324"/>
+                                          </p:stCondLst>
+                                        </p:cTn>
+                                        <p:tgtEl>
+                                          <p:spTgt spid="3">
+                                            <p:txEl>
+                                              <p:pRg st="1" end="1"/>
+                                            </p:txEl>
+                                          </p:spTgt>
+                                        </p:tgtEl>
+                                        <p:attrNameLst>
+                                          <p:attrName>ppt_y</p:attrName>
+                                        </p:attrNameLst>
+                                      </p:cBhvr>
+                                      <p:tavLst>
+                                        <p:tav tm="0" fmla="#ppt_y-sin(pi*$)/27">
+                                          <p:val>
+                                            <p:fltVal val="0"/>
+                                          </p:val>
+                                        </p:tav>
+                                        <p:tav tm="100000">
+                                          <p:val>
+                                            <p:fltVal val="1"/>
+                                          </p:val>
+                                        </p:tav>
+                                      </p:tavLst>
+                                    </p:anim>
+                                    <p:anim calcmode="lin" valueType="num">
+                                      <p:cBhvr>
+                                        <p:cTn id="44" dur="164" tmFilter="0, 0; 0.125,0.2665; 0.25,0.4; 0.375,0.465; 0.5,0.5;  0.625,0.535; 0.75,0.6; 0.875,0.7335; 1,1">
+                                          <p:stCondLst>
+                                            <p:cond delay="1656"/>
+                                          </p:stCondLst>
+                                        </p:cTn>
+                                        <p:tgtEl>
+                                          <p:spTgt spid="3">
+                                            <p:txEl>
+                                              <p:pRg st="1" end="1"/>
+                                            </p:txEl>
+                                          </p:spTgt>
+                                        </p:tgtEl>
+                                        <p:attrNameLst>
+                                          <p:attrName>ppt_y</p:attrName>
+                                        </p:attrNameLst>
+                                      </p:cBhvr>
+                                      <p:tavLst>
+                                        <p:tav tm="0" fmla="#ppt_y-sin(pi*$)/81">
+                                          <p:val>
+                                            <p:fltVal val="0"/>
+                                          </p:val>
+                                        </p:tav>
+                                        <p:tav tm="100000">
+                                          <p:val>
+                                            <p:fltVal val="1"/>
+                                          </p:val>
+                                        </p:tav>
+                                      </p:tavLst>
+                                    </p:anim>
+                                    <p:animScale>
+                                      <p:cBhvr>
+                                        <p:cTn id="45" dur="26">
+                                          <p:stCondLst>
+                                            <p:cond delay="650"/>
+                                          </p:stCondLst>
+                                        </p:cTn>
+                                        <p:tgtEl>
+                                          <p:spTgt spid="3">
+                                            <p:txEl>
+                                              <p:pRg st="1" end="1"/>
+                                            </p:txEl>
+                                          </p:spTgt>
+                                        </p:tgtEl>
+                                      </p:cBhvr>
+                                      <p:to x="100000" y="60000"/>
+                                    </p:animScale>
+                                    <p:animScale>
+                                      <p:cBhvr>
+                                        <p:cTn id="46" dur="166" decel="50000">
+                                          <p:stCondLst>
+                                            <p:cond delay="676"/>
+                                          </p:stCondLst>
+                                        </p:cTn>
+                                        <p:tgtEl>
+                                          <p:spTgt spid="3">
+                                            <p:txEl>
+                                              <p:pRg st="1" end="1"/>
+                                            </p:txEl>
+                                          </p:spTgt>
+                                        </p:tgtEl>
+                                      </p:cBhvr>
+                                      <p:to x="100000" y="100000"/>
+                                    </p:animScale>
+                                    <p:animScale>
+                                      <p:cBhvr>
+                                        <p:cTn id="47" dur="26">
+                                          <p:stCondLst>
+                                            <p:cond delay="1312"/>
+                                          </p:stCondLst>
+                                        </p:cTn>
+                                        <p:tgtEl>
+                                          <p:spTgt spid="3">
+                                            <p:txEl>
+                                              <p:pRg st="1" end="1"/>
+                                            </p:txEl>
+                                          </p:spTgt>
+                                        </p:tgtEl>
+                                      </p:cBhvr>
+                                      <p:to x="100000" y="80000"/>
+                                    </p:animScale>
+                                    <p:animScale>
+                                      <p:cBhvr>
+                                        <p:cTn id="48" dur="166" decel="50000">
+                                          <p:stCondLst>
+                                            <p:cond delay="1338"/>
+                                          </p:stCondLst>
+                                        </p:cTn>
+                                        <p:tgtEl>
+                                          <p:spTgt spid="3">
+                                            <p:txEl>
+                                              <p:pRg st="1" end="1"/>
+                                            </p:txEl>
+                                          </p:spTgt>
+                                        </p:tgtEl>
+                                      </p:cBhvr>
+                                      <p:to x="100000" y="100000"/>
+                                    </p:animScale>
+                                    <p:animScale>
+                                      <p:cBhvr>
+                                        <p:cTn id="49" dur="26">
+                                          <p:stCondLst>
+                                            <p:cond delay="1642"/>
+                                          </p:stCondLst>
+                                        </p:cTn>
+                                        <p:tgtEl>
+                                          <p:spTgt spid="3">
+                                            <p:txEl>
+                                              <p:pRg st="1" end="1"/>
+                                            </p:txEl>
+                                          </p:spTgt>
+                                        </p:tgtEl>
+                                      </p:cBhvr>
+                                      <p:to x="100000" y="90000"/>
+                                    </p:animScale>
+                                    <p:animScale>
+                                      <p:cBhvr>
+                                        <p:cTn id="50" dur="166" decel="50000">
+                                          <p:stCondLst>
+                                            <p:cond delay="1668"/>
+                                          </p:stCondLst>
+                                        </p:cTn>
+                                        <p:tgtEl>
+                                          <p:spTgt spid="3">
+                                            <p:txEl>
+                                              <p:pRg st="1" end="1"/>
+                                            </p:txEl>
+                                          </p:spTgt>
+                                        </p:tgtEl>
+                                      </p:cBhvr>
+                                      <p:to x="100000" y="100000"/>
+                                    </p:animScale>
+                                    <p:animScale>
+                                      <p:cBhvr>
+                                        <p:cTn id="51" dur="26">
+                                          <p:stCondLst>
+                                            <p:cond delay="1808"/>
+                                          </p:stCondLst>
+                                        </p:cTn>
+                                        <p:tgtEl>
+                                          <p:spTgt spid="3">
+                                            <p:txEl>
+                                              <p:pRg st="1" end="1"/>
+                                            </p:txEl>
+                                          </p:spTgt>
+                                        </p:tgtEl>
+                                      </p:cBhvr>
+                                      <p:to x="100000" y="95000"/>
+                                    </p:animScale>
+                                    <p:animScale>
+                                      <p:cBhvr>
+                                        <p:cTn id="52" dur="166" decel="50000">
+                                          <p:stCondLst>
+                                            <p:cond delay="1834"/>
+                                          </p:stCondLst>
+                                        </p:cTn>
+                                        <p:tgtEl>
+                                          <p:spTgt spid="3">
+                                            <p:txEl>
+                                              <p:pRg st="1" end="1"/>
+                                            </p:txEl>
+                                          </p:spTgt>
+                                        </p:tgtEl>
+                                      </p:cBhvr>
+                                      <p:to x="100000" y="100000"/>
+                                    </p:animScale>
+                                  </p:childTnLst>
+                                </p:cTn>
+                              </p:par>
+                            </p:childTnLst>
+                          </p:cTn>
+                        </p:par>
+                      </p:childTnLst>
+                    </p:cTn>
+                  </p:par>
+                  <p:par>
+                    <p:cTn id="53" fill="hold">
+                      <p:stCondLst>
+                        <p:cond delay="indefinite"/>
+                      </p:stCondLst>
+                      <p:childTnLst>
+                        <p:par>
+                          <p:cTn id="54" fill="hold">
+                            <p:stCondLst>
+                              <p:cond delay="0"/>
+                            </p:stCondLst>
+                            <p:childTnLst>
+                              <p:par>
+                                <p:cTn id="55" presetID="2" presetClass="entr" presetSubtype="6" fill="hold" nodeType="clickEffect">
+                                  <p:stCondLst>
+                                    <p:cond delay="0"/>
+                                  </p:stCondLst>
+                                  <p:childTnLst>
+                                    <p:set>
+                                      <p:cBhvr>
+                                        <p:cTn id="56" dur="1" fill="hold">
                                           <p:stCondLst>
                                             <p:cond delay="0"/>
                                           </p:stCondLst>
@@ -8814,7 +9668,7 @@
                                     </p:set>
                                     <p:anim calcmode="lin" valueType="num">
                                       <p:cBhvr additive="base">
-                                        <p:cTn id="21" dur="500" fill="hold"/>
+                                        <p:cTn id="57" dur="500" fill="hold"/>
                                         <p:tgtEl>
                                           <p:spTgt spid="4"/>
                                         </p:tgtEl>
@@ -8837,7 +9691,7 @@
                                     </p:anim>
                                     <p:anim calcmode="lin" valueType="num">
                                       <p:cBhvr additive="base">
-                                        <p:cTn id="22" dur="500" fill="hold"/>
+                                        <p:cTn id="58" dur="500" fill="hold"/>
                                         <p:tgtEl>
                                           <p:spTgt spid="4"/>
                                         </p:tgtEl>
@@ -8868,26 +9722,26 @@
                     </p:cTn>
                   </p:par>
                   <p:par>
-                    <p:cTn id="23" fill="hold">
+                    <p:cTn id="59" fill="hold">
                       <p:stCondLst>
                         <p:cond delay="indefinite"/>
                       </p:stCondLst>
                       <p:childTnLst>
                         <p:par>
-                          <p:cTn id="24" fill="hold">
+                          <p:cTn id="60" fill="hold">
                             <p:stCondLst>
                               <p:cond delay="0"/>
                             </p:stCondLst>
                             <p:childTnLst>
                               <p:par>
-                                <p:cTn id="25" presetID="42" presetClass="exit" presetSubtype="0" fill="hold" nodeType="clickEffect">
+                                <p:cTn id="61" presetID="42" presetClass="exit" presetSubtype="0" fill="hold" nodeType="clickEffect">
                                   <p:stCondLst>
                                     <p:cond delay="0"/>
                                   </p:stCondLst>
                                   <p:childTnLst>
                                     <p:animEffect transition="out" filter="fade">
                                       <p:cBhvr>
-                                        <p:cTn id="26" dur="1000"/>
+                                        <p:cTn id="62" dur="1000"/>
                                         <p:tgtEl>
                                           <p:spTgt spid="5"/>
                                         </p:tgtEl>
@@ -8895,7 +9749,7 @@
                                     </p:animEffect>
                                     <p:anim calcmode="lin" valueType="num">
                                       <p:cBhvr>
-                                        <p:cTn id="27" dur="1000"/>
+                                        <p:cTn id="63" dur="1000"/>
                                         <p:tgtEl>
                                           <p:spTgt spid="5"/>
                                         </p:tgtEl>
@@ -8918,7 +9772,7 @@
                                     </p:anim>
                                     <p:anim calcmode="lin" valueType="num">
                                       <p:cBhvr>
-                                        <p:cTn id="28" dur="1000"/>
+                                        <p:cTn id="64" dur="1000"/>
                                         <p:tgtEl>
                                           <p:spTgt spid="5"/>
                                         </p:tgtEl>
@@ -8941,7 +9795,7 @@
                                     </p:anim>
                                     <p:set>
                                       <p:cBhvr>
-                                        <p:cTn id="29" dur="1" fill="hold">
+                                        <p:cTn id="65" dur="1" fill="hold">
                                           <p:stCondLst>
                                             <p:cond delay="999"/>
                                           </p:stCondLst>
@@ -8967,26 +9821,26 @@
                     </p:cTn>
                   </p:par>
                   <p:par>
-                    <p:cTn id="30" fill="hold">
+                    <p:cTn id="66" fill="hold">
                       <p:stCondLst>
                         <p:cond delay="indefinite"/>
                       </p:stCondLst>
                       <p:childTnLst>
                         <p:par>
-                          <p:cTn id="31" fill="hold">
+                          <p:cTn id="67" fill="hold">
                             <p:stCondLst>
                               <p:cond delay="0"/>
                             </p:stCondLst>
                             <p:childTnLst>
                               <p:par>
-                                <p:cTn id="32" presetID="42" presetClass="exit" presetSubtype="0" fill="hold" nodeType="clickEffect">
+                                <p:cTn id="68" presetID="42" presetClass="exit" presetSubtype="0" fill="hold" nodeType="clickEffect">
                                   <p:stCondLst>
                                     <p:cond delay="0"/>
                                   </p:stCondLst>
                                   <p:childTnLst>
                                     <p:animEffect transition="out" filter="fade">
                                       <p:cBhvr>
-                                        <p:cTn id="33" dur="1000"/>
+                                        <p:cTn id="69" dur="1000"/>
                                         <p:tgtEl>
                                           <p:spTgt spid="7"/>
                                         </p:tgtEl>
@@ -8994,7 +9848,7 @@
                                     </p:animEffect>
                                     <p:anim calcmode="lin" valueType="num">
                                       <p:cBhvr>
-                                        <p:cTn id="34" dur="1000"/>
+                                        <p:cTn id="70" dur="1000"/>
                                         <p:tgtEl>
                                           <p:spTgt spid="7"/>
                                         </p:tgtEl>
@@ -9017,7 +9871,7 @@
                                     </p:anim>
                                     <p:anim calcmode="lin" valueType="num">
                                       <p:cBhvr>
-                                        <p:cTn id="35" dur="1000"/>
+                                        <p:cTn id="71" dur="1000"/>
                                         <p:tgtEl>
                                           <p:spTgt spid="7"/>
                                         </p:tgtEl>
@@ -9040,7 +9894,7 @@
                                     </p:anim>
                                     <p:set>
                                       <p:cBhvr>
-                                        <p:cTn id="36" dur="1" fill="hold">
+                                        <p:cTn id="72" dur="1" fill="hold">
                                           <p:stCondLst>
                                             <p:cond delay="999"/>
                                           </p:stCondLst>
@@ -9066,26 +9920,26 @@
                     </p:cTn>
                   </p:par>
                   <p:par>
-                    <p:cTn id="37" fill="hold">
+                    <p:cTn id="73" fill="hold">
                       <p:stCondLst>
                         <p:cond delay="indefinite"/>
                       </p:stCondLst>
                       <p:childTnLst>
                         <p:par>
-                          <p:cTn id="38" fill="hold">
+                          <p:cTn id="74" fill="hold">
                             <p:stCondLst>
                               <p:cond delay="0"/>
                             </p:stCondLst>
                             <p:childTnLst>
                               <p:par>
-                                <p:cTn id="39" presetID="2" presetClass="exit" presetSubtype="9" fill="hold" nodeType="clickEffect">
+                                <p:cTn id="75" presetID="2" presetClass="exit" presetSubtype="9" fill="hold" nodeType="clickEffect">
                                   <p:stCondLst>
                                     <p:cond delay="0"/>
                                   </p:stCondLst>
                                   <p:childTnLst>
                                     <p:anim calcmode="lin" valueType="num">
                                       <p:cBhvr additive="base">
-                                        <p:cTn id="40" dur="500"/>
+                                        <p:cTn id="76" dur="500"/>
                                         <p:tgtEl>
                                           <p:spTgt spid="4"/>
                                         </p:tgtEl>
@@ -9108,7 +9962,7 @@
                                     </p:anim>
                                     <p:anim calcmode="lin" valueType="num">
                                       <p:cBhvr additive="base">
-                                        <p:cTn id="41" dur="500"/>
+                                        <p:cTn id="77" dur="500"/>
                                         <p:tgtEl>
                                           <p:spTgt spid="4"/>
                                         </p:tgtEl>
@@ -9131,7 +9985,7 @@
                                     </p:anim>
                                     <p:set>
                                       <p:cBhvr>
-                                        <p:cTn id="42" dur="1" fill="hold">
+                                        <p:cTn id="78" dur="1" fill="hold">
                                           <p:stCondLst>
                                             <p:cond delay="499"/>
                                           </p:stCondLst>
@@ -9177,6 +10031,9 @@
         </p:cTn>
       </p:par>
     </p:tnLst>
+    <p:bldLst>
+      <p:bldP spid="3" grpId="0" uiExpand="1" build="p"/>
+    </p:bldLst>
   </p:timing>
 </p:sld>
 </file>
@@ -9262,6 +10119,66 @@
           </a:p>
         </p:txBody>
       </p:sp>
+      <p:pic>
+        <p:nvPicPr>
+          <p:cNvPr id="4" name="Picture 3"/>
+          <p:cNvPicPr>
+            <a:picLocks noChangeAspect="1"/>
+          </p:cNvPicPr>
+          <p:nvPr/>
+        </p:nvPicPr>
+        <p:blipFill>
+          <a:blip r:embed="rId2">
+            <a:extLst>
+              <a:ext uri="{28A0092B-C50C-407E-A947-70E740481C1C}">
+                <a14:useLocalDpi xmlns:a14="http://schemas.microsoft.com/office/drawing/2010/main" val="0"/>
+              </a:ext>
+            </a:extLst>
+          </a:blip>
+          <a:stretch>
+            <a:fillRect/>
+          </a:stretch>
+        </p:blipFill>
+        <p:spPr>
+          <a:xfrm>
+            <a:off x="7873570" y="2843868"/>
+            <a:ext cx="3803905" cy="2535186"/>
+          </a:xfrm>
+          <a:prstGeom prst="rect">
+            <a:avLst/>
+          </a:prstGeom>
+        </p:spPr>
+      </p:pic>
+      <p:pic>
+        <p:nvPicPr>
+          <p:cNvPr id="5" name="Picture 4"/>
+          <p:cNvPicPr>
+            <a:picLocks noChangeAspect="1"/>
+          </p:cNvPicPr>
+          <p:nvPr/>
+        </p:nvPicPr>
+        <p:blipFill>
+          <a:blip r:embed="rId3">
+            <a:extLst>
+              <a:ext uri="{28A0092B-C50C-407E-A947-70E740481C1C}">
+                <a14:useLocalDpi xmlns:a14="http://schemas.microsoft.com/office/drawing/2010/main" val="0"/>
+              </a:ext>
+            </a:extLst>
+          </a:blip>
+          <a:stretch>
+            <a:fillRect/>
+          </a:stretch>
+        </p:blipFill>
+        <p:spPr>
+          <a:xfrm>
+            <a:off x="5299412" y="4346455"/>
+            <a:ext cx="2072111" cy="1793367"/>
+          </a:xfrm>
+          <a:prstGeom prst="rect">
+            <a:avLst/>
+          </a:prstGeom>
+        </p:spPr>
+      </p:pic>
     </p:spTree>
     <p:extLst>
       <p:ext uri="{BB962C8B-B14F-4D97-AF65-F5344CB8AC3E}">
@@ -9275,9 +10192,1513 @@
   <p:timing>
     <p:tnLst>
       <p:par>
-        <p:cTn id="1" dur="indefinite" restart="never" nodeType="tmRoot"/>
+        <p:cTn id="1" dur="indefinite" restart="never" nodeType="tmRoot">
+          <p:childTnLst>
+            <p:seq concurrent="1" nextAc="seek">
+              <p:cTn id="2" dur="indefinite" nodeType="mainSeq">
+                <p:childTnLst>
+                  <p:par>
+                    <p:cTn id="3" fill="hold">
+                      <p:stCondLst>
+                        <p:cond delay="indefinite"/>
+                      </p:stCondLst>
+                      <p:childTnLst>
+                        <p:par>
+                          <p:cTn id="4" fill="hold">
+                            <p:stCondLst>
+                              <p:cond delay="0"/>
+                            </p:stCondLst>
+                            <p:childTnLst>
+                              <p:par>
+                                <p:cTn id="5" presetID="53" presetClass="entr" presetSubtype="16" fill="hold" grpId="0" nodeType="clickEffect">
+                                  <p:stCondLst>
+                                    <p:cond delay="0"/>
+                                  </p:stCondLst>
+                                  <p:childTnLst>
+                                    <p:set>
+                                      <p:cBhvr>
+                                        <p:cTn id="6" dur="1" fill="hold">
+                                          <p:stCondLst>
+                                            <p:cond delay="0"/>
+                                          </p:stCondLst>
+                                        </p:cTn>
+                                        <p:tgtEl>
+                                          <p:spTgt spid="3">
+                                            <p:txEl>
+                                              <p:pRg st="0" end="0"/>
+                                            </p:txEl>
+                                          </p:spTgt>
+                                        </p:tgtEl>
+                                        <p:attrNameLst>
+                                          <p:attrName>style.visibility</p:attrName>
+                                        </p:attrNameLst>
+                                      </p:cBhvr>
+                                      <p:to>
+                                        <p:strVal val="visible"/>
+                                      </p:to>
+                                    </p:set>
+                                    <p:anim calcmode="lin" valueType="num">
+                                      <p:cBhvr>
+                                        <p:cTn id="7" dur="500" fill="hold"/>
+                                        <p:tgtEl>
+                                          <p:spTgt spid="3">
+                                            <p:txEl>
+                                              <p:pRg st="0" end="0"/>
+                                            </p:txEl>
+                                          </p:spTgt>
+                                        </p:tgtEl>
+                                        <p:attrNameLst>
+                                          <p:attrName>ppt_w</p:attrName>
+                                        </p:attrNameLst>
+                                      </p:cBhvr>
+                                      <p:tavLst>
+                                        <p:tav tm="0">
+                                          <p:val>
+                                            <p:fltVal val="0"/>
+                                          </p:val>
+                                        </p:tav>
+                                        <p:tav tm="100000">
+                                          <p:val>
+                                            <p:strVal val="#ppt_w"/>
+                                          </p:val>
+                                        </p:tav>
+                                      </p:tavLst>
+                                    </p:anim>
+                                    <p:anim calcmode="lin" valueType="num">
+                                      <p:cBhvr>
+                                        <p:cTn id="8" dur="500" fill="hold"/>
+                                        <p:tgtEl>
+                                          <p:spTgt spid="3">
+                                            <p:txEl>
+                                              <p:pRg st="0" end="0"/>
+                                            </p:txEl>
+                                          </p:spTgt>
+                                        </p:tgtEl>
+                                        <p:attrNameLst>
+                                          <p:attrName>ppt_h</p:attrName>
+                                        </p:attrNameLst>
+                                      </p:cBhvr>
+                                      <p:tavLst>
+                                        <p:tav tm="0">
+                                          <p:val>
+                                            <p:fltVal val="0"/>
+                                          </p:val>
+                                        </p:tav>
+                                        <p:tav tm="100000">
+                                          <p:val>
+                                            <p:strVal val="#ppt_h"/>
+                                          </p:val>
+                                        </p:tav>
+                                      </p:tavLst>
+                                    </p:anim>
+                                    <p:animEffect transition="in" filter="fade">
+                                      <p:cBhvr>
+                                        <p:cTn id="9" dur="500"/>
+                                        <p:tgtEl>
+                                          <p:spTgt spid="3">
+                                            <p:txEl>
+                                              <p:pRg st="0" end="0"/>
+                                            </p:txEl>
+                                          </p:spTgt>
+                                        </p:tgtEl>
+                                      </p:cBhvr>
+                                    </p:animEffect>
+                                  </p:childTnLst>
+                                </p:cTn>
+                              </p:par>
+                            </p:childTnLst>
+                          </p:cTn>
+                        </p:par>
+                      </p:childTnLst>
+                    </p:cTn>
+                  </p:par>
+                  <p:par>
+                    <p:cTn id="10" fill="hold">
+                      <p:stCondLst>
+                        <p:cond delay="indefinite"/>
+                      </p:stCondLst>
+                      <p:childTnLst>
+                        <p:par>
+                          <p:cTn id="11" fill="hold">
+                            <p:stCondLst>
+                              <p:cond delay="0"/>
+                            </p:stCondLst>
+                            <p:childTnLst>
+                              <p:par>
+                                <p:cTn id="12" presetID="26" presetClass="entr" presetSubtype="0" fill="hold" nodeType="clickEffect">
+                                  <p:stCondLst>
+                                    <p:cond delay="0"/>
+                                  </p:stCondLst>
+                                  <p:childTnLst>
+                                    <p:set>
+                                      <p:cBhvr>
+                                        <p:cTn id="13" dur="1" fill="hold">
+                                          <p:stCondLst>
+                                            <p:cond delay="0"/>
+                                          </p:stCondLst>
+                                        </p:cTn>
+                                        <p:tgtEl>
+                                          <p:spTgt spid="4"/>
+                                        </p:tgtEl>
+                                        <p:attrNameLst>
+                                          <p:attrName>style.visibility</p:attrName>
+                                        </p:attrNameLst>
+                                      </p:cBhvr>
+                                      <p:to>
+                                        <p:strVal val="visible"/>
+                                      </p:to>
+                                    </p:set>
+                                    <p:animEffect transition="in" filter="wipe(down)">
+                                      <p:cBhvr>
+                                        <p:cTn id="14" dur="580">
+                                          <p:stCondLst>
+                                            <p:cond delay="0"/>
+                                          </p:stCondLst>
+                                        </p:cTn>
+                                        <p:tgtEl>
+                                          <p:spTgt spid="4"/>
+                                        </p:tgtEl>
+                                      </p:cBhvr>
+                                    </p:animEffect>
+                                    <p:anim calcmode="lin" valueType="num">
+                                      <p:cBhvr>
+                                        <p:cTn id="15" dur="1822" tmFilter="0,0; 0.14,0.36; 0.43,0.73; 0.71,0.91; 1.0,1.0">
+                                          <p:stCondLst>
+                                            <p:cond delay="0"/>
+                                          </p:stCondLst>
+                                        </p:cTn>
+                                        <p:tgtEl>
+                                          <p:spTgt spid="4"/>
+                                        </p:tgtEl>
+                                        <p:attrNameLst>
+                                          <p:attrName>ppt_x</p:attrName>
+                                        </p:attrNameLst>
+                                      </p:cBhvr>
+                                      <p:tavLst>
+                                        <p:tav tm="0">
+                                          <p:val>
+                                            <p:strVal val="#ppt_x-0.25"/>
+                                          </p:val>
+                                        </p:tav>
+                                        <p:tav tm="100000">
+                                          <p:val>
+                                            <p:strVal val="#ppt_x"/>
+                                          </p:val>
+                                        </p:tav>
+                                      </p:tavLst>
+                                    </p:anim>
+                                    <p:anim calcmode="lin" valueType="num">
+                                      <p:cBhvr>
+                                        <p:cTn id="16" dur="664" tmFilter="0.0,0.0; 0.25,0.07; 0.50,0.2; 0.75,0.467; 1.0,1.0">
+                                          <p:stCondLst>
+                                            <p:cond delay="0"/>
+                                          </p:stCondLst>
+                                        </p:cTn>
+                                        <p:tgtEl>
+                                          <p:spTgt spid="4"/>
+                                        </p:tgtEl>
+                                        <p:attrNameLst>
+                                          <p:attrName>ppt_y</p:attrName>
+                                        </p:attrNameLst>
+                                      </p:cBhvr>
+                                      <p:tavLst>
+                                        <p:tav tm="0" fmla="#ppt_y-sin(pi*$)/3">
+                                          <p:val>
+                                            <p:fltVal val="0.5"/>
+                                          </p:val>
+                                        </p:tav>
+                                        <p:tav tm="100000">
+                                          <p:val>
+                                            <p:fltVal val="1"/>
+                                          </p:val>
+                                        </p:tav>
+                                      </p:tavLst>
+                                    </p:anim>
+                                    <p:anim calcmode="lin" valueType="num">
+                                      <p:cBhvr>
+                                        <p:cTn id="17" dur="664" tmFilter="0, 0; 0.125,0.2665; 0.25,0.4; 0.375,0.465; 0.5,0.5;  0.625,0.535; 0.75,0.6; 0.875,0.7335; 1,1">
+                                          <p:stCondLst>
+                                            <p:cond delay="664"/>
+                                          </p:stCondLst>
+                                        </p:cTn>
+                                        <p:tgtEl>
+                                          <p:spTgt spid="4"/>
+                                        </p:tgtEl>
+                                        <p:attrNameLst>
+                                          <p:attrName>ppt_y</p:attrName>
+                                        </p:attrNameLst>
+                                      </p:cBhvr>
+                                      <p:tavLst>
+                                        <p:tav tm="0" fmla="#ppt_y-sin(pi*$)/9">
+                                          <p:val>
+                                            <p:fltVal val="0"/>
+                                          </p:val>
+                                        </p:tav>
+                                        <p:tav tm="100000">
+                                          <p:val>
+                                            <p:fltVal val="1"/>
+                                          </p:val>
+                                        </p:tav>
+                                      </p:tavLst>
+                                    </p:anim>
+                                    <p:anim calcmode="lin" valueType="num">
+                                      <p:cBhvr>
+                                        <p:cTn id="18" dur="332" tmFilter="0, 0; 0.125,0.2665; 0.25,0.4; 0.375,0.465; 0.5,0.5;  0.625,0.535; 0.75,0.6; 0.875,0.7335; 1,1">
+                                          <p:stCondLst>
+                                            <p:cond delay="1324"/>
+                                          </p:stCondLst>
+                                        </p:cTn>
+                                        <p:tgtEl>
+                                          <p:spTgt spid="4"/>
+                                        </p:tgtEl>
+                                        <p:attrNameLst>
+                                          <p:attrName>ppt_y</p:attrName>
+                                        </p:attrNameLst>
+                                      </p:cBhvr>
+                                      <p:tavLst>
+                                        <p:tav tm="0" fmla="#ppt_y-sin(pi*$)/27">
+                                          <p:val>
+                                            <p:fltVal val="0"/>
+                                          </p:val>
+                                        </p:tav>
+                                        <p:tav tm="100000">
+                                          <p:val>
+                                            <p:fltVal val="1"/>
+                                          </p:val>
+                                        </p:tav>
+                                      </p:tavLst>
+                                    </p:anim>
+                                    <p:anim calcmode="lin" valueType="num">
+                                      <p:cBhvr>
+                                        <p:cTn id="19" dur="164" tmFilter="0, 0; 0.125,0.2665; 0.25,0.4; 0.375,0.465; 0.5,0.5;  0.625,0.535; 0.75,0.6; 0.875,0.7335; 1,1">
+                                          <p:stCondLst>
+                                            <p:cond delay="1656"/>
+                                          </p:stCondLst>
+                                        </p:cTn>
+                                        <p:tgtEl>
+                                          <p:spTgt spid="4"/>
+                                        </p:tgtEl>
+                                        <p:attrNameLst>
+                                          <p:attrName>ppt_y</p:attrName>
+                                        </p:attrNameLst>
+                                      </p:cBhvr>
+                                      <p:tavLst>
+                                        <p:tav tm="0" fmla="#ppt_y-sin(pi*$)/81">
+                                          <p:val>
+                                            <p:fltVal val="0"/>
+                                          </p:val>
+                                        </p:tav>
+                                        <p:tav tm="100000">
+                                          <p:val>
+                                            <p:fltVal val="1"/>
+                                          </p:val>
+                                        </p:tav>
+                                      </p:tavLst>
+                                    </p:anim>
+                                    <p:animScale>
+                                      <p:cBhvr>
+                                        <p:cTn id="20" dur="26">
+                                          <p:stCondLst>
+                                            <p:cond delay="650"/>
+                                          </p:stCondLst>
+                                        </p:cTn>
+                                        <p:tgtEl>
+                                          <p:spTgt spid="4"/>
+                                        </p:tgtEl>
+                                      </p:cBhvr>
+                                      <p:to x="100000" y="60000"/>
+                                    </p:animScale>
+                                    <p:animScale>
+                                      <p:cBhvr>
+                                        <p:cTn id="21" dur="166" decel="50000">
+                                          <p:stCondLst>
+                                            <p:cond delay="676"/>
+                                          </p:stCondLst>
+                                        </p:cTn>
+                                        <p:tgtEl>
+                                          <p:spTgt spid="4"/>
+                                        </p:tgtEl>
+                                      </p:cBhvr>
+                                      <p:to x="100000" y="100000"/>
+                                    </p:animScale>
+                                    <p:animScale>
+                                      <p:cBhvr>
+                                        <p:cTn id="22" dur="26">
+                                          <p:stCondLst>
+                                            <p:cond delay="1312"/>
+                                          </p:stCondLst>
+                                        </p:cTn>
+                                        <p:tgtEl>
+                                          <p:spTgt spid="4"/>
+                                        </p:tgtEl>
+                                      </p:cBhvr>
+                                      <p:to x="100000" y="80000"/>
+                                    </p:animScale>
+                                    <p:animScale>
+                                      <p:cBhvr>
+                                        <p:cTn id="23" dur="166" decel="50000">
+                                          <p:stCondLst>
+                                            <p:cond delay="1338"/>
+                                          </p:stCondLst>
+                                        </p:cTn>
+                                        <p:tgtEl>
+                                          <p:spTgt spid="4"/>
+                                        </p:tgtEl>
+                                      </p:cBhvr>
+                                      <p:to x="100000" y="100000"/>
+                                    </p:animScale>
+                                    <p:animScale>
+                                      <p:cBhvr>
+                                        <p:cTn id="24" dur="26">
+                                          <p:stCondLst>
+                                            <p:cond delay="1642"/>
+                                          </p:stCondLst>
+                                        </p:cTn>
+                                        <p:tgtEl>
+                                          <p:spTgt spid="4"/>
+                                        </p:tgtEl>
+                                      </p:cBhvr>
+                                      <p:to x="100000" y="90000"/>
+                                    </p:animScale>
+                                    <p:animScale>
+                                      <p:cBhvr>
+                                        <p:cTn id="25" dur="166" decel="50000">
+                                          <p:stCondLst>
+                                            <p:cond delay="1668"/>
+                                          </p:stCondLst>
+                                        </p:cTn>
+                                        <p:tgtEl>
+                                          <p:spTgt spid="4"/>
+                                        </p:tgtEl>
+                                      </p:cBhvr>
+                                      <p:to x="100000" y="100000"/>
+                                    </p:animScale>
+                                    <p:animScale>
+                                      <p:cBhvr>
+                                        <p:cTn id="26" dur="26">
+                                          <p:stCondLst>
+                                            <p:cond delay="1808"/>
+                                          </p:stCondLst>
+                                        </p:cTn>
+                                        <p:tgtEl>
+                                          <p:spTgt spid="4"/>
+                                        </p:tgtEl>
+                                      </p:cBhvr>
+                                      <p:to x="100000" y="95000"/>
+                                    </p:animScale>
+                                    <p:animScale>
+                                      <p:cBhvr>
+                                        <p:cTn id="27" dur="166" decel="50000">
+                                          <p:stCondLst>
+                                            <p:cond delay="1834"/>
+                                          </p:stCondLst>
+                                        </p:cTn>
+                                        <p:tgtEl>
+                                          <p:spTgt spid="4"/>
+                                        </p:tgtEl>
+                                      </p:cBhvr>
+                                      <p:to x="100000" y="100000"/>
+                                    </p:animScale>
+                                  </p:childTnLst>
+                                </p:cTn>
+                              </p:par>
+                            </p:childTnLst>
+                          </p:cTn>
+                        </p:par>
+                      </p:childTnLst>
+                    </p:cTn>
+                  </p:par>
+                  <p:par>
+                    <p:cTn id="28" fill="hold">
+                      <p:stCondLst>
+                        <p:cond delay="indefinite"/>
+                      </p:stCondLst>
+                      <p:childTnLst>
+                        <p:par>
+                          <p:cTn id="29" fill="hold">
+                            <p:stCondLst>
+                              <p:cond delay="0"/>
+                            </p:stCondLst>
+                            <p:childTnLst>
+                              <p:par>
+                                <p:cTn id="30" presetID="53" presetClass="entr" presetSubtype="16" fill="hold" grpId="0" nodeType="clickEffect">
+                                  <p:stCondLst>
+                                    <p:cond delay="0"/>
+                                  </p:stCondLst>
+                                  <p:childTnLst>
+                                    <p:set>
+                                      <p:cBhvr>
+                                        <p:cTn id="31" dur="1" fill="hold">
+                                          <p:stCondLst>
+                                            <p:cond delay="0"/>
+                                          </p:stCondLst>
+                                        </p:cTn>
+                                        <p:tgtEl>
+                                          <p:spTgt spid="3">
+                                            <p:txEl>
+                                              <p:pRg st="1" end="1"/>
+                                            </p:txEl>
+                                          </p:spTgt>
+                                        </p:tgtEl>
+                                        <p:attrNameLst>
+                                          <p:attrName>style.visibility</p:attrName>
+                                        </p:attrNameLst>
+                                      </p:cBhvr>
+                                      <p:to>
+                                        <p:strVal val="visible"/>
+                                      </p:to>
+                                    </p:set>
+                                    <p:anim calcmode="lin" valueType="num">
+                                      <p:cBhvr>
+                                        <p:cTn id="32" dur="500" fill="hold"/>
+                                        <p:tgtEl>
+                                          <p:spTgt spid="3">
+                                            <p:txEl>
+                                              <p:pRg st="1" end="1"/>
+                                            </p:txEl>
+                                          </p:spTgt>
+                                        </p:tgtEl>
+                                        <p:attrNameLst>
+                                          <p:attrName>ppt_w</p:attrName>
+                                        </p:attrNameLst>
+                                      </p:cBhvr>
+                                      <p:tavLst>
+                                        <p:tav tm="0">
+                                          <p:val>
+                                            <p:fltVal val="0"/>
+                                          </p:val>
+                                        </p:tav>
+                                        <p:tav tm="100000">
+                                          <p:val>
+                                            <p:strVal val="#ppt_w"/>
+                                          </p:val>
+                                        </p:tav>
+                                      </p:tavLst>
+                                    </p:anim>
+                                    <p:anim calcmode="lin" valueType="num">
+                                      <p:cBhvr>
+                                        <p:cTn id="33" dur="500" fill="hold"/>
+                                        <p:tgtEl>
+                                          <p:spTgt spid="3">
+                                            <p:txEl>
+                                              <p:pRg st="1" end="1"/>
+                                            </p:txEl>
+                                          </p:spTgt>
+                                        </p:tgtEl>
+                                        <p:attrNameLst>
+                                          <p:attrName>ppt_h</p:attrName>
+                                        </p:attrNameLst>
+                                      </p:cBhvr>
+                                      <p:tavLst>
+                                        <p:tav tm="0">
+                                          <p:val>
+                                            <p:fltVal val="0"/>
+                                          </p:val>
+                                        </p:tav>
+                                        <p:tav tm="100000">
+                                          <p:val>
+                                            <p:strVal val="#ppt_h"/>
+                                          </p:val>
+                                        </p:tav>
+                                      </p:tavLst>
+                                    </p:anim>
+                                    <p:animEffect transition="in" filter="fade">
+                                      <p:cBhvr>
+                                        <p:cTn id="34" dur="500"/>
+                                        <p:tgtEl>
+                                          <p:spTgt spid="3">
+                                            <p:txEl>
+                                              <p:pRg st="1" end="1"/>
+                                            </p:txEl>
+                                          </p:spTgt>
+                                        </p:tgtEl>
+                                      </p:cBhvr>
+                                    </p:animEffect>
+                                  </p:childTnLst>
+                                </p:cTn>
+                              </p:par>
+                            </p:childTnLst>
+                          </p:cTn>
+                        </p:par>
+                      </p:childTnLst>
+                    </p:cTn>
+                  </p:par>
+                  <p:par>
+                    <p:cTn id="35" fill="hold">
+                      <p:stCondLst>
+                        <p:cond delay="indefinite"/>
+                      </p:stCondLst>
+                      <p:childTnLst>
+                        <p:par>
+                          <p:cTn id="36" fill="hold">
+                            <p:stCondLst>
+                              <p:cond delay="0"/>
+                            </p:stCondLst>
+                            <p:childTnLst>
+                              <p:par>
+                                <p:cTn id="37" presetID="53" presetClass="entr" presetSubtype="16" fill="hold" grpId="0" nodeType="clickEffect">
+                                  <p:stCondLst>
+                                    <p:cond delay="0"/>
+                                  </p:stCondLst>
+                                  <p:childTnLst>
+                                    <p:set>
+                                      <p:cBhvr>
+                                        <p:cTn id="38" dur="1" fill="hold">
+                                          <p:stCondLst>
+                                            <p:cond delay="0"/>
+                                          </p:stCondLst>
+                                        </p:cTn>
+                                        <p:tgtEl>
+                                          <p:spTgt spid="3">
+                                            <p:txEl>
+                                              <p:pRg st="2" end="2"/>
+                                            </p:txEl>
+                                          </p:spTgt>
+                                        </p:tgtEl>
+                                        <p:attrNameLst>
+                                          <p:attrName>style.visibility</p:attrName>
+                                        </p:attrNameLst>
+                                      </p:cBhvr>
+                                      <p:to>
+                                        <p:strVal val="visible"/>
+                                      </p:to>
+                                    </p:set>
+                                    <p:anim calcmode="lin" valueType="num">
+                                      <p:cBhvr>
+                                        <p:cTn id="39" dur="500" fill="hold"/>
+                                        <p:tgtEl>
+                                          <p:spTgt spid="3">
+                                            <p:txEl>
+                                              <p:pRg st="2" end="2"/>
+                                            </p:txEl>
+                                          </p:spTgt>
+                                        </p:tgtEl>
+                                        <p:attrNameLst>
+                                          <p:attrName>ppt_w</p:attrName>
+                                        </p:attrNameLst>
+                                      </p:cBhvr>
+                                      <p:tavLst>
+                                        <p:tav tm="0">
+                                          <p:val>
+                                            <p:fltVal val="0"/>
+                                          </p:val>
+                                        </p:tav>
+                                        <p:tav tm="100000">
+                                          <p:val>
+                                            <p:strVal val="#ppt_w"/>
+                                          </p:val>
+                                        </p:tav>
+                                      </p:tavLst>
+                                    </p:anim>
+                                    <p:anim calcmode="lin" valueType="num">
+                                      <p:cBhvr>
+                                        <p:cTn id="40" dur="500" fill="hold"/>
+                                        <p:tgtEl>
+                                          <p:spTgt spid="3">
+                                            <p:txEl>
+                                              <p:pRg st="2" end="2"/>
+                                            </p:txEl>
+                                          </p:spTgt>
+                                        </p:tgtEl>
+                                        <p:attrNameLst>
+                                          <p:attrName>ppt_h</p:attrName>
+                                        </p:attrNameLst>
+                                      </p:cBhvr>
+                                      <p:tavLst>
+                                        <p:tav tm="0">
+                                          <p:val>
+                                            <p:fltVal val="0"/>
+                                          </p:val>
+                                        </p:tav>
+                                        <p:tav tm="100000">
+                                          <p:val>
+                                            <p:strVal val="#ppt_h"/>
+                                          </p:val>
+                                        </p:tav>
+                                      </p:tavLst>
+                                    </p:anim>
+                                    <p:animEffect transition="in" filter="fade">
+                                      <p:cBhvr>
+                                        <p:cTn id="41" dur="500"/>
+                                        <p:tgtEl>
+                                          <p:spTgt spid="3">
+                                            <p:txEl>
+                                              <p:pRg st="2" end="2"/>
+                                            </p:txEl>
+                                          </p:spTgt>
+                                        </p:tgtEl>
+                                      </p:cBhvr>
+                                    </p:animEffect>
+                                  </p:childTnLst>
+                                </p:cTn>
+                              </p:par>
+                            </p:childTnLst>
+                          </p:cTn>
+                        </p:par>
+                      </p:childTnLst>
+                    </p:cTn>
+                  </p:par>
+                  <p:par>
+                    <p:cTn id="42" fill="hold">
+                      <p:stCondLst>
+                        <p:cond delay="indefinite"/>
+                      </p:stCondLst>
+                      <p:childTnLst>
+                        <p:par>
+                          <p:cTn id="43" fill="hold">
+                            <p:stCondLst>
+                              <p:cond delay="0"/>
+                            </p:stCondLst>
+                            <p:childTnLst>
+                              <p:par>
+                                <p:cTn id="44" presetID="2" presetClass="entr" presetSubtype="12" fill="hold" nodeType="clickEffect">
+                                  <p:stCondLst>
+                                    <p:cond delay="0"/>
+                                  </p:stCondLst>
+                                  <p:childTnLst>
+                                    <p:set>
+                                      <p:cBhvr>
+                                        <p:cTn id="45" dur="1" fill="hold">
+                                          <p:stCondLst>
+                                            <p:cond delay="0"/>
+                                          </p:stCondLst>
+                                        </p:cTn>
+                                        <p:tgtEl>
+                                          <p:spTgt spid="5"/>
+                                        </p:tgtEl>
+                                        <p:attrNameLst>
+                                          <p:attrName>style.visibility</p:attrName>
+                                        </p:attrNameLst>
+                                      </p:cBhvr>
+                                      <p:to>
+                                        <p:strVal val="visible"/>
+                                      </p:to>
+                                    </p:set>
+                                    <p:anim calcmode="lin" valueType="num">
+                                      <p:cBhvr additive="base">
+                                        <p:cTn id="46" dur="500" fill="hold"/>
+                                        <p:tgtEl>
+                                          <p:spTgt spid="5"/>
+                                        </p:tgtEl>
+                                        <p:attrNameLst>
+                                          <p:attrName>ppt_x</p:attrName>
+                                        </p:attrNameLst>
+                                      </p:cBhvr>
+                                      <p:tavLst>
+                                        <p:tav tm="0">
+                                          <p:val>
+                                            <p:strVal val="0-#ppt_w/2"/>
+                                          </p:val>
+                                        </p:tav>
+                                        <p:tav tm="100000">
+                                          <p:val>
+                                            <p:strVal val="#ppt_x"/>
+                                          </p:val>
+                                        </p:tav>
+                                      </p:tavLst>
+                                    </p:anim>
+                                    <p:anim calcmode="lin" valueType="num">
+                                      <p:cBhvr additive="base">
+                                        <p:cTn id="47" dur="500" fill="hold"/>
+                                        <p:tgtEl>
+                                          <p:spTgt spid="5"/>
+                                        </p:tgtEl>
+                                        <p:attrNameLst>
+                                          <p:attrName>ppt_y</p:attrName>
+                                        </p:attrNameLst>
+                                      </p:cBhvr>
+                                      <p:tavLst>
+                                        <p:tav tm="0">
+                                          <p:val>
+                                            <p:strVal val="1+#ppt_h/2"/>
+                                          </p:val>
+                                        </p:tav>
+                                        <p:tav tm="100000">
+                                          <p:val>
+                                            <p:strVal val="#ppt_y"/>
+                                          </p:val>
+                                        </p:tav>
+                                      </p:tavLst>
+                                    </p:anim>
+                                  </p:childTnLst>
+                                </p:cTn>
+                              </p:par>
+                            </p:childTnLst>
+                          </p:cTn>
+                        </p:par>
+                      </p:childTnLst>
+                    </p:cTn>
+                  </p:par>
+                  <p:par>
+                    <p:cTn id="48" fill="hold">
+                      <p:stCondLst>
+                        <p:cond delay="indefinite"/>
+                      </p:stCondLst>
+                      <p:childTnLst>
+                        <p:par>
+                          <p:cTn id="49" fill="hold">
+                            <p:stCondLst>
+                              <p:cond delay="0"/>
+                            </p:stCondLst>
+                            <p:childTnLst>
+                              <p:par>
+                                <p:cTn id="50" presetID="53" presetClass="entr" presetSubtype="16" fill="hold" grpId="0" nodeType="clickEffect">
+                                  <p:stCondLst>
+                                    <p:cond delay="0"/>
+                                  </p:stCondLst>
+                                  <p:childTnLst>
+                                    <p:set>
+                                      <p:cBhvr>
+                                        <p:cTn id="51" dur="1" fill="hold">
+                                          <p:stCondLst>
+                                            <p:cond delay="0"/>
+                                          </p:stCondLst>
+                                        </p:cTn>
+                                        <p:tgtEl>
+                                          <p:spTgt spid="3">
+                                            <p:txEl>
+                                              <p:pRg st="3" end="3"/>
+                                            </p:txEl>
+                                          </p:spTgt>
+                                        </p:tgtEl>
+                                        <p:attrNameLst>
+                                          <p:attrName>style.visibility</p:attrName>
+                                        </p:attrNameLst>
+                                      </p:cBhvr>
+                                      <p:to>
+                                        <p:strVal val="visible"/>
+                                      </p:to>
+                                    </p:set>
+                                    <p:anim calcmode="lin" valueType="num">
+                                      <p:cBhvr>
+                                        <p:cTn id="52" dur="500" fill="hold"/>
+                                        <p:tgtEl>
+                                          <p:spTgt spid="3">
+                                            <p:txEl>
+                                              <p:pRg st="3" end="3"/>
+                                            </p:txEl>
+                                          </p:spTgt>
+                                        </p:tgtEl>
+                                        <p:attrNameLst>
+                                          <p:attrName>ppt_w</p:attrName>
+                                        </p:attrNameLst>
+                                      </p:cBhvr>
+                                      <p:tavLst>
+                                        <p:tav tm="0">
+                                          <p:val>
+                                            <p:fltVal val="0"/>
+                                          </p:val>
+                                        </p:tav>
+                                        <p:tav tm="100000">
+                                          <p:val>
+                                            <p:strVal val="#ppt_w"/>
+                                          </p:val>
+                                        </p:tav>
+                                      </p:tavLst>
+                                    </p:anim>
+                                    <p:anim calcmode="lin" valueType="num">
+                                      <p:cBhvr>
+                                        <p:cTn id="53" dur="500" fill="hold"/>
+                                        <p:tgtEl>
+                                          <p:spTgt spid="3">
+                                            <p:txEl>
+                                              <p:pRg st="3" end="3"/>
+                                            </p:txEl>
+                                          </p:spTgt>
+                                        </p:tgtEl>
+                                        <p:attrNameLst>
+                                          <p:attrName>ppt_h</p:attrName>
+                                        </p:attrNameLst>
+                                      </p:cBhvr>
+                                      <p:tavLst>
+                                        <p:tav tm="0">
+                                          <p:val>
+                                            <p:fltVal val="0"/>
+                                          </p:val>
+                                        </p:tav>
+                                        <p:tav tm="100000">
+                                          <p:val>
+                                            <p:strVal val="#ppt_h"/>
+                                          </p:val>
+                                        </p:tav>
+                                      </p:tavLst>
+                                    </p:anim>
+                                    <p:animEffect transition="in" filter="fade">
+                                      <p:cBhvr>
+                                        <p:cTn id="54" dur="500"/>
+                                        <p:tgtEl>
+                                          <p:spTgt spid="3">
+                                            <p:txEl>
+                                              <p:pRg st="3" end="3"/>
+                                            </p:txEl>
+                                          </p:spTgt>
+                                        </p:tgtEl>
+                                      </p:cBhvr>
+                                    </p:animEffect>
+                                  </p:childTnLst>
+                                </p:cTn>
+                              </p:par>
+                            </p:childTnLst>
+                          </p:cTn>
+                        </p:par>
+                      </p:childTnLst>
+                    </p:cTn>
+                  </p:par>
+                  <p:par>
+                    <p:cTn id="55" fill="hold">
+                      <p:stCondLst>
+                        <p:cond delay="indefinite"/>
+                      </p:stCondLst>
+                      <p:childTnLst>
+                        <p:par>
+                          <p:cTn id="56" fill="hold">
+                            <p:stCondLst>
+                              <p:cond delay="0"/>
+                            </p:stCondLst>
+                            <p:childTnLst>
+                              <p:par>
+                                <p:cTn id="57" presetID="2" presetClass="exit" presetSubtype="3" fill="hold" nodeType="clickEffect">
+                                  <p:stCondLst>
+                                    <p:cond delay="0"/>
+                                  </p:stCondLst>
+                                  <p:childTnLst>
+                                    <p:anim calcmode="lin" valueType="num">
+                                      <p:cBhvr additive="base">
+                                        <p:cTn id="58" dur="500"/>
+                                        <p:tgtEl>
+                                          <p:spTgt spid="5"/>
+                                        </p:tgtEl>
+                                        <p:attrNameLst>
+                                          <p:attrName>ppt_x</p:attrName>
+                                        </p:attrNameLst>
+                                      </p:cBhvr>
+                                      <p:tavLst>
+                                        <p:tav tm="0">
+                                          <p:val>
+                                            <p:strVal val="ppt_x"/>
+                                          </p:val>
+                                        </p:tav>
+                                        <p:tav tm="100000">
+                                          <p:val>
+                                            <p:strVal val="1+ppt_w/2"/>
+                                          </p:val>
+                                        </p:tav>
+                                      </p:tavLst>
+                                    </p:anim>
+                                    <p:anim calcmode="lin" valueType="num">
+                                      <p:cBhvr additive="base">
+                                        <p:cTn id="59" dur="500"/>
+                                        <p:tgtEl>
+                                          <p:spTgt spid="5"/>
+                                        </p:tgtEl>
+                                        <p:attrNameLst>
+                                          <p:attrName>ppt_y</p:attrName>
+                                        </p:attrNameLst>
+                                      </p:cBhvr>
+                                      <p:tavLst>
+                                        <p:tav tm="0">
+                                          <p:val>
+                                            <p:strVal val="ppt_y"/>
+                                          </p:val>
+                                        </p:tav>
+                                        <p:tav tm="100000">
+                                          <p:val>
+                                            <p:strVal val="0-ppt_h/2"/>
+                                          </p:val>
+                                        </p:tav>
+                                      </p:tavLst>
+                                    </p:anim>
+                                    <p:set>
+                                      <p:cBhvr>
+                                        <p:cTn id="60" dur="1" fill="hold">
+                                          <p:stCondLst>
+                                            <p:cond delay="499"/>
+                                          </p:stCondLst>
+                                        </p:cTn>
+                                        <p:tgtEl>
+                                          <p:spTgt spid="5"/>
+                                        </p:tgtEl>
+                                        <p:attrNameLst>
+                                          <p:attrName>style.visibility</p:attrName>
+                                        </p:attrNameLst>
+                                      </p:cBhvr>
+                                      <p:to>
+                                        <p:strVal val="hidden"/>
+                                      </p:to>
+                                    </p:set>
+                                  </p:childTnLst>
+                                </p:cTn>
+                              </p:par>
+                            </p:childTnLst>
+                          </p:cTn>
+                        </p:par>
+                      </p:childTnLst>
+                    </p:cTn>
+                  </p:par>
+                  <p:par>
+                    <p:cTn id="61" fill="hold">
+                      <p:stCondLst>
+                        <p:cond delay="indefinite"/>
+                      </p:stCondLst>
+                      <p:childTnLst>
+                        <p:par>
+                          <p:cTn id="62" fill="hold">
+                            <p:stCondLst>
+                              <p:cond delay="0"/>
+                            </p:stCondLst>
+                            <p:childTnLst>
+                              <p:par>
+                                <p:cTn id="63" presetID="26" presetClass="exit" presetSubtype="0" fill="hold" nodeType="clickEffect">
+                                  <p:stCondLst>
+                                    <p:cond delay="0"/>
+                                  </p:stCondLst>
+                                  <p:childTnLst>
+                                    <p:animEffect transition="out" filter="wipe(down)">
+                                      <p:cBhvr>
+                                        <p:cTn id="64" dur="180" accel="50000">
+                                          <p:stCondLst>
+                                            <p:cond delay="1820"/>
+                                          </p:stCondLst>
+                                        </p:cTn>
+                                        <p:tgtEl>
+                                          <p:spTgt spid="4"/>
+                                        </p:tgtEl>
+                                      </p:cBhvr>
+                                    </p:animEffect>
+                                    <p:anim calcmode="lin" valueType="num">
+                                      <p:cBhvr>
+                                        <p:cTn id="65" dur="1822" tmFilter="0,0; 0.14,0.31; 0.43,0.73; 0.71,0.91; 1.0,1.0">
+                                          <p:stCondLst>
+                                            <p:cond delay="0"/>
+                                          </p:stCondLst>
+                                        </p:cTn>
+                                        <p:tgtEl>
+                                          <p:spTgt spid="4"/>
+                                        </p:tgtEl>
+                                        <p:attrNameLst>
+                                          <p:attrName>ppt_x</p:attrName>
+                                        </p:attrNameLst>
+                                      </p:cBhvr>
+                                      <p:tavLst>
+                                        <p:tav tm="0">
+                                          <p:val>
+                                            <p:strVal val="ppt_x"/>
+                                          </p:val>
+                                        </p:tav>
+                                        <p:tav tm="100000">
+                                          <p:val>
+                                            <p:strVal val="#ppt_x+0.25"/>
+                                          </p:val>
+                                        </p:tav>
+                                      </p:tavLst>
+                                    </p:anim>
+                                    <p:anim calcmode="lin" valueType="num">
+                                      <p:cBhvr>
+                                        <p:cTn id="66" dur="178">
+                                          <p:stCondLst>
+                                            <p:cond delay="1822"/>
+                                          </p:stCondLst>
+                                        </p:cTn>
+                                        <p:tgtEl>
+                                          <p:spTgt spid="4"/>
+                                        </p:tgtEl>
+                                        <p:attrNameLst>
+                                          <p:attrName>ppt_x</p:attrName>
+                                        </p:attrNameLst>
+                                      </p:cBhvr>
+                                      <p:tavLst>
+                                        <p:tav tm="0">
+                                          <p:val>
+                                            <p:strVal val="ppt_x"/>
+                                          </p:val>
+                                        </p:tav>
+                                        <p:tav tm="100000">
+                                          <p:val>
+                                            <p:strVal val="ppt_x"/>
+                                          </p:val>
+                                        </p:tav>
+                                      </p:tavLst>
+                                    </p:anim>
+                                    <p:anim calcmode="lin" valueType="num">
+                                      <p:cBhvr>
+                                        <p:cTn id="67" dur="664" tmFilter="0.0,0.0;0.25,0.07;0.50,0.2;0.75,0.467;1.0,1.0">
+                                          <p:stCondLst>
+                                            <p:cond delay="0"/>
+                                          </p:stCondLst>
+                                        </p:cTn>
+                                        <p:tgtEl>
+                                          <p:spTgt spid="4"/>
+                                        </p:tgtEl>
+                                        <p:attrNameLst>
+                                          <p:attrName>ppt_y</p:attrName>
+                                        </p:attrNameLst>
+                                      </p:cBhvr>
+                                      <p:tavLst>
+                                        <p:tav tm="0">
+                                          <p:val>
+                                            <p:strVal val="ppt_y"/>
+                                          </p:val>
+                                        </p:tav>
+                                        <p:tav tm="5000">
+                                          <p:val>
+                                            <p:strVal val="ppt_y+0.026"/>
+                                          </p:val>
+                                        </p:tav>
+                                        <p:tav tm="10000">
+                                          <p:val>
+                                            <p:strVal val="ppt_y+0.052"/>
+                                          </p:val>
+                                        </p:tav>
+                                        <p:tav tm="15000">
+                                          <p:val>
+                                            <p:strVal val="ppt_y+0.078"/>
+                                          </p:val>
+                                        </p:tav>
+                                        <p:tav tm="20000">
+                                          <p:val>
+                                            <p:strVal val="ppt_y+0.103"/>
+                                          </p:val>
+                                        </p:tav>
+                                        <p:tav tm="30000">
+                                          <p:val>
+                                            <p:strVal val="ppt_y+0.151"/>
+                                          </p:val>
+                                        </p:tav>
+                                        <p:tav tm="40000">
+                                          <p:val>
+                                            <p:strVal val="ppt_y+0.196"/>
+                                          </p:val>
+                                        </p:tav>
+                                        <p:tav tm="50000">
+                                          <p:val>
+                                            <p:strVal val="ppt_y+0.236"/>
+                                          </p:val>
+                                        </p:tav>
+                                        <p:tav tm="60000">
+                                          <p:val>
+                                            <p:strVal val="ppt_y+0.270"/>
+                                          </p:val>
+                                        </p:tav>
+                                        <p:tav tm="70000">
+                                          <p:val>
+                                            <p:strVal val="ppt_y+0.297"/>
+                                          </p:val>
+                                        </p:tav>
+                                        <p:tav tm="80000">
+                                          <p:val>
+                                            <p:strVal val="ppt_y+0.317"/>
+                                          </p:val>
+                                        </p:tav>
+                                        <p:tav tm="90000">
+                                          <p:val>
+                                            <p:strVal val="ppt_y+0.329"/>
+                                          </p:val>
+                                        </p:tav>
+                                        <p:tav tm="100000">
+                                          <p:val>
+                                            <p:strVal val="ppt_y+0.333"/>
+                                          </p:val>
+                                        </p:tav>
+                                      </p:tavLst>
+                                    </p:anim>
+                                    <p:anim calcmode="lin" valueType="num">
+                                      <p:cBhvr>
+                                        <p:cTn id="68" dur="664" tmFilter="0, 0; 0.125,0.2665; 0.25,0.4; 0.375,0.465; 0.5,0.5;  0.625,0.535; 0.75,0.6; 0.875,0.7335; 1,1">
+                                          <p:stCondLst>
+                                            <p:cond delay="664"/>
+                                          </p:stCondLst>
+                                        </p:cTn>
+                                        <p:tgtEl>
+                                          <p:spTgt spid="4"/>
+                                        </p:tgtEl>
+                                        <p:attrNameLst>
+                                          <p:attrName>ppt_y</p:attrName>
+                                        </p:attrNameLst>
+                                      </p:cBhvr>
+                                      <p:tavLst>
+                                        <p:tav tm="0">
+                                          <p:val>
+                                            <p:strVal val="ppt_y"/>
+                                          </p:val>
+                                        </p:tav>
+                                        <p:tav tm="10000">
+                                          <p:val>
+                                            <p:strVal val="ppt_y-0.034"/>
+                                          </p:val>
+                                        </p:tav>
+                                        <p:tav tm="20000">
+                                          <p:val>
+                                            <p:strVal val="ppt_y-0.065"/>
+                                          </p:val>
+                                        </p:tav>
+                                        <p:tav tm="30000">
+                                          <p:val>
+                                            <p:strVal val="ppt_y-0.090"/>
+                                          </p:val>
+                                        </p:tav>
+                                        <p:tav tm="40000">
+                                          <p:val>
+                                            <p:strVal val="ppt_y-0.106"/>
+                                          </p:val>
+                                        </p:tav>
+                                        <p:tav tm="50000">
+                                          <p:val>
+                                            <p:strVal val="ppt_y-0.111"/>
+                                          </p:val>
+                                        </p:tav>
+                                        <p:tav tm="60000">
+                                          <p:val>
+                                            <p:strVal val="ppt_y-0.106"/>
+                                          </p:val>
+                                        </p:tav>
+                                        <p:tav tm="70000">
+                                          <p:val>
+                                            <p:strVal val="ppt_y-0.090"/>
+                                          </p:val>
+                                        </p:tav>
+                                        <p:tav tm="80000">
+                                          <p:val>
+                                            <p:strVal val="ppt_y-0.065"/>
+                                          </p:val>
+                                        </p:tav>
+                                        <p:tav tm="90000">
+                                          <p:val>
+                                            <p:strVal val="ppt_y-0.034"/>
+                                          </p:val>
+                                        </p:tav>
+                                        <p:tav tm="100000">
+                                          <p:val>
+                                            <p:strVal val="ppt_y"/>
+                                          </p:val>
+                                        </p:tav>
+                                      </p:tavLst>
+                                    </p:anim>
+                                    <p:anim calcmode="lin" valueType="num">
+                                      <p:cBhvr>
+                                        <p:cTn id="69" dur="332" tmFilter="0, 0; 0.125,0.2665; 0.25,0.4; 0.375,0.465; 0.5,0.5;  0.625,0.535; 0.75,0.6; 0.875,0.7335; 1,1">
+                                          <p:stCondLst>
+                                            <p:cond delay="1324"/>
+                                          </p:stCondLst>
+                                        </p:cTn>
+                                        <p:tgtEl>
+                                          <p:spTgt spid="4"/>
+                                        </p:tgtEl>
+                                        <p:attrNameLst>
+                                          <p:attrName>ppt_y</p:attrName>
+                                        </p:attrNameLst>
+                                      </p:cBhvr>
+                                      <p:tavLst>
+                                        <p:tav tm="0">
+                                          <p:val>
+                                            <p:strVal val="ppt_y"/>
+                                          </p:val>
+                                        </p:tav>
+                                        <p:tav tm="10000">
+                                          <p:val>
+                                            <p:strVal val="ppt_y-0.011"/>
+                                          </p:val>
+                                        </p:tav>
+                                        <p:tav tm="20000">
+                                          <p:val>
+                                            <p:strVal val="ppt_y-0.022"/>
+                                          </p:val>
+                                        </p:tav>
+                                        <p:tav tm="30000">
+                                          <p:val>
+                                            <p:strVal val="ppt_y-0.030"/>
+                                          </p:val>
+                                        </p:tav>
+                                        <p:tav tm="40000">
+                                          <p:val>
+                                            <p:strVal val="ppt_y-0.035"/>
+                                          </p:val>
+                                        </p:tav>
+                                        <p:tav tm="50000">
+                                          <p:val>
+                                            <p:strVal val="ppt_y-0.037"/>
+                                          </p:val>
+                                        </p:tav>
+                                        <p:tav tm="60000">
+                                          <p:val>
+                                            <p:strVal val="ppt_y-0.035"/>
+                                          </p:val>
+                                        </p:tav>
+                                        <p:tav tm="70000">
+                                          <p:val>
+                                            <p:strVal val="ppt_y-0.030"/>
+                                          </p:val>
+                                        </p:tav>
+                                        <p:tav tm="80000">
+                                          <p:val>
+                                            <p:strVal val="ppt_y-0.022"/>
+                                          </p:val>
+                                        </p:tav>
+                                        <p:tav tm="90000">
+                                          <p:val>
+                                            <p:strVal val="ppt_y-0.011"/>
+                                          </p:val>
+                                        </p:tav>
+                                        <p:tav tm="100000">
+                                          <p:val>
+                                            <p:strVal val="ppt_y"/>
+                                          </p:val>
+                                        </p:tav>
+                                      </p:tavLst>
+                                    </p:anim>
+                                    <p:anim calcmode="lin" valueType="num">
+                                      <p:cBhvr>
+                                        <p:cTn id="70" dur="164" tmFilter="0, 0; 0.125,0.2665; 0.25,0.4; 0.375,0.465; 0.5,0.5;  0.625,0.535; 0.75,0.6; 0.875,0.7335; 1,1">
+                                          <p:stCondLst>
+                                            <p:cond delay="1656"/>
+                                          </p:stCondLst>
+                                        </p:cTn>
+                                        <p:tgtEl>
+                                          <p:spTgt spid="4"/>
+                                        </p:tgtEl>
+                                        <p:attrNameLst>
+                                          <p:attrName>ppt_y</p:attrName>
+                                        </p:attrNameLst>
+                                      </p:cBhvr>
+                                      <p:tavLst>
+                                        <p:tav tm="0">
+                                          <p:val>
+                                            <p:strVal val="ppt_y"/>
+                                          </p:val>
+                                        </p:tav>
+                                        <p:tav tm="10000">
+                                          <p:val>
+                                            <p:strVal val="ppt_y-0.004"/>
+                                          </p:val>
+                                        </p:tav>
+                                        <p:tav tm="20000">
+                                          <p:val>
+                                            <p:strVal val="ppt_y-0.007"/>
+                                          </p:val>
+                                        </p:tav>
+                                        <p:tav tm="30000">
+                                          <p:val>
+                                            <p:strVal val="ppt_y-0.010"/>
+                                          </p:val>
+                                        </p:tav>
+                                        <p:tav tm="40000">
+                                          <p:val>
+                                            <p:strVal val="ppt_y-0.012"/>
+                                          </p:val>
+                                        </p:tav>
+                                        <p:tav tm="50000">
+                                          <p:val>
+                                            <p:strVal val="ppt_y-0.0123"/>
+                                          </p:val>
+                                        </p:tav>
+                                        <p:tav tm="60000">
+                                          <p:val>
+                                            <p:strVal val="ppt_y-0.012"/>
+                                          </p:val>
+                                        </p:tav>
+                                        <p:tav tm="70000">
+                                          <p:val>
+                                            <p:strVal val="ppt_y-0.010"/>
+                                          </p:val>
+                                        </p:tav>
+                                        <p:tav tm="80000">
+                                          <p:val>
+                                            <p:strVal val="ppt_y-0.007"/>
+                                          </p:val>
+                                        </p:tav>
+                                        <p:tav tm="90000">
+                                          <p:val>
+                                            <p:strVal val="ppt_y-0.004"/>
+                                          </p:val>
+                                        </p:tav>
+                                        <p:tav tm="100000">
+                                          <p:val>
+                                            <p:strVal val="ppt_y"/>
+                                          </p:val>
+                                        </p:tav>
+                                      </p:tavLst>
+                                    </p:anim>
+                                    <p:anim calcmode="lin" valueType="num">
+                                      <p:cBhvr>
+                                        <p:cTn id="71" dur="180" accel="50000">
+                                          <p:stCondLst>
+                                            <p:cond delay="1820"/>
+                                          </p:stCondLst>
+                                        </p:cTn>
+                                        <p:tgtEl>
+                                          <p:spTgt spid="4"/>
+                                        </p:tgtEl>
+                                        <p:attrNameLst>
+                                          <p:attrName>ppt_y</p:attrName>
+                                        </p:attrNameLst>
+                                      </p:cBhvr>
+                                      <p:tavLst>
+                                        <p:tav tm="0">
+                                          <p:val>
+                                            <p:strVal val="ppt_y"/>
+                                          </p:val>
+                                        </p:tav>
+                                        <p:tav tm="100000">
+                                          <p:val>
+                                            <p:strVal val="ppt_y+ppt_h"/>
+                                          </p:val>
+                                        </p:tav>
+                                      </p:tavLst>
+                                    </p:anim>
+                                    <p:animScale>
+                                      <p:cBhvr>
+                                        <p:cTn id="72" dur="26">
+                                          <p:stCondLst>
+                                            <p:cond delay="620"/>
+                                          </p:stCondLst>
+                                        </p:cTn>
+                                        <p:tgtEl>
+                                          <p:spTgt spid="4"/>
+                                        </p:tgtEl>
+                                      </p:cBhvr>
+                                      <p:to x="100000" y="60000"/>
+                                    </p:animScale>
+                                    <p:animScale>
+                                      <p:cBhvr>
+                                        <p:cTn id="73" dur="166" decel="50000">
+                                          <p:stCondLst>
+                                            <p:cond delay="646"/>
+                                          </p:stCondLst>
+                                        </p:cTn>
+                                        <p:tgtEl>
+                                          <p:spTgt spid="4"/>
+                                        </p:tgtEl>
+                                      </p:cBhvr>
+                                      <p:to x="100000" y="100000"/>
+                                    </p:animScale>
+                                    <p:animScale>
+                                      <p:cBhvr>
+                                        <p:cTn id="74" dur="26">
+                                          <p:stCondLst>
+                                            <p:cond delay="1312"/>
+                                          </p:stCondLst>
+                                        </p:cTn>
+                                        <p:tgtEl>
+                                          <p:spTgt spid="4"/>
+                                        </p:tgtEl>
+                                      </p:cBhvr>
+                                      <p:to x="100000" y="80000"/>
+                                    </p:animScale>
+                                    <p:animScale>
+                                      <p:cBhvr>
+                                        <p:cTn id="75" dur="166" decel="50000">
+                                          <p:stCondLst>
+                                            <p:cond delay="1338"/>
+                                          </p:stCondLst>
+                                        </p:cTn>
+                                        <p:tgtEl>
+                                          <p:spTgt spid="4"/>
+                                        </p:tgtEl>
+                                      </p:cBhvr>
+                                      <p:to x="100000" y="100000"/>
+                                    </p:animScale>
+                                    <p:animScale>
+                                      <p:cBhvr>
+                                        <p:cTn id="76" dur="26">
+                                          <p:stCondLst>
+                                            <p:cond delay="1642"/>
+                                          </p:stCondLst>
+                                        </p:cTn>
+                                        <p:tgtEl>
+                                          <p:spTgt spid="4"/>
+                                        </p:tgtEl>
+                                      </p:cBhvr>
+                                      <p:to x="100000" y="90000"/>
+                                    </p:animScale>
+                                    <p:animScale>
+                                      <p:cBhvr>
+                                        <p:cTn id="77" dur="166" decel="50000">
+                                          <p:stCondLst>
+                                            <p:cond delay="1668"/>
+                                          </p:stCondLst>
+                                        </p:cTn>
+                                        <p:tgtEl>
+                                          <p:spTgt spid="4"/>
+                                        </p:tgtEl>
+                                      </p:cBhvr>
+                                      <p:to x="100000" y="100000"/>
+                                    </p:animScale>
+                                    <p:animScale>
+                                      <p:cBhvr>
+                                        <p:cTn id="78" dur="26">
+                                          <p:stCondLst>
+                                            <p:cond delay="1808"/>
+                                          </p:stCondLst>
+                                        </p:cTn>
+                                        <p:tgtEl>
+                                          <p:spTgt spid="4"/>
+                                        </p:tgtEl>
+                                      </p:cBhvr>
+                                      <p:to x="100000" y="95000"/>
+                                    </p:animScale>
+                                    <p:animScale>
+                                      <p:cBhvr>
+                                        <p:cTn id="79" dur="166" decel="50000">
+                                          <p:stCondLst>
+                                            <p:cond delay="1834"/>
+                                          </p:stCondLst>
+                                        </p:cTn>
+                                        <p:tgtEl>
+                                          <p:spTgt spid="4"/>
+                                        </p:tgtEl>
+                                      </p:cBhvr>
+                                      <p:to x="100000" y="100000"/>
+                                    </p:animScale>
+                                    <p:set>
+                                      <p:cBhvr>
+                                        <p:cTn id="80" dur="1" fill="hold">
+                                          <p:stCondLst>
+                                            <p:cond delay="1999"/>
+                                          </p:stCondLst>
+                                        </p:cTn>
+                                        <p:tgtEl>
+                                          <p:spTgt spid="4"/>
+                                        </p:tgtEl>
+                                        <p:attrNameLst>
+                                          <p:attrName>style.visibility</p:attrName>
+                                        </p:attrNameLst>
+                                      </p:cBhvr>
+                                      <p:to>
+                                        <p:strVal val="hidden"/>
+                                      </p:to>
+                                    </p:set>
+                                  </p:childTnLst>
+                                </p:cTn>
+                              </p:par>
+                            </p:childTnLst>
+                          </p:cTn>
+                        </p:par>
+                      </p:childTnLst>
+                    </p:cTn>
+                  </p:par>
+                </p:childTnLst>
+              </p:cTn>
+              <p:prevCondLst>
+                <p:cond evt="onPrev" delay="0">
+                  <p:tgtEl>
+                    <p:sldTgt/>
+                  </p:tgtEl>
+                </p:cond>
+              </p:prevCondLst>
+              <p:nextCondLst>
+                <p:cond evt="onNext" delay="0">
+                  <p:tgtEl>
+                    <p:sldTgt/>
+                  </p:tgtEl>
+                </p:cond>
+              </p:nextCondLst>
+            </p:seq>
+          </p:childTnLst>
+        </p:cTn>
       </p:par>
     </p:tnLst>
+    <p:bldLst>
+      <p:bldP spid="3" grpId="0" uiExpand="1" build="p"/>
+    </p:bldLst>
   </p:timing>
 </p:sld>
 </file>
@@ -9367,6 +11788,89 @@
     <p:extLst>
       <p:ext uri="{BB962C8B-B14F-4D97-AF65-F5344CB8AC3E}">
         <p14:creationId xmlns:p14="http://schemas.microsoft.com/office/powerpoint/2010/main" val="608259420"/>
+      </p:ext>
+    </p:extLst>
+  </p:cSld>
+  <p:clrMapOvr>
+    <a:masterClrMapping/>
+  </p:clrMapOvr>
+  <p:timing>
+    <p:tnLst>
+      <p:par>
+        <p:cTn id="1" dur="indefinite" restart="never" nodeType="tmRoot"/>
+      </p:par>
+    </p:tnLst>
+  </p:timing>
+</p:sld>
+</file>
+
+<file path=ppt/slides/slide6.xml><?xml version="1.0" encoding="utf-8"?>
+<p:sld xmlns:a="http://schemas.openxmlformats.org/drawingml/2006/main" xmlns:r="http://schemas.openxmlformats.org/officeDocument/2006/relationships" xmlns:p="http://schemas.openxmlformats.org/presentationml/2006/main">
+  <p:cSld>
+    <p:spTree>
+      <p:nvGrpSpPr>
+        <p:cNvPr id="1" name=""/>
+        <p:cNvGrpSpPr/>
+        <p:nvPr/>
+      </p:nvGrpSpPr>
+      <p:grpSpPr>
+        <a:xfrm>
+          <a:off x="0" y="0"/>
+          <a:ext cx="0" cy="0"/>
+          <a:chOff x="0" y="0"/>
+          <a:chExt cx="0" cy="0"/>
+        </a:xfrm>
+      </p:grpSpPr>
+      <p:sp>
+        <p:nvSpPr>
+          <p:cNvPr id="2" name="Title 1"/>
+          <p:cNvSpPr>
+            <a:spLocks noGrp="1"/>
+          </p:cNvSpPr>
+          <p:nvPr>
+            <p:ph type="title"/>
+          </p:nvPr>
+        </p:nvSpPr>
+        <p:spPr/>
+        <p:txBody>
+          <a:bodyPr/>
+          <a:lstStyle/>
+          <a:p>
+            <a:r>
+              <a:rPr lang="en-US" dirty="0" smtClean="0"/>
+              <a:t>Future Projects</a:t>
+            </a:r>
+            <a:endParaRPr lang="en-US" dirty="0"/>
+          </a:p>
+        </p:txBody>
+      </p:sp>
+      <p:sp>
+        <p:nvSpPr>
+          <p:cNvPr id="3" name="Content Placeholder 2"/>
+          <p:cNvSpPr>
+            <a:spLocks noGrp="1"/>
+          </p:cNvSpPr>
+          <p:nvPr>
+            <p:ph idx="1"/>
+          </p:nvPr>
+        </p:nvSpPr>
+        <p:spPr/>
+        <p:txBody>
+          <a:bodyPr/>
+          <a:lstStyle/>
+          <a:p>
+            <a:r>
+              <a:rPr lang="en-US" dirty="0" smtClean="0"/>
+              <a:t>Building a mobile app for customers to set up their vacations through packages.</a:t>
+            </a:r>
+            <a:endParaRPr lang="en-US" dirty="0"/>
+          </a:p>
+        </p:txBody>
+      </p:sp>
+    </p:spTree>
+    <p:extLst>
+      <p:ext uri="{BB962C8B-B14F-4D97-AF65-F5344CB8AC3E}">
+        <p14:creationId xmlns:p14="http://schemas.microsoft.com/office/powerpoint/2010/main" val="179161135"/>
       </p:ext>
     </p:extLst>
   </p:cSld>

--- a/OOSD_Project2_Team5_Presentation.pptx
+++ b/OOSD_Project2_Team5_Presentation.pptx
@@ -11,6 +11,7 @@
     <p:sldId id="259" r:id="rId5"/>
     <p:sldId id="260" r:id="rId6"/>
     <p:sldId id="261" r:id="rId7"/>
+    <p:sldId id="262" r:id="rId8"/>
   </p:sldIdLst>
   <p:sldSz cx="12192000" cy="6858000"/>
   <p:notesSz cx="6858000" cy="9144000"/>
@@ -7612,11 +7613,7 @@
             </a:r>
             <a:r>
               <a:rPr lang="en-US" dirty="0" smtClean="0"/>
-              <a:t>. (</a:t>
-            </a:r>
-            <a:r>
-              <a:rPr lang="en-US" smtClean="0"/>
-              <a:t>Status Report)</a:t>
+              <a:t>. (Status Report)</a:t>
             </a:r>
             <a:endParaRPr lang="en-US" dirty="0"/>
           </a:p>
@@ -7652,6 +7649,36 @@
           </a:prstGeom>
         </p:spPr>
       </p:pic>
+      <p:pic>
+        <p:nvPicPr>
+          <p:cNvPr id="5" name="Picture 4"/>
+          <p:cNvPicPr>
+            <a:picLocks noChangeAspect="1"/>
+          </p:cNvPicPr>
+          <p:nvPr/>
+        </p:nvPicPr>
+        <p:blipFill>
+          <a:blip r:embed="rId3">
+            <a:extLst>
+              <a:ext uri="{28A0092B-C50C-407E-A947-70E740481C1C}">
+                <a14:useLocalDpi xmlns:a14="http://schemas.microsoft.com/office/drawing/2010/main" val="0"/>
+              </a:ext>
+            </a:extLst>
+          </a:blip>
+          <a:stretch>
+            <a:fillRect/>
+          </a:stretch>
+        </p:blipFill>
+        <p:spPr>
+          <a:xfrm>
+            <a:off x="7208329" y="1709548"/>
+            <a:ext cx="2237423" cy="1936441"/>
+          </a:xfrm>
+          <a:prstGeom prst="rect">
+            <a:avLst/>
+          </a:prstGeom>
+        </p:spPr>
+      </p:pic>
     </p:spTree>
     <p:extLst>
       <p:ext uri="{BB962C8B-B14F-4D97-AF65-F5344CB8AC3E}">
@@ -7662,6 +7689,18 @@
   <p:clrMapOvr>
     <a:masterClrMapping/>
   </p:clrMapOvr>
+  <mc:AlternateContent xmlns:mc="http://schemas.openxmlformats.org/markup-compatibility/2006">
+    <mc:Choice xmlns:p14="http://schemas.microsoft.com/office/powerpoint/2010/main" Requires="p14">
+      <p:transition spd="slow" p14:dur="4400">
+        <p14:honeycomb/>
+      </p:transition>
+    </mc:Choice>
+    <mc:Fallback>
+      <p:transition spd="slow">
+        <p:fade/>
+      </p:transition>
+    </mc:Fallback>
+  </mc:AlternateContent>
   <p:timing>
     <p:tnLst>
       <p:par>
@@ -7805,7 +7844,7 @@
                             </p:stCondLst>
                             <p:childTnLst>
                               <p:par>
-                                <p:cTn id="13" presetID="14" presetClass="entr" presetSubtype="10" fill="hold" grpId="0" nodeType="clickEffect">
+                                <p:cTn id="13" presetID="2" presetClass="entr" presetSubtype="12" fill="hold" nodeType="clickEffect">
                                   <p:stCondLst>
                                     <p:cond delay="0"/>
                                   </p:stCondLst>
@@ -7818,6 +7857,97 @@
                                           </p:stCondLst>
                                         </p:cTn>
                                         <p:tgtEl>
+                                          <p:spTgt spid="5"/>
+                                        </p:tgtEl>
+                                        <p:attrNameLst>
+                                          <p:attrName>style.visibility</p:attrName>
+                                        </p:attrNameLst>
+                                      </p:cBhvr>
+                                      <p:to>
+                                        <p:strVal val="visible"/>
+                                      </p:to>
+                                    </p:set>
+                                    <p:anim calcmode="lin" valueType="num">
+                                      <p:cBhvr additive="base">
+                                        <p:cTn id="15" dur="500" fill="hold"/>
+                                        <p:tgtEl>
+                                          <p:spTgt spid="5"/>
+                                        </p:tgtEl>
+                                        <p:attrNameLst>
+                                          <p:attrName>ppt_x</p:attrName>
+                                        </p:attrNameLst>
+                                      </p:cBhvr>
+                                      <p:tavLst>
+                                        <p:tav tm="0">
+                                          <p:val>
+                                            <p:strVal val="0-#ppt_w/2"/>
+                                          </p:val>
+                                        </p:tav>
+                                        <p:tav tm="100000">
+                                          <p:val>
+                                            <p:strVal val="#ppt_x"/>
+                                          </p:val>
+                                        </p:tav>
+                                      </p:tavLst>
+                                    </p:anim>
+                                    <p:anim calcmode="lin" valueType="num">
+                                      <p:cBhvr additive="base">
+                                        <p:cTn id="16" dur="500" fill="hold"/>
+                                        <p:tgtEl>
+                                          <p:spTgt spid="5"/>
+                                        </p:tgtEl>
+                                        <p:attrNameLst>
+                                          <p:attrName>ppt_y</p:attrName>
+                                        </p:attrNameLst>
+                                      </p:cBhvr>
+                                      <p:tavLst>
+                                        <p:tav tm="0">
+                                          <p:val>
+                                            <p:strVal val="1+#ppt_h/2"/>
+                                          </p:val>
+                                        </p:tav>
+                                        <p:tav tm="100000">
+                                          <p:val>
+                                            <p:strVal val="#ppt_y"/>
+                                          </p:val>
+                                        </p:tav>
+                                      </p:tavLst>
+                                    </p:anim>
+                                  </p:childTnLst>
+                                </p:cTn>
+                              </p:par>
+                            </p:childTnLst>
+                          </p:cTn>
+                        </p:par>
+                      </p:childTnLst>
+                    </p:cTn>
+                  </p:par>
+                  <p:par>
+                    <p:cTn id="17" fill="hold">
+                      <p:stCondLst>
+                        <p:cond delay="indefinite"/>
+                      </p:stCondLst>
+                      <p:childTnLst>
+                        <p:par>
+                          <p:cTn id="18" fill="hold">
+                            <p:stCondLst>
+                              <p:cond delay="0"/>
+                            </p:stCondLst>
+                            <p:childTnLst>
+                              <p:par>
+                                <p:cTn id="19" presetID="14" presetClass="entr" presetSubtype="10" fill="hold" grpId="0" nodeType="clickEffect">
+                                  <p:stCondLst>
+                                    <p:cond delay="0"/>
+                                  </p:stCondLst>
+                                  <p:childTnLst>
+                                    <p:set>
+                                      <p:cBhvr>
+                                        <p:cTn id="20" dur="1" fill="hold">
+                                          <p:stCondLst>
+                                            <p:cond delay="0"/>
+                                          </p:stCondLst>
+                                        </p:cTn>
+                                        <p:tgtEl>
                                           <p:spTgt spid="3">
                                             <p:txEl>
                                               <p:pRg st="0" end="0"/>
@@ -7834,7 +7964,7 @@
                                     </p:set>
                                     <p:animEffect transition="in" filter="randombar(horizontal)">
                                       <p:cBhvr>
-                                        <p:cTn id="15" dur="500"/>
+                                        <p:cTn id="21" dur="500"/>
                                         <p:tgtEl>
                                           <p:spTgt spid="3">
                                             <p:txEl>
@@ -7854,26 +7984,26 @@
                     </p:cTn>
                   </p:par>
                   <p:par>
-                    <p:cTn id="16" fill="hold">
+                    <p:cTn id="22" fill="hold">
                       <p:stCondLst>
                         <p:cond delay="indefinite"/>
                       </p:stCondLst>
                       <p:childTnLst>
                         <p:par>
-                          <p:cTn id="17" fill="hold">
+                          <p:cTn id="23" fill="hold">
                             <p:stCondLst>
                               <p:cond delay="0"/>
                             </p:stCondLst>
                             <p:childTnLst>
                               <p:par>
-                                <p:cTn id="18" presetID="31" presetClass="exit" presetSubtype="0" fill="hold" nodeType="clickEffect">
+                                <p:cTn id="24" presetID="31" presetClass="exit" presetSubtype="0" fill="hold" nodeType="clickEffect">
                                   <p:stCondLst>
                                     <p:cond delay="0"/>
                                   </p:stCondLst>
                                   <p:childTnLst>
                                     <p:anim calcmode="lin" valueType="num">
                                       <p:cBhvr>
-                                        <p:cTn id="19" dur="1000"/>
+                                        <p:cTn id="25" dur="1000"/>
                                         <p:tgtEl>
                                           <p:spTgt spid="4"/>
                                         </p:tgtEl>
@@ -7896,7 +8026,7 @@
                                     </p:anim>
                                     <p:anim calcmode="lin" valueType="num">
                                       <p:cBhvr>
-                                        <p:cTn id="20" dur="1000"/>
+                                        <p:cTn id="26" dur="1000"/>
                                         <p:tgtEl>
                                           <p:spTgt spid="4"/>
                                         </p:tgtEl>
@@ -7919,7 +8049,7 @@
                                     </p:anim>
                                     <p:anim calcmode="lin" valueType="num">
                                       <p:cBhvr>
-                                        <p:cTn id="21" dur="1000"/>
+                                        <p:cTn id="27" dur="1000"/>
                                         <p:tgtEl>
                                           <p:spTgt spid="4"/>
                                         </p:tgtEl>
@@ -7942,7 +8072,7 @@
                                     </p:anim>
                                     <p:animEffect transition="out" filter="fade">
                                       <p:cBhvr>
-                                        <p:cTn id="22" dur="1000"/>
+                                        <p:cTn id="28" dur="1000"/>
                                         <p:tgtEl>
                                           <p:spTgt spid="4"/>
                                         </p:tgtEl>
@@ -7950,13 +8080,104 @@
                                     </p:animEffect>
                                     <p:set>
                                       <p:cBhvr>
-                                        <p:cTn id="23" dur="1" fill="hold">
+                                        <p:cTn id="29" dur="1" fill="hold">
                                           <p:stCondLst>
                                             <p:cond delay="999"/>
                                           </p:stCondLst>
                                         </p:cTn>
                                         <p:tgtEl>
                                           <p:spTgt spid="4"/>
+                                        </p:tgtEl>
+                                        <p:attrNameLst>
+                                          <p:attrName>style.visibility</p:attrName>
+                                        </p:attrNameLst>
+                                      </p:cBhvr>
+                                      <p:to>
+                                        <p:strVal val="hidden"/>
+                                      </p:to>
+                                    </p:set>
+                                  </p:childTnLst>
+                                </p:cTn>
+                              </p:par>
+                            </p:childTnLst>
+                          </p:cTn>
+                        </p:par>
+                      </p:childTnLst>
+                    </p:cTn>
+                  </p:par>
+                  <p:par>
+                    <p:cTn id="30" fill="hold">
+                      <p:stCondLst>
+                        <p:cond delay="indefinite"/>
+                      </p:stCondLst>
+                      <p:childTnLst>
+                        <p:par>
+                          <p:cTn id="31" fill="hold">
+                            <p:stCondLst>
+                              <p:cond delay="0"/>
+                            </p:stCondLst>
+                            <p:childTnLst>
+                              <p:par>
+                                <p:cTn id="32" presetID="2" presetClass="exit" presetSubtype="3" fill="hold" nodeType="clickEffect">
+                                  <p:stCondLst>
+                                    <p:cond delay="0"/>
+                                  </p:stCondLst>
+                                  <p:childTnLst>
+                                    <p:anim calcmode="lin" valueType="num">
+                                      <p:cBhvr additive="base">
+                                        <p:cTn id="33" dur="500"/>
+                                        <p:tgtEl>
+                                          <p:spTgt spid="5"/>
+                                        </p:tgtEl>
+                                        <p:attrNameLst>
+                                          <p:attrName>ppt_x</p:attrName>
+                                        </p:attrNameLst>
+                                      </p:cBhvr>
+                                      <p:tavLst>
+                                        <p:tav tm="0">
+                                          <p:val>
+                                            <p:strVal val="ppt_x"/>
+                                          </p:val>
+                                        </p:tav>
+                                        <p:tav tm="100000">
+                                          <p:val>
+                                            <p:strVal val="1+ppt_w/2"/>
+                                          </p:val>
+                                        </p:tav>
+                                      </p:tavLst>
+                                    </p:anim>
+                                    <p:anim calcmode="lin" valueType="num">
+                                      <p:cBhvr additive="base">
+                                        <p:cTn id="34" dur="500"/>
+                                        <p:tgtEl>
+                                          <p:spTgt spid="5"/>
+                                        </p:tgtEl>
+                                        <p:attrNameLst>
+                                          <p:attrName>ppt_y</p:attrName>
+                                        </p:attrNameLst>
+                                      </p:cBhvr>
+                                      <p:tavLst>
+                                        <p:tav tm="0">
+                                          <p:val>
+                                            <p:strVal val="ppt_y"/>
+                                          </p:val>
+                                        </p:tav>
+                                        <p:tav tm="100000">
+                                          <p:val>
+                                            <p:strVal val="0-ppt_h/2"/>
+                                          </p:val>
+                                        </p:tav>
+                                      </p:tavLst>
+                                    </p:anim>
+                                    <p:set>
+                                      <p:cBhvr>
+                                        <p:cTn id="35" dur="1" fill="hold">
+                                          <p:stCondLst>
+                                            <p:cond delay="499"/>
+                                          </p:stCondLst>
+                                        </p:cTn>
+                                        <p:tgtEl>
+                                          <p:spTgt spid="5"/>
                                         </p:tgtEl>
                                         <p:attrNameLst>
                                           <p:attrName>style.visibility</p:attrName>
@@ -8136,6 +8357,18 @@
   <p:clrMapOvr>
     <a:masterClrMapping/>
   </p:clrMapOvr>
+  <mc:AlternateContent xmlns:mc="http://schemas.openxmlformats.org/markup-compatibility/2006">
+    <mc:Choice xmlns:p14="http://schemas.microsoft.com/office/powerpoint/2010/main" Requires="p14">
+      <p:transition spd="slow" p14:dur="1600">
+        <p:blinds dir="vert"/>
+      </p:transition>
+    </mc:Choice>
+    <mc:Fallback>
+      <p:transition spd="slow">
+        <p:blinds dir="vert"/>
+      </p:transition>
+    </mc:Fallback>
+  </mc:AlternateContent>
   <p:timing>
     <p:tnLst>
       <p:par>
@@ -8712,6 +8945,9 @@
   <p:clrMapOvr>
     <a:masterClrMapping/>
   </p:clrMapOvr>
+  <p:transition spd="med">
+    <p:pull/>
+  </p:transition>
   <p:timing>
     <p:tnLst>
       <p:par>
@@ -10189,6 +10425,18 @@
   <p:clrMapOvr>
     <a:masterClrMapping/>
   </p:clrMapOvr>
+  <mc:AlternateContent xmlns:mc="http://schemas.openxmlformats.org/markup-compatibility/2006">
+    <mc:Choice xmlns:p15="http://schemas.microsoft.com/office/powerpoint/2012/main" Requires="p15">
+      <p:transition xmlns:p14="http://schemas.microsoft.com/office/powerpoint/2010/main" spd="slow" p14:dur="1250">
+        <p15:prstTrans prst="airplane"/>
+      </p:transition>
+    </mc:Choice>
+    <mc:Fallback>
+      <p:transition spd="slow">
+        <p:fade/>
+      </p:transition>
+    </mc:Fallback>
+  </mc:AlternateContent>
   <p:timing>
     <p:tnLst>
       <p:par>
@@ -11766,24 +12014,84 @@
           <a:p>
             <a:r>
               <a:rPr lang="en-US" dirty="0" smtClean="0"/>
-              <a:t>There’s even </a:t>
-            </a:r>
-            <a:r>
-              <a:rPr lang="en-US" smtClean="0"/>
-              <a:t>a “complaints” </a:t>
+              <a:t>There’s even a “complaints” page that is linked from the about page</a:t>
             </a:r>
             <a:r>
               <a:rPr lang="en-US" dirty="0" smtClean="0"/>
-              <a:t>page that is linked from the </a:t>
+              <a:t>.</a:t>
             </a:r>
+          </a:p>
+          <a:p>
             <a:r>
-              <a:rPr lang="en-US" smtClean="0"/>
-              <a:t>about page.</a:t>
+              <a:rPr lang="en-US" dirty="0" smtClean="0"/>
+              <a:t>Book trips with ease, with nice looking layouts.</a:t>
             </a:r>
+          </a:p>
+          <a:p>
             <a:endParaRPr lang="en-US" dirty="0"/>
           </a:p>
         </p:txBody>
       </p:sp>
+      <p:pic>
+        <p:nvPicPr>
+          <p:cNvPr id="4" name="Picture 3"/>
+          <p:cNvPicPr>
+            <a:picLocks noChangeAspect="1"/>
+          </p:cNvPicPr>
+          <p:nvPr/>
+        </p:nvPicPr>
+        <p:blipFill>
+          <a:blip r:embed="rId2">
+            <a:extLst>
+              <a:ext uri="{28A0092B-C50C-407E-A947-70E740481C1C}">
+                <a14:useLocalDpi xmlns:a14="http://schemas.microsoft.com/office/drawing/2010/main" val="0"/>
+              </a:ext>
+            </a:extLst>
+          </a:blip>
+          <a:stretch>
+            <a:fillRect/>
+          </a:stretch>
+        </p:blipFill>
+        <p:spPr>
+          <a:xfrm>
+            <a:off x="3163824" y="4432249"/>
+            <a:ext cx="2704563" cy="2028632"/>
+          </a:xfrm>
+          <a:prstGeom prst="rect">
+            <a:avLst/>
+          </a:prstGeom>
+        </p:spPr>
+      </p:pic>
+      <p:pic>
+        <p:nvPicPr>
+          <p:cNvPr id="5" name="Picture 4"/>
+          <p:cNvPicPr>
+            <a:picLocks noChangeAspect="1"/>
+          </p:cNvPicPr>
+          <p:nvPr/>
+        </p:nvPicPr>
+        <p:blipFill>
+          <a:blip r:embed="rId3">
+            <a:extLst>
+              <a:ext uri="{28A0092B-C50C-407E-A947-70E740481C1C}">
+                <a14:useLocalDpi xmlns:a14="http://schemas.microsoft.com/office/drawing/2010/main" val="0"/>
+              </a:ext>
+            </a:extLst>
+          </a:blip>
+          <a:stretch>
+            <a:fillRect/>
+          </a:stretch>
+        </p:blipFill>
+        <p:spPr>
+          <a:xfrm>
+            <a:off x="9338609" y="4432249"/>
+            <a:ext cx="2420765" cy="2095119"/>
+          </a:xfrm>
+          <a:prstGeom prst="rect">
+            <a:avLst/>
+          </a:prstGeom>
+        </p:spPr>
+      </p:pic>
     </p:spTree>
     <p:extLst>
       <p:ext uri="{BB962C8B-B14F-4D97-AF65-F5344CB8AC3E}">
@@ -11794,12 +12102,708 @@
   <p:clrMapOvr>
     <a:masterClrMapping/>
   </p:clrMapOvr>
+  <mc:AlternateContent xmlns:mc="http://schemas.openxmlformats.org/markup-compatibility/2006">
+    <mc:Choice xmlns:p14="http://schemas.microsoft.com/office/powerpoint/2010/main" Requires="p14">
+      <p:transition spd="slow" p14:dur="2500">
+        <p:checker/>
+      </p:transition>
+    </mc:Choice>
+    <mc:Fallback>
+      <p:transition spd="slow">
+        <p:checker/>
+      </p:transition>
+    </mc:Fallback>
+  </mc:AlternateContent>
   <p:timing>
     <p:tnLst>
       <p:par>
-        <p:cTn id="1" dur="indefinite" restart="never" nodeType="tmRoot"/>
+        <p:cTn id="1" dur="indefinite" restart="never" nodeType="tmRoot">
+          <p:childTnLst>
+            <p:seq concurrent="1" nextAc="seek">
+              <p:cTn id="2" dur="indefinite" nodeType="mainSeq">
+                <p:childTnLst>
+                  <p:par>
+                    <p:cTn id="3" fill="hold">
+                      <p:stCondLst>
+                        <p:cond delay="indefinite"/>
+                      </p:stCondLst>
+                      <p:childTnLst>
+                        <p:par>
+                          <p:cTn id="4" fill="hold">
+                            <p:stCondLst>
+                              <p:cond delay="0"/>
+                            </p:stCondLst>
+                            <p:childTnLst>
+                              <p:par>
+                                <p:cTn id="5" presetID="45" presetClass="entr" presetSubtype="0" fill="hold" nodeType="clickEffect">
+                                  <p:stCondLst>
+                                    <p:cond delay="0"/>
+                                  </p:stCondLst>
+                                  <p:childTnLst>
+                                    <p:set>
+                                      <p:cBhvr>
+                                        <p:cTn id="6" dur="1" fill="hold">
+                                          <p:stCondLst>
+                                            <p:cond delay="0"/>
+                                          </p:stCondLst>
+                                        </p:cTn>
+                                        <p:tgtEl>
+                                          <p:spTgt spid="4"/>
+                                        </p:tgtEl>
+                                        <p:attrNameLst>
+                                          <p:attrName>style.visibility</p:attrName>
+                                        </p:attrNameLst>
+                                      </p:cBhvr>
+                                      <p:to>
+                                        <p:strVal val="visible"/>
+                                      </p:to>
+                                    </p:set>
+                                    <p:animEffect transition="in" filter="fade">
+                                      <p:cBhvr>
+                                        <p:cTn id="7" dur="2000"/>
+                                        <p:tgtEl>
+                                          <p:spTgt spid="4"/>
+                                        </p:tgtEl>
+                                      </p:cBhvr>
+                                    </p:animEffect>
+                                    <p:anim calcmode="lin" valueType="num">
+                                      <p:cBhvr>
+                                        <p:cTn id="8" dur="2000" fill="hold"/>
+                                        <p:tgtEl>
+                                          <p:spTgt spid="4"/>
+                                        </p:tgtEl>
+                                        <p:attrNameLst>
+                                          <p:attrName>ppt_w</p:attrName>
+                                        </p:attrNameLst>
+                                      </p:cBhvr>
+                                      <p:tavLst>
+                                        <p:tav tm="0" fmla="#ppt_w*sin(2.5*pi*$)">
+                                          <p:val>
+                                            <p:fltVal val="0"/>
+                                          </p:val>
+                                        </p:tav>
+                                        <p:tav tm="100000">
+                                          <p:val>
+                                            <p:fltVal val="1"/>
+                                          </p:val>
+                                        </p:tav>
+                                      </p:tavLst>
+                                    </p:anim>
+                                    <p:anim calcmode="lin" valueType="num">
+                                      <p:cBhvr>
+                                        <p:cTn id="9" dur="2000" fill="hold"/>
+                                        <p:tgtEl>
+                                          <p:spTgt spid="4"/>
+                                        </p:tgtEl>
+                                        <p:attrNameLst>
+                                          <p:attrName>ppt_h</p:attrName>
+                                        </p:attrNameLst>
+                                      </p:cBhvr>
+                                      <p:tavLst>
+                                        <p:tav tm="0">
+                                          <p:val>
+                                            <p:strVal val="#ppt_h"/>
+                                          </p:val>
+                                        </p:tav>
+                                        <p:tav tm="100000">
+                                          <p:val>
+                                            <p:strVal val="#ppt_h"/>
+                                          </p:val>
+                                        </p:tav>
+                                      </p:tavLst>
+                                    </p:anim>
+                                  </p:childTnLst>
+                                </p:cTn>
+                              </p:par>
+                            </p:childTnLst>
+                          </p:cTn>
+                        </p:par>
+                      </p:childTnLst>
+                    </p:cTn>
+                  </p:par>
+                  <p:par>
+                    <p:cTn id="10" fill="hold">
+                      <p:stCondLst>
+                        <p:cond delay="indefinite"/>
+                      </p:stCondLst>
+                      <p:childTnLst>
+                        <p:par>
+                          <p:cTn id="11" fill="hold">
+                            <p:stCondLst>
+                              <p:cond delay="0"/>
+                            </p:stCondLst>
+                            <p:childTnLst>
+                              <p:par>
+                                <p:cTn id="12" presetID="2" presetClass="entr" presetSubtype="4" fill="hold" nodeType="clickEffect">
+                                  <p:stCondLst>
+                                    <p:cond delay="0"/>
+                                  </p:stCondLst>
+                                  <p:childTnLst>
+                                    <p:set>
+                                      <p:cBhvr>
+                                        <p:cTn id="13" dur="1" fill="hold">
+                                          <p:stCondLst>
+                                            <p:cond delay="0"/>
+                                          </p:stCondLst>
+                                        </p:cTn>
+                                        <p:tgtEl>
+                                          <p:spTgt spid="5"/>
+                                        </p:tgtEl>
+                                        <p:attrNameLst>
+                                          <p:attrName>style.visibility</p:attrName>
+                                        </p:attrNameLst>
+                                      </p:cBhvr>
+                                      <p:to>
+                                        <p:strVal val="visible"/>
+                                      </p:to>
+                                    </p:set>
+                                    <p:anim calcmode="lin" valueType="num">
+                                      <p:cBhvr additive="base">
+                                        <p:cTn id="14" dur="500" fill="hold"/>
+                                        <p:tgtEl>
+                                          <p:spTgt spid="5"/>
+                                        </p:tgtEl>
+                                        <p:attrNameLst>
+                                          <p:attrName>ppt_x</p:attrName>
+                                        </p:attrNameLst>
+                                      </p:cBhvr>
+                                      <p:tavLst>
+                                        <p:tav tm="0">
+                                          <p:val>
+                                            <p:strVal val="#ppt_x"/>
+                                          </p:val>
+                                        </p:tav>
+                                        <p:tav tm="100000">
+                                          <p:val>
+                                            <p:strVal val="#ppt_x"/>
+                                          </p:val>
+                                        </p:tav>
+                                      </p:tavLst>
+                                    </p:anim>
+                                    <p:anim calcmode="lin" valueType="num">
+                                      <p:cBhvr additive="base">
+                                        <p:cTn id="15" dur="500" fill="hold"/>
+                                        <p:tgtEl>
+                                          <p:spTgt spid="5"/>
+                                        </p:tgtEl>
+                                        <p:attrNameLst>
+                                          <p:attrName>ppt_y</p:attrName>
+                                        </p:attrNameLst>
+                                      </p:cBhvr>
+                                      <p:tavLst>
+                                        <p:tav tm="0">
+                                          <p:val>
+                                            <p:strVal val="1+#ppt_h/2"/>
+                                          </p:val>
+                                        </p:tav>
+                                        <p:tav tm="100000">
+                                          <p:val>
+                                            <p:strVal val="#ppt_y"/>
+                                          </p:val>
+                                        </p:tav>
+                                      </p:tavLst>
+                                    </p:anim>
+                                  </p:childTnLst>
+                                </p:cTn>
+                              </p:par>
+                            </p:childTnLst>
+                          </p:cTn>
+                        </p:par>
+                      </p:childTnLst>
+                    </p:cTn>
+                  </p:par>
+                  <p:par>
+                    <p:cTn id="16" fill="hold">
+                      <p:stCondLst>
+                        <p:cond delay="indefinite"/>
+                      </p:stCondLst>
+                      <p:childTnLst>
+                        <p:par>
+                          <p:cTn id="17" fill="hold">
+                            <p:stCondLst>
+                              <p:cond delay="0"/>
+                            </p:stCondLst>
+                            <p:childTnLst>
+                              <p:par>
+                                <p:cTn id="18" presetID="16" presetClass="entr" presetSubtype="21" fill="hold" grpId="0" nodeType="clickEffect">
+                                  <p:stCondLst>
+                                    <p:cond delay="0"/>
+                                  </p:stCondLst>
+                                  <p:childTnLst>
+                                    <p:set>
+                                      <p:cBhvr>
+                                        <p:cTn id="19" dur="1" fill="hold">
+                                          <p:stCondLst>
+                                            <p:cond delay="0"/>
+                                          </p:stCondLst>
+                                        </p:cTn>
+                                        <p:tgtEl>
+                                          <p:spTgt spid="3">
+                                            <p:txEl>
+                                              <p:pRg st="0" end="0"/>
+                                            </p:txEl>
+                                          </p:spTgt>
+                                        </p:tgtEl>
+                                        <p:attrNameLst>
+                                          <p:attrName>style.visibility</p:attrName>
+                                        </p:attrNameLst>
+                                      </p:cBhvr>
+                                      <p:to>
+                                        <p:strVal val="visible"/>
+                                      </p:to>
+                                    </p:set>
+                                    <p:animEffect transition="in" filter="barn(inVertical)">
+                                      <p:cBhvr>
+                                        <p:cTn id="20" dur="500"/>
+                                        <p:tgtEl>
+                                          <p:spTgt spid="3">
+                                            <p:txEl>
+                                              <p:pRg st="0" end="0"/>
+                                            </p:txEl>
+                                          </p:spTgt>
+                                        </p:tgtEl>
+                                      </p:cBhvr>
+                                    </p:animEffect>
+                                  </p:childTnLst>
+                                </p:cTn>
+                              </p:par>
+                            </p:childTnLst>
+                          </p:cTn>
+                        </p:par>
+                      </p:childTnLst>
+                    </p:cTn>
+                  </p:par>
+                  <p:par>
+                    <p:cTn id="21" fill="hold">
+                      <p:stCondLst>
+                        <p:cond delay="indefinite"/>
+                      </p:stCondLst>
+                      <p:childTnLst>
+                        <p:par>
+                          <p:cTn id="22" fill="hold">
+                            <p:stCondLst>
+                              <p:cond delay="0"/>
+                            </p:stCondLst>
+                            <p:childTnLst>
+                              <p:par>
+                                <p:cTn id="23" presetID="16" presetClass="entr" presetSubtype="21" fill="hold" grpId="0" nodeType="clickEffect">
+                                  <p:stCondLst>
+                                    <p:cond delay="0"/>
+                                  </p:stCondLst>
+                                  <p:childTnLst>
+                                    <p:set>
+                                      <p:cBhvr>
+                                        <p:cTn id="24" dur="1" fill="hold">
+                                          <p:stCondLst>
+                                            <p:cond delay="0"/>
+                                          </p:stCondLst>
+                                        </p:cTn>
+                                        <p:tgtEl>
+                                          <p:spTgt spid="3">
+                                            <p:txEl>
+                                              <p:pRg st="1" end="1"/>
+                                            </p:txEl>
+                                          </p:spTgt>
+                                        </p:tgtEl>
+                                        <p:attrNameLst>
+                                          <p:attrName>style.visibility</p:attrName>
+                                        </p:attrNameLst>
+                                      </p:cBhvr>
+                                      <p:to>
+                                        <p:strVal val="visible"/>
+                                      </p:to>
+                                    </p:set>
+                                    <p:animEffect transition="in" filter="barn(inVertical)">
+                                      <p:cBhvr>
+                                        <p:cTn id="25" dur="500"/>
+                                        <p:tgtEl>
+                                          <p:spTgt spid="3">
+                                            <p:txEl>
+                                              <p:pRg st="1" end="1"/>
+                                            </p:txEl>
+                                          </p:spTgt>
+                                        </p:tgtEl>
+                                      </p:cBhvr>
+                                    </p:animEffect>
+                                  </p:childTnLst>
+                                </p:cTn>
+                              </p:par>
+                            </p:childTnLst>
+                          </p:cTn>
+                        </p:par>
+                      </p:childTnLst>
+                    </p:cTn>
+                  </p:par>
+                  <p:par>
+                    <p:cTn id="26" fill="hold">
+                      <p:stCondLst>
+                        <p:cond delay="indefinite"/>
+                      </p:stCondLst>
+                      <p:childTnLst>
+                        <p:par>
+                          <p:cTn id="27" fill="hold">
+                            <p:stCondLst>
+                              <p:cond delay="0"/>
+                            </p:stCondLst>
+                            <p:childTnLst>
+                              <p:par>
+                                <p:cTn id="28" presetID="16" presetClass="entr" presetSubtype="21" fill="hold" grpId="0" nodeType="clickEffect">
+                                  <p:stCondLst>
+                                    <p:cond delay="0"/>
+                                  </p:stCondLst>
+                                  <p:childTnLst>
+                                    <p:set>
+                                      <p:cBhvr>
+                                        <p:cTn id="29" dur="1" fill="hold">
+                                          <p:stCondLst>
+                                            <p:cond delay="0"/>
+                                          </p:stCondLst>
+                                        </p:cTn>
+                                        <p:tgtEl>
+                                          <p:spTgt spid="3">
+                                            <p:txEl>
+                                              <p:pRg st="2" end="2"/>
+                                            </p:txEl>
+                                          </p:spTgt>
+                                        </p:tgtEl>
+                                        <p:attrNameLst>
+                                          <p:attrName>style.visibility</p:attrName>
+                                        </p:attrNameLst>
+                                      </p:cBhvr>
+                                      <p:to>
+                                        <p:strVal val="visible"/>
+                                      </p:to>
+                                    </p:set>
+                                    <p:animEffect transition="in" filter="barn(inVertical)">
+                                      <p:cBhvr>
+                                        <p:cTn id="30" dur="500"/>
+                                        <p:tgtEl>
+                                          <p:spTgt spid="3">
+                                            <p:txEl>
+                                              <p:pRg st="2" end="2"/>
+                                            </p:txEl>
+                                          </p:spTgt>
+                                        </p:tgtEl>
+                                      </p:cBhvr>
+                                    </p:animEffect>
+                                  </p:childTnLst>
+                                </p:cTn>
+                              </p:par>
+                            </p:childTnLst>
+                          </p:cTn>
+                        </p:par>
+                      </p:childTnLst>
+                    </p:cTn>
+                  </p:par>
+                  <p:par>
+                    <p:cTn id="31" fill="hold">
+                      <p:stCondLst>
+                        <p:cond delay="indefinite"/>
+                      </p:stCondLst>
+                      <p:childTnLst>
+                        <p:par>
+                          <p:cTn id="32" fill="hold">
+                            <p:stCondLst>
+                              <p:cond delay="0"/>
+                            </p:stCondLst>
+                            <p:childTnLst>
+                              <p:par>
+                                <p:cTn id="33" presetID="45" presetClass="exit" presetSubtype="0" fill="hold" nodeType="clickEffect">
+                                  <p:stCondLst>
+                                    <p:cond delay="0"/>
+                                  </p:stCondLst>
+                                  <p:childTnLst>
+                                    <p:animEffect transition="out" filter="fade">
+                                      <p:cBhvr>
+                                        <p:cTn id="34" dur="2000"/>
+                                        <p:tgtEl>
+                                          <p:spTgt spid="4"/>
+                                        </p:tgtEl>
+                                      </p:cBhvr>
+                                    </p:animEffect>
+                                    <p:anim calcmode="lin" valueType="num">
+                                      <p:cBhvr>
+                                        <p:cTn id="35" dur="2000"/>
+                                        <p:tgtEl>
+                                          <p:spTgt spid="4"/>
+                                        </p:tgtEl>
+                                        <p:attrNameLst>
+                                          <p:attrName>ppt_w</p:attrName>
+                                        </p:attrNameLst>
+                                      </p:cBhvr>
+                                      <p:tavLst>
+                                        <p:tav tm="0">
+                                          <p:val>
+                                            <p:strVal val="ppt_w"/>
+                                          </p:val>
+                                        </p:tav>
+                                        <p:tav tm="5000">
+                                          <p:val>
+                                            <p:strVal val="0.92*ppt_w"/>
+                                          </p:val>
+                                        </p:tav>
+                                        <p:tav tm="10000">
+                                          <p:val>
+                                            <p:strVal val="0.71*ppt_w"/>
+                                          </p:val>
+                                        </p:tav>
+                                        <p:tav tm="15000">
+                                          <p:val>
+                                            <p:strVal val="0.38*ppt_w"/>
+                                          </p:val>
+                                        </p:tav>
+                                        <p:tav tm="20000">
+                                          <p:val>
+                                            <p:fltVal val="0"/>
+                                          </p:val>
+                                        </p:tav>
+                                        <p:tav tm="25000">
+                                          <p:val>
+                                            <p:strVal val="-0.38*ppt_w"/>
+                                          </p:val>
+                                        </p:tav>
+                                        <p:tav tm="30000">
+                                          <p:val>
+                                            <p:strVal val="-0.71*ppt_w"/>
+                                          </p:val>
+                                        </p:tav>
+                                        <p:tav tm="35000">
+                                          <p:val>
+                                            <p:strVal val="-0.92*ppt_w"/>
+                                          </p:val>
+                                        </p:tav>
+                                        <p:tav tm="40000">
+                                          <p:val>
+                                            <p:strVal val="-ppt_w"/>
+                                          </p:val>
+                                        </p:tav>
+                                        <p:tav tm="45000">
+                                          <p:val>
+                                            <p:strVal val="-0.92*ppt_w"/>
+                                          </p:val>
+                                        </p:tav>
+                                        <p:tav tm="50000">
+                                          <p:val>
+                                            <p:strVal val="-0.71*ppt_w"/>
+                                          </p:val>
+                                        </p:tav>
+                                        <p:tav tm="55000">
+                                          <p:val>
+                                            <p:strVal val="-0.38*ppt_w"/>
+                                          </p:val>
+                                        </p:tav>
+                                        <p:tav tm="60000">
+                                          <p:val>
+                                            <p:fltVal val="0"/>
+                                          </p:val>
+                                        </p:tav>
+                                        <p:tav tm="65000">
+                                          <p:val>
+                                            <p:strVal val="0.38*ppt_w"/>
+                                          </p:val>
+                                        </p:tav>
+                                        <p:tav tm="70000">
+                                          <p:val>
+                                            <p:strVal val="0.71*ppt_w"/>
+                                          </p:val>
+                                        </p:tav>
+                                        <p:tav tm="75000">
+                                          <p:val>
+                                            <p:strVal val="0.92*ppt_w"/>
+                                          </p:val>
+                                        </p:tav>
+                                        <p:tav tm="80000">
+                                          <p:val>
+                                            <p:strVal val="ppt_w"/>
+                                          </p:val>
+                                        </p:tav>
+                                        <p:tav tm="85000">
+                                          <p:val>
+                                            <p:strVal val="0.92*ppt_w"/>
+                                          </p:val>
+                                        </p:tav>
+                                        <p:tav tm="90000">
+                                          <p:val>
+                                            <p:strVal val="0.71*ppt_w"/>
+                                          </p:val>
+                                        </p:tav>
+                                        <p:tav tm="95000">
+                                          <p:val>
+                                            <p:strVal val="0.38*ppt_w"/>
+                                          </p:val>
+                                        </p:tav>
+                                        <p:tav tm="100000">
+                                          <p:val>
+                                            <p:fltVal val="0"/>
+                                          </p:val>
+                                        </p:tav>
+                                      </p:tavLst>
+                                    </p:anim>
+                                    <p:anim calcmode="lin" valueType="num">
+                                      <p:cBhvr>
+                                        <p:cTn id="36" dur="2000"/>
+                                        <p:tgtEl>
+                                          <p:spTgt spid="4"/>
+                                        </p:tgtEl>
+                                        <p:attrNameLst>
+                                          <p:attrName>ppt_h</p:attrName>
+                                        </p:attrNameLst>
+                                      </p:cBhvr>
+                                      <p:tavLst>
+                                        <p:tav tm="0">
+                                          <p:val>
+                                            <p:strVal val="ppt_h"/>
+                                          </p:val>
+                                        </p:tav>
+                                        <p:tav tm="100000">
+                                          <p:val>
+                                            <p:strVal val="ppt_h"/>
+                                          </p:val>
+                                        </p:tav>
+                                      </p:tavLst>
+                                    </p:anim>
+                                    <p:set>
+                                      <p:cBhvr>
+                                        <p:cTn id="37" dur="1" fill="hold">
+                                          <p:stCondLst>
+                                            <p:cond delay="1999"/>
+                                          </p:stCondLst>
+                                        </p:cTn>
+                                        <p:tgtEl>
+                                          <p:spTgt spid="4"/>
+                                        </p:tgtEl>
+                                        <p:attrNameLst>
+                                          <p:attrName>style.visibility</p:attrName>
+                                        </p:attrNameLst>
+                                      </p:cBhvr>
+                                      <p:to>
+                                        <p:strVal val="hidden"/>
+                                      </p:to>
+                                    </p:set>
+                                  </p:childTnLst>
+                                </p:cTn>
+                              </p:par>
+                            </p:childTnLst>
+                          </p:cTn>
+                        </p:par>
+                      </p:childTnLst>
+                    </p:cTn>
+                  </p:par>
+                  <p:par>
+                    <p:cTn id="38" fill="hold">
+                      <p:stCondLst>
+                        <p:cond delay="indefinite"/>
+                      </p:stCondLst>
+                      <p:childTnLst>
+                        <p:par>
+                          <p:cTn id="39" fill="hold">
+                            <p:stCondLst>
+                              <p:cond delay="0"/>
+                            </p:stCondLst>
+                            <p:childTnLst>
+                              <p:par>
+                                <p:cTn id="40" presetID="2" presetClass="exit" presetSubtype="4" fill="hold" nodeType="clickEffect">
+                                  <p:stCondLst>
+                                    <p:cond delay="0"/>
+                                  </p:stCondLst>
+                                  <p:childTnLst>
+                                    <p:anim calcmode="lin" valueType="num">
+                                      <p:cBhvr additive="base">
+                                        <p:cTn id="41" dur="500"/>
+                                        <p:tgtEl>
+                                          <p:spTgt spid="5"/>
+                                        </p:tgtEl>
+                                        <p:attrNameLst>
+                                          <p:attrName>ppt_x</p:attrName>
+                                        </p:attrNameLst>
+                                      </p:cBhvr>
+                                      <p:tavLst>
+                                        <p:tav tm="0">
+                                          <p:val>
+                                            <p:strVal val="ppt_x"/>
+                                          </p:val>
+                                        </p:tav>
+                                        <p:tav tm="100000">
+                                          <p:val>
+                                            <p:strVal val="ppt_x"/>
+                                          </p:val>
+                                        </p:tav>
+                                      </p:tavLst>
+                                    </p:anim>
+                                    <p:anim calcmode="lin" valueType="num">
+                                      <p:cBhvr additive="base">
+                                        <p:cTn id="42" dur="500"/>
+                                        <p:tgtEl>
+                                          <p:spTgt spid="5"/>
+                                        </p:tgtEl>
+                                        <p:attrNameLst>
+                                          <p:attrName>ppt_y</p:attrName>
+                                        </p:attrNameLst>
+                                      </p:cBhvr>
+                                      <p:tavLst>
+                                        <p:tav tm="0">
+                                          <p:val>
+                                            <p:strVal val="ppt_y"/>
+                                          </p:val>
+                                        </p:tav>
+                                        <p:tav tm="100000">
+                                          <p:val>
+                                            <p:strVal val="1+ppt_h/2"/>
+                                          </p:val>
+                                        </p:tav>
+                                      </p:tavLst>
+                                    </p:anim>
+                                    <p:set>
+                                      <p:cBhvr>
+                                        <p:cTn id="43" dur="1" fill="hold">
+                                          <p:stCondLst>
+                                            <p:cond delay="499"/>
+                                          </p:stCondLst>
+                                        </p:cTn>
+                                        <p:tgtEl>
+                                          <p:spTgt spid="5"/>
+                                        </p:tgtEl>
+                                        <p:attrNameLst>
+                                          <p:attrName>style.visibility</p:attrName>
+                                        </p:attrNameLst>
+                                      </p:cBhvr>
+                                      <p:to>
+                                        <p:strVal val="hidden"/>
+                                      </p:to>
+                                    </p:set>
+                                  </p:childTnLst>
+                                </p:cTn>
+                              </p:par>
+                            </p:childTnLst>
+                          </p:cTn>
+                        </p:par>
+                      </p:childTnLst>
+                    </p:cTn>
+                  </p:par>
+                </p:childTnLst>
+              </p:cTn>
+              <p:prevCondLst>
+                <p:cond evt="onPrev" delay="0">
+                  <p:tgtEl>
+                    <p:sldTgt/>
+                  </p:tgtEl>
+                </p:cond>
+              </p:prevCondLst>
+              <p:nextCondLst>
+                <p:cond evt="onNext" delay="0">
+                  <p:tgtEl>
+                    <p:sldTgt/>
+                  </p:tgtEl>
+                </p:cond>
+              </p:nextCondLst>
+            </p:seq>
+          </p:childTnLst>
+        </p:cTn>
       </p:par>
     </p:tnLst>
+    <p:bldLst>
+      <p:bldP spid="3" grpId="0" uiExpand="1" build="p"/>
+    </p:bldLst>
   </p:timing>
 </p:sld>
 </file>
@@ -11863,10 +12867,76 @@
               <a:rPr lang="en-US" dirty="0" smtClean="0"/>
               <a:t>Building a mobile app for customers to set up their vacations through packages.</a:t>
             </a:r>
+          </a:p>
+          <a:p>
+            <a:r>
+              <a:rPr lang="en-US" dirty="0" smtClean="0"/>
+              <a:t>Exporting the project to Mac and “Linux” Systems for some of the Non-Windows workstations.</a:t>
+            </a:r>
             <a:endParaRPr lang="en-US" dirty="0"/>
           </a:p>
         </p:txBody>
       </p:sp>
+      <p:pic>
+        <p:nvPicPr>
+          <p:cNvPr id="4" name="Picture 3"/>
+          <p:cNvPicPr>
+            <a:picLocks noChangeAspect="1"/>
+          </p:cNvPicPr>
+          <p:nvPr/>
+        </p:nvPicPr>
+        <p:blipFill>
+          <a:blip r:embed="rId2">
+            <a:extLst>
+              <a:ext uri="{28A0092B-C50C-407E-A947-70E740481C1C}">
+                <a14:useLocalDpi xmlns:a14="http://schemas.microsoft.com/office/drawing/2010/main" val="0"/>
+              </a:ext>
+            </a:extLst>
+          </a:blip>
+          <a:stretch>
+            <a:fillRect/>
+          </a:stretch>
+        </p:blipFill>
+        <p:spPr>
+          <a:xfrm>
+            <a:off x="1258633" y="3625215"/>
+            <a:ext cx="2524125" cy="2990850"/>
+          </a:xfrm>
+          <a:prstGeom prst="rect">
+            <a:avLst/>
+          </a:prstGeom>
+        </p:spPr>
+      </p:pic>
+      <p:pic>
+        <p:nvPicPr>
+          <p:cNvPr id="5" name="Picture 4"/>
+          <p:cNvPicPr>
+            <a:picLocks noChangeAspect="1"/>
+          </p:cNvPicPr>
+          <p:nvPr/>
+        </p:nvPicPr>
+        <p:blipFill>
+          <a:blip r:embed="rId3">
+            <a:extLst>
+              <a:ext uri="{28A0092B-C50C-407E-A947-70E740481C1C}">
+                <a14:useLocalDpi xmlns:a14="http://schemas.microsoft.com/office/drawing/2010/main" val="0"/>
+              </a:ext>
+            </a:extLst>
+          </a:blip>
+          <a:stretch>
+            <a:fillRect/>
+          </a:stretch>
+        </p:blipFill>
+        <p:spPr>
+          <a:xfrm>
+            <a:off x="6108192" y="3568703"/>
+            <a:ext cx="2075878" cy="1796627"/>
+          </a:xfrm>
+          <a:prstGeom prst="rect">
+            <a:avLst/>
+          </a:prstGeom>
+        </p:spPr>
+      </p:pic>
     </p:spTree>
     <p:extLst>
       <p:ext uri="{BB962C8B-B14F-4D97-AF65-F5344CB8AC3E}">
@@ -11877,12 +12947,1141 @@
   <p:clrMapOvr>
     <a:masterClrMapping/>
   </p:clrMapOvr>
+  <mc:AlternateContent xmlns:mc="http://schemas.openxmlformats.org/markup-compatibility/2006">
+    <mc:Choice xmlns:p15="http://schemas.microsoft.com/office/powerpoint/2012/main" Requires="p15">
+      <p:transition xmlns:p14="http://schemas.microsoft.com/office/powerpoint/2010/main" spd="slow" p14:dur="1250">
+        <p15:prstTrans prst="peelOff"/>
+      </p:transition>
+    </mc:Choice>
+    <mc:Fallback>
+      <p:transition spd="slow">
+        <p:fade/>
+      </p:transition>
+    </mc:Fallback>
+  </mc:AlternateContent>
   <p:timing>
     <p:tnLst>
       <p:par>
-        <p:cTn id="1" dur="indefinite" restart="never" nodeType="tmRoot"/>
+        <p:cTn id="1" dur="indefinite" restart="never" nodeType="tmRoot">
+          <p:childTnLst>
+            <p:seq concurrent="1" nextAc="seek">
+              <p:cTn id="2" dur="indefinite" nodeType="mainSeq">
+                <p:childTnLst>
+                  <p:par>
+                    <p:cTn id="3" fill="hold">
+                      <p:stCondLst>
+                        <p:cond delay="indefinite"/>
+                      </p:stCondLst>
+                      <p:childTnLst>
+                        <p:par>
+                          <p:cTn id="4" fill="hold">
+                            <p:stCondLst>
+                              <p:cond delay="0"/>
+                            </p:stCondLst>
+                            <p:childTnLst>
+                              <p:par>
+                                <p:cTn id="5" presetID="42" presetClass="entr" presetSubtype="0" fill="hold" grpId="0" nodeType="clickEffect">
+                                  <p:stCondLst>
+                                    <p:cond delay="0"/>
+                                  </p:stCondLst>
+                                  <p:childTnLst>
+                                    <p:set>
+                                      <p:cBhvr>
+                                        <p:cTn id="6" dur="1" fill="hold">
+                                          <p:stCondLst>
+                                            <p:cond delay="0"/>
+                                          </p:stCondLst>
+                                        </p:cTn>
+                                        <p:tgtEl>
+                                          <p:spTgt spid="3">
+                                            <p:txEl>
+                                              <p:pRg st="0" end="0"/>
+                                            </p:txEl>
+                                          </p:spTgt>
+                                        </p:tgtEl>
+                                        <p:attrNameLst>
+                                          <p:attrName>style.visibility</p:attrName>
+                                        </p:attrNameLst>
+                                      </p:cBhvr>
+                                      <p:to>
+                                        <p:strVal val="visible"/>
+                                      </p:to>
+                                    </p:set>
+                                    <p:animEffect transition="in" filter="fade">
+                                      <p:cBhvr>
+                                        <p:cTn id="7" dur="1000"/>
+                                        <p:tgtEl>
+                                          <p:spTgt spid="3">
+                                            <p:txEl>
+                                              <p:pRg st="0" end="0"/>
+                                            </p:txEl>
+                                          </p:spTgt>
+                                        </p:tgtEl>
+                                      </p:cBhvr>
+                                    </p:animEffect>
+                                    <p:anim calcmode="lin" valueType="num">
+                                      <p:cBhvr>
+                                        <p:cTn id="8" dur="1000" fill="hold"/>
+                                        <p:tgtEl>
+                                          <p:spTgt spid="3">
+                                            <p:txEl>
+                                              <p:pRg st="0" end="0"/>
+                                            </p:txEl>
+                                          </p:spTgt>
+                                        </p:tgtEl>
+                                        <p:attrNameLst>
+                                          <p:attrName>ppt_x</p:attrName>
+                                        </p:attrNameLst>
+                                      </p:cBhvr>
+                                      <p:tavLst>
+                                        <p:tav tm="0">
+                                          <p:val>
+                                            <p:strVal val="#ppt_x"/>
+                                          </p:val>
+                                        </p:tav>
+                                        <p:tav tm="100000">
+                                          <p:val>
+                                            <p:strVal val="#ppt_x"/>
+                                          </p:val>
+                                        </p:tav>
+                                      </p:tavLst>
+                                    </p:anim>
+                                    <p:anim calcmode="lin" valueType="num">
+                                      <p:cBhvr>
+                                        <p:cTn id="9" dur="1000" fill="hold"/>
+                                        <p:tgtEl>
+                                          <p:spTgt spid="3">
+                                            <p:txEl>
+                                              <p:pRg st="0" end="0"/>
+                                            </p:txEl>
+                                          </p:spTgt>
+                                        </p:tgtEl>
+                                        <p:attrNameLst>
+                                          <p:attrName>ppt_y</p:attrName>
+                                        </p:attrNameLst>
+                                      </p:cBhvr>
+                                      <p:tavLst>
+                                        <p:tav tm="0">
+                                          <p:val>
+                                            <p:strVal val="#ppt_y+.1"/>
+                                          </p:val>
+                                        </p:tav>
+                                        <p:tav tm="100000">
+                                          <p:val>
+                                            <p:strVal val="#ppt_y"/>
+                                          </p:val>
+                                        </p:tav>
+                                      </p:tavLst>
+                                    </p:anim>
+                                  </p:childTnLst>
+                                </p:cTn>
+                              </p:par>
+                            </p:childTnLst>
+                          </p:cTn>
+                        </p:par>
+                      </p:childTnLst>
+                    </p:cTn>
+                  </p:par>
+                  <p:par>
+                    <p:cTn id="10" fill="hold">
+                      <p:stCondLst>
+                        <p:cond delay="indefinite"/>
+                      </p:stCondLst>
+                      <p:childTnLst>
+                        <p:par>
+                          <p:cTn id="11" fill="hold">
+                            <p:stCondLst>
+                              <p:cond delay="0"/>
+                            </p:stCondLst>
+                            <p:childTnLst>
+                              <p:par>
+                                <p:cTn id="12" presetID="6" presetClass="entr" presetSubtype="16" fill="hold" nodeType="clickEffect">
+                                  <p:stCondLst>
+                                    <p:cond delay="0"/>
+                                  </p:stCondLst>
+                                  <p:childTnLst>
+                                    <p:set>
+                                      <p:cBhvr>
+                                        <p:cTn id="13" dur="1" fill="hold">
+                                          <p:stCondLst>
+                                            <p:cond delay="0"/>
+                                          </p:stCondLst>
+                                        </p:cTn>
+                                        <p:tgtEl>
+                                          <p:spTgt spid="4"/>
+                                        </p:tgtEl>
+                                        <p:attrNameLst>
+                                          <p:attrName>style.visibility</p:attrName>
+                                        </p:attrNameLst>
+                                      </p:cBhvr>
+                                      <p:to>
+                                        <p:strVal val="visible"/>
+                                      </p:to>
+                                    </p:set>
+                                    <p:animEffect transition="in" filter="circle(in)">
+                                      <p:cBhvr>
+                                        <p:cTn id="14" dur="2000"/>
+                                        <p:tgtEl>
+                                          <p:spTgt spid="4"/>
+                                        </p:tgtEl>
+                                      </p:cBhvr>
+                                    </p:animEffect>
+                                  </p:childTnLst>
+                                </p:cTn>
+                              </p:par>
+                            </p:childTnLst>
+                          </p:cTn>
+                        </p:par>
+                      </p:childTnLst>
+                    </p:cTn>
+                  </p:par>
+                  <p:par>
+                    <p:cTn id="15" fill="hold">
+                      <p:stCondLst>
+                        <p:cond delay="indefinite"/>
+                      </p:stCondLst>
+                      <p:childTnLst>
+                        <p:par>
+                          <p:cTn id="16" fill="hold">
+                            <p:stCondLst>
+                              <p:cond delay="0"/>
+                            </p:stCondLst>
+                            <p:childTnLst>
+                              <p:par>
+                                <p:cTn id="17" presetID="42" presetClass="entr" presetSubtype="0" fill="hold" grpId="0" nodeType="clickEffect">
+                                  <p:stCondLst>
+                                    <p:cond delay="0"/>
+                                  </p:stCondLst>
+                                  <p:childTnLst>
+                                    <p:set>
+                                      <p:cBhvr>
+                                        <p:cTn id="18" dur="1" fill="hold">
+                                          <p:stCondLst>
+                                            <p:cond delay="0"/>
+                                          </p:stCondLst>
+                                        </p:cTn>
+                                        <p:tgtEl>
+                                          <p:spTgt spid="3">
+                                            <p:txEl>
+                                              <p:pRg st="1" end="1"/>
+                                            </p:txEl>
+                                          </p:spTgt>
+                                        </p:tgtEl>
+                                        <p:attrNameLst>
+                                          <p:attrName>style.visibility</p:attrName>
+                                        </p:attrNameLst>
+                                      </p:cBhvr>
+                                      <p:to>
+                                        <p:strVal val="visible"/>
+                                      </p:to>
+                                    </p:set>
+                                    <p:animEffect transition="in" filter="fade">
+                                      <p:cBhvr>
+                                        <p:cTn id="19" dur="1000"/>
+                                        <p:tgtEl>
+                                          <p:spTgt spid="3">
+                                            <p:txEl>
+                                              <p:pRg st="1" end="1"/>
+                                            </p:txEl>
+                                          </p:spTgt>
+                                        </p:tgtEl>
+                                      </p:cBhvr>
+                                    </p:animEffect>
+                                    <p:anim calcmode="lin" valueType="num">
+                                      <p:cBhvr>
+                                        <p:cTn id="20" dur="1000" fill="hold"/>
+                                        <p:tgtEl>
+                                          <p:spTgt spid="3">
+                                            <p:txEl>
+                                              <p:pRg st="1" end="1"/>
+                                            </p:txEl>
+                                          </p:spTgt>
+                                        </p:tgtEl>
+                                        <p:attrNameLst>
+                                          <p:attrName>ppt_x</p:attrName>
+                                        </p:attrNameLst>
+                                      </p:cBhvr>
+                                      <p:tavLst>
+                                        <p:tav tm="0">
+                                          <p:val>
+                                            <p:strVal val="#ppt_x"/>
+                                          </p:val>
+                                        </p:tav>
+                                        <p:tav tm="100000">
+                                          <p:val>
+                                            <p:strVal val="#ppt_x"/>
+                                          </p:val>
+                                        </p:tav>
+                                      </p:tavLst>
+                                    </p:anim>
+                                    <p:anim calcmode="lin" valueType="num">
+                                      <p:cBhvr>
+                                        <p:cTn id="21" dur="1000" fill="hold"/>
+                                        <p:tgtEl>
+                                          <p:spTgt spid="3">
+                                            <p:txEl>
+                                              <p:pRg st="1" end="1"/>
+                                            </p:txEl>
+                                          </p:spTgt>
+                                        </p:tgtEl>
+                                        <p:attrNameLst>
+                                          <p:attrName>ppt_y</p:attrName>
+                                        </p:attrNameLst>
+                                      </p:cBhvr>
+                                      <p:tavLst>
+                                        <p:tav tm="0">
+                                          <p:val>
+                                            <p:strVal val="#ppt_y+.1"/>
+                                          </p:val>
+                                        </p:tav>
+                                        <p:tav tm="100000">
+                                          <p:val>
+                                            <p:strVal val="#ppt_y"/>
+                                          </p:val>
+                                        </p:tav>
+                                      </p:tavLst>
+                                    </p:anim>
+                                  </p:childTnLst>
+                                </p:cTn>
+                              </p:par>
+                            </p:childTnLst>
+                          </p:cTn>
+                        </p:par>
+                      </p:childTnLst>
+                    </p:cTn>
+                  </p:par>
+                  <p:par>
+                    <p:cTn id="22" fill="hold">
+                      <p:stCondLst>
+                        <p:cond delay="indefinite"/>
+                      </p:stCondLst>
+                      <p:childTnLst>
+                        <p:par>
+                          <p:cTn id="23" fill="hold">
+                            <p:stCondLst>
+                              <p:cond delay="0"/>
+                            </p:stCondLst>
+                            <p:childTnLst>
+                              <p:par>
+                                <p:cTn id="24" presetID="2" presetClass="entr" presetSubtype="4" fill="hold" nodeType="clickEffect">
+                                  <p:stCondLst>
+                                    <p:cond delay="0"/>
+                                  </p:stCondLst>
+                                  <p:childTnLst>
+                                    <p:set>
+                                      <p:cBhvr>
+                                        <p:cTn id="25" dur="1" fill="hold">
+                                          <p:stCondLst>
+                                            <p:cond delay="0"/>
+                                          </p:stCondLst>
+                                        </p:cTn>
+                                        <p:tgtEl>
+                                          <p:spTgt spid="5"/>
+                                        </p:tgtEl>
+                                        <p:attrNameLst>
+                                          <p:attrName>style.visibility</p:attrName>
+                                        </p:attrNameLst>
+                                      </p:cBhvr>
+                                      <p:to>
+                                        <p:strVal val="visible"/>
+                                      </p:to>
+                                    </p:set>
+                                    <p:anim calcmode="lin" valueType="num">
+                                      <p:cBhvr additive="base">
+                                        <p:cTn id="26" dur="500" fill="hold"/>
+                                        <p:tgtEl>
+                                          <p:spTgt spid="5"/>
+                                        </p:tgtEl>
+                                        <p:attrNameLst>
+                                          <p:attrName>ppt_x</p:attrName>
+                                        </p:attrNameLst>
+                                      </p:cBhvr>
+                                      <p:tavLst>
+                                        <p:tav tm="0">
+                                          <p:val>
+                                            <p:strVal val="#ppt_x"/>
+                                          </p:val>
+                                        </p:tav>
+                                        <p:tav tm="100000">
+                                          <p:val>
+                                            <p:strVal val="#ppt_x"/>
+                                          </p:val>
+                                        </p:tav>
+                                      </p:tavLst>
+                                    </p:anim>
+                                    <p:anim calcmode="lin" valueType="num">
+                                      <p:cBhvr additive="base">
+                                        <p:cTn id="27" dur="500" fill="hold"/>
+                                        <p:tgtEl>
+                                          <p:spTgt spid="5"/>
+                                        </p:tgtEl>
+                                        <p:attrNameLst>
+                                          <p:attrName>ppt_y</p:attrName>
+                                        </p:attrNameLst>
+                                      </p:cBhvr>
+                                      <p:tavLst>
+                                        <p:tav tm="0">
+                                          <p:val>
+                                            <p:strVal val="1+#ppt_h/2"/>
+                                          </p:val>
+                                        </p:tav>
+                                        <p:tav tm="100000">
+                                          <p:val>
+                                            <p:strVal val="#ppt_y"/>
+                                          </p:val>
+                                        </p:tav>
+                                      </p:tavLst>
+                                    </p:anim>
+                                  </p:childTnLst>
+                                </p:cTn>
+                              </p:par>
+                            </p:childTnLst>
+                          </p:cTn>
+                        </p:par>
+                      </p:childTnLst>
+                    </p:cTn>
+                  </p:par>
+                  <p:par>
+                    <p:cTn id="28" fill="hold">
+                      <p:stCondLst>
+                        <p:cond delay="indefinite"/>
+                      </p:stCondLst>
+                      <p:childTnLst>
+                        <p:par>
+                          <p:cTn id="29" fill="hold">
+                            <p:stCondLst>
+                              <p:cond delay="0"/>
+                            </p:stCondLst>
+                            <p:childTnLst>
+                              <p:par>
+                                <p:cTn id="30" presetID="14" presetClass="exit" presetSubtype="10" fill="hold" nodeType="clickEffect">
+                                  <p:stCondLst>
+                                    <p:cond delay="0"/>
+                                  </p:stCondLst>
+                                  <p:childTnLst>
+                                    <p:animEffect transition="out" filter="randombar(horizontal)">
+                                      <p:cBhvr>
+                                        <p:cTn id="31" dur="500"/>
+                                        <p:tgtEl>
+                                          <p:spTgt spid="4"/>
+                                        </p:tgtEl>
+                                      </p:cBhvr>
+                                    </p:animEffect>
+                                    <p:set>
+                                      <p:cBhvr>
+                                        <p:cTn id="32" dur="1" fill="hold">
+                                          <p:stCondLst>
+                                            <p:cond delay="499"/>
+                                          </p:stCondLst>
+                                        </p:cTn>
+                                        <p:tgtEl>
+                                          <p:spTgt spid="4"/>
+                                        </p:tgtEl>
+                                        <p:attrNameLst>
+                                          <p:attrName>style.visibility</p:attrName>
+                                        </p:attrNameLst>
+                                      </p:cBhvr>
+                                      <p:to>
+                                        <p:strVal val="hidden"/>
+                                      </p:to>
+                                    </p:set>
+                                  </p:childTnLst>
+                                </p:cTn>
+                              </p:par>
+                            </p:childTnLst>
+                          </p:cTn>
+                        </p:par>
+                      </p:childTnLst>
+                    </p:cTn>
+                  </p:par>
+                  <p:par>
+                    <p:cTn id="33" fill="hold">
+                      <p:stCondLst>
+                        <p:cond delay="indefinite"/>
+                      </p:stCondLst>
+                      <p:childTnLst>
+                        <p:par>
+                          <p:cTn id="34" fill="hold">
+                            <p:stCondLst>
+                              <p:cond delay="0"/>
+                            </p:stCondLst>
+                            <p:childTnLst>
+                              <p:par>
+                                <p:cTn id="35" presetID="2" presetClass="exit" presetSubtype="4" fill="hold" nodeType="clickEffect">
+                                  <p:stCondLst>
+                                    <p:cond delay="0"/>
+                                  </p:stCondLst>
+                                  <p:childTnLst>
+                                    <p:anim calcmode="lin" valueType="num">
+                                      <p:cBhvr additive="base">
+                                        <p:cTn id="36" dur="500"/>
+                                        <p:tgtEl>
+                                          <p:spTgt spid="5"/>
+                                        </p:tgtEl>
+                                        <p:attrNameLst>
+                                          <p:attrName>ppt_x</p:attrName>
+                                        </p:attrNameLst>
+                                      </p:cBhvr>
+                                      <p:tavLst>
+                                        <p:tav tm="0">
+                                          <p:val>
+                                            <p:strVal val="ppt_x"/>
+                                          </p:val>
+                                        </p:tav>
+                                        <p:tav tm="100000">
+                                          <p:val>
+                                            <p:strVal val="ppt_x"/>
+                                          </p:val>
+                                        </p:tav>
+                                      </p:tavLst>
+                                    </p:anim>
+                                    <p:anim calcmode="lin" valueType="num">
+                                      <p:cBhvr additive="base">
+                                        <p:cTn id="37" dur="500"/>
+                                        <p:tgtEl>
+                                          <p:spTgt spid="5"/>
+                                        </p:tgtEl>
+                                        <p:attrNameLst>
+                                          <p:attrName>ppt_y</p:attrName>
+                                        </p:attrNameLst>
+                                      </p:cBhvr>
+                                      <p:tavLst>
+                                        <p:tav tm="0">
+                                          <p:val>
+                                            <p:strVal val="ppt_y"/>
+                                          </p:val>
+                                        </p:tav>
+                                        <p:tav tm="100000">
+                                          <p:val>
+                                            <p:strVal val="1+ppt_h/2"/>
+                                          </p:val>
+                                        </p:tav>
+                                      </p:tavLst>
+                                    </p:anim>
+                                    <p:set>
+                                      <p:cBhvr>
+                                        <p:cTn id="38" dur="1" fill="hold">
+                                          <p:stCondLst>
+                                            <p:cond delay="499"/>
+                                          </p:stCondLst>
+                                        </p:cTn>
+                                        <p:tgtEl>
+                                          <p:spTgt spid="5"/>
+                                        </p:tgtEl>
+                                        <p:attrNameLst>
+                                          <p:attrName>style.visibility</p:attrName>
+                                        </p:attrNameLst>
+                                      </p:cBhvr>
+                                      <p:to>
+                                        <p:strVal val="hidden"/>
+                                      </p:to>
+                                    </p:set>
+                                  </p:childTnLst>
+                                </p:cTn>
+                              </p:par>
+                            </p:childTnLst>
+                          </p:cTn>
+                        </p:par>
+                      </p:childTnLst>
+                    </p:cTn>
+                  </p:par>
+                </p:childTnLst>
+              </p:cTn>
+              <p:prevCondLst>
+                <p:cond evt="onPrev" delay="0">
+                  <p:tgtEl>
+                    <p:sldTgt/>
+                  </p:tgtEl>
+                </p:cond>
+              </p:prevCondLst>
+              <p:nextCondLst>
+                <p:cond evt="onNext" delay="0">
+                  <p:tgtEl>
+                    <p:sldTgt/>
+                  </p:tgtEl>
+                </p:cond>
+              </p:nextCondLst>
+            </p:seq>
+          </p:childTnLst>
+        </p:cTn>
       </p:par>
     </p:tnLst>
+    <p:bldLst>
+      <p:bldP spid="3" grpId="0" uiExpand="1" build="p"/>
+    </p:bldLst>
+  </p:timing>
+</p:sld>
+</file>
+
+<file path=ppt/slides/slide7.xml><?xml version="1.0" encoding="utf-8"?>
+<p:sld xmlns:a="http://schemas.openxmlformats.org/drawingml/2006/main" xmlns:r="http://schemas.openxmlformats.org/officeDocument/2006/relationships" xmlns:p="http://schemas.openxmlformats.org/presentationml/2006/main">
+  <p:cSld>
+    <p:spTree>
+      <p:nvGrpSpPr>
+        <p:cNvPr id="1" name=""/>
+        <p:cNvGrpSpPr/>
+        <p:nvPr/>
+      </p:nvGrpSpPr>
+      <p:grpSpPr>
+        <a:xfrm>
+          <a:off x="0" y="0"/>
+          <a:ext cx="0" cy="0"/>
+          <a:chOff x="0" y="0"/>
+          <a:chExt cx="0" cy="0"/>
+        </a:xfrm>
+      </p:grpSpPr>
+      <p:sp>
+        <p:nvSpPr>
+          <p:cNvPr id="2" name="Title 1"/>
+          <p:cNvSpPr>
+            <a:spLocks noGrp="1"/>
+          </p:cNvSpPr>
+          <p:nvPr>
+            <p:ph type="title"/>
+          </p:nvPr>
+        </p:nvSpPr>
+        <p:spPr/>
+        <p:txBody>
+          <a:bodyPr/>
+          <a:lstStyle/>
+          <a:p>
+            <a:r>
+              <a:rPr lang="en-US" dirty="0" smtClean="0"/>
+              <a:t>In Conclusion…</a:t>
+            </a:r>
+            <a:endParaRPr lang="en-US" dirty="0"/>
+          </a:p>
+        </p:txBody>
+      </p:sp>
+      <p:sp>
+        <p:nvSpPr>
+          <p:cNvPr id="3" name="Content Placeholder 2"/>
+          <p:cNvSpPr>
+            <a:spLocks noGrp="1"/>
+          </p:cNvSpPr>
+          <p:nvPr>
+            <p:ph idx="1"/>
+          </p:nvPr>
+        </p:nvSpPr>
+        <p:spPr/>
+        <p:txBody>
+          <a:bodyPr/>
+          <a:lstStyle/>
+          <a:p>
+            <a:r>
+              <a:rPr lang="en-US" dirty="0" smtClean="0"/>
+              <a:t>The Microsoft Technologies have proven to be an interesting challenge, yet rewarding with both the package manager and the website.</a:t>
+            </a:r>
+          </a:p>
+          <a:p>
+            <a:r>
+              <a:rPr lang="en-US" dirty="0" smtClean="0"/>
+              <a:t>We hope to build a mobile app version of the web page for ease of use in the future.</a:t>
+            </a:r>
+            <a:endParaRPr lang="en-US" dirty="0"/>
+          </a:p>
+        </p:txBody>
+      </p:sp>
+      <p:pic>
+        <p:nvPicPr>
+          <p:cNvPr id="4" name="Picture 3"/>
+          <p:cNvPicPr>
+            <a:picLocks noChangeAspect="1"/>
+          </p:cNvPicPr>
+          <p:nvPr/>
+        </p:nvPicPr>
+        <p:blipFill>
+          <a:blip r:embed="rId2">
+            <a:extLst>
+              <a:ext uri="{28A0092B-C50C-407E-A947-70E740481C1C}">
+                <a14:useLocalDpi xmlns:a14="http://schemas.microsoft.com/office/drawing/2010/main" val="0"/>
+              </a:ext>
+            </a:extLst>
+          </a:blip>
+          <a:stretch>
+            <a:fillRect/>
+          </a:stretch>
+        </p:blipFill>
+        <p:spPr>
+          <a:xfrm>
+            <a:off x="2589212" y="4022411"/>
+            <a:ext cx="3185160" cy="2275114"/>
+          </a:xfrm>
+          <a:prstGeom prst="rect">
+            <a:avLst/>
+          </a:prstGeom>
+        </p:spPr>
+      </p:pic>
+      <p:pic>
+        <p:nvPicPr>
+          <p:cNvPr id="5" name="Picture 4"/>
+          <p:cNvPicPr>
+            <a:picLocks noChangeAspect="1"/>
+          </p:cNvPicPr>
+          <p:nvPr/>
+        </p:nvPicPr>
+        <p:blipFill>
+          <a:blip r:embed="rId3">
+            <a:extLst>
+              <a:ext uri="{28A0092B-C50C-407E-A947-70E740481C1C}">
+                <a14:useLocalDpi xmlns:a14="http://schemas.microsoft.com/office/drawing/2010/main" val="0"/>
+              </a:ext>
+            </a:extLst>
+          </a:blip>
+          <a:stretch>
+            <a:fillRect/>
+          </a:stretch>
+        </p:blipFill>
+        <p:spPr>
+          <a:xfrm>
+            <a:off x="2167128" y="28648"/>
+            <a:ext cx="7882127" cy="6821808"/>
+          </a:xfrm>
+          <a:prstGeom prst="rect">
+            <a:avLst/>
+          </a:prstGeom>
+        </p:spPr>
+      </p:pic>
+    </p:spTree>
+    <p:extLst>
+      <p:ext uri="{BB962C8B-B14F-4D97-AF65-F5344CB8AC3E}">
+        <p14:creationId xmlns:p14="http://schemas.microsoft.com/office/powerpoint/2010/main" val="2067152999"/>
+      </p:ext>
+    </p:extLst>
+  </p:cSld>
+  <p:clrMapOvr>
+    <a:masterClrMapping/>
+  </p:clrMapOvr>
+  <mc:AlternateContent xmlns:mc="http://schemas.openxmlformats.org/markup-compatibility/2006">
+    <mc:Choice xmlns:p14="http://schemas.microsoft.com/office/powerpoint/2010/main" Requires="p14">
+      <p:transition spd="slow" p14:dur="4000">
+        <p14:vortex dir="r"/>
+      </p:transition>
+    </mc:Choice>
+    <mc:Fallback>
+      <p:transition spd="slow">
+        <p:fade/>
+      </p:transition>
+    </mc:Fallback>
+  </mc:AlternateContent>
+  <p:timing>
+    <p:tnLst>
+      <p:par>
+        <p:cTn id="1" dur="indefinite" restart="never" nodeType="tmRoot">
+          <p:childTnLst>
+            <p:seq concurrent="1" nextAc="seek">
+              <p:cTn id="2" dur="indefinite" nodeType="mainSeq">
+                <p:childTnLst>
+                  <p:par>
+                    <p:cTn id="3" fill="hold">
+                      <p:stCondLst>
+                        <p:cond delay="indefinite"/>
+                      </p:stCondLst>
+                      <p:childTnLst>
+                        <p:par>
+                          <p:cTn id="4" fill="hold">
+                            <p:stCondLst>
+                              <p:cond delay="0"/>
+                            </p:stCondLst>
+                            <p:childTnLst>
+                              <p:par>
+                                <p:cTn id="5" presetID="10" presetClass="entr" presetSubtype="0" fill="hold" nodeType="clickEffect">
+                                  <p:stCondLst>
+                                    <p:cond delay="0"/>
+                                  </p:stCondLst>
+                                  <p:childTnLst>
+                                    <p:set>
+                                      <p:cBhvr>
+                                        <p:cTn id="6" dur="1" fill="hold">
+                                          <p:stCondLst>
+                                            <p:cond delay="0"/>
+                                          </p:stCondLst>
+                                        </p:cTn>
+                                        <p:tgtEl>
+                                          <p:spTgt spid="4"/>
+                                        </p:tgtEl>
+                                        <p:attrNameLst>
+                                          <p:attrName>style.visibility</p:attrName>
+                                        </p:attrNameLst>
+                                      </p:cBhvr>
+                                      <p:to>
+                                        <p:strVal val="visible"/>
+                                      </p:to>
+                                    </p:set>
+                                    <p:animEffect transition="in" filter="fade">
+                                      <p:cBhvr>
+                                        <p:cTn id="7" dur="500"/>
+                                        <p:tgtEl>
+                                          <p:spTgt spid="4"/>
+                                        </p:tgtEl>
+                                      </p:cBhvr>
+                                    </p:animEffect>
+                                  </p:childTnLst>
+                                </p:cTn>
+                              </p:par>
+                            </p:childTnLst>
+                          </p:cTn>
+                        </p:par>
+                      </p:childTnLst>
+                    </p:cTn>
+                  </p:par>
+                  <p:par>
+                    <p:cTn id="8" fill="hold">
+                      <p:stCondLst>
+                        <p:cond delay="indefinite"/>
+                      </p:stCondLst>
+                      <p:childTnLst>
+                        <p:par>
+                          <p:cTn id="9" fill="hold">
+                            <p:stCondLst>
+                              <p:cond delay="0"/>
+                            </p:stCondLst>
+                            <p:childTnLst>
+                              <p:par>
+                                <p:cTn id="10" presetID="10" presetClass="entr" presetSubtype="0" fill="hold" grpId="0" nodeType="clickEffect">
+                                  <p:stCondLst>
+                                    <p:cond delay="0"/>
+                                  </p:stCondLst>
+                                  <p:childTnLst>
+                                    <p:set>
+                                      <p:cBhvr>
+                                        <p:cTn id="11" dur="1" fill="hold">
+                                          <p:stCondLst>
+                                            <p:cond delay="0"/>
+                                          </p:stCondLst>
+                                        </p:cTn>
+                                        <p:tgtEl>
+                                          <p:spTgt spid="3">
+                                            <p:txEl>
+                                              <p:pRg st="0" end="0"/>
+                                            </p:txEl>
+                                          </p:spTgt>
+                                        </p:tgtEl>
+                                        <p:attrNameLst>
+                                          <p:attrName>style.visibility</p:attrName>
+                                        </p:attrNameLst>
+                                      </p:cBhvr>
+                                      <p:to>
+                                        <p:strVal val="visible"/>
+                                      </p:to>
+                                    </p:set>
+                                    <p:animEffect transition="in" filter="fade">
+                                      <p:cBhvr>
+                                        <p:cTn id="12" dur="500"/>
+                                        <p:tgtEl>
+                                          <p:spTgt spid="3">
+                                            <p:txEl>
+                                              <p:pRg st="0" end="0"/>
+                                            </p:txEl>
+                                          </p:spTgt>
+                                        </p:tgtEl>
+                                      </p:cBhvr>
+                                    </p:animEffect>
+                                  </p:childTnLst>
+                                </p:cTn>
+                              </p:par>
+                            </p:childTnLst>
+                          </p:cTn>
+                        </p:par>
+                      </p:childTnLst>
+                    </p:cTn>
+                  </p:par>
+                  <p:par>
+                    <p:cTn id="13" fill="hold">
+                      <p:stCondLst>
+                        <p:cond delay="indefinite"/>
+                      </p:stCondLst>
+                      <p:childTnLst>
+                        <p:par>
+                          <p:cTn id="14" fill="hold">
+                            <p:stCondLst>
+                              <p:cond delay="0"/>
+                            </p:stCondLst>
+                            <p:childTnLst>
+                              <p:par>
+                                <p:cTn id="15" presetID="10" presetClass="entr" presetSubtype="0" fill="hold" grpId="0" nodeType="clickEffect">
+                                  <p:stCondLst>
+                                    <p:cond delay="0"/>
+                                  </p:stCondLst>
+                                  <p:childTnLst>
+                                    <p:set>
+                                      <p:cBhvr>
+                                        <p:cTn id="16" dur="1" fill="hold">
+                                          <p:stCondLst>
+                                            <p:cond delay="0"/>
+                                          </p:stCondLst>
+                                        </p:cTn>
+                                        <p:tgtEl>
+                                          <p:spTgt spid="3">
+                                            <p:txEl>
+                                              <p:pRg st="1" end="1"/>
+                                            </p:txEl>
+                                          </p:spTgt>
+                                        </p:tgtEl>
+                                        <p:attrNameLst>
+                                          <p:attrName>style.visibility</p:attrName>
+                                        </p:attrNameLst>
+                                      </p:cBhvr>
+                                      <p:to>
+                                        <p:strVal val="visible"/>
+                                      </p:to>
+                                    </p:set>
+                                    <p:animEffect transition="in" filter="fade">
+                                      <p:cBhvr>
+                                        <p:cTn id="17" dur="500"/>
+                                        <p:tgtEl>
+                                          <p:spTgt spid="3">
+                                            <p:txEl>
+                                              <p:pRg st="1" end="1"/>
+                                            </p:txEl>
+                                          </p:spTgt>
+                                        </p:tgtEl>
+                                      </p:cBhvr>
+                                    </p:animEffect>
+                                  </p:childTnLst>
+                                </p:cTn>
+                              </p:par>
+                            </p:childTnLst>
+                          </p:cTn>
+                        </p:par>
+                      </p:childTnLst>
+                    </p:cTn>
+                  </p:par>
+                  <p:par>
+                    <p:cTn id="18" fill="hold">
+                      <p:stCondLst>
+                        <p:cond delay="indefinite"/>
+                      </p:stCondLst>
+                      <p:childTnLst>
+                        <p:par>
+                          <p:cTn id="19" fill="hold">
+                            <p:stCondLst>
+                              <p:cond delay="0"/>
+                            </p:stCondLst>
+                            <p:childTnLst>
+                              <p:par>
+                                <p:cTn id="20" presetID="10" presetClass="exit" presetSubtype="0" fill="hold" nodeType="clickEffect">
+                                  <p:stCondLst>
+                                    <p:cond delay="0"/>
+                                  </p:stCondLst>
+                                  <p:childTnLst>
+                                    <p:animEffect transition="out" filter="fade">
+                                      <p:cBhvr>
+                                        <p:cTn id="21" dur="500"/>
+                                        <p:tgtEl>
+                                          <p:spTgt spid="4"/>
+                                        </p:tgtEl>
+                                      </p:cBhvr>
+                                    </p:animEffect>
+                                    <p:set>
+                                      <p:cBhvr>
+                                        <p:cTn id="22" dur="1" fill="hold">
+                                          <p:stCondLst>
+                                            <p:cond delay="499"/>
+                                          </p:stCondLst>
+                                        </p:cTn>
+                                        <p:tgtEl>
+                                          <p:spTgt spid="4"/>
+                                        </p:tgtEl>
+                                        <p:attrNameLst>
+                                          <p:attrName>style.visibility</p:attrName>
+                                        </p:attrNameLst>
+                                      </p:cBhvr>
+                                      <p:to>
+                                        <p:strVal val="hidden"/>
+                                      </p:to>
+                                    </p:set>
+                                  </p:childTnLst>
+                                </p:cTn>
+                              </p:par>
+                            </p:childTnLst>
+                          </p:cTn>
+                        </p:par>
+                      </p:childTnLst>
+                    </p:cTn>
+                  </p:par>
+                  <p:par>
+                    <p:cTn id="23" fill="hold">
+                      <p:stCondLst>
+                        <p:cond delay="indefinite"/>
+                      </p:stCondLst>
+                      <p:childTnLst>
+                        <p:par>
+                          <p:cTn id="24" fill="hold">
+                            <p:stCondLst>
+                              <p:cond delay="0"/>
+                            </p:stCondLst>
+                            <p:childTnLst>
+                              <p:par>
+                                <p:cTn id="25" presetID="31" presetClass="entr" presetSubtype="0" fill="hold" nodeType="clickEffect">
+                                  <p:stCondLst>
+                                    <p:cond delay="0"/>
+                                  </p:stCondLst>
+                                  <p:childTnLst>
+                                    <p:set>
+                                      <p:cBhvr>
+                                        <p:cTn id="26" dur="1" fill="hold">
+                                          <p:stCondLst>
+                                            <p:cond delay="0"/>
+                                          </p:stCondLst>
+                                        </p:cTn>
+                                        <p:tgtEl>
+                                          <p:spTgt spid="5"/>
+                                        </p:tgtEl>
+                                        <p:attrNameLst>
+                                          <p:attrName>style.visibility</p:attrName>
+                                        </p:attrNameLst>
+                                      </p:cBhvr>
+                                      <p:to>
+                                        <p:strVal val="visible"/>
+                                      </p:to>
+                                    </p:set>
+                                    <p:anim calcmode="lin" valueType="num">
+                                      <p:cBhvr>
+                                        <p:cTn id="27" dur="1000" fill="hold"/>
+                                        <p:tgtEl>
+                                          <p:spTgt spid="5"/>
+                                        </p:tgtEl>
+                                        <p:attrNameLst>
+                                          <p:attrName>ppt_w</p:attrName>
+                                        </p:attrNameLst>
+                                      </p:cBhvr>
+                                      <p:tavLst>
+                                        <p:tav tm="0">
+                                          <p:val>
+                                            <p:fltVal val="0"/>
+                                          </p:val>
+                                        </p:tav>
+                                        <p:tav tm="100000">
+                                          <p:val>
+                                            <p:strVal val="#ppt_w"/>
+                                          </p:val>
+                                        </p:tav>
+                                      </p:tavLst>
+                                    </p:anim>
+                                    <p:anim calcmode="lin" valueType="num">
+                                      <p:cBhvr>
+                                        <p:cTn id="28" dur="1000" fill="hold"/>
+                                        <p:tgtEl>
+                                          <p:spTgt spid="5"/>
+                                        </p:tgtEl>
+                                        <p:attrNameLst>
+                                          <p:attrName>ppt_h</p:attrName>
+                                        </p:attrNameLst>
+                                      </p:cBhvr>
+                                      <p:tavLst>
+                                        <p:tav tm="0">
+                                          <p:val>
+                                            <p:fltVal val="0"/>
+                                          </p:val>
+                                        </p:tav>
+                                        <p:tav tm="100000">
+                                          <p:val>
+                                            <p:strVal val="#ppt_h"/>
+                                          </p:val>
+                                        </p:tav>
+                                      </p:tavLst>
+                                    </p:anim>
+                                    <p:anim calcmode="lin" valueType="num">
+                                      <p:cBhvr>
+                                        <p:cTn id="29" dur="1000" fill="hold"/>
+                                        <p:tgtEl>
+                                          <p:spTgt spid="5"/>
+                                        </p:tgtEl>
+                                        <p:attrNameLst>
+                                          <p:attrName>style.rotation</p:attrName>
+                                        </p:attrNameLst>
+                                      </p:cBhvr>
+                                      <p:tavLst>
+                                        <p:tav tm="0">
+                                          <p:val>
+                                            <p:fltVal val="90"/>
+                                          </p:val>
+                                        </p:tav>
+                                        <p:tav tm="100000">
+                                          <p:val>
+                                            <p:fltVal val="0"/>
+                                          </p:val>
+                                        </p:tav>
+                                      </p:tavLst>
+                                    </p:anim>
+                                    <p:animEffect transition="in" filter="fade">
+                                      <p:cBhvr>
+                                        <p:cTn id="30" dur="1000"/>
+                                        <p:tgtEl>
+                                          <p:spTgt spid="5"/>
+                                        </p:tgtEl>
+                                      </p:cBhvr>
+                                    </p:animEffect>
+                                  </p:childTnLst>
+                                </p:cTn>
+                              </p:par>
+                            </p:childTnLst>
+                          </p:cTn>
+                        </p:par>
+                      </p:childTnLst>
+                    </p:cTn>
+                  </p:par>
+                  <p:par>
+                    <p:cTn id="31" fill="hold">
+                      <p:stCondLst>
+                        <p:cond delay="indefinite"/>
+                      </p:stCondLst>
+                      <p:childTnLst>
+                        <p:par>
+                          <p:cTn id="32" fill="hold">
+                            <p:stCondLst>
+                              <p:cond delay="0"/>
+                            </p:stCondLst>
+                            <p:childTnLst>
+                              <p:par>
+                                <p:cTn id="33" presetID="6" presetClass="emph" presetSubtype="0" fill="hold" nodeType="clickEffect">
+                                  <p:stCondLst>
+                                    <p:cond delay="0"/>
+                                  </p:stCondLst>
+                                  <p:childTnLst>
+                                    <p:animScale>
+                                      <p:cBhvr>
+                                        <p:cTn id="34" dur="2000" fill="hold"/>
+                                        <p:tgtEl>
+                                          <p:spTgt spid="5"/>
+                                        </p:tgtEl>
+                                      </p:cBhvr>
+                                      <p:by x="150000" y="150000"/>
+                                    </p:animScale>
+                                  </p:childTnLst>
+                                </p:cTn>
+                              </p:par>
+                            </p:childTnLst>
+                          </p:cTn>
+                        </p:par>
+                      </p:childTnLst>
+                    </p:cTn>
+                  </p:par>
+                </p:childTnLst>
+              </p:cTn>
+              <p:prevCondLst>
+                <p:cond evt="onPrev" delay="0">
+                  <p:tgtEl>
+                    <p:sldTgt/>
+                  </p:tgtEl>
+                </p:cond>
+              </p:prevCondLst>
+              <p:nextCondLst>
+                <p:cond evt="onNext" delay="0">
+                  <p:tgtEl>
+                    <p:sldTgt/>
+                  </p:tgtEl>
+                </p:cond>
+              </p:nextCondLst>
+            </p:seq>
+          </p:childTnLst>
+        </p:cTn>
+      </p:par>
+    </p:tnLst>
+    <p:bldLst>
+      <p:bldP spid="3" grpId="0" build="p"/>
+    </p:bldLst>
   </p:timing>
 </p:sld>
 </file>

--- a/OOSD_Project2_Team5_Presentation.pptx
+++ b/OOSD_Project2_Team5_Presentation.pptx
@@ -11,7 +11,6 @@
     <p:sldId id="259" r:id="rId5"/>
     <p:sldId id="260" r:id="rId6"/>
     <p:sldId id="261" r:id="rId7"/>
-    <p:sldId id="262" r:id="rId8"/>
   </p:sldIdLst>
   <p:sldSz cx="12192000" cy="6858000"/>
   <p:notesSz cx="6858000" cy="9144000"/>
@@ -7613,7 +7612,11 @@
             </a:r>
             <a:r>
               <a:rPr lang="en-US" dirty="0" smtClean="0"/>
-              <a:t>. (Status Report)</a:t>
+              <a:t>. (</a:t>
+            </a:r>
+            <a:r>
+              <a:rPr lang="en-US" smtClean="0"/>
+              <a:t>Status Report)</a:t>
             </a:r>
             <a:endParaRPr lang="en-US" dirty="0"/>
           </a:p>
@@ -7649,36 +7652,6 @@
           </a:prstGeom>
         </p:spPr>
       </p:pic>
-      <p:pic>
-        <p:nvPicPr>
-          <p:cNvPr id="5" name="Picture 4"/>
-          <p:cNvPicPr>
-            <a:picLocks noChangeAspect="1"/>
-          </p:cNvPicPr>
-          <p:nvPr/>
-        </p:nvPicPr>
-        <p:blipFill>
-          <a:blip r:embed="rId3">
-            <a:extLst>
-              <a:ext uri="{28A0092B-C50C-407E-A947-70E740481C1C}">
-                <a14:useLocalDpi xmlns:a14="http://schemas.microsoft.com/office/drawing/2010/main" val="0"/>
-              </a:ext>
-            </a:extLst>
-          </a:blip>
-          <a:stretch>
-            <a:fillRect/>
-          </a:stretch>
-        </p:blipFill>
-        <p:spPr>
-          <a:xfrm>
-            <a:off x="7208329" y="1709548"/>
-            <a:ext cx="2237423" cy="1936441"/>
-          </a:xfrm>
-          <a:prstGeom prst="rect">
-            <a:avLst/>
-          </a:prstGeom>
-        </p:spPr>
-      </p:pic>
     </p:spTree>
     <p:extLst>
       <p:ext uri="{BB962C8B-B14F-4D97-AF65-F5344CB8AC3E}">
@@ -7689,18 +7662,6 @@
   <p:clrMapOvr>
     <a:masterClrMapping/>
   </p:clrMapOvr>
-  <mc:AlternateContent xmlns:mc="http://schemas.openxmlformats.org/markup-compatibility/2006">
-    <mc:Choice xmlns:p14="http://schemas.microsoft.com/office/powerpoint/2010/main" Requires="p14">
-      <p:transition spd="slow" p14:dur="4400">
-        <p14:honeycomb/>
-      </p:transition>
-    </mc:Choice>
-    <mc:Fallback>
-      <p:transition spd="slow">
-        <p:fade/>
-      </p:transition>
-    </mc:Fallback>
-  </mc:AlternateContent>
   <p:timing>
     <p:tnLst>
       <p:par>
@@ -7844,7 +7805,7 @@
                             </p:stCondLst>
                             <p:childTnLst>
                               <p:par>
-                                <p:cTn id="13" presetID="2" presetClass="entr" presetSubtype="12" fill="hold" nodeType="clickEffect">
+                                <p:cTn id="13" presetID="14" presetClass="entr" presetSubtype="10" fill="hold" grpId="0" nodeType="clickEffect">
                                   <p:stCondLst>
                                     <p:cond delay="0"/>
                                   </p:stCondLst>
@@ -7857,97 +7818,6 @@
                                           </p:stCondLst>
                                         </p:cTn>
                                         <p:tgtEl>
-                                          <p:spTgt spid="5"/>
-                                        </p:tgtEl>
-                                        <p:attrNameLst>
-                                          <p:attrName>style.visibility</p:attrName>
-                                        </p:attrNameLst>
-                                      </p:cBhvr>
-                                      <p:to>
-                                        <p:strVal val="visible"/>
-                                      </p:to>
-                                    </p:set>
-                                    <p:anim calcmode="lin" valueType="num">
-                                      <p:cBhvr additive="base">
-                                        <p:cTn id="15" dur="500" fill="hold"/>
-                                        <p:tgtEl>
-                                          <p:spTgt spid="5"/>
-                                        </p:tgtEl>
-                                        <p:attrNameLst>
-                                          <p:attrName>ppt_x</p:attrName>
-                                        </p:attrNameLst>
-                                      </p:cBhvr>
-                                      <p:tavLst>
-                                        <p:tav tm="0">
-                                          <p:val>
-                                            <p:strVal val="0-#ppt_w/2"/>
-                                          </p:val>
-                                        </p:tav>
-                                        <p:tav tm="100000">
-                                          <p:val>
-                                            <p:strVal val="#ppt_x"/>
-                                          </p:val>
-                                        </p:tav>
-                                      </p:tavLst>
-                                    </p:anim>
-                                    <p:anim calcmode="lin" valueType="num">
-                                      <p:cBhvr additive="base">
-                                        <p:cTn id="16" dur="500" fill="hold"/>
-                                        <p:tgtEl>
-                                          <p:spTgt spid="5"/>
-                                        </p:tgtEl>
-                                        <p:attrNameLst>
-                                          <p:attrName>ppt_y</p:attrName>
-                                        </p:attrNameLst>
-                                      </p:cBhvr>
-                                      <p:tavLst>
-                                        <p:tav tm="0">
-                                          <p:val>
-                                            <p:strVal val="1+#ppt_h/2"/>
-                                          </p:val>
-                                        </p:tav>
-                                        <p:tav tm="100000">
-                                          <p:val>
-                                            <p:strVal val="#ppt_y"/>
-                                          </p:val>
-                                        </p:tav>
-                                      </p:tavLst>
-                                    </p:anim>
-                                  </p:childTnLst>
-                                </p:cTn>
-                              </p:par>
-                            </p:childTnLst>
-                          </p:cTn>
-                        </p:par>
-                      </p:childTnLst>
-                    </p:cTn>
-                  </p:par>
-                  <p:par>
-                    <p:cTn id="17" fill="hold">
-                      <p:stCondLst>
-                        <p:cond delay="indefinite"/>
-                      </p:stCondLst>
-                      <p:childTnLst>
-                        <p:par>
-                          <p:cTn id="18" fill="hold">
-                            <p:stCondLst>
-                              <p:cond delay="0"/>
-                            </p:stCondLst>
-                            <p:childTnLst>
-                              <p:par>
-                                <p:cTn id="19" presetID="14" presetClass="entr" presetSubtype="10" fill="hold" grpId="0" nodeType="clickEffect">
-                                  <p:stCondLst>
-                                    <p:cond delay="0"/>
-                                  </p:stCondLst>
-                                  <p:childTnLst>
-                                    <p:set>
-                                      <p:cBhvr>
-                                        <p:cTn id="20" dur="1" fill="hold">
-                                          <p:stCondLst>
-                                            <p:cond delay="0"/>
-                                          </p:stCondLst>
-                                        </p:cTn>
-                                        <p:tgtEl>
                                           <p:spTgt spid="3">
                                             <p:txEl>
                                               <p:pRg st="0" end="0"/>
@@ -7964,7 +7834,7 @@
                                     </p:set>
                                     <p:animEffect transition="in" filter="randombar(horizontal)">
                                       <p:cBhvr>
-                                        <p:cTn id="21" dur="500"/>
+                                        <p:cTn id="15" dur="500"/>
                                         <p:tgtEl>
                                           <p:spTgt spid="3">
                                             <p:txEl>
@@ -7984,26 +7854,26 @@
                     </p:cTn>
                   </p:par>
                   <p:par>
-                    <p:cTn id="22" fill="hold">
+                    <p:cTn id="16" fill="hold">
                       <p:stCondLst>
                         <p:cond delay="indefinite"/>
                       </p:stCondLst>
                       <p:childTnLst>
                         <p:par>
-                          <p:cTn id="23" fill="hold">
+                          <p:cTn id="17" fill="hold">
                             <p:stCondLst>
                               <p:cond delay="0"/>
                             </p:stCondLst>
                             <p:childTnLst>
                               <p:par>
-                                <p:cTn id="24" presetID="31" presetClass="exit" presetSubtype="0" fill="hold" nodeType="clickEffect">
+                                <p:cTn id="18" presetID="31" presetClass="exit" presetSubtype="0" fill="hold" nodeType="clickEffect">
                                   <p:stCondLst>
                                     <p:cond delay="0"/>
                                   </p:stCondLst>
                                   <p:childTnLst>
                                     <p:anim calcmode="lin" valueType="num">
                                       <p:cBhvr>
-                                        <p:cTn id="25" dur="1000"/>
+                                        <p:cTn id="19" dur="1000"/>
                                         <p:tgtEl>
                                           <p:spTgt spid="4"/>
                                         </p:tgtEl>
@@ -8026,7 +7896,7 @@
                                     </p:anim>
                                     <p:anim calcmode="lin" valueType="num">
                                       <p:cBhvr>
-                                        <p:cTn id="26" dur="1000"/>
+                                        <p:cTn id="20" dur="1000"/>
                                         <p:tgtEl>
                                           <p:spTgt spid="4"/>
                                         </p:tgtEl>
@@ -8049,7 +7919,7 @@
                                     </p:anim>
                                     <p:anim calcmode="lin" valueType="num">
                                       <p:cBhvr>
-                                        <p:cTn id="27" dur="1000"/>
+                                        <p:cTn id="21" dur="1000"/>
                                         <p:tgtEl>
                                           <p:spTgt spid="4"/>
                                         </p:tgtEl>
@@ -8072,7 +7942,7 @@
                                     </p:anim>
                                     <p:animEffect transition="out" filter="fade">
                                       <p:cBhvr>
-                                        <p:cTn id="28" dur="1000"/>
+                                        <p:cTn id="22" dur="1000"/>
                                         <p:tgtEl>
                                           <p:spTgt spid="4"/>
                                         </p:tgtEl>
@@ -8080,104 +7950,13 @@
                                     </p:animEffect>
                                     <p:set>
                                       <p:cBhvr>
-                                        <p:cTn id="29" dur="1" fill="hold">
+                                        <p:cTn id="23" dur="1" fill="hold">
                                           <p:stCondLst>
                                             <p:cond delay="999"/>
                                           </p:stCondLst>
                                         </p:cTn>
                                         <p:tgtEl>
                                           <p:spTgt spid="4"/>
-                                        </p:tgtEl>
-                                        <p:attrNameLst>
-                                          <p:attrName>style.visibility</p:attrName>
-                                        </p:attrNameLst>
-                                      </p:cBhvr>
-                                      <p:to>
-                                        <p:strVal val="hidden"/>
-                                      </p:to>
-                                    </p:set>
-                                  </p:childTnLst>
-                                </p:cTn>
-                              </p:par>
-                            </p:childTnLst>
-                          </p:cTn>
-                        </p:par>
-                      </p:childTnLst>
-                    </p:cTn>
-                  </p:par>
-                  <p:par>
-                    <p:cTn id="30" fill="hold">
-                      <p:stCondLst>
-                        <p:cond delay="indefinite"/>
-                      </p:stCondLst>
-                      <p:childTnLst>
-                        <p:par>
-                          <p:cTn id="31" fill="hold">
-                            <p:stCondLst>
-                              <p:cond delay="0"/>
-                            </p:stCondLst>
-                            <p:childTnLst>
-                              <p:par>
-                                <p:cTn id="32" presetID="2" presetClass="exit" presetSubtype="3" fill="hold" nodeType="clickEffect">
-                                  <p:stCondLst>
-                                    <p:cond delay="0"/>
-                                  </p:stCondLst>
-                                  <p:childTnLst>
-                                    <p:anim calcmode="lin" valueType="num">
-                                      <p:cBhvr additive="base">
-                                        <p:cTn id="33" dur="500"/>
-                                        <p:tgtEl>
-                                          <p:spTgt spid="5"/>
-                                        </p:tgtEl>
-                                        <p:attrNameLst>
-                                          <p:attrName>ppt_x</p:attrName>
-                                        </p:attrNameLst>
-                                      </p:cBhvr>
-                                      <p:tavLst>
-                                        <p:tav tm="0">
-                                          <p:val>
-                                            <p:strVal val="ppt_x"/>
-                                          </p:val>
-                                        </p:tav>
-                                        <p:tav tm="100000">
-                                          <p:val>
-                                            <p:strVal val="1+ppt_w/2"/>
-                                          </p:val>
-                                        </p:tav>
-                                      </p:tavLst>
-                                    </p:anim>
-                                    <p:anim calcmode="lin" valueType="num">
-                                      <p:cBhvr additive="base">
-                                        <p:cTn id="34" dur="500"/>
-                                        <p:tgtEl>
-                                          <p:spTgt spid="5"/>
-                                        </p:tgtEl>
-                                        <p:attrNameLst>
-                                          <p:attrName>ppt_y</p:attrName>
-                                        </p:attrNameLst>
-                                      </p:cBhvr>
-                                      <p:tavLst>
-                                        <p:tav tm="0">
-                                          <p:val>
-                                            <p:strVal val="ppt_y"/>
-                                          </p:val>
-                                        </p:tav>
-                                        <p:tav tm="100000">
-                                          <p:val>
-                                            <p:strVal val="0-ppt_h/2"/>
-                                          </p:val>
-                                        </p:tav>
-                                      </p:tavLst>
-                                    </p:anim>
-                                    <p:set>
-                                      <p:cBhvr>
-                                        <p:cTn id="35" dur="1" fill="hold">
-                                          <p:stCondLst>
-                                            <p:cond delay="499"/>
-                                          </p:stCondLst>
-                                        </p:cTn>
-                                        <p:tgtEl>
-                                          <p:spTgt spid="5"/>
                                         </p:tgtEl>
                                         <p:attrNameLst>
                                           <p:attrName>style.visibility</p:attrName>
@@ -8357,18 +8136,6 @@
   <p:clrMapOvr>
     <a:masterClrMapping/>
   </p:clrMapOvr>
-  <mc:AlternateContent xmlns:mc="http://schemas.openxmlformats.org/markup-compatibility/2006">
-    <mc:Choice xmlns:p14="http://schemas.microsoft.com/office/powerpoint/2010/main" Requires="p14">
-      <p:transition spd="slow" p14:dur="1600">
-        <p:blinds dir="vert"/>
-      </p:transition>
-    </mc:Choice>
-    <mc:Fallback>
-      <p:transition spd="slow">
-        <p:blinds dir="vert"/>
-      </p:transition>
-    </mc:Fallback>
-  </mc:AlternateContent>
   <p:timing>
     <p:tnLst>
       <p:par>
@@ -8945,9 +8712,6 @@
   <p:clrMapOvr>
     <a:masterClrMapping/>
   </p:clrMapOvr>
-  <p:transition spd="med">
-    <p:pull/>
-  </p:transition>
   <p:timing>
     <p:tnLst>
       <p:par>
@@ -10425,18 +10189,6 @@
   <p:clrMapOvr>
     <a:masterClrMapping/>
   </p:clrMapOvr>
-  <mc:AlternateContent xmlns:mc="http://schemas.openxmlformats.org/markup-compatibility/2006">
-    <mc:Choice xmlns:p15="http://schemas.microsoft.com/office/powerpoint/2012/main" Requires="p15">
-      <p:transition xmlns:p14="http://schemas.microsoft.com/office/powerpoint/2010/main" spd="slow" p14:dur="1250">
-        <p15:prstTrans prst="airplane"/>
-      </p:transition>
-    </mc:Choice>
-    <mc:Fallback>
-      <p:transition spd="slow">
-        <p:fade/>
-      </p:transition>
-    </mc:Fallback>
-  </mc:AlternateContent>
   <p:timing>
     <p:tnLst>
       <p:par>
@@ -12014,84 +11766,24 @@
           <a:p>
             <a:r>
               <a:rPr lang="en-US" dirty="0" smtClean="0"/>
-              <a:t>There’s even a “complaints” page that is linked from the about page</a:t>
+              <a:t>There’s even </a:t>
+            </a:r>
+            <a:r>
+              <a:rPr lang="en-US" smtClean="0"/>
+              <a:t>a “complaints” </a:t>
             </a:r>
             <a:r>
               <a:rPr lang="en-US" dirty="0" smtClean="0"/>
-              <a:t>.</a:t>
+              <a:t>page that is linked from the </a:t>
             </a:r>
-          </a:p>
-          <a:p>
             <a:r>
-              <a:rPr lang="en-US" dirty="0" smtClean="0"/>
-              <a:t>Book trips with ease, with nice looking layouts.</a:t>
+              <a:rPr lang="en-US" smtClean="0"/>
+              <a:t>about page.</a:t>
             </a:r>
-          </a:p>
-          <a:p>
             <a:endParaRPr lang="en-US" dirty="0"/>
           </a:p>
         </p:txBody>
       </p:sp>
-      <p:pic>
-        <p:nvPicPr>
-          <p:cNvPr id="4" name="Picture 3"/>
-          <p:cNvPicPr>
-            <a:picLocks noChangeAspect="1"/>
-          </p:cNvPicPr>
-          <p:nvPr/>
-        </p:nvPicPr>
-        <p:blipFill>
-          <a:blip r:embed="rId2">
-            <a:extLst>
-              <a:ext uri="{28A0092B-C50C-407E-A947-70E740481C1C}">
-                <a14:useLocalDpi xmlns:a14="http://schemas.microsoft.com/office/drawing/2010/main" val="0"/>
-              </a:ext>
-            </a:extLst>
-          </a:blip>
-          <a:stretch>
-            <a:fillRect/>
-          </a:stretch>
-        </p:blipFill>
-        <p:spPr>
-          <a:xfrm>
-            <a:off x="3163824" y="4432249"/>
-            <a:ext cx="2704563" cy="2028632"/>
-          </a:xfrm>
-          <a:prstGeom prst="rect">
-            <a:avLst/>
-          </a:prstGeom>
-        </p:spPr>
-      </p:pic>
-      <p:pic>
-        <p:nvPicPr>
-          <p:cNvPr id="5" name="Picture 4"/>
-          <p:cNvPicPr>
-            <a:picLocks noChangeAspect="1"/>
-          </p:cNvPicPr>
-          <p:nvPr/>
-        </p:nvPicPr>
-        <p:blipFill>
-          <a:blip r:embed="rId3">
-            <a:extLst>
-              <a:ext uri="{28A0092B-C50C-407E-A947-70E740481C1C}">
-                <a14:useLocalDpi xmlns:a14="http://schemas.microsoft.com/office/drawing/2010/main" val="0"/>
-              </a:ext>
-            </a:extLst>
-          </a:blip>
-          <a:stretch>
-            <a:fillRect/>
-          </a:stretch>
-        </p:blipFill>
-        <p:spPr>
-          <a:xfrm>
-            <a:off x="9338609" y="4432249"/>
-            <a:ext cx="2420765" cy="2095119"/>
-          </a:xfrm>
-          <a:prstGeom prst="rect">
-            <a:avLst/>
-          </a:prstGeom>
-        </p:spPr>
-      </p:pic>
     </p:spTree>
     <p:extLst>
       <p:ext uri="{BB962C8B-B14F-4D97-AF65-F5344CB8AC3E}">
@@ -12102,708 +11794,12 @@
   <p:clrMapOvr>
     <a:masterClrMapping/>
   </p:clrMapOvr>
-  <mc:AlternateContent xmlns:mc="http://schemas.openxmlformats.org/markup-compatibility/2006">
-    <mc:Choice xmlns:p14="http://schemas.microsoft.com/office/powerpoint/2010/main" Requires="p14">
-      <p:transition spd="slow" p14:dur="2500">
-        <p:checker/>
-      </p:transition>
-    </mc:Choice>
-    <mc:Fallback>
-      <p:transition spd="slow">
-        <p:checker/>
-      </p:transition>
-    </mc:Fallback>
-  </mc:AlternateContent>
   <p:timing>
     <p:tnLst>
       <p:par>
-        <p:cTn id="1" dur="indefinite" restart="never" nodeType="tmRoot">
-          <p:childTnLst>
-            <p:seq concurrent="1" nextAc="seek">
-              <p:cTn id="2" dur="indefinite" nodeType="mainSeq">
-                <p:childTnLst>
-                  <p:par>
-                    <p:cTn id="3" fill="hold">
-                      <p:stCondLst>
-                        <p:cond delay="indefinite"/>
-                      </p:stCondLst>
-                      <p:childTnLst>
-                        <p:par>
-                          <p:cTn id="4" fill="hold">
-                            <p:stCondLst>
-                              <p:cond delay="0"/>
-                            </p:stCondLst>
-                            <p:childTnLst>
-                              <p:par>
-                                <p:cTn id="5" presetID="45" presetClass="entr" presetSubtype="0" fill="hold" nodeType="clickEffect">
-                                  <p:stCondLst>
-                                    <p:cond delay="0"/>
-                                  </p:stCondLst>
-                                  <p:childTnLst>
-                                    <p:set>
-                                      <p:cBhvr>
-                                        <p:cTn id="6" dur="1" fill="hold">
-                                          <p:stCondLst>
-                                            <p:cond delay="0"/>
-                                          </p:stCondLst>
-                                        </p:cTn>
-                                        <p:tgtEl>
-                                          <p:spTgt spid="4"/>
-                                        </p:tgtEl>
-                                        <p:attrNameLst>
-                                          <p:attrName>style.visibility</p:attrName>
-                                        </p:attrNameLst>
-                                      </p:cBhvr>
-                                      <p:to>
-                                        <p:strVal val="visible"/>
-                                      </p:to>
-                                    </p:set>
-                                    <p:animEffect transition="in" filter="fade">
-                                      <p:cBhvr>
-                                        <p:cTn id="7" dur="2000"/>
-                                        <p:tgtEl>
-                                          <p:spTgt spid="4"/>
-                                        </p:tgtEl>
-                                      </p:cBhvr>
-                                    </p:animEffect>
-                                    <p:anim calcmode="lin" valueType="num">
-                                      <p:cBhvr>
-                                        <p:cTn id="8" dur="2000" fill="hold"/>
-                                        <p:tgtEl>
-                                          <p:spTgt spid="4"/>
-                                        </p:tgtEl>
-                                        <p:attrNameLst>
-                                          <p:attrName>ppt_w</p:attrName>
-                                        </p:attrNameLst>
-                                      </p:cBhvr>
-                                      <p:tavLst>
-                                        <p:tav tm="0" fmla="#ppt_w*sin(2.5*pi*$)">
-                                          <p:val>
-                                            <p:fltVal val="0"/>
-                                          </p:val>
-                                        </p:tav>
-                                        <p:tav tm="100000">
-                                          <p:val>
-                                            <p:fltVal val="1"/>
-                                          </p:val>
-                                        </p:tav>
-                                      </p:tavLst>
-                                    </p:anim>
-                                    <p:anim calcmode="lin" valueType="num">
-                                      <p:cBhvr>
-                                        <p:cTn id="9" dur="2000" fill="hold"/>
-                                        <p:tgtEl>
-                                          <p:spTgt spid="4"/>
-                                        </p:tgtEl>
-                                        <p:attrNameLst>
-                                          <p:attrName>ppt_h</p:attrName>
-                                        </p:attrNameLst>
-                                      </p:cBhvr>
-                                      <p:tavLst>
-                                        <p:tav tm="0">
-                                          <p:val>
-                                            <p:strVal val="#ppt_h"/>
-                                          </p:val>
-                                        </p:tav>
-                                        <p:tav tm="100000">
-                                          <p:val>
-                                            <p:strVal val="#ppt_h"/>
-                                          </p:val>
-                                        </p:tav>
-                                      </p:tavLst>
-                                    </p:anim>
-                                  </p:childTnLst>
-                                </p:cTn>
-                              </p:par>
-                            </p:childTnLst>
-                          </p:cTn>
-                        </p:par>
-                      </p:childTnLst>
-                    </p:cTn>
-                  </p:par>
-                  <p:par>
-                    <p:cTn id="10" fill="hold">
-                      <p:stCondLst>
-                        <p:cond delay="indefinite"/>
-                      </p:stCondLst>
-                      <p:childTnLst>
-                        <p:par>
-                          <p:cTn id="11" fill="hold">
-                            <p:stCondLst>
-                              <p:cond delay="0"/>
-                            </p:stCondLst>
-                            <p:childTnLst>
-                              <p:par>
-                                <p:cTn id="12" presetID="2" presetClass="entr" presetSubtype="4" fill="hold" nodeType="clickEffect">
-                                  <p:stCondLst>
-                                    <p:cond delay="0"/>
-                                  </p:stCondLst>
-                                  <p:childTnLst>
-                                    <p:set>
-                                      <p:cBhvr>
-                                        <p:cTn id="13" dur="1" fill="hold">
-                                          <p:stCondLst>
-                                            <p:cond delay="0"/>
-                                          </p:stCondLst>
-                                        </p:cTn>
-                                        <p:tgtEl>
-                                          <p:spTgt spid="5"/>
-                                        </p:tgtEl>
-                                        <p:attrNameLst>
-                                          <p:attrName>style.visibility</p:attrName>
-                                        </p:attrNameLst>
-                                      </p:cBhvr>
-                                      <p:to>
-                                        <p:strVal val="visible"/>
-                                      </p:to>
-                                    </p:set>
-                                    <p:anim calcmode="lin" valueType="num">
-                                      <p:cBhvr additive="base">
-                                        <p:cTn id="14" dur="500" fill="hold"/>
-                                        <p:tgtEl>
-                                          <p:spTgt spid="5"/>
-                                        </p:tgtEl>
-                                        <p:attrNameLst>
-                                          <p:attrName>ppt_x</p:attrName>
-                                        </p:attrNameLst>
-                                      </p:cBhvr>
-                                      <p:tavLst>
-                                        <p:tav tm="0">
-                                          <p:val>
-                                            <p:strVal val="#ppt_x"/>
-                                          </p:val>
-                                        </p:tav>
-                                        <p:tav tm="100000">
-                                          <p:val>
-                                            <p:strVal val="#ppt_x"/>
-                                          </p:val>
-                                        </p:tav>
-                                      </p:tavLst>
-                                    </p:anim>
-                                    <p:anim calcmode="lin" valueType="num">
-                                      <p:cBhvr additive="base">
-                                        <p:cTn id="15" dur="500" fill="hold"/>
-                                        <p:tgtEl>
-                                          <p:spTgt spid="5"/>
-                                        </p:tgtEl>
-                                        <p:attrNameLst>
-                                          <p:attrName>ppt_y</p:attrName>
-                                        </p:attrNameLst>
-                                      </p:cBhvr>
-                                      <p:tavLst>
-                                        <p:tav tm="0">
-                                          <p:val>
-                                            <p:strVal val="1+#ppt_h/2"/>
-                                          </p:val>
-                                        </p:tav>
-                                        <p:tav tm="100000">
-                                          <p:val>
-                                            <p:strVal val="#ppt_y"/>
-                                          </p:val>
-                                        </p:tav>
-                                      </p:tavLst>
-                                    </p:anim>
-                                  </p:childTnLst>
-                                </p:cTn>
-                              </p:par>
-                            </p:childTnLst>
-                          </p:cTn>
-                        </p:par>
-                      </p:childTnLst>
-                    </p:cTn>
-                  </p:par>
-                  <p:par>
-                    <p:cTn id="16" fill="hold">
-                      <p:stCondLst>
-                        <p:cond delay="indefinite"/>
-                      </p:stCondLst>
-                      <p:childTnLst>
-                        <p:par>
-                          <p:cTn id="17" fill="hold">
-                            <p:stCondLst>
-                              <p:cond delay="0"/>
-                            </p:stCondLst>
-                            <p:childTnLst>
-                              <p:par>
-                                <p:cTn id="18" presetID="16" presetClass="entr" presetSubtype="21" fill="hold" grpId="0" nodeType="clickEffect">
-                                  <p:stCondLst>
-                                    <p:cond delay="0"/>
-                                  </p:stCondLst>
-                                  <p:childTnLst>
-                                    <p:set>
-                                      <p:cBhvr>
-                                        <p:cTn id="19" dur="1" fill="hold">
-                                          <p:stCondLst>
-                                            <p:cond delay="0"/>
-                                          </p:stCondLst>
-                                        </p:cTn>
-                                        <p:tgtEl>
-                                          <p:spTgt spid="3">
-                                            <p:txEl>
-                                              <p:pRg st="0" end="0"/>
-                                            </p:txEl>
-                                          </p:spTgt>
-                                        </p:tgtEl>
-                                        <p:attrNameLst>
-                                          <p:attrName>style.visibility</p:attrName>
-                                        </p:attrNameLst>
-                                      </p:cBhvr>
-                                      <p:to>
-                                        <p:strVal val="visible"/>
-                                      </p:to>
-                                    </p:set>
-                                    <p:animEffect transition="in" filter="barn(inVertical)">
-                                      <p:cBhvr>
-                                        <p:cTn id="20" dur="500"/>
-                                        <p:tgtEl>
-                                          <p:spTgt spid="3">
-                                            <p:txEl>
-                                              <p:pRg st="0" end="0"/>
-                                            </p:txEl>
-                                          </p:spTgt>
-                                        </p:tgtEl>
-                                      </p:cBhvr>
-                                    </p:animEffect>
-                                  </p:childTnLst>
-                                </p:cTn>
-                              </p:par>
-                            </p:childTnLst>
-                          </p:cTn>
-                        </p:par>
-                      </p:childTnLst>
-                    </p:cTn>
-                  </p:par>
-                  <p:par>
-                    <p:cTn id="21" fill="hold">
-                      <p:stCondLst>
-                        <p:cond delay="indefinite"/>
-                      </p:stCondLst>
-                      <p:childTnLst>
-                        <p:par>
-                          <p:cTn id="22" fill="hold">
-                            <p:stCondLst>
-                              <p:cond delay="0"/>
-                            </p:stCondLst>
-                            <p:childTnLst>
-                              <p:par>
-                                <p:cTn id="23" presetID="16" presetClass="entr" presetSubtype="21" fill="hold" grpId="0" nodeType="clickEffect">
-                                  <p:stCondLst>
-                                    <p:cond delay="0"/>
-                                  </p:stCondLst>
-                                  <p:childTnLst>
-                                    <p:set>
-                                      <p:cBhvr>
-                                        <p:cTn id="24" dur="1" fill="hold">
-                                          <p:stCondLst>
-                                            <p:cond delay="0"/>
-                                          </p:stCondLst>
-                                        </p:cTn>
-                                        <p:tgtEl>
-                                          <p:spTgt spid="3">
-                                            <p:txEl>
-                                              <p:pRg st="1" end="1"/>
-                                            </p:txEl>
-                                          </p:spTgt>
-                                        </p:tgtEl>
-                                        <p:attrNameLst>
-                                          <p:attrName>style.visibility</p:attrName>
-                                        </p:attrNameLst>
-                                      </p:cBhvr>
-                                      <p:to>
-                                        <p:strVal val="visible"/>
-                                      </p:to>
-                                    </p:set>
-                                    <p:animEffect transition="in" filter="barn(inVertical)">
-                                      <p:cBhvr>
-                                        <p:cTn id="25" dur="500"/>
-                                        <p:tgtEl>
-                                          <p:spTgt spid="3">
-                                            <p:txEl>
-                                              <p:pRg st="1" end="1"/>
-                                            </p:txEl>
-                                          </p:spTgt>
-                                        </p:tgtEl>
-                                      </p:cBhvr>
-                                    </p:animEffect>
-                                  </p:childTnLst>
-                                </p:cTn>
-                              </p:par>
-                            </p:childTnLst>
-                          </p:cTn>
-                        </p:par>
-                      </p:childTnLst>
-                    </p:cTn>
-                  </p:par>
-                  <p:par>
-                    <p:cTn id="26" fill="hold">
-                      <p:stCondLst>
-                        <p:cond delay="indefinite"/>
-                      </p:stCondLst>
-                      <p:childTnLst>
-                        <p:par>
-                          <p:cTn id="27" fill="hold">
-                            <p:stCondLst>
-                              <p:cond delay="0"/>
-                            </p:stCondLst>
-                            <p:childTnLst>
-                              <p:par>
-                                <p:cTn id="28" presetID="16" presetClass="entr" presetSubtype="21" fill="hold" grpId="0" nodeType="clickEffect">
-                                  <p:stCondLst>
-                                    <p:cond delay="0"/>
-                                  </p:stCondLst>
-                                  <p:childTnLst>
-                                    <p:set>
-                                      <p:cBhvr>
-                                        <p:cTn id="29" dur="1" fill="hold">
-                                          <p:stCondLst>
-                                            <p:cond delay="0"/>
-                                          </p:stCondLst>
-                                        </p:cTn>
-                                        <p:tgtEl>
-                                          <p:spTgt spid="3">
-                                            <p:txEl>
-                                              <p:pRg st="2" end="2"/>
-                                            </p:txEl>
-                                          </p:spTgt>
-                                        </p:tgtEl>
-                                        <p:attrNameLst>
-                                          <p:attrName>style.visibility</p:attrName>
-                                        </p:attrNameLst>
-                                      </p:cBhvr>
-                                      <p:to>
-                                        <p:strVal val="visible"/>
-                                      </p:to>
-                                    </p:set>
-                                    <p:animEffect transition="in" filter="barn(inVertical)">
-                                      <p:cBhvr>
-                                        <p:cTn id="30" dur="500"/>
-                                        <p:tgtEl>
-                                          <p:spTgt spid="3">
-                                            <p:txEl>
-                                              <p:pRg st="2" end="2"/>
-                                            </p:txEl>
-                                          </p:spTgt>
-                                        </p:tgtEl>
-                                      </p:cBhvr>
-                                    </p:animEffect>
-                                  </p:childTnLst>
-                                </p:cTn>
-                              </p:par>
-                            </p:childTnLst>
-                          </p:cTn>
-                        </p:par>
-                      </p:childTnLst>
-                    </p:cTn>
-                  </p:par>
-                  <p:par>
-                    <p:cTn id="31" fill="hold">
-                      <p:stCondLst>
-                        <p:cond delay="indefinite"/>
-                      </p:stCondLst>
-                      <p:childTnLst>
-                        <p:par>
-                          <p:cTn id="32" fill="hold">
-                            <p:stCondLst>
-                              <p:cond delay="0"/>
-                            </p:stCondLst>
-                            <p:childTnLst>
-                              <p:par>
-                                <p:cTn id="33" presetID="45" presetClass="exit" presetSubtype="0" fill="hold" nodeType="clickEffect">
-                                  <p:stCondLst>
-                                    <p:cond delay="0"/>
-                                  </p:stCondLst>
-                                  <p:childTnLst>
-                                    <p:animEffect transition="out" filter="fade">
-                                      <p:cBhvr>
-                                        <p:cTn id="34" dur="2000"/>
-                                        <p:tgtEl>
-                                          <p:spTgt spid="4"/>
-                                        </p:tgtEl>
-                                      </p:cBhvr>
-                                    </p:animEffect>
-                                    <p:anim calcmode="lin" valueType="num">
-                                      <p:cBhvr>
-                                        <p:cTn id="35" dur="2000"/>
-                                        <p:tgtEl>
-                                          <p:spTgt spid="4"/>
-                                        </p:tgtEl>
-                                        <p:attrNameLst>
-                                          <p:attrName>ppt_w</p:attrName>
-                                        </p:attrNameLst>
-                                      </p:cBhvr>
-                                      <p:tavLst>
-                                        <p:tav tm="0">
-                                          <p:val>
-                                            <p:strVal val="ppt_w"/>
-                                          </p:val>
-                                        </p:tav>
-                                        <p:tav tm="5000">
-                                          <p:val>
-                                            <p:strVal val="0.92*ppt_w"/>
-                                          </p:val>
-                                        </p:tav>
-                                        <p:tav tm="10000">
-                                          <p:val>
-                                            <p:strVal val="0.71*ppt_w"/>
-                                          </p:val>
-                                        </p:tav>
-                                        <p:tav tm="15000">
-                                          <p:val>
-                                            <p:strVal val="0.38*ppt_w"/>
-                                          </p:val>
-                                        </p:tav>
-                                        <p:tav tm="20000">
-                                          <p:val>
-                                            <p:fltVal val="0"/>
-                                          </p:val>
-                                        </p:tav>
-                                        <p:tav tm="25000">
-                                          <p:val>
-                                            <p:strVal val="-0.38*ppt_w"/>
-                                          </p:val>
-                                        </p:tav>
-                                        <p:tav tm="30000">
-                                          <p:val>
-                                            <p:strVal val="-0.71*ppt_w"/>
-                                          </p:val>
-                                        </p:tav>
-                                        <p:tav tm="35000">
-                                          <p:val>
-                                            <p:strVal val="-0.92*ppt_w"/>
-                                          </p:val>
-                                        </p:tav>
-                                        <p:tav tm="40000">
-                                          <p:val>
-                                            <p:strVal val="-ppt_w"/>
-                                          </p:val>
-                                        </p:tav>
-                                        <p:tav tm="45000">
-                                          <p:val>
-                                            <p:strVal val="-0.92*ppt_w"/>
-                                          </p:val>
-                                        </p:tav>
-                                        <p:tav tm="50000">
-                                          <p:val>
-                                            <p:strVal val="-0.71*ppt_w"/>
-                                          </p:val>
-                                        </p:tav>
-                                        <p:tav tm="55000">
-                                          <p:val>
-                                            <p:strVal val="-0.38*ppt_w"/>
-                                          </p:val>
-                                        </p:tav>
-                                        <p:tav tm="60000">
-                                          <p:val>
-                                            <p:fltVal val="0"/>
-                                          </p:val>
-                                        </p:tav>
-                                        <p:tav tm="65000">
-                                          <p:val>
-                                            <p:strVal val="0.38*ppt_w"/>
-                                          </p:val>
-                                        </p:tav>
-                                        <p:tav tm="70000">
-                                          <p:val>
-                                            <p:strVal val="0.71*ppt_w"/>
-                                          </p:val>
-                                        </p:tav>
-                                        <p:tav tm="75000">
-                                          <p:val>
-                                            <p:strVal val="0.92*ppt_w"/>
-                                          </p:val>
-                                        </p:tav>
-                                        <p:tav tm="80000">
-                                          <p:val>
-                                            <p:strVal val="ppt_w"/>
-                                          </p:val>
-                                        </p:tav>
-                                        <p:tav tm="85000">
-                                          <p:val>
-                                            <p:strVal val="0.92*ppt_w"/>
-                                          </p:val>
-                                        </p:tav>
-                                        <p:tav tm="90000">
-                                          <p:val>
-                                            <p:strVal val="0.71*ppt_w"/>
-                                          </p:val>
-                                        </p:tav>
-                                        <p:tav tm="95000">
-                                          <p:val>
-                                            <p:strVal val="0.38*ppt_w"/>
-                                          </p:val>
-                                        </p:tav>
-                                        <p:tav tm="100000">
-                                          <p:val>
-                                            <p:fltVal val="0"/>
-                                          </p:val>
-                                        </p:tav>
-                                      </p:tavLst>
-                                    </p:anim>
-                                    <p:anim calcmode="lin" valueType="num">
-                                      <p:cBhvr>
-                                        <p:cTn id="36" dur="2000"/>
-                                        <p:tgtEl>
-                                          <p:spTgt spid="4"/>
-                                        </p:tgtEl>
-                                        <p:attrNameLst>
-                                          <p:attrName>ppt_h</p:attrName>
-                                        </p:attrNameLst>
-                                      </p:cBhvr>
-                                      <p:tavLst>
-                                        <p:tav tm="0">
-                                          <p:val>
-                                            <p:strVal val="ppt_h"/>
-                                          </p:val>
-                                        </p:tav>
-                                        <p:tav tm="100000">
-                                          <p:val>
-                                            <p:strVal val="ppt_h"/>
-                                          </p:val>
-                                        </p:tav>
-                                      </p:tavLst>
-                                    </p:anim>
-                                    <p:set>
-                                      <p:cBhvr>
-                                        <p:cTn id="37" dur="1" fill="hold">
-                                          <p:stCondLst>
-                                            <p:cond delay="1999"/>
-                                          </p:stCondLst>
-                                        </p:cTn>
-                                        <p:tgtEl>
-                                          <p:spTgt spid="4"/>
-                                        </p:tgtEl>
-                                        <p:attrNameLst>
-                                          <p:attrName>style.visibility</p:attrName>
-                                        </p:attrNameLst>
-                                      </p:cBhvr>
-                                      <p:to>
-                                        <p:strVal val="hidden"/>
-                                      </p:to>
-                                    </p:set>
-                                  </p:childTnLst>
-                                </p:cTn>
-                              </p:par>
-                            </p:childTnLst>
-                          </p:cTn>
-                        </p:par>
-                      </p:childTnLst>
-                    </p:cTn>
-                  </p:par>
-                  <p:par>
-                    <p:cTn id="38" fill="hold">
-                      <p:stCondLst>
-                        <p:cond delay="indefinite"/>
-                      </p:stCondLst>
-                      <p:childTnLst>
-                        <p:par>
-                          <p:cTn id="39" fill="hold">
-                            <p:stCondLst>
-                              <p:cond delay="0"/>
-                            </p:stCondLst>
-                            <p:childTnLst>
-                              <p:par>
-                                <p:cTn id="40" presetID="2" presetClass="exit" presetSubtype="4" fill="hold" nodeType="clickEffect">
-                                  <p:stCondLst>
-                                    <p:cond delay="0"/>
-                                  </p:stCondLst>
-                                  <p:childTnLst>
-                                    <p:anim calcmode="lin" valueType="num">
-                                      <p:cBhvr additive="base">
-                                        <p:cTn id="41" dur="500"/>
-                                        <p:tgtEl>
-                                          <p:spTgt spid="5"/>
-                                        </p:tgtEl>
-                                        <p:attrNameLst>
-                                          <p:attrName>ppt_x</p:attrName>
-                                        </p:attrNameLst>
-                                      </p:cBhvr>
-                                      <p:tavLst>
-                                        <p:tav tm="0">
-                                          <p:val>
-                                            <p:strVal val="ppt_x"/>
-                                          </p:val>
-                                        </p:tav>
-                                        <p:tav tm="100000">
-                                          <p:val>
-                                            <p:strVal val="ppt_x"/>
-                                          </p:val>
-                                        </p:tav>
-                                      </p:tavLst>
-                                    </p:anim>
-                                    <p:anim calcmode="lin" valueType="num">
-                                      <p:cBhvr additive="base">
-                                        <p:cTn id="42" dur="500"/>
-                                        <p:tgtEl>
-                                          <p:spTgt spid="5"/>
-                                        </p:tgtEl>
-                                        <p:attrNameLst>
-                                          <p:attrName>ppt_y</p:attrName>
-                                        </p:attrNameLst>
-                                      </p:cBhvr>
-                                      <p:tavLst>
-                                        <p:tav tm="0">
-                                          <p:val>
-                                            <p:strVal val="ppt_y"/>
-                                          </p:val>
-                                        </p:tav>
-                                        <p:tav tm="100000">
-                                          <p:val>
-                                            <p:strVal val="1+ppt_h/2"/>
-                                          </p:val>
-                                        </p:tav>
-                                      </p:tavLst>
-                                    </p:anim>
-                                    <p:set>
-                                      <p:cBhvr>
-                                        <p:cTn id="43" dur="1" fill="hold">
-                                          <p:stCondLst>
-                                            <p:cond delay="499"/>
-                                          </p:stCondLst>
-                                        </p:cTn>
-                                        <p:tgtEl>
-                                          <p:spTgt spid="5"/>
-                                        </p:tgtEl>
-                                        <p:attrNameLst>
-                                          <p:attrName>style.visibility</p:attrName>
-                                        </p:attrNameLst>
-                                      </p:cBhvr>
-                                      <p:to>
-                                        <p:strVal val="hidden"/>
-                                      </p:to>
-                                    </p:set>
-                                  </p:childTnLst>
-                                </p:cTn>
-                              </p:par>
-                            </p:childTnLst>
-                          </p:cTn>
-                        </p:par>
-                      </p:childTnLst>
-                    </p:cTn>
-                  </p:par>
-                </p:childTnLst>
-              </p:cTn>
-              <p:prevCondLst>
-                <p:cond evt="onPrev" delay="0">
-                  <p:tgtEl>
-                    <p:sldTgt/>
-                  </p:tgtEl>
-                </p:cond>
-              </p:prevCondLst>
-              <p:nextCondLst>
-                <p:cond evt="onNext" delay="0">
-                  <p:tgtEl>
-                    <p:sldTgt/>
-                  </p:tgtEl>
-                </p:cond>
-              </p:nextCondLst>
-            </p:seq>
-          </p:childTnLst>
-        </p:cTn>
+        <p:cTn id="1" dur="indefinite" restart="never" nodeType="tmRoot"/>
       </p:par>
     </p:tnLst>
-    <p:bldLst>
-      <p:bldP spid="3" grpId="0" uiExpand="1" build="p"/>
-    </p:bldLst>
   </p:timing>
 </p:sld>
 </file>
@@ -12867,76 +11863,10 @@
               <a:rPr lang="en-US" dirty="0" smtClean="0"/>
               <a:t>Building a mobile app for customers to set up their vacations through packages.</a:t>
             </a:r>
-          </a:p>
-          <a:p>
-            <a:r>
-              <a:rPr lang="en-US" dirty="0" smtClean="0"/>
-              <a:t>Exporting the project to Mac and “Linux” Systems for some of the Non-Windows workstations.</a:t>
-            </a:r>
             <a:endParaRPr lang="en-US" dirty="0"/>
           </a:p>
         </p:txBody>
       </p:sp>
-      <p:pic>
-        <p:nvPicPr>
-          <p:cNvPr id="4" name="Picture 3"/>
-          <p:cNvPicPr>
-            <a:picLocks noChangeAspect="1"/>
-          </p:cNvPicPr>
-          <p:nvPr/>
-        </p:nvPicPr>
-        <p:blipFill>
-          <a:blip r:embed="rId2">
-            <a:extLst>
-              <a:ext uri="{28A0092B-C50C-407E-A947-70E740481C1C}">
-                <a14:useLocalDpi xmlns:a14="http://schemas.microsoft.com/office/drawing/2010/main" val="0"/>
-              </a:ext>
-            </a:extLst>
-          </a:blip>
-          <a:stretch>
-            <a:fillRect/>
-          </a:stretch>
-        </p:blipFill>
-        <p:spPr>
-          <a:xfrm>
-            <a:off x="1258633" y="3625215"/>
-            <a:ext cx="2524125" cy="2990850"/>
-          </a:xfrm>
-          <a:prstGeom prst="rect">
-            <a:avLst/>
-          </a:prstGeom>
-        </p:spPr>
-      </p:pic>
-      <p:pic>
-        <p:nvPicPr>
-          <p:cNvPr id="5" name="Picture 4"/>
-          <p:cNvPicPr>
-            <a:picLocks noChangeAspect="1"/>
-          </p:cNvPicPr>
-          <p:nvPr/>
-        </p:nvPicPr>
-        <p:blipFill>
-          <a:blip r:embed="rId3">
-            <a:extLst>
-              <a:ext uri="{28A0092B-C50C-407E-A947-70E740481C1C}">
-                <a14:useLocalDpi xmlns:a14="http://schemas.microsoft.com/office/drawing/2010/main" val="0"/>
-              </a:ext>
-            </a:extLst>
-          </a:blip>
-          <a:stretch>
-            <a:fillRect/>
-          </a:stretch>
-        </p:blipFill>
-        <p:spPr>
-          <a:xfrm>
-            <a:off x="6108192" y="3568703"/>
-            <a:ext cx="2075878" cy="1796627"/>
-          </a:xfrm>
-          <a:prstGeom prst="rect">
-            <a:avLst/>
-          </a:prstGeom>
-        </p:spPr>
-      </p:pic>
     </p:spTree>
     <p:extLst>
       <p:ext uri="{BB962C8B-B14F-4D97-AF65-F5344CB8AC3E}">
@@ -12947,1141 +11877,12 @@
   <p:clrMapOvr>
     <a:masterClrMapping/>
   </p:clrMapOvr>
-  <mc:AlternateContent xmlns:mc="http://schemas.openxmlformats.org/markup-compatibility/2006">
-    <mc:Choice xmlns:p15="http://schemas.microsoft.com/office/powerpoint/2012/main" Requires="p15">
-      <p:transition xmlns:p14="http://schemas.microsoft.com/office/powerpoint/2010/main" spd="slow" p14:dur="1250">
-        <p15:prstTrans prst="peelOff"/>
-      </p:transition>
-    </mc:Choice>
-    <mc:Fallback>
-      <p:transition spd="slow">
-        <p:fade/>
-      </p:transition>
-    </mc:Fallback>
-  </mc:AlternateContent>
   <p:timing>
     <p:tnLst>
       <p:par>
-        <p:cTn id="1" dur="indefinite" restart="never" nodeType="tmRoot">
-          <p:childTnLst>
-            <p:seq concurrent="1" nextAc="seek">
-              <p:cTn id="2" dur="indefinite" nodeType="mainSeq">
-                <p:childTnLst>
-                  <p:par>
-                    <p:cTn id="3" fill="hold">
-                      <p:stCondLst>
-                        <p:cond delay="indefinite"/>
-                      </p:stCondLst>
-                      <p:childTnLst>
-                        <p:par>
-                          <p:cTn id="4" fill="hold">
-                            <p:stCondLst>
-                              <p:cond delay="0"/>
-                            </p:stCondLst>
-                            <p:childTnLst>
-                              <p:par>
-                                <p:cTn id="5" presetID="42" presetClass="entr" presetSubtype="0" fill="hold" grpId="0" nodeType="clickEffect">
-                                  <p:stCondLst>
-                                    <p:cond delay="0"/>
-                                  </p:stCondLst>
-                                  <p:childTnLst>
-                                    <p:set>
-                                      <p:cBhvr>
-                                        <p:cTn id="6" dur="1" fill="hold">
-                                          <p:stCondLst>
-                                            <p:cond delay="0"/>
-                                          </p:stCondLst>
-                                        </p:cTn>
-                                        <p:tgtEl>
-                                          <p:spTgt spid="3">
-                                            <p:txEl>
-                                              <p:pRg st="0" end="0"/>
-                                            </p:txEl>
-                                          </p:spTgt>
-                                        </p:tgtEl>
-                                        <p:attrNameLst>
-                                          <p:attrName>style.visibility</p:attrName>
-                                        </p:attrNameLst>
-                                      </p:cBhvr>
-                                      <p:to>
-                                        <p:strVal val="visible"/>
-                                      </p:to>
-                                    </p:set>
-                                    <p:animEffect transition="in" filter="fade">
-                                      <p:cBhvr>
-                                        <p:cTn id="7" dur="1000"/>
-                                        <p:tgtEl>
-                                          <p:spTgt spid="3">
-                                            <p:txEl>
-                                              <p:pRg st="0" end="0"/>
-                                            </p:txEl>
-                                          </p:spTgt>
-                                        </p:tgtEl>
-                                      </p:cBhvr>
-                                    </p:animEffect>
-                                    <p:anim calcmode="lin" valueType="num">
-                                      <p:cBhvr>
-                                        <p:cTn id="8" dur="1000" fill="hold"/>
-                                        <p:tgtEl>
-                                          <p:spTgt spid="3">
-                                            <p:txEl>
-                                              <p:pRg st="0" end="0"/>
-                                            </p:txEl>
-                                          </p:spTgt>
-                                        </p:tgtEl>
-                                        <p:attrNameLst>
-                                          <p:attrName>ppt_x</p:attrName>
-                                        </p:attrNameLst>
-                                      </p:cBhvr>
-                                      <p:tavLst>
-                                        <p:tav tm="0">
-                                          <p:val>
-                                            <p:strVal val="#ppt_x"/>
-                                          </p:val>
-                                        </p:tav>
-                                        <p:tav tm="100000">
-                                          <p:val>
-                                            <p:strVal val="#ppt_x"/>
-                                          </p:val>
-                                        </p:tav>
-                                      </p:tavLst>
-                                    </p:anim>
-                                    <p:anim calcmode="lin" valueType="num">
-                                      <p:cBhvr>
-                                        <p:cTn id="9" dur="1000" fill="hold"/>
-                                        <p:tgtEl>
-                                          <p:spTgt spid="3">
-                                            <p:txEl>
-                                              <p:pRg st="0" end="0"/>
-                                            </p:txEl>
-                                          </p:spTgt>
-                                        </p:tgtEl>
-                                        <p:attrNameLst>
-                                          <p:attrName>ppt_y</p:attrName>
-                                        </p:attrNameLst>
-                                      </p:cBhvr>
-                                      <p:tavLst>
-                                        <p:tav tm="0">
-                                          <p:val>
-                                            <p:strVal val="#ppt_y+.1"/>
-                                          </p:val>
-                                        </p:tav>
-                                        <p:tav tm="100000">
-                                          <p:val>
-                                            <p:strVal val="#ppt_y"/>
-                                          </p:val>
-                                        </p:tav>
-                                      </p:tavLst>
-                                    </p:anim>
-                                  </p:childTnLst>
-                                </p:cTn>
-                              </p:par>
-                            </p:childTnLst>
-                          </p:cTn>
-                        </p:par>
-                      </p:childTnLst>
-                    </p:cTn>
-                  </p:par>
-                  <p:par>
-                    <p:cTn id="10" fill="hold">
-                      <p:stCondLst>
-                        <p:cond delay="indefinite"/>
-                      </p:stCondLst>
-                      <p:childTnLst>
-                        <p:par>
-                          <p:cTn id="11" fill="hold">
-                            <p:stCondLst>
-                              <p:cond delay="0"/>
-                            </p:stCondLst>
-                            <p:childTnLst>
-                              <p:par>
-                                <p:cTn id="12" presetID="6" presetClass="entr" presetSubtype="16" fill="hold" nodeType="clickEffect">
-                                  <p:stCondLst>
-                                    <p:cond delay="0"/>
-                                  </p:stCondLst>
-                                  <p:childTnLst>
-                                    <p:set>
-                                      <p:cBhvr>
-                                        <p:cTn id="13" dur="1" fill="hold">
-                                          <p:stCondLst>
-                                            <p:cond delay="0"/>
-                                          </p:stCondLst>
-                                        </p:cTn>
-                                        <p:tgtEl>
-                                          <p:spTgt spid="4"/>
-                                        </p:tgtEl>
-                                        <p:attrNameLst>
-                                          <p:attrName>style.visibility</p:attrName>
-                                        </p:attrNameLst>
-                                      </p:cBhvr>
-                                      <p:to>
-                                        <p:strVal val="visible"/>
-                                      </p:to>
-                                    </p:set>
-                                    <p:animEffect transition="in" filter="circle(in)">
-                                      <p:cBhvr>
-                                        <p:cTn id="14" dur="2000"/>
-                                        <p:tgtEl>
-                                          <p:spTgt spid="4"/>
-                                        </p:tgtEl>
-                                      </p:cBhvr>
-                                    </p:animEffect>
-                                  </p:childTnLst>
-                                </p:cTn>
-                              </p:par>
-                            </p:childTnLst>
-                          </p:cTn>
-                        </p:par>
-                      </p:childTnLst>
-                    </p:cTn>
-                  </p:par>
-                  <p:par>
-                    <p:cTn id="15" fill="hold">
-                      <p:stCondLst>
-                        <p:cond delay="indefinite"/>
-                      </p:stCondLst>
-                      <p:childTnLst>
-                        <p:par>
-                          <p:cTn id="16" fill="hold">
-                            <p:stCondLst>
-                              <p:cond delay="0"/>
-                            </p:stCondLst>
-                            <p:childTnLst>
-                              <p:par>
-                                <p:cTn id="17" presetID="42" presetClass="entr" presetSubtype="0" fill="hold" grpId="0" nodeType="clickEffect">
-                                  <p:stCondLst>
-                                    <p:cond delay="0"/>
-                                  </p:stCondLst>
-                                  <p:childTnLst>
-                                    <p:set>
-                                      <p:cBhvr>
-                                        <p:cTn id="18" dur="1" fill="hold">
-                                          <p:stCondLst>
-                                            <p:cond delay="0"/>
-                                          </p:stCondLst>
-                                        </p:cTn>
-                                        <p:tgtEl>
-                                          <p:spTgt spid="3">
-                                            <p:txEl>
-                                              <p:pRg st="1" end="1"/>
-                                            </p:txEl>
-                                          </p:spTgt>
-                                        </p:tgtEl>
-                                        <p:attrNameLst>
-                                          <p:attrName>style.visibility</p:attrName>
-                                        </p:attrNameLst>
-                                      </p:cBhvr>
-                                      <p:to>
-                                        <p:strVal val="visible"/>
-                                      </p:to>
-                                    </p:set>
-                                    <p:animEffect transition="in" filter="fade">
-                                      <p:cBhvr>
-                                        <p:cTn id="19" dur="1000"/>
-                                        <p:tgtEl>
-                                          <p:spTgt spid="3">
-                                            <p:txEl>
-                                              <p:pRg st="1" end="1"/>
-                                            </p:txEl>
-                                          </p:spTgt>
-                                        </p:tgtEl>
-                                      </p:cBhvr>
-                                    </p:animEffect>
-                                    <p:anim calcmode="lin" valueType="num">
-                                      <p:cBhvr>
-                                        <p:cTn id="20" dur="1000" fill="hold"/>
-                                        <p:tgtEl>
-                                          <p:spTgt spid="3">
-                                            <p:txEl>
-                                              <p:pRg st="1" end="1"/>
-                                            </p:txEl>
-                                          </p:spTgt>
-                                        </p:tgtEl>
-                                        <p:attrNameLst>
-                                          <p:attrName>ppt_x</p:attrName>
-                                        </p:attrNameLst>
-                                      </p:cBhvr>
-                                      <p:tavLst>
-                                        <p:tav tm="0">
-                                          <p:val>
-                                            <p:strVal val="#ppt_x"/>
-                                          </p:val>
-                                        </p:tav>
-                                        <p:tav tm="100000">
-                                          <p:val>
-                                            <p:strVal val="#ppt_x"/>
-                                          </p:val>
-                                        </p:tav>
-                                      </p:tavLst>
-                                    </p:anim>
-                                    <p:anim calcmode="lin" valueType="num">
-                                      <p:cBhvr>
-                                        <p:cTn id="21" dur="1000" fill="hold"/>
-                                        <p:tgtEl>
-                                          <p:spTgt spid="3">
-                                            <p:txEl>
-                                              <p:pRg st="1" end="1"/>
-                                            </p:txEl>
-                                          </p:spTgt>
-                                        </p:tgtEl>
-                                        <p:attrNameLst>
-                                          <p:attrName>ppt_y</p:attrName>
-                                        </p:attrNameLst>
-                                      </p:cBhvr>
-                                      <p:tavLst>
-                                        <p:tav tm="0">
-                                          <p:val>
-                                            <p:strVal val="#ppt_y+.1"/>
-                                          </p:val>
-                                        </p:tav>
-                                        <p:tav tm="100000">
-                                          <p:val>
-                                            <p:strVal val="#ppt_y"/>
-                                          </p:val>
-                                        </p:tav>
-                                      </p:tavLst>
-                                    </p:anim>
-                                  </p:childTnLst>
-                                </p:cTn>
-                              </p:par>
-                            </p:childTnLst>
-                          </p:cTn>
-                        </p:par>
-                      </p:childTnLst>
-                    </p:cTn>
-                  </p:par>
-                  <p:par>
-                    <p:cTn id="22" fill="hold">
-                      <p:stCondLst>
-                        <p:cond delay="indefinite"/>
-                      </p:stCondLst>
-                      <p:childTnLst>
-                        <p:par>
-                          <p:cTn id="23" fill="hold">
-                            <p:stCondLst>
-                              <p:cond delay="0"/>
-                            </p:stCondLst>
-                            <p:childTnLst>
-                              <p:par>
-                                <p:cTn id="24" presetID="2" presetClass="entr" presetSubtype="4" fill="hold" nodeType="clickEffect">
-                                  <p:stCondLst>
-                                    <p:cond delay="0"/>
-                                  </p:stCondLst>
-                                  <p:childTnLst>
-                                    <p:set>
-                                      <p:cBhvr>
-                                        <p:cTn id="25" dur="1" fill="hold">
-                                          <p:stCondLst>
-                                            <p:cond delay="0"/>
-                                          </p:stCondLst>
-                                        </p:cTn>
-                                        <p:tgtEl>
-                                          <p:spTgt spid="5"/>
-                                        </p:tgtEl>
-                                        <p:attrNameLst>
-                                          <p:attrName>style.visibility</p:attrName>
-                                        </p:attrNameLst>
-                                      </p:cBhvr>
-                                      <p:to>
-                                        <p:strVal val="visible"/>
-                                      </p:to>
-                                    </p:set>
-                                    <p:anim calcmode="lin" valueType="num">
-                                      <p:cBhvr additive="base">
-                                        <p:cTn id="26" dur="500" fill="hold"/>
-                                        <p:tgtEl>
-                                          <p:spTgt spid="5"/>
-                                        </p:tgtEl>
-                                        <p:attrNameLst>
-                                          <p:attrName>ppt_x</p:attrName>
-                                        </p:attrNameLst>
-                                      </p:cBhvr>
-                                      <p:tavLst>
-                                        <p:tav tm="0">
-                                          <p:val>
-                                            <p:strVal val="#ppt_x"/>
-                                          </p:val>
-                                        </p:tav>
-                                        <p:tav tm="100000">
-                                          <p:val>
-                                            <p:strVal val="#ppt_x"/>
-                                          </p:val>
-                                        </p:tav>
-                                      </p:tavLst>
-                                    </p:anim>
-                                    <p:anim calcmode="lin" valueType="num">
-                                      <p:cBhvr additive="base">
-                                        <p:cTn id="27" dur="500" fill="hold"/>
-                                        <p:tgtEl>
-                                          <p:spTgt spid="5"/>
-                                        </p:tgtEl>
-                                        <p:attrNameLst>
-                                          <p:attrName>ppt_y</p:attrName>
-                                        </p:attrNameLst>
-                                      </p:cBhvr>
-                                      <p:tavLst>
-                                        <p:tav tm="0">
-                                          <p:val>
-                                            <p:strVal val="1+#ppt_h/2"/>
-                                          </p:val>
-                                        </p:tav>
-                                        <p:tav tm="100000">
-                                          <p:val>
-                                            <p:strVal val="#ppt_y"/>
-                                          </p:val>
-                                        </p:tav>
-                                      </p:tavLst>
-                                    </p:anim>
-                                  </p:childTnLst>
-                                </p:cTn>
-                              </p:par>
-                            </p:childTnLst>
-                          </p:cTn>
-                        </p:par>
-                      </p:childTnLst>
-                    </p:cTn>
-                  </p:par>
-                  <p:par>
-                    <p:cTn id="28" fill="hold">
-                      <p:stCondLst>
-                        <p:cond delay="indefinite"/>
-                      </p:stCondLst>
-                      <p:childTnLst>
-                        <p:par>
-                          <p:cTn id="29" fill="hold">
-                            <p:stCondLst>
-                              <p:cond delay="0"/>
-                            </p:stCondLst>
-                            <p:childTnLst>
-                              <p:par>
-                                <p:cTn id="30" presetID="14" presetClass="exit" presetSubtype="10" fill="hold" nodeType="clickEffect">
-                                  <p:stCondLst>
-                                    <p:cond delay="0"/>
-                                  </p:stCondLst>
-                                  <p:childTnLst>
-                                    <p:animEffect transition="out" filter="randombar(horizontal)">
-                                      <p:cBhvr>
-                                        <p:cTn id="31" dur="500"/>
-                                        <p:tgtEl>
-                                          <p:spTgt spid="4"/>
-                                        </p:tgtEl>
-                                      </p:cBhvr>
-                                    </p:animEffect>
-                                    <p:set>
-                                      <p:cBhvr>
-                                        <p:cTn id="32" dur="1" fill="hold">
-                                          <p:stCondLst>
-                                            <p:cond delay="499"/>
-                                          </p:stCondLst>
-                                        </p:cTn>
-                                        <p:tgtEl>
-                                          <p:spTgt spid="4"/>
-                                        </p:tgtEl>
-                                        <p:attrNameLst>
-                                          <p:attrName>style.visibility</p:attrName>
-                                        </p:attrNameLst>
-                                      </p:cBhvr>
-                                      <p:to>
-                                        <p:strVal val="hidden"/>
-                                      </p:to>
-                                    </p:set>
-                                  </p:childTnLst>
-                                </p:cTn>
-                              </p:par>
-                            </p:childTnLst>
-                          </p:cTn>
-                        </p:par>
-                      </p:childTnLst>
-                    </p:cTn>
-                  </p:par>
-                  <p:par>
-                    <p:cTn id="33" fill="hold">
-                      <p:stCondLst>
-                        <p:cond delay="indefinite"/>
-                      </p:stCondLst>
-                      <p:childTnLst>
-                        <p:par>
-                          <p:cTn id="34" fill="hold">
-                            <p:stCondLst>
-                              <p:cond delay="0"/>
-                            </p:stCondLst>
-                            <p:childTnLst>
-                              <p:par>
-                                <p:cTn id="35" presetID="2" presetClass="exit" presetSubtype="4" fill="hold" nodeType="clickEffect">
-                                  <p:stCondLst>
-                                    <p:cond delay="0"/>
-                                  </p:stCondLst>
-                                  <p:childTnLst>
-                                    <p:anim calcmode="lin" valueType="num">
-                                      <p:cBhvr additive="base">
-                                        <p:cTn id="36" dur="500"/>
-                                        <p:tgtEl>
-                                          <p:spTgt spid="5"/>
-                                        </p:tgtEl>
-                                        <p:attrNameLst>
-                                          <p:attrName>ppt_x</p:attrName>
-                                        </p:attrNameLst>
-                                      </p:cBhvr>
-                                      <p:tavLst>
-                                        <p:tav tm="0">
-                                          <p:val>
-                                            <p:strVal val="ppt_x"/>
-                                          </p:val>
-                                        </p:tav>
-                                        <p:tav tm="100000">
-                                          <p:val>
-                                            <p:strVal val="ppt_x"/>
-                                          </p:val>
-                                        </p:tav>
-                                      </p:tavLst>
-                                    </p:anim>
-                                    <p:anim calcmode="lin" valueType="num">
-                                      <p:cBhvr additive="base">
-                                        <p:cTn id="37" dur="500"/>
-                                        <p:tgtEl>
-                                          <p:spTgt spid="5"/>
-                                        </p:tgtEl>
-                                        <p:attrNameLst>
-                                          <p:attrName>ppt_y</p:attrName>
-                                        </p:attrNameLst>
-                                      </p:cBhvr>
-                                      <p:tavLst>
-                                        <p:tav tm="0">
-                                          <p:val>
-                                            <p:strVal val="ppt_y"/>
-                                          </p:val>
-                                        </p:tav>
-                                        <p:tav tm="100000">
-                                          <p:val>
-                                            <p:strVal val="1+ppt_h/2"/>
-                                          </p:val>
-                                        </p:tav>
-                                      </p:tavLst>
-                                    </p:anim>
-                                    <p:set>
-                                      <p:cBhvr>
-                                        <p:cTn id="38" dur="1" fill="hold">
-                                          <p:stCondLst>
-                                            <p:cond delay="499"/>
-                                          </p:stCondLst>
-                                        </p:cTn>
-                                        <p:tgtEl>
-                                          <p:spTgt spid="5"/>
-                                        </p:tgtEl>
-                                        <p:attrNameLst>
-                                          <p:attrName>style.visibility</p:attrName>
-                                        </p:attrNameLst>
-                                      </p:cBhvr>
-                                      <p:to>
-                                        <p:strVal val="hidden"/>
-                                      </p:to>
-                                    </p:set>
-                                  </p:childTnLst>
-                                </p:cTn>
-                              </p:par>
-                            </p:childTnLst>
-                          </p:cTn>
-                        </p:par>
-                      </p:childTnLst>
-                    </p:cTn>
-                  </p:par>
-                </p:childTnLst>
-              </p:cTn>
-              <p:prevCondLst>
-                <p:cond evt="onPrev" delay="0">
-                  <p:tgtEl>
-                    <p:sldTgt/>
-                  </p:tgtEl>
-                </p:cond>
-              </p:prevCondLst>
-              <p:nextCondLst>
-                <p:cond evt="onNext" delay="0">
-                  <p:tgtEl>
-                    <p:sldTgt/>
-                  </p:tgtEl>
-                </p:cond>
-              </p:nextCondLst>
-            </p:seq>
-          </p:childTnLst>
-        </p:cTn>
+        <p:cTn id="1" dur="indefinite" restart="never" nodeType="tmRoot"/>
       </p:par>
     </p:tnLst>
-    <p:bldLst>
-      <p:bldP spid="3" grpId="0" uiExpand="1" build="p"/>
-    </p:bldLst>
-  </p:timing>
-</p:sld>
-</file>
-
-<file path=ppt/slides/slide7.xml><?xml version="1.0" encoding="utf-8"?>
-<p:sld xmlns:a="http://schemas.openxmlformats.org/drawingml/2006/main" xmlns:r="http://schemas.openxmlformats.org/officeDocument/2006/relationships" xmlns:p="http://schemas.openxmlformats.org/presentationml/2006/main">
-  <p:cSld>
-    <p:spTree>
-      <p:nvGrpSpPr>
-        <p:cNvPr id="1" name=""/>
-        <p:cNvGrpSpPr/>
-        <p:nvPr/>
-      </p:nvGrpSpPr>
-      <p:grpSpPr>
-        <a:xfrm>
-          <a:off x="0" y="0"/>
-          <a:ext cx="0" cy="0"/>
-          <a:chOff x="0" y="0"/>
-          <a:chExt cx="0" cy="0"/>
-        </a:xfrm>
-      </p:grpSpPr>
-      <p:sp>
-        <p:nvSpPr>
-          <p:cNvPr id="2" name="Title 1"/>
-          <p:cNvSpPr>
-            <a:spLocks noGrp="1"/>
-          </p:cNvSpPr>
-          <p:nvPr>
-            <p:ph type="title"/>
-          </p:nvPr>
-        </p:nvSpPr>
-        <p:spPr/>
-        <p:txBody>
-          <a:bodyPr/>
-          <a:lstStyle/>
-          <a:p>
-            <a:r>
-              <a:rPr lang="en-US" dirty="0" smtClean="0"/>
-              <a:t>In Conclusion…</a:t>
-            </a:r>
-            <a:endParaRPr lang="en-US" dirty="0"/>
-          </a:p>
-        </p:txBody>
-      </p:sp>
-      <p:sp>
-        <p:nvSpPr>
-          <p:cNvPr id="3" name="Content Placeholder 2"/>
-          <p:cNvSpPr>
-            <a:spLocks noGrp="1"/>
-          </p:cNvSpPr>
-          <p:nvPr>
-            <p:ph idx="1"/>
-          </p:nvPr>
-        </p:nvSpPr>
-        <p:spPr/>
-        <p:txBody>
-          <a:bodyPr/>
-          <a:lstStyle/>
-          <a:p>
-            <a:r>
-              <a:rPr lang="en-US" dirty="0" smtClean="0"/>
-              <a:t>The Microsoft Technologies have proven to be an interesting challenge, yet rewarding with both the package manager and the website.</a:t>
-            </a:r>
-          </a:p>
-          <a:p>
-            <a:r>
-              <a:rPr lang="en-US" dirty="0" smtClean="0"/>
-              <a:t>We hope to build a mobile app version of the web page for ease of use in the future.</a:t>
-            </a:r>
-            <a:endParaRPr lang="en-US" dirty="0"/>
-          </a:p>
-        </p:txBody>
-      </p:sp>
-      <p:pic>
-        <p:nvPicPr>
-          <p:cNvPr id="4" name="Picture 3"/>
-          <p:cNvPicPr>
-            <a:picLocks noChangeAspect="1"/>
-          </p:cNvPicPr>
-          <p:nvPr/>
-        </p:nvPicPr>
-        <p:blipFill>
-          <a:blip r:embed="rId2">
-            <a:extLst>
-              <a:ext uri="{28A0092B-C50C-407E-A947-70E740481C1C}">
-                <a14:useLocalDpi xmlns:a14="http://schemas.microsoft.com/office/drawing/2010/main" val="0"/>
-              </a:ext>
-            </a:extLst>
-          </a:blip>
-          <a:stretch>
-            <a:fillRect/>
-          </a:stretch>
-        </p:blipFill>
-        <p:spPr>
-          <a:xfrm>
-            <a:off x="2589212" y="4022411"/>
-            <a:ext cx="3185160" cy="2275114"/>
-          </a:xfrm>
-          <a:prstGeom prst="rect">
-            <a:avLst/>
-          </a:prstGeom>
-        </p:spPr>
-      </p:pic>
-      <p:pic>
-        <p:nvPicPr>
-          <p:cNvPr id="5" name="Picture 4"/>
-          <p:cNvPicPr>
-            <a:picLocks noChangeAspect="1"/>
-          </p:cNvPicPr>
-          <p:nvPr/>
-        </p:nvPicPr>
-        <p:blipFill>
-          <a:blip r:embed="rId3">
-            <a:extLst>
-              <a:ext uri="{28A0092B-C50C-407E-A947-70E740481C1C}">
-                <a14:useLocalDpi xmlns:a14="http://schemas.microsoft.com/office/drawing/2010/main" val="0"/>
-              </a:ext>
-            </a:extLst>
-          </a:blip>
-          <a:stretch>
-            <a:fillRect/>
-          </a:stretch>
-        </p:blipFill>
-        <p:spPr>
-          <a:xfrm>
-            <a:off x="2167128" y="28648"/>
-            <a:ext cx="7882127" cy="6821808"/>
-          </a:xfrm>
-          <a:prstGeom prst="rect">
-            <a:avLst/>
-          </a:prstGeom>
-        </p:spPr>
-      </p:pic>
-    </p:spTree>
-    <p:extLst>
-      <p:ext uri="{BB962C8B-B14F-4D97-AF65-F5344CB8AC3E}">
-        <p14:creationId xmlns:p14="http://schemas.microsoft.com/office/powerpoint/2010/main" val="2067152999"/>
-      </p:ext>
-    </p:extLst>
-  </p:cSld>
-  <p:clrMapOvr>
-    <a:masterClrMapping/>
-  </p:clrMapOvr>
-  <mc:AlternateContent xmlns:mc="http://schemas.openxmlformats.org/markup-compatibility/2006">
-    <mc:Choice xmlns:p14="http://schemas.microsoft.com/office/powerpoint/2010/main" Requires="p14">
-      <p:transition spd="slow" p14:dur="4000">
-        <p14:vortex dir="r"/>
-      </p:transition>
-    </mc:Choice>
-    <mc:Fallback>
-      <p:transition spd="slow">
-        <p:fade/>
-      </p:transition>
-    </mc:Fallback>
-  </mc:AlternateContent>
-  <p:timing>
-    <p:tnLst>
-      <p:par>
-        <p:cTn id="1" dur="indefinite" restart="never" nodeType="tmRoot">
-          <p:childTnLst>
-            <p:seq concurrent="1" nextAc="seek">
-              <p:cTn id="2" dur="indefinite" nodeType="mainSeq">
-                <p:childTnLst>
-                  <p:par>
-                    <p:cTn id="3" fill="hold">
-                      <p:stCondLst>
-                        <p:cond delay="indefinite"/>
-                      </p:stCondLst>
-                      <p:childTnLst>
-                        <p:par>
-                          <p:cTn id="4" fill="hold">
-                            <p:stCondLst>
-                              <p:cond delay="0"/>
-                            </p:stCondLst>
-                            <p:childTnLst>
-                              <p:par>
-                                <p:cTn id="5" presetID="10" presetClass="entr" presetSubtype="0" fill="hold" nodeType="clickEffect">
-                                  <p:stCondLst>
-                                    <p:cond delay="0"/>
-                                  </p:stCondLst>
-                                  <p:childTnLst>
-                                    <p:set>
-                                      <p:cBhvr>
-                                        <p:cTn id="6" dur="1" fill="hold">
-                                          <p:stCondLst>
-                                            <p:cond delay="0"/>
-                                          </p:stCondLst>
-                                        </p:cTn>
-                                        <p:tgtEl>
-                                          <p:spTgt spid="4"/>
-                                        </p:tgtEl>
-                                        <p:attrNameLst>
-                                          <p:attrName>style.visibility</p:attrName>
-                                        </p:attrNameLst>
-                                      </p:cBhvr>
-                                      <p:to>
-                                        <p:strVal val="visible"/>
-                                      </p:to>
-                                    </p:set>
-                                    <p:animEffect transition="in" filter="fade">
-                                      <p:cBhvr>
-                                        <p:cTn id="7" dur="500"/>
-                                        <p:tgtEl>
-                                          <p:spTgt spid="4"/>
-                                        </p:tgtEl>
-                                      </p:cBhvr>
-                                    </p:animEffect>
-                                  </p:childTnLst>
-                                </p:cTn>
-                              </p:par>
-                            </p:childTnLst>
-                          </p:cTn>
-                        </p:par>
-                      </p:childTnLst>
-                    </p:cTn>
-                  </p:par>
-                  <p:par>
-                    <p:cTn id="8" fill="hold">
-                      <p:stCondLst>
-                        <p:cond delay="indefinite"/>
-                      </p:stCondLst>
-                      <p:childTnLst>
-                        <p:par>
-                          <p:cTn id="9" fill="hold">
-                            <p:stCondLst>
-                              <p:cond delay="0"/>
-                            </p:stCondLst>
-                            <p:childTnLst>
-                              <p:par>
-                                <p:cTn id="10" presetID="10" presetClass="entr" presetSubtype="0" fill="hold" grpId="0" nodeType="clickEffect">
-                                  <p:stCondLst>
-                                    <p:cond delay="0"/>
-                                  </p:stCondLst>
-                                  <p:childTnLst>
-                                    <p:set>
-                                      <p:cBhvr>
-                                        <p:cTn id="11" dur="1" fill="hold">
-                                          <p:stCondLst>
-                                            <p:cond delay="0"/>
-                                          </p:stCondLst>
-                                        </p:cTn>
-                                        <p:tgtEl>
-                                          <p:spTgt spid="3">
-                                            <p:txEl>
-                                              <p:pRg st="0" end="0"/>
-                                            </p:txEl>
-                                          </p:spTgt>
-                                        </p:tgtEl>
-                                        <p:attrNameLst>
-                                          <p:attrName>style.visibility</p:attrName>
-                                        </p:attrNameLst>
-                                      </p:cBhvr>
-                                      <p:to>
-                                        <p:strVal val="visible"/>
-                                      </p:to>
-                                    </p:set>
-                                    <p:animEffect transition="in" filter="fade">
-                                      <p:cBhvr>
-                                        <p:cTn id="12" dur="500"/>
-                                        <p:tgtEl>
-                                          <p:spTgt spid="3">
-                                            <p:txEl>
-                                              <p:pRg st="0" end="0"/>
-                                            </p:txEl>
-                                          </p:spTgt>
-                                        </p:tgtEl>
-                                      </p:cBhvr>
-                                    </p:animEffect>
-                                  </p:childTnLst>
-                                </p:cTn>
-                              </p:par>
-                            </p:childTnLst>
-                          </p:cTn>
-                        </p:par>
-                      </p:childTnLst>
-                    </p:cTn>
-                  </p:par>
-                  <p:par>
-                    <p:cTn id="13" fill="hold">
-                      <p:stCondLst>
-                        <p:cond delay="indefinite"/>
-                      </p:stCondLst>
-                      <p:childTnLst>
-                        <p:par>
-                          <p:cTn id="14" fill="hold">
-                            <p:stCondLst>
-                              <p:cond delay="0"/>
-                            </p:stCondLst>
-                            <p:childTnLst>
-                              <p:par>
-                                <p:cTn id="15" presetID="10" presetClass="entr" presetSubtype="0" fill="hold" grpId="0" nodeType="clickEffect">
-                                  <p:stCondLst>
-                                    <p:cond delay="0"/>
-                                  </p:stCondLst>
-                                  <p:childTnLst>
-                                    <p:set>
-                                      <p:cBhvr>
-                                        <p:cTn id="16" dur="1" fill="hold">
-                                          <p:stCondLst>
-                                            <p:cond delay="0"/>
-                                          </p:stCondLst>
-                                        </p:cTn>
-                                        <p:tgtEl>
-                                          <p:spTgt spid="3">
-                                            <p:txEl>
-                                              <p:pRg st="1" end="1"/>
-                                            </p:txEl>
-                                          </p:spTgt>
-                                        </p:tgtEl>
-                                        <p:attrNameLst>
-                                          <p:attrName>style.visibility</p:attrName>
-                                        </p:attrNameLst>
-                                      </p:cBhvr>
-                                      <p:to>
-                                        <p:strVal val="visible"/>
-                                      </p:to>
-                                    </p:set>
-                                    <p:animEffect transition="in" filter="fade">
-                                      <p:cBhvr>
-                                        <p:cTn id="17" dur="500"/>
-                                        <p:tgtEl>
-                                          <p:spTgt spid="3">
-                                            <p:txEl>
-                                              <p:pRg st="1" end="1"/>
-                                            </p:txEl>
-                                          </p:spTgt>
-                                        </p:tgtEl>
-                                      </p:cBhvr>
-                                    </p:animEffect>
-                                  </p:childTnLst>
-                                </p:cTn>
-                              </p:par>
-                            </p:childTnLst>
-                          </p:cTn>
-                        </p:par>
-                      </p:childTnLst>
-                    </p:cTn>
-                  </p:par>
-                  <p:par>
-                    <p:cTn id="18" fill="hold">
-                      <p:stCondLst>
-                        <p:cond delay="indefinite"/>
-                      </p:stCondLst>
-                      <p:childTnLst>
-                        <p:par>
-                          <p:cTn id="19" fill="hold">
-                            <p:stCondLst>
-                              <p:cond delay="0"/>
-                            </p:stCondLst>
-                            <p:childTnLst>
-                              <p:par>
-                                <p:cTn id="20" presetID="10" presetClass="exit" presetSubtype="0" fill="hold" nodeType="clickEffect">
-                                  <p:stCondLst>
-                                    <p:cond delay="0"/>
-                                  </p:stCondLst>
-                                  <p:childTnLst>
-                                    <p:animEffect transition="out" filter="fade">
-                                      <p:cBhvr>
-                                        <p:cTn id="21" dur="500"/>
-                                        <p:tgtEl>
-                                          <p:spTgt spid="4"/>
-                                        </p:tgtEl>
-                                      </p:cBhvr>
-                                    </p:animEffect>
-                                    <p:set>
-                                      <p:cBhvr>
-                                        <p:cTn id="22" dur="1" fill="hold">
-                                          <p:stCondLst>
-                                            <p:cond delay="499"/>
-                                          </p:stCondLst>
-                                        </p:cTn>
-                                        <p:tgtEl>
-                                          <p:spTgt spid="4"/>
-                                        </p:tgtEl>
-                                        <p:attrNameLst>
-                                          <p:attrName>style.visibility</p:attrName>
-                                        </p:attrNameLst>
-                                      </p:cBhvr>
-                                      <p:to>
-                                        <p:strVal val="hidden"/>
-                                      </p:to>
-                                    </p:set>
-                                  </p:childTnLst>
-                                </p:cTn>
-                              </p:par>
-                            </p:childTnLst>
-                          </p:cTn>
-                        </p:par>
-                      </p:childTnLst>
-                    </p:cTn>
-                  </p:par>
-                  <p:par>
-                    <p:cTn id="23" fill="hold">
-                      <p:stCondLst>
-                        <p:cond delay="indefinite"/>
-                      </p:stCondLst>
-                      <p:childTnLst>
-                        <p:par>
-                          <p:cTn id="24" fill="hold">
-                            <p:stCondLst>
-                              <p:cond delay="0"/>
-                            </p:stCondLst>
-                            <p:childTnLst>
-                              <p:par>
-                                <p:cTn id="25" presetID="31" presetClass="entr" presetSubtype="0" fill="hold" nodeType="clickEffect">
-                                  <p:stCondLst>
-                                    <p:cond delay="0"/>
-                                  </p:stCondLst>
-                                  <p:childTnLst>
-                                    <p:set>
-                                      <p:cBhvr>
-                                        <p:cTn id="26" dur="1" fill="hold">
-                                          <p:stCondLst>
-                                            <p:cond delay="0"/>
-                                          </p:stCondLst>
-                                        </p:cTn>
-                                        <p:tgtEl>
-                                          <p:spTgt spid="5"/>
-                                        </p:tgtEl>
-                                        <p:attrNameLst>
-                                          <p:attrName>style.visibility</p:attrName>
-                                        </p:attrNameLst>
-                                      </p:cBhvr>
-                                      <p:to>
-                                        <p:strVal val="visible"/>
-                                      </p:to>
-                                    </p:set>
-                                    <p:anim calcmode="lin" valueType="num">
-                                      <p:cBhvr>
-                                        <p:cTn id="27" dur="1000" fill="hold"/>
-                                        <p:tgtEl>
-                                          <p:spTgt spid="5"/>
-                                        </p:tgtEl>
-                                        <p:attrNameLst>
-                                          <p:attrName>ppt_w</p:attrName>
-                                        </p:attrNameLst>
-                                      </p:cBhvr>
-                                      <p:tavLst>
-                                        <p:tav tm="0">
-                                          <p:val>
-                                            <p:fltVal val="0"/>
-                                          </p:val>
-                                        </p:tav>
-                                        <p:tav tm="100000">
-                                          <p:val>
-                                            <p:strVal val="#ppt_w"/>
-                                          </p:val>
-                                        </p:tav>
-                                      </p:tavLst>
-                                    </p:anim>
-                                    <p:anim calcmode="lin" valueType="num">
-                                      <p:cBhvr>
-                                        <p:cTn id="28" dur="1000" fill="hold"/>
-                                        <p:tgtEl>
-                                          <p:spTgt spid="5"/>
-                                        </p:tgtEl>
-                                        <p:attrNameLst>
-                                          <p:attrName>ppt_h</p:attrName>
-                                        </p:attrNameLst>
-                                      </p:cBhvr>
-                                      <p:tavLst>
-                                        <p:tav tm="0">
-                                          <p:val>
-                                            <p:fltVal val="0"/>
-                                          </p:val>
-                                        </p:tav>
-                                        <p:tav tm="100000">
-                                          <p:val>
-                                            <p:strVal val="#ppt_h"/>
-                                          </p:val>
-                                        </p:tav>
-                                      </p:tavLst>
-                                    </p:anim>
-                                    <p:anim calcmode="lin" valueType="num">
-                                      <p:cBhvr>
-                                        <p:cTn id="29" dur="1000" fill="hold"/>
-                                        <p:tgtEl>
-                                          <p:spTgt spid="5"/>
-                                        </p:tgtEl>
-                                        <p:attrNameLst>
-                                          <p:attrName>style.rotation</p:attrName>
-                                        </p:attrNameLst>
-                                      </p:cBhvr>
-                                      <p:tavLst>
-                                        <p:tav tm="0">
-                                          <p:val>
-                                            <p:fltVal val="90"/>
-                                          </p:val>
-                                        </p:tav>
-                                        <p:tav tm="100000">
-                                          <p:val>
-                                            <p:fltVal val="0"/>
-                                          </p:val>
-                                        </p:tav>
-                                      </p:tavLst>
-                                    </p:anim>
-                                    <p:animEffect transition="in" filter="fade">
-                                      <p:cBhvr>
-                                        <p:cTn id="30" dur="1000"/>
-                                        <p:tgtEl>
-                                          <p:spTgt spid="5"/>
-                                        </p:tgtEl>
-                                      </p:cBhvr>
-                                    </p:animEffect>
-                                  </p:childTnLst>
-                                </p:cTn>
-                              </p:par>
-                            </p:childTnLst>
-                          </p:cTn>
-                        </p:par>
-                      </p:childTnLst>
-                    </p:cTn>
-                  </p:par>
-                  <p:par>
-                    <p:cTn id="31" fill="hold">
-                      <p:stCondLst>
-                        <p:cond delay="indefinite"/>
-                      </p:stCondLst>
-                      <p:childTnLst>
-                        <p:par>
-                          <p:cTn id="32" fill="hold">
-                            <p:stCondLst>
-                              <p:cond delay="0"/>
-                            </p:stCondLst>
-                            <p:childTnLst>
-                              <p:par>
-                                <p:cTn id="33" presetID="6" presetClass="emph" presetSubtype="0" fill="hold" nodeType="clickEffect">
-                                  <p:stCondLst>
-                                    <p:cond delay="0"/>
-                                  </p:stCondLst>
-                                  <p:childTnLst>
-                                    <p:animScale>
-                                      <p:cBhvr>
-                                        <p:cTn id="34" dur="2000" fill="hold"/>
-                                        <p:tgtEl>
-                                          <p:spTgt spid="5"/>
-                                        </p:tgtEl>
-                                      </p:cBhvr>
-                                      <p:by x="150000" y="150000"/>
-                                    </p:animScale>
-                                  </p:childTnLst>
-                                </p:cTn>
-                              </p:par>
-                            </p:childTnLst>
-                          </p:cTn>
-                        </p:par>
-                      </p:childTnLst>
-                    </p:cTn>
-                  </p:par>
-                </p:childTnLst>
-              </p:cTn>
-              <p:prevCondLst>
-                <p:cond evt="onPrev" delay="0">
-                  <p:tgtEl>
-                    <p:sldTgt/>
-                  </p:tgtEl>
-                </p:cond>
-              </p:prevCondLst>
-              <p:nextCondLst>
-                <p:cond evt="onNext" delay="0">
-                  <p:tgtEl>
-                    <p:sldTgt/>
-                  </p:tgtEl>
-                </p:cond>
-              </p:nextCondLst>
-            </p:seq>
-          </p:childTnLst>
-        </p:cTn>
-      </p:par>
-    </p:tnLst>
-    <p:bldLst>
-      <p:bldP spid="3" grpId="0" build="p"/>
-    </p:bldLst>
   </p:timing>
 </p:sld>
 </file>

--- a/OOSD_Project2_Team5_Presentation.pptx
+++ b/OOSD_Project2_Team5_Presentation.pptx
@@ -11,6 +11,7 @@
     <p:sldId id="259" r:id="rId5"/>
     <p:sldId id="260" r:id="rId6"/>
     <p:sldId id="261" r:id="rId7"/>
+    <p:sldId id="262" r:id="rId8"/>
   </p:sldIdLst>
   <p:sldSz cx="12192000" cy="6858000"/>
   <p:notesSz cx="6858000" cy="9144000"/>
@@ -7608,11 +7609,7 @@
           <a:p>
             <a:r>
               <a:rPr lang="en-US" dirty="0" smtClean="0"/>
-              <a:t>Our take on Microsoft Technologies</a:t>
-            </a:r>
-            <a:r>
-              <a:rPr lang="en-US" dirty="0" smtClean="0"/>
-              <a:t>. (</a:t>
+              <a:t>Our take on Microsoft Technologies. (</a:t>
             </a:r>
             <a:r>
               <a:rPr lang="en-US" smtClean="0"/>
@@ -7646,6 +7643,36 @@
           <a:xfrm>
             <a:off x="2895600" y="1143000"/>
             <a:ext cx="3541776" cy="2529840"/>
+          </a:xfrm>
+          <a:prstGeom prst="rect">
+            <a:avLst/>
+          </a:prstGeom>
+        </p:spPr>
+      </p:pic>
+      <p:pic>
+        <p:nvPicPr>
+          <p:cNvPr id="5" name="Picture 4"/>
+          <p:cNvPicPr>
+            <a:picLocks noChangeAspect="1"/>
+          </p:cNvPicPr>
+          <p:nvPr/>
+        </p:nvPicPr>
+        <p:blipFill>
+          <a:blip r:embed="rId3">
+            <a:extLst>
+              <a:ext uri="{28A0092B-C50C-407E-A947-70E740481C1C}">
+                <a14:useLocalDpi xmlns:a14="http://schemas.microsoft.com/office/drawing/2010/main" val="0"/>
+              </a:ext>
+            </a:extLst>
+          </a:blip>
+          <a:stretch>
+            <a:fillRect/>
+          </a:stretch>
+        </p:blipFill>
+        <p:spPr>
+          <a:xfrm>
+            <a:off x="7209421" y="1250673"/>
+            <a:ext cx="2798646" cy="2422167"/>
           </a:xfrm>
           <a:prstGeom prst="rect">
             <a:avLst/>
@@ -11794,6 +11821,18 @@
   <p:clrMapOvr>
     <a:masterClrMapping/>
   </p:clrMapOvr>
+  <mc:AlternateContent xmlns:mc="http://schemas.openxmlformats.org/markup-compatibility/2006">
+    <mc:Choice xmlns:p14="http://schemas.microsoft.com/office/powerpoint/2010/main" Requires="p14">
+      <p:transition spd="slow" p14:dur="1400">
+        <p14:doors dir="vert"/>
+      </p:transition>
+    </mc:Choice>
+    <mc:Fallback>
+      <p:transition spd="slow">
+        <p:fade/>
+      </p:transition>
+    </mc:Fallback>
+  </mc:AlternateContent>
   <p:timing>
     <p:tnLst>
       <p:par>
@@ -11877,6 +11916,109 @@
   <p:clrMapOvr>
     <a:masterClrMapping/>
   </p:clrMapOvr>
+  <mc:AlternateContent xmlns:mc="http://schemas.openxmlformats.org/markup-compatibility/2006">
+    <mc:Choice xmlns:p14="http://schemas.microsoft.com/office/powerpoint/2010/main" Requires="p14">
+      <p:transition spd="slow" p14:dur="3900">
+        <p14:glitter pattern="hexagon"/>
+      </p:transition>
+    </mc:Choice>
+    <mc:Fallback>
+      <p:transition spd="slow">
+        <p:fade/>
+      </p:transition>
+    </mc:Fallback>
+  </mc:AlternateContent>
+  <p:timing>
+    <p:tnLst>
+      <p:par>
+        <p:cTn id="1" dur="indefinite" restart="never" nodeType="tmRoot"/>
+      </p:par>
+    </p:tnLst>
+  </p:timing>
+</p:sld>
+</file>
+
+<file path=ppt/slides/slide7.xml><?xml version="1.0" encoding="utf-8"?>
+<p:sld xmlns:a="http://schemas.openxmlformats.org/drawingml/2006/main" xmlns:r="http://schemas.openxmlformats.org/officeDocument/2006/relationships" xmlns:p="http://schemas.openxmlformats.org/presentationml/2006/main">
+  <p:cSld>
+    <p:spTree>
+      <p:nvGrpSpPr>
+        <p:cNvPr id="1" name=""/>
+        <p:cNvGrpSpPr/>
+        <p:nvPr/>
+      </p:nvGrpSpPr>
+      <p:grpSpPr>
+        <a:xfrm>
+          <a:off x="0" y="0"/>
+          <a:ext cx="0" cy="0"/>
+          <a:chOff x="0" y="0"/>
+          <a:chExt cx="0" cy="0"/>
+        </a:xfrm>
+      </p:grpSpPr>
+      <p:sp>
+        <p:nvSpPr>
+          <p:cNvPr id="2" name="Title 1"/>
+          <p:cNvSpPr>
+            <a:spLocks noGrp="1"/>
+          </p:cNvSpPr>
+          <p:nvPr>
+            <p:ph type="title"/>
+          </p:nvPr>
+        </p:nvSpPr>
+        <p:spPr/>
+        <p:txBody>
+          <a:bodyPr/>
+          <a:lstStyle/>
+          <a:p>
+            <a:r>
+              <a:rPr lang="en-US" dirty="0" smtClean="0"/>
+              <a:t>In Conclusion…</a:t>
+            </a:r>
+            <a:endParaRPr lang="en-US" dirty="0"/>
+          </a:p>
+        </p:txBody>
+      </p:sp>
+      <p:sp>
+        <p:nvSpPr>
+          <p:cNvPr id="3" name="Content Placeholder 2"/>
+          <p:cNvSpPr>
+            <a:spLocks noGrp="1"/>
+          </p:cNvSpPr>
+          <p:nvPr>
+            <p:ph idx="1"/>
+          </p:nvPr>
+        </p:nvSpPr>
+        <p:spPr/>
+        <p:txBody>
+          <a:bodyPr/>
+          <a:lstStyle/>
+          <a:p>
+            <a:endParaRPr lang="en-US"/>
+          </a:p>
+        </p:txBody>
+      </p:sp>
+    </p:spTree>
+    <p:extLst>
+      <p:ext uri="{BB962C8B-B14F-4D97-AF65-F5344CB8AC3E}">
+        <p14:creationId xmlns:p14="http://schemas.microsoft.com/office/powerpoint/2010/main" val="2104398036"/>
+      </p:ext>
+    </p:extLst>
+  </p:cSld>
+  <p:clrMapOvr>
+    <a:masterClrMapping/>
+  </p:clrMapOvr>
+  <mc:AlternateContent xmlns:mc="http://schemas.openxmlformats.org/markup-compatibility/2006">
+    <mc:Choice xmlns:p14="http://schemas.microsoft.com/office/powerpoint/2010/main" Requires="p14">
+      <p:transition spd="slow" p14:dur="1600">
+        <p14:gallery dir="l"/>
+      </p:transition>
+    </mc:Choice>
+    <mc:Fallback>
+      <p:transition spd="slow">
+        <p:fade/>
+      </p:transition>
+    </mc:Fallback>
+  </mc:AlternateContent>
   <p:timing>
     <p:tnLst>
       <p:par>

--- a/OOSD_Project2_Team5_Presentation.pptx
+++ b/OOSD_Project2_Team5_Presentation.pptx
@@ -11793,19 +11793,23 @@
           <a:p>
             <a:r>
               <a:rPr lang="en-US" dirty="0" smtClean="0"/>
-              <a:t>There’s even </a:t>
-            </a:r>
-            <a:r>
-              <a:rPr lang="en-US" smtClean="0"/>
-              <a:t>a “complaints” </a:t>
+              <a:t>There’s even a “complaints” page that is linked from the about page</a:t>
             </a:r>
             <a:r>
               <a:rPr lang="en-US" dirty="0" smtClean="0"/>
-              <a:t>page that is linked from the </a:t>
+              <a:t>.</a:t>
             </a:r>
+          </a:p>
+          <a:p>
             <a:r>
-              <a:rPr lang="en-US" smtClean="0"/>
-              <a:t>about page.</a:t>
+              <a:rPr lang="en-US" dirty="0" smtClean="0"/>
+              <a:t>Customers can book packages with ease.</a:t>
+            </a:r>
+          </a:p>
+          <a:p>
+            <a:r>
+              <a:rPr lang="en-US" dirty="0" smtClean="0"/>
+              <a:t>The site has a nice, tropical design.</a:t>
             </a:r>
             <a:endParaRPr lang="en-US" dirty="0"/>
           </a:p>
@@ -11900,7 +11904,17 @@
           <a:p>
             <a:r>
               <a:rPr lang="en-US" dirty="0" smtClean="0"/>
-              <a:t>Building a mobile app for customers to set up their vacations through packages.</a:t>
+              <a:t>Building a mobile app for customers to set up their vacations through packages</a:t>
+            </a:r>
+            <a:r>
+              <a:rPr lang="en-US" dirty="0" smtClean="0"/>
+              <a:t>.</a:t>
+            </a:r>
+          </a:p>
+          <a:p>
+            <a:r>
+              <a:rPr lang="en-US" dirty="0" smtClean="0"/>
+              <a:t>Building a Mac/”Linux” version for non-Windows workstations.</a:t>
             </a:r>
             <a:endParaRPr lang="en-US" dirty="0"/>
           </a:p>

--- a/OOSD_Project2_Team5_Presentation.pptx
+++ b/OOSD_Project2_Team5_Presentation.pptx
@@ -7832,7 +7832,7 @@
                             </p:stCondLst>
                             <p:childTnLst>
                               <p:par>
-                                <p:cTn id="13" presetID="14" presetClass="entr" presetSubtype="10" fill="hold" grpId="0" nodeType="clickEffect">
+                                <p:cTn id="13" presetID="2" presetClass="entr" presetSubtype="4" fill="hold" nodeType="clickEffect">
                                   <p:stCondLst>
                                     <p:cond delay="0"/>
                                   </p:stCondLst>
@@ -7845,6 +7845,97 @@
                                           </p:stCondLst>
                                         </p:cTn>
                                         <p:tgtEl>
+                                          <p:spTgt spid="5"/>
+                                        </p:tgtEl>
+                                        <p:attrNameLst>
+                                          <p:attrName>style.visibility</p:attrName>
+                                        </p:attrNameLst>
+                                      </p:cBhvr>
+                                      <p:to>
+                                        <p:strVal val="visible"/>
+                                      </p:to>
+                                    </p:set>
+                                    <p:anim calcmode="lin" valueType="num">
+                                      <p:cBhvr additive="base">
+                                        <p:cTn id="15" dur="500" fill="hold"/>
+                                        <p:tgtEl>
+                                          <p:spTgt spid="5"/>
+                                        </p:tgtEl>
+                                        <p:attrNameLst>
+                                          <p:attrName>ppt_x</p:attrName>
+                                        </p:attrNameLst>
+                                      </p:cBhvr>
+                                      <p:tavLst>
+                                        <p:tav tm="0">
+                                          <p:val>
+                                            <p:strVal val="#ppt_x"/>
+                                          </p:val>
+                                        </p:tav>
+                                        <p:tav tm="100000">
+                                          <p:val>
+                                            <p:strVal val="#ppt_x"/>
+                                          </p:val>
+                                        </p:tav>
+                                      </p:tavLst>
+                                    </p:anim>
+                                    <p:anim calcmode="lin" valueType="num">
+                                      <p:cBhvr additive="base">
+                                        <p:cTn id="16" dur="500" fill="hold"/>
+                                        <p:tgtEl>
+                                          <p:spTgt spid="5"/>
+                                        </p:tgtEl>
+                                        <p:attrNameLst>
+                                          <p:attrName>ppt_y</p:attrName>
+                                        </p:attrNameLst>
+                                      </p:cBhvr>
+                                      <p:tavLst>
+                                        <p:tav tm="0">
+                                          <p:val>
+                                            <p:strVal val="1+#ppt_h/2"/>
+                                          </p:val>
+                                        </p:tav>
+                                        <p:tav tm="100000">
+                                          <p:val>
+                                            <p:strVal val="#ppt_y"/>
+                                          </p:val>
+                                        </p:tav>
+                                      </p:tavLst>
+                                    </p:anim>
+                                  </p:childTnLst>
+                                </p:cTn>
+                              </p:par>
+                            </p:childTnLst>
+                          </p:cTn>
+                        </p:par>
+                      </p:childTnLst>
+                    </p:cTn>
+                  </p:par>
+                  <p:par>
+                    <p:cTn id="17" fill="hold">
+                      <p:stCondLst>
+                        <p:cond delay="indefinite"/>
+                      </p:stCondLst>
+                      <p:childTnLst>
+                        <p:par>
+                          <p:cTn id="18" fill="hold">
+                            <p:stCondLst>
+                              <p:cond delay="0"/>
+                            </p:stCondLst>
+                            <p:childTnLst>
+                              <p:par>
+                                <p:cTn id="19" presetID="14" presetClass="entr" presetSubtype="10" fill="hold" grpId="0" nodeType="clickEffect">
+                                  <p:stCondLst>
+                                    <p:cond delay="0"/>
+                                  </p:stCondLst>
+                                  <p:childTnLst>
+                                    <p:set>
+                                      <p:cBhvr>
+                                        <p:cTn id="20" dur="1" fill="hold">
+                                          <p:stCondLst>
+                                            <p:cond delay="0"/>
+                                          </p:stCondLst>
+                                        </p:cTn>
+                                        <p:tgtEl>
                                           <p:spTgt spid="3">
                                             <p:txEl>
                                               <p:pRg st="0" end="0"/>
@@ -7861,7 +7952,7 @@
                                     </p:set>
                                     <p:animEffect transition="in" filter="randombar(horizontal)">
                                       <p:cBhvr>
-                                        <p:cTn id="15" dur="500"/>
+                                        <p:cTn id="21" dur="500"/>
                                         <p:tgtEl>
                                           <p:spTgt spid="3">
                                             <p:txEl>
@@ -7881,26 +7972,26 @@
                     </p:cTn>
                   </p:par>
                   <p:par>
-                    <p:cTn id="16" fill="hold">
+                    <p:cTn id="22" fill="hold">
                       <p:stCondLst>
                         <p:cond delay="indefinite"/>
                       </p:stCondLst>
                       <p:childTnLst>
                         <p:par>
-                          <p:cTn id="17" fill="hold">
+                          <p:cTn id="23" fill="hold">
                             <p:stCondLst>
                               <p:cond delay="0"/>
                             </p:stCondLst>
                             <p:childTnLst>
                               <p:par>
-                                <p:cTn id="18" presetID="31" presetClass="exit" presetSubtype="0" fill="hold" nodeType="clickEffect">
+                                <p:cTn id="24" presetID="31" presetClass="exit" presetSubtype="0" fill="hold" nodeType="clickEffect">
                                   <p:stCondLst>
                                     <p:cond delay="0"/>
                                   </p:stCondLst>
                                   <p:childTnLst>
                                     <p:anim calcmode="lin" valueType="num">
                                       <p:cBhvr>
-                                        <p:cTn id="19" dur="1000"/>
+                                        <p:cTn id="25" dur="1000"/>
                                         <p:tgtEl>
                                           <p:spTgt spid="4"/>
                                         </p:tgtEl>
@@ -7923,7 +8014,7 @@
                                     </p:anim>
                                     <p:anim calcmode="lin" valueType="num">
                                       <p:cBhvr>
-                                        <p:cTn id="20" dur="1000"/>
+                                        <p:cTn id="26" dur="1000"/>
                                         <p:tgtEl>
                                           <p:spTgt spid="4"/>
                                         </p:tgtEl>
@@ -7946,7 +8037,7 @@
                                     </p:anim>
                                     <p:anim calcmode="lin" valueType="num">
                                       <p:cBhvr>
-                                        <p:cTn id="21" dur="1000"/>
+                                        <p:cTn id="27" dur="1000"/>
                                         <p:tgtEl>
                                           <p:spTgt spid="4"/>
                                         </p:tgtEl>
@@ -7969,7 +8060,7 @@
                                     </p:anim>
                                     <p:animEffect transition="out" filter="fade">
                                       <p:cBhvr>
-                                        <p:cTn id="22" dur="1000"/>
+                                        <p:cTn id="28" dur="1000"/>
                                         <p:tgtEl>
                                           <p:spTgt spid="4"/>
                                         </p:tgtEl>
@@ -7977,13 +8068,104 @@
                                     </p:animEffect>
                                     <p:set>
                                       <p:cBhvr>
-                                        <p:cTn id="23" dur="1" fill="hold">
+                                        <p:cTn id="29" dur="1" fill="hold">
                                           <p:stCondLst>
                                             <p:cond delay="999"/>
                                           </p:stCondLst>
                                         </p:cTn>
                                         <p:tgtEl>
                                           <p:spTgt spid="4"/>
+                                        </p:tgtEl>
+                                        <p:attrNameLst>
+                                          <p:attrName>style.visibility</p:attrName>
+                                        </p:attrNameLst>
+                                      </p:cBhvr>
+                                      <p:to>
+                                        <p:strVal val="hidden"/>
+                                      </p:to>
+                                    </p:set>
+                                  </p:childTnLst>
+                                </p:cTn>
+                              </p:par>
+                            </p:childTnLst>
+                          </p:cTn>
+                        </p:par>
+                      </p:childTnLst>
+                    </p:cTn>
+                  </p:par>
+                  <p:par>
+                    <p:cTn id="30" fill="hold">
+                      <p:stCondLst>
+                        <p:cond delay="indefinite"/>
+                      </p:stCondLst>
+                      <p:childTnLst>
+                        <p:par>
+                          <p:cTn id="31" fill="hold">
+                            <p:stCondLst>
+                              <p:cond delay="0"/>
+                            </p:stCondLst>
+                            <p:childTnLst>
+                              <p:par>
+                                <p:cTn id="32" presetID="2" presetClass="exit" presetSubtype="4" fill="hold" nodeType="clickEffect">
+                                  <p:stCondLst>
+                                    <p:cond delay="0"/>
+                                  </p:stCondLst>
+                                  <p:childTnLst>
+                                    <p:anim calcmode="lin" valueType="num">
+                                      <p:cBhvr additive="base">
+                                        <p:cTn id="33" dur="500"/>
+                                        <p:tgtEl>
+                                          <p:spTgt spid="5"/>
+                                        </p:tgtEl>
+                                        <p:attrNameLst>
+                                          <p:attrName>ppt_x</p:attrName>
+                                        </p:attrNameLst>
+                                      </p:cBhvr>
+                                      <p:tavLst>
+                                        <p:tav tm="0">
+                                          <p:val>
+                                            <p:strVal val="ppt_x"/>
+                                          </p:val>
+                                        </p:tav>
+                                        <p:tav tm="100000">
+                                          <p:val>
+                                            <p:strVal val="ppt_x"/>
+                                          </p:val>
+                                        </p:tav>
+                                      </p:tavLst>
+                                    </p:anim>
+                                    <p:anim calcmode="lin" valueType="num">
+                                      <p:cBhvr additive="base">
+                                        <p:cTn id="34" dur="500"/>
+                                        <p:tgtEl>
+                                          <p:spTgt spid="5"/>
+                                        </p:tgtEl>
+                                        <p:attrNameLst>
+                                          <p:attrName>ppt_y</p:attrName>
+                                        </p:attrNameLst>
+                                      </p:cBhvr>
+                                      <p:tavLst>
+                                        <p:tav tm="0">
+                                          <p:val>
+                                            <p:strVal val="ppt_y"/>
+                                          </p:val>
+                                        </p:tav>
+                                        <p:tav tm="100000">
+                                          <p:val>
+                                            <p:strVal val="1+ppt_h/2"/>
+                                          </p:val>
+                                        </p:tav>
+                                      </p:tavLst>
+                                    </p:anim>
+                                    <p:set>
+                                      <p:cBhvr>
+                                        <p:cTn id="35" dur="1" fill="hold">
+                                          <p:stCondLst>
+                                            <p:cond delay="499"/>
+                                          </p:stCondLst>
+                                        </p:cTn>
+                                        <p:tgtEl>
+                                          <p:spTgt spid="5"/>
                                         </p:tgtEl>
                                         <p:attrNameLst>
                                           <p:attrName>style.visibility</p:attrName>
@@ -12007,7 +12189,7 @@
           <a:bodyPr/>
           <a:lstStyle/>
           <a:p>
-            <a:endParaRPr lang="en-US"/>
+            <a:endParaRPr lang="en-US" dirty="0"/>
           </a:p>
         </p:txBody>
       </p:sp>

--- a/OOSD_Project2_Team5_Presentation.pptx
+++ b/OOSD_Project2_Team5_Presentation.pptx
@@ -11997,6 +11997,66 @@
           </a:p>
         </p:txBody>
       </p:sp>
+      <p:pic>
+        <p:nvPicPr>
+          <p:cNvPr id="4" name="Picture 3"/>
+          <p:cNvPicPr>
+            <a:picLocks noChangeAspect="1"/>
+          </p:cNvPicPr>
+          <p:nvPr/>
+        </p:nvPicPr>
+        <p:blipFill>
+          <a:blip r:embed="rId2">
+            <a:extLst>
+              <a:ext uri="{28A0092B-C50C-407E-A947-70E740481C1C}">
+                <a14:useLocalDpi xmlns:a14="http://schemas.microsoft.com/office/drawing/2010/main" val="0"/>
+              </a:ext>
+            </a:extLst>
+          </a:blip>
+          <a:stretch>
+            <a:fillRect/>
+          </a:stretch>
+        </p:blipFill>
+        <p:spPr>
+          <a:xfrm>
+            <a:off x="2670048" y="4022411"/>
+            <a:ext cx="3571783" cy="2679114"/>
+          </a:xfrm>
+          <a:prstGeom prst="rect">
+            <a:avLst/>
+          </a:prstGeom>
+        </p:spPr>
+      </p:pic>
+      <p:pic>
+        <p:nvPicPr>
+          <p:cNvPr id="5" name="Picture 4"/>
+          <p:cNvPicPr>
+            <a:picLocks noChangeAspect="1"/>
+          </p:cNvPicPr>
+          <p:nvPr/>
+        </p:nvPicPr>
+        <p:blipFill>
+          <a:blip r:embed="rId3">
+            <a:extLst>
+              <a:ext uri="{28A0092B-C50C-407E-A947-70E740481C1C}">
+                <a14:useLocalDpi xmlns:a14="http://schemas.microsoft.com/office/drawing/2010/main" val="0"/>
+              </a:ext>
+            </a:extLst>
+          </a:blip>
+          <a:stretch>
+            <a:fillRect/>
+          </a:stretch>
+        </p:blipFill>
+        <p:spPr>
+          <a:xfrm>
+            <a:off x="9251795" y="4356610"/>
+            <a:ext cx="2252817" cy="1949764"/>
+          </a:xfrm>
+          <a:prstGeom prst="rect">
+            <a:avLst/>
+          </a:prstGeom>
+        </p:spPr>
+      </p:pic>
     </p:spTree>
     <p:extLst>
       <p:ext uri="{BB962C8B-B14F-4D97-AF65-F5344CB8AC3E}">
@@ -12022,9 +12082,1747 @@
   <p:timing>
     <p:tnLst>
       <p:par>
-        <p:cTn id="1" dur="indefinite" restart="never" nodeType="tmRoot"/>
+        <p:cTn id="1" dur="indefinite" restart="never" nodeType="tmRoot">
+          <p:childTnLst>
+            <p:seq concurrent="1" nextAc="seek">
+              <p:cTn id="2" dur="indefinite" nodeType="mainSeq">
+                <p:childTnLst>
+                  <p:par>
+                    <p:cTn id="3" fill="hold">
+                      <p:stCondLst>
+                        <p:cond delay="indefinite"/>
+                      </p:stCondLst>
+                      <p:childTnLst>
+                        <p:par>
+                          <p:cTn id="4" fill="hold">
+                            <p:stCondLst>
+                              <p:cond delay="0"/>
+                            </p:stCondLst>
+                            <p:childTnLst>
+                              <p:par>
+                                <p:cTn id="5" presetID="22" presetClass="entr" presetSubtype="4" fill="hold" nodeType="clickEffect">
+                                  <p:stCondLst>
+                                    <p:cond delay="0"/>
+                                  </p:stCondLst>
+                                  <p:childTnLst>
+                                    <p:set>
+                                      <p:cBhvr>
+                                        <p:cTn id="6" dur="1" fill="hold">
+                                          <p:stCondLst>
+                                            <p:cond delay="0"/>
+                                          </p:stCondLst>
+                                        </p:cTn>
+                                        <p:tgtEl>
+                                          <p:spTgt spid="4"/>
+                                        </p:tgtEl>
+                                        <p:attrNameLst>
+                                          <p:attrName>style.visibility</p:attrName>
+                                        </p:attrNameLst>
+                                      </p:cBhvr>
+                                      <p:to>
+                                        <p:strVal val="visible"/>
+                                      </p:to>
+                                    </p:set>
+                                    <p:animEffect transition="in" filter="wipe(down)">
+                                      <p:cBhvr>
+                                        <p:cTn id="7" dur="500"/>
+                                        <p:tgtEl>
+                                          <p:spTgt spid="4"/>
+                                        </p:tgtEl>
+                                      </p:cBhvr>
+                                    </p:animEffect>
+                                  </p:childTnLst>
+                                </p:cTn>
+                              </p:par>
+                            </p:childTnLst>
+                          </p:cTn>
+                        </p:par>
+                      </p:childTnLst>
+                    </p:cTn>
+                  </p:par>
+                  <p:par>
+                    <p:cTn id="8" fill="hold">
+                      <p:stCondLst>
+                        <p:cond delay="indefinite"/>
+                      </p:stCondLst>
+                      <p:childTnLst>
+                        <p:par>
+                          <p:cTn id="9" fill="hold">
+                            <p:stCondLst>
+                              <p:cond delay="0"/>
+                            </p:stCondLst>
+                            <p:childTnLst>
+                              <p:par>
+                                <p:cTn id="10" presetID="2" presetClass="entr" presetSubtype="6" fill="hold" nodeType="clickEffect">
+                                  <p:stCondLst>
+                                    <p:cond delay="0"/>
+                                  </p:stCondLst>
+                                  <p:childTnLst>
+                                    <p:set>
+                                      <p:cBhvr>
+                                        <p:cTn id="11" dur="1" fill="hold">
+                                          <p:stCondLst>
+                                            <p:cond delay="0"/>
+                                          </p:stCondLst>
+                                        </p:cTn>
+                                        <p:tgtEl>
+                                          <p:spTgt spid="5"/>
+                                        </p:tgtEl>
+                                        <p:attrNameLst>
+                                          <p:attrName>style.visibility</p:attrName>
+                                        </p:attrNameLst>
+                                      </p:cBhvr>
+                                      <p:to>
+                                        <p:strVal val="visible"/>
+                                      </p:to>
+                                    </p:set>
+                                    <p:anim calcmode="lin" valueType="num">
+                                      <p:cBhvr additive="base">
+                                        <p:cTn id="12" dur="500" fill="hold"/>
+                                        <p:tgtEl>
+                                          <p:spTgt spid="5"/>
+                                        </p:tgtEl>
+                                        <p:attrNameLst>
+                                          <p:attrName>ppt_x</p:attrName>
+                                        </p:attrNameLst>
+                                      </p:cBhvr>
+                                      <p:tavLst>
+                                        <p:tav tm="0">
+                                          <p:val>
+                                            <p:strVal val="1+#ppt_w/2"/>
+                                          </p:val>
+                                        </p:tav>
+                                        <p:tav tm="100000">
+                                          <p:val>
+                                            <p:strVal val="#ppt_x"/>
+                                          </p:val>
+                                        </p:tav>
+                                      </p:tavLst>
+                                    </p:anim>
+                                    <p:anim calcmode="lin" valueType="num">
+                                      <p:cBhvr additive="base">
+                                        <p:cTn id="13" dur="500" fill="hold"/>
+                                        <p:tgtEl>
+                                          <p:spTgt spid="5"/>
+                                        </p:tgtEl>
+                                        <p:attrNameLst>
+                                          <p:attrName>ppt_y</p:attrName>
+                                        </p:attrNameLst>
+                                      </p:cBhvr>
+                                      <p:tavLst>
+                                        <p:tav tm="0">
+                                          <p:val>
+                                            <p:strVal val="1+#ppt_h/2"/>
+                                          </p:val>
+                                        </p:tav>
+                                        <p:tav tm="100000">
+                                          <p:val>
+                                            <p:strVal val="#ppt_y"/>
+                                          </p:val>
+                                        </p:tav>
+                                      </p:tavLst>
+                                    </p:anim>
+                                  </p:childTnLst>
+                                </p:cTn>
+                              </p:par>
+                            </p:childTnLst>
+                          </p:cTn>
+                        </p:par>
+                      </p:childTnLst>
+                    </p:cTn>
+                  </p:par>
+                  <p:par>
+                    <p:cTn id="14" fill="hold">
+                      <p:stCondLst>
+                        <p:cond delay="indefinite"/>
+                      </p:stCondLst>
+                      <p:childTnLst>
+                        <p:par>
+                          <p:cTn id="15" fill="hold">
+                            <p:stCondLst>
+                              <p:cond delay="0"/>
+                            </p:stCondLst>
+                            <p:childTnLst>
+                              <p:par>
+                                <p:cTn id="16" presetID="26" presetClass="entr" presetSubtype="0" fill="hold" grpId="0" nodeType="clickEffect">
+                                  <p:stCondLst>
+                                    <p:cond delay="0"/>
+                                  </p:stCondLst>
+                                  <p:childTnLst>
+                                    <p:set>
+                                      <p:cBhvr>
+                                        <p:cTn id="17" dur="1" fill="hold">
+                                          <p:stCondLst>
+                                            <p:cond delay="0"/>
+                                          </p:stCondLst>
+                                        </p:cTn>
+                                        <p:tgtEl>
+                                          <p:spTgt spid="3">
+                                            <p:txEl>
+                                              <p:pRg st="0" end="0"/>
+                                            </p:txEl>
+                                          </p:spTgt>
+                                        </p:tgtEl>
+                                        <p:attrNameLst>
+                                          <p:attrName>style.visibility</p:attrName>
+                                        </p:attrNameLst>
+                                      </p:cBhvr>
+                                      <p:to>
+                                        <p:strVal val="visible"/>
+                                      </p:to>
+                                    </p:set>
+                                    <p:animEffect transition="in" filter="wipe(down)">
+                                      <p:cBhvr>
+                                        <p:cTn id="18" dur="580">
+                                          <p:stCondLst>
+                                            <p:cond delay="0"/>
+                                          </p:stCondLst>
+                                        </p:cTn>
+                                        <p:tgtEl>
+                                          <p:spTgt spid="3">
+                                            <p:txEl>
+                                              <p:pRg st="0" end="0"/>
+                                            </p:txEl>
+                                          </p:spTgt>
+                                        </p:tgtEl>
+                                      </p:cBhvr>
+                                    </p:animEffect>
+                                    <p:anim calcmode="lin" valueType="num">
+                                      <p:cBhvr>
+                                        <p:cTn id="19" dur="1822" tmFilter="0,0; 0.14,0.36; 0.43,0.73; 0.71,0.91; 1.0,1.0">
+                                          <p:stCondLst>
+                                            <p:cond delay="0"/>
+                                          </p:stCondLst>
+                                        </p:cTn>
+                                        <p:tgtEl>
+                                          <p:spTgt spid="3">
+                                            <p:txEl>
+                                              <p:pRg st="0" end="0"/>
+                                            </p:txEl>
+                                          </p:spTgt>
+                                        </p:tgtEl>
+                                        <p:attrNameLst>
+                                          <p:attrName>ppt_x</p:attrName>
+                                        </p:attrNameLst>
+                                      </p:cBhvr>
+                                      <p:tavLst>
+                                        <p:tav tm="0">
+                                          <p:val>
+                                            <p:strVal val="#ppt_x-0.25"/>
+                                          </p:val>
+                                        </p:tav>
+                                        <p:tav tm="100000">
+                                          <p:val>
+                                            <p:strVal val="#ppt_x"/>
+                                          </p:val>
+                                        </p:tav>
+                                      </p:tavLst>
+                                    </p:anim>
+                                    <p:anim calcmode="lin" valueType="num">
+                                      <p:cBhvr>
+                                        <p:cTn id="20" dur="664" tmFilter="0.0,0.0; 0.25,0.07; 0.50,0.2; 0.75,0.467; 1.0,1.0">
+                                          <p:stCondLst>
+                                            <p:cond delay="0"/>
+                                          </p:stCondLst>
+                                        </p:cTn>
+                                        <p:tgtEl>
+                                          <p:spTgt spid="3">
+                                            <p:txEl>
+                                              <p:pRg st="0" end="0"/>
+                                            </p:txEl>
+                                          </p:spTgt>
+                                        </p:tgtEl>
+                                        <p:attrNameLst>
+                                          <p:attrName>ppt_y</p:attrName>
+                                        </p:attrNameLst>
+                                      </p:cBhvr>
+                                      <p:tavLst>
+                                        <p:tav tm="0" fmla="#ppt_y-sin(pi*$)/3">
+                                          <p:val>
+                                            <p:fltVal val="0.5"/>
+                                          </p:val>
+                                        </p:tav>
+                                        <p:tav tm="100000">
+                                          <p:val>
+                                            <p:fltVal val="1"/>
+                                          </p:val>
+                                        </p:tav>
+                                      </p:tavLst>
+                                    </p:anim>
+                                    <p:anim calcmode="lin" valueType="num">
+                                      <p:cBhvr>
+                                        <p:cTn id="21" dur="664" tmFilter="0, 0; 0.125,0.2665; 0.25,0.4; 0.375,0.465; 0.5,0.5;  0.625,0.535; 0.75,0.6; 0.875,0.7335; 1,1">
+                                          <p:stCondLst>
+                                            <p:cond delay="664"/>
+                                          </p:stCondLst>
+                                        </p:cTn>
+                                        <p:tgtEl>
+                                          <p:spTgt spid="3">
+                                            <p:txEl>
+                                              <p:pRg st="0" end="0"/>
+                                            </p:txEl>
+                                          </p:spTgt>
+                                        </p:tgtEl>
+                                        <p:attrNameLst>
+                                          <p:attrName>ppt_y</p:attrName>
+                                        </p:attrNameLst>
+                                      </p:cBhvr>
+                                      <p:tavLst>
+                                        <p:tav tm="0" fmla="#ppt_y-sin(pi*$)/9">
+                                          <p:val>
+                                            <p:fltVal val="0"/>
+                                          </p:val>
+                                        </p:tav>
+                                        <p:tav tm="100000">
+                                          <p:val>
+                                            <p:fltVal val="1"/>
+                                          </p:val>
+                                        </p:tav>
+                                      </p:tavLst>
+                                    </p:anim>
+                                    <p:anim calcmode="lin" valueType="num">
+                                      <p:cBhvr>
+                                        <p:cTn id="22" dur="332" tmFilter="0, 0; 0.125,0.2665; 0.25,0.4; 0.375,0.465; 0.5,0.5;  0.625,0.535; 0.75,0.6; 0.875,0.7335; 1,1">
+                                          <p:stCondLst>
+                                            <p:cond delay="1324"/>
+                                          </p:stCondLst>
+                                        </p:cTn>
+                                        <p:tgtEl>
+                                          <p:spTgt spid="3">
+                                            <p:txEl>
+                                              <p:pRg st="0" end="0"/>
+                                            </p:txEl>
+                                          </p:spTgt>
+                                        </p:tgtEl>
+                                        <p:attrNameLst>
+                                          <p:attrName>ppt_y</p:attrName>
+                                        </p:attrNameLst>
+                                      </p:cBhvr>
+                                      <p:tavLst>
+                                        <p:tav tm="0" fmla="#ppt_y-sin(pi*$)/27">
+                                          <p:val>
+                                            <p:fltVal val="0"/>
+                                          </p:val>
+                                        </p:tav>
+                                        <p:tav tm="100000">
+                                          <p:val>
+                                            <p:fltVal val="1"/>
+                                          </p:val>
+                                        </p:tav>
+                                      </p:tavLst>
+                                    </p:anim>
+                                    <p:anim calcmode="lin" valueType="num">
+                                      <p:cBhvr>
+                                        <p:cTn id="23" dur="164" tmFilter="0, 0; 0.125,0.2665; 0.25,0.4; 0.375,0.465; 0.5,0.5;  0.625,0.535; 0.75,0.6; 0.875,0.7335; 1,1">
+                                          <p:stCondLst>
+                                            <p:cond delay="1656"/>
+                                          </p:stCondLst>
+                                        </p:cTn>
+                                        <p:tgtEl>
+                                          <p:spTgt spid="3">
+                                            <p:txEl>
+                                              <p:pRg st="0" end="0"/>
+                                            </p:txEl>
+                                          </p:spTgt>
+                                        </p:tgtEl>
+                                        <p:attrNameLst>
+                                          <p:attrName>ppt_y</p:attrName>
+                                        </p:attrNameLst>
+                                      </p:cBhvr>
+                                      <p:tavLst>
+                                        <p:tav tm="0" fmla="#ppt_y-sin(pi*$)/81">
+                                          <p:val>
+                                            <p:fltVal val="0"/>
+                                          </p:val>
+                                        </p:tav>
+                                        <p:tav tm="100000">
+                                          <p:val>
+                                            <p:fltVal val="1"/>
+                                          </p:val>
+                                        </p:tav>
+                                      </p:tavLst>
+                                    </p:anim>
+                                    <p:animScale>
+                                      <p:cBhvr>
+                                        <p:cTn id="24" dur="26">
+                                          <p:stCondLst>
+                                            <p:cond delay="650"/>
+                                          </p:stCondLst>
+                                        </p:cTn>
+                                        <p:tgtEl>
+                                          <p:spTgt spid="3">
+                                            <p:txEl>
+                                              <p:pRg st="0" end="0"/>
+                                            </p:txEl>
+                                          </p:spTgt>
+                                        </p:tgtEl>
+                                      </p:cBhvr>
+                                      <p:to x="100000" y="60000"/>
+                                    </p:animScale>
+                                    <p:animScale>
+                                      <p:cBhvr>
+                                        <p:cTn id="25" dur="166" decel="50000">
+                                          <p:stCondLst>
+                                            <p:cond delay="676"/>
+                                          </p:stCondLst>
+                                        </p:cTn>
+                                        <p:tgtEl>
+                                          <p:spTgt spid="3">
+                                            <p:txEl>
+                                              <p:pRg st="0" end="0"/>
+                                            </p:txEl>
+                                          </p:spTgt>
+                                        </p:tgtEl>
+                                      </p:cBhvr>
+                                      <p:to x="100000" y="100000"/>
+                                    </p:animScale>
+                                    <p:animScale>
+                                      <p:cBhvr>
+                                        <p:cTn id="26" dur="26">
+                                          <p:stCondLst>
+                                            <p:cond delay="1312"/>
+                                          </p:stCondLst>
+                                        </p:cTn>
+                                        <p:tgtEl>
+                                          <p:spTgt spid="3">
+                                            <p:txEl>
+                                              <p:pRg st="0" end="0"/>
+                                            </p:txEl>
+                                          </p:spTgt>
+                                        </p:tgtEl>
+                                      </p:cBhvr>
+                                      <p:to x="100000" y="80000"/>
+                                    </p:animScale>
+                                    <p:animScale>
+                                      <p:cBhvr>
+                                        <p:cTn id="27" dur="166" decel="50000">
+                                          <p:stCondLst>
+                                            <p:cond delay="1338"/>
+                                          </p:stCondLst>
+                                        </p:cTn>
+                                        <p:tgtEl>
+                                          <p:spTgt spid="3">
+                                            <p:txEl>
+                                              <p:pRg st="0" end="0"/>
+                                            </p:txEl>
+                                          </p:spTgt>
+                                        </p:tgtEl>
+                                      </p:cBhvr>
+                                      <p:to x="100000" y="100000"/>
+                                    </p:animScale>
+                                    <p:animScale>
+                                      <p:cBhvr>
+                                        <p:cTn id="28" dur="26">
+                                          <p:stCondLst>
+                                            <p:cond delay="1642"/>
+                                          </p:stCondLst>
+                                        </p:cTn>
+                                        <p:tgtEl>
+                                          <p:spTgt spid="3">
+                                            <p:txEl>
+                                              <p:pRg st="0" end="0"/>
+                                            </p:txEl>
+                                          </p:spTgt>
+                                        </p:tgtEl>
+                                      </p:cBhvr>
+                                      <p:to x="100000" y="90000"/>
+                                    </p:animScale>
+                                    <p:animScale>
+                                      <p:cBhvr>
+                                        <p:cTn id="29" dur="166" decel="50000">
+                                          <p:stCondLst>
+                                            <p:cond delay="1668"/>
+                                          </p:stCondLst>
+                                        </p:cTn>
+                                        <p:tgtEl>
+                                          <p:spTgt spid="3">
+                                            <p:txEl>
+                                              <p:pRg st="0" end="0"/>
+                                            </p:txEl>
+                                          </p:spTgt>
+                                        </p:tgtEl>
+                                      </p:cBhvr>
+                                      <p:to x="100000" y="100000"/>
+                                    </p:animScale>
+                                    <p:animScale>
+                                      <p:cBhvr>
+                                        <p:cTn id="30" dur="26">
+                                          <p:stCondLst>
+                                            <p:cond delay="1808"/>
+                                          </p:stCondLst>
+                                        </p:cTn>
+                                        <p:tgtEl>
+                                          <p:spTgt spid="3">
+                                            <p:txEl>
+                                              <p:pRg st="0" end="0"/>
+                                            </p:txEl>
+                                          </p:spTgt>
+                                        </p:tgtEl>
+                                      </p:cBhvr>
+                                      <p:to x="100000" y="95000"/>
+                                    </p:animScale>
+                                    <p:animScale>
+                                      <p:cBhvr>
+                                        <p:cTn id="31" dur="166" decel="50000">
+                                          <p:stCondLst>
+                                            <p:cond delay="1834"/>
+                                          </p:stCondLst>
+                                        </p:cTn>
+                                        <p:tgtEl>
+                                          <p:spTgt spid="3">
+                                            <p:txEl>
+                                              <p:pRg st="0" end="0"/>
+                                            </p:txEl>
+                                          </p:spTgt>
+                                        </p:tgtEl>
+                                      </p:cBhvr>
+                                      <p:to x="100000" y="100000"/>
+                                    </p:animScale>
+                                  </p:childTnLst>
+                                </p:cTn>
+                              </p:par>
+                            </p:childTnLst>
+                          </p:cTn>
+                        </p:par>
+                      </p:childTnLst>
+                    </p:cTn>
+                  </p:par>
+                  <p:par>
+                    <p:cTn id="32" fill="hold">
+                      <p:stCondLst>
+                        <p:cond delay="indefinite"/>
+                      </p:stCondLst>
+                      <p:childTnLst>
+                        <p:par>
+                          <p:cTn id="33" fill="hold">
+                            <p:stCondLst>
+                              <p:cond delay="0"/>
+                            </p:stCondLst>
+                            <p:childTnLst>
+                              <p:par>
+                                <p:cTn id="34" presetID="26" presetClass="entr" presetSubtype="0" fill="hold" grpId="0" nodeType="clickEffect">
+                                  <p:stCondLst>
+                                    <p:cond delay="0"/>
+                                  </p:stCondLst>
+                                  <p:childTnLst>
+                                    <p:set>
+                                      <p:cBhvr>
+                                        <p:cTn id="35" dur="1" fill="hold">
+                                          <p:stCondLst>
+                                            <p:cond delay="0"/>
+                                          </p:stCondLst>
+                                        </p:cTn>
+                                        <p:tgtEl>
+                                          <p:spTgt spid="3">
+                                            <p:txEl>
+                                              <p:pRg st="1" end="1"/>
+                                            </p:txEl>
+                                          </p:spTgt>
+                                        </p:tgtEl>
+                                        <p:attrNameLst>
+                                          <p:attrName>style.visibility</p:attrName>
+                                        </p:attrNameLst>
+                                      </p:cBhvr>
+                                      <p:to>
+                                        <p:strVal val="visible"/>
+                                      </p:to>
+                                    </p:set>
+                                    <p:animEffect transition="in" filter="wipe(down)">
+                                      <p:cBhvr>
+                                        <p:cTn id="36" dur="580">
+                                          <p:stCondLst>
+                                            <p:cond delay="0"/>
+                                          </p:stCondLst>
+                                        </p:cTn>
+                                        <p:tgtEl>
+                                          <p:spTgt spid="3">
+                                            <p:txEl>
+                                              <p:pRg st="1" end="1"/>
+                                            </p:txEl>
+                                          </p:spTgt>
+                                        </p:tgtEl>
+                                      </p:cBhvr>
+                                    </p:animEffect>
+                                    <p:anim calcmode="lin" valueType="num">
+                                      <p:cBhvr>
+                                        <p:cTn id="37" dur="1822" tmFilter="0,0; 0.14,0.36; 0.43,0.73; 0.71,0.91; 1.0,1.0">
+                                          <p:stCondLst>
+                                            <p:cond delay="0"/>
+                                          </p:stCondLst>
+                                        </p:cTn>
+                                        <p:tgtEl>
+                                          <p:spTgt spid="3">
+                                            <p:txEl>
+                                              <p:pRg st="1" end="1"/>
+                                            </p:txEl>
+                                          </p:spTgt>
+                                        </p:tgtEl>
+                                        <p:attrNameLst>
+                                          <p:attrName>ppt_x</p:attrName>
+                                        </p:attrNameLst>
+                                      </p:cBhvr>
+                                      <p:tavLst>
+                                        <p:tav tm="0">
+                                          <p:val>
+                                            <p:strVal val="#ppt_x-0.25"/>
+                                          </p:val>
+                                        </p:tav>
+                                        <p:tav tm="100000">
+                                          <p:val>
+                                            <p:strVal val="#ppt_x"/>
+                                          </p:val>
+                                        </p:tav>
+                                      </p:tavLst>
+                                    </p:anim>
+                                    <p:anim calcmode="lin" valueType="num">
+                                      <p:cBhvr>
+                                        <p:cTn id="38" dur="664" tmFilter="0.0,0.0; 0.25,0.07; 0.50,0.2; 0.75,0.467; 1.0,1.0">
+                                          <p:stCondLst>
+                                            <p:cond delay="0"/>
+                                          </p:stCondLst>
+                                        </p:cTn>
+                                        <p:tgtEl>
+                                          <p:spTgt spid="3">
+                                            <p:txEl>
+                                              <p:pRg st="1" end="1"/>
+                                            </p:txEl>
+                                          </p:spTgt>
+                                        </p:tgtEl>
+                                        <p:attrNameLst>
+                                          <p:attrName>ppt_y</p:attrName>
+                                        </p:attrNameLst>
+                                      </p:cBhvr>
+                                      <p:tavLst>
+                                        <p:tav tm="0" fmla="#ppt_y-sin(pi*$)/3">
+                                          <p:val>
+                                            <p:fltVal val="0.5"/>
+                                          </p:val>
+                                        </p:tav>
+                                        <p:tav tm="100000">
+                                          <p:val>
+                                            <p:fltVal val="1"/>
+                                          </p:val>
+                                        </p:tav>
+                                      </p:tavLst>
+                                    </p:anim>
+                                    <p:anim calcmode="lin" valueType="num">
+                                      <p:cBhvr>
+                                        <p:cTn id="39" dur="664" tmFilter="0, 0; 0.125,0.2665; 0.25,0.4; 0.375,0.465; 0.5,0.5;  0.625,0.535; 0.75,0.6; 0.875,0.7335; 1,1">
+                                          <p:stCondLst>
+                                            <p:cond delay="664"/>
+                                          </p:stCondLst>
+                                        </p:cTn>
+                                        <p:tgtEl>
+                                          <p:spTgt spid="3">
+                                            <p:txEl>
+                                              <p:pRg st="1" end="1"/>
+                                            </p:txEl>
+                                          </p:spTgt>
+                                        </p:tgtEl>
+                                        <p:attrNameLst>
+                                          <p:attrName>ppt_y</p:attrName>
+                                        </p:attrNameLst>
+                                      </p:cBhvr>
+                                      <p:tavLst>
+                                        <p:tav tm="0" fmla="#ppt_y-sin(pi*$)/9">
+                                          <p:val>
+                                            <p:fltVal val="0"/>
+                                          </p:val>
+                                        </p:tav>
+                                        <p:tav tm="100000">
+                                          <p:val>
+                                            <p:fltVal val="1"/>
+                                          </p:val>
+                                        </p:tav>
+                                      </p:tavLst>
+                                    </p:anim>
+                                    <p:anim calcmode="lin" valueType="num">
+                                      <p:cBhvr>
+                                        <p:cTn id="40" dur="332" tmFilter="0, 0; 0.125,0.2665; 0.25,0.4; 0.375,0.465; 0.5,0.5;  0.625,0.535; 0.75,0.6; 0.875,0.7335; 1,1">
+                                          <p:stCondLst>
+                                            <p:cond delay="1324"/>
+                                          </p:stCondLst>
+                                        </p:cTn>
+                                        <p:tgtEl>
+                                          <p:spTgt spid="3">
+                                            <p:txEl>
+                                              <p:pRg st="1" end="1"/>
+                                            </p:txEl>
+                                          </p:spTgt>
+                                        </p:tgtEl>
+                                        <p:attrNameLst>
+                                          <p:attrName>ppt_y</p:attrName>
+                                        </p:attrNameLst>
+                                      </p:cBhvr>
+                                      <p:tavLst>
+                                        <p:tav tm="0" fmla="#ppt_y-sin(pi*$)/27">
+                                          <p:val>
+                                            <p:fltVal val="0"/>
+                                          </p:val>
+                                        </p:tav>
+                                        <p:tav tm="100000">
+                                          <p:val>
+                                            <p:fltVal val="1"/>
+                                          </p:val>
+                                        </p:tav>
+                                      </p:tavLst>
+                                    </p:anim>
+                                    <p:anim calcmode="lin" valueType="num">
+                                      <p:cBhvr>
+                                        <p:cTn id="41" dur="164" tmFilter="0, 0; 0.125,0.2665; 0.25,0.4; 0.375,0.465; 0.5,0.5;  0.625,0.535; 0.75,0.6; 0.875,0.7335; 1,1">
+                                          <p:stCondLst>
+                                            <p:cond delay="1656"/>
+                                          </p:stCondLst>
+                                        </p:cTn>
+                                        <p:tgtEl>
+                                          <p:spTgt spid="3">
+                                            <p:txEl>
+                                              <p:pRg st="1" end="1"/>
+                                            </p:txEl>
+                                          </p:spTgt>
+                                        </p:tgtEl>
+                                        <p:attrNameLst>
+                                          <p:attrName>ppt_y</p:attrName>
+                                        </p:attrNameLst>
+                                      </p:cBhvr>
+                                      <p:tavLst>
+                                        <p:tav tm="0" fmla="#ppt_y-sin(pi*$)/81">
+                                          <p:val>
+                                            <p:fltVal val="0"/>
+                                          </p:val>
+                                        </p:tav>
+                                        <p:tav tm="100000">
+                                          <p:val>
+                                            <p:fltVal val="1"/>
+                                          </p:val>
+                                        </p:tav>
+                                      </p:tavLst>
+                                    </p:anim>
+                                    <p:animScale>
+                                      <p:cBhvr>
+                                        <p:cTn id="42" dur="26">
+                                          <p:stCondLst>
+                                            <p:cond delay="650"/>
+                                          </p:stCondLst>
+                                        </p:cTn>
+                                        <p:tgtEl>
+                                          <p:spTgt spid="3">
+                                            <p:txEl>
+                                              <p:pRg st="1" end="1"/>
+                                            </p:txEl>
+                                          </p:spTgt>
+                                        </p:tgtEl>
+                                      </p:cBhvr>
+                                      <p:to x="100000" y="60000"/>
+                                    </p:animScale>
+                                    <p:animScale>
+                                      <p:cBhvr>
+                                        <p:cTn id="43" dur="166" decel="50000">
+                                          <p:stCondLst>
+                                            <p:cond delay="676"/>
+                                          </p:stCondLst>
+                                        </p:cTn>
+                                        <p:tgtEl>
+                                          <p:spTgt spid="3">
+                                            <p:txEl>
+                                              <p:pRg st="1" end="1"/>
+                                            </p:txEl>
+                                          </p:spTgt>
+                                        </p:tgtEl>
+                                      </p:cBhvr>
+                                      <p:to x="100000" y="100000"/>
+                                    </p:animScale>
+                                    <p:animScale>
+                                      <p:cBhvr>
+                                        <p:cTn id="44" dur="26">
+                                          <p:stCondLst>
+                                            <p:cond delay="1312"/>
+                                          </p:stCondLst>
+                                        </p:cTn>
+                                        <p:tgtEl>
+                                          <p:spTgt spid="3">
+                                            <p:txEl>
+                                              <p:pRg st="1" end="1"/>
+                                            </p:txEl>
+                                          </p:spTgt>
+                                        </p:tgtEl>
+                                      </p:cBhvr>
+                                      <p:to x="100000" y="80000"/>
+                                    </p:animScale>
+                                    <p:animScale>
+                                      <p:cBhvr>
+                                        <p:cTn id="45" dur="166" decel="50000">
+                                          <p:stCondLst>
+                                            <p:cond delay="1338"/>
+                                          </p:stCondLst>
+                                        </p:cTn>
+                                        <p:tgtEl>
+                                          <p:spTgt spid="3">
+                                            <p:txEl>
+                                              <p:pRg st="1" end="1"/>
+                                            </p:txEl>
+                                          </p:spTgt>
+                                        </p:tgtEl>
+                                      </p:cBhvr>
+                                      <p:to x="100000" y="100000"/>
+                                    </p:animScale>
+                                    <p:animScale>
+                                      <p:cBhvr>
+                                        <p:cTn id="46" dur="26">
+                                          <p:stCondLst>
+                                            <p:cond delay="1642"/>
+                                          </p:stCondLst>
+                                        </p:cTn>
+                                        <p:tgtEl>
+                                          <p:spTgt spid="3">
+                                            <p:txEl>
+                                              <p:pRg st="1" end="1"/>
+                                            </p:txEl>
+                                          </p:spTgt>
+                                        </p:tgtEl>
+                                      </p:cBhvr>
+                                      <p:to x="100000" y="90000"/>
+                                    </p:animScale>
+                                    <p:animScale>
+                                      <p:cBhvr>
+                                        <p:cTn id="47" dur="166" decel="50000">
+                                          <p:stCondLst>
+                                            <p:cond delay="1668"/>
+                                          </p:stCondLst>
+                                        </p:cTn>
+                                        <p:tgtEl>
+                                          <p:spTgt spid="3">
+                                            <p:txEl>
+                                              <p:pRg st="1" end="1"/>
+                                            </p:txEl>
+                                          </p:spTgt>
+                                        </p:tgtEl>
+                                      </p:cBhvr>
+                                      <p:to x="100000" y="100000"/>
+                                    </p:animScale>
+                                    <p:animScale>
+                                      <p:cBhvr>
+                                        <p:cTn id="48" dur="26">
+                                          <p:stCondLst>
+                                            <p:cond delay="1808"/>
+                                          </p:stCondLst>
+                                        </p:cTn>
+                                        <p:tgtEl>
+                                          <p:spTgt spid="3">
+                                            <p:txEl>
+                                              <p:pRg st="1" end="1"/>
+                                            </p:txEl>
+                                          </p:spTgt>
+                                        </p:tgtEl>
+                                      </p:cBhvr>
+                                      <p:to x="100000" y="95000"/>
+                                    </p:animScale>
+                                    <p:animScale>
+                                      <p:cBhvr>
+                                        <p:cTn id="49" dur="166" decel="50000">
+                                          <p:stCondLst>
+                                            <p:cond delay="1834"/>
+                                          </p:stCondLst>
+                                        </p:cTn>
+                                        <p:tgtEl>
+                                          <p:spTgt spid="3">
+                                            <p:txEl>
+                                              <p:pRg st="1" end="1"/>
+                                            </p:txEl>
+                                          </p:spTgt>
+                                        </p:tgtEl>
+                                      </p:cBhvr>
+                                      <p:to x="100000" y="100000"/>
+                                    </p:animScale>
+                                  </p:childTnLst>
+                                </p:cTn>
+                              </p:par>
+                            </p:childTnLst>
+                          </p:cTn>
+                        </p:par>
+                      </p:childTnLst>
+                    </p:cTn>
+                  </p:par>
+                  <p:par>
+                    <p:cTn id="50" fill="hold">
+                      <p:stCondLst>
+                        <p:cond delay="indefinite"/>
+                      </p:stCondLst>
+                      <p:childTnLst>
+                        <p:par>
+                          <p:cTn id="51" fill="hold">
+                            <p:stCondLst>
+                              <p:cond delay="0"/>
+                            </p:stCondLst>
+                            <p:childTnLst>
+                              <p:par>
+                                <p:cTn id="52" presetID="26" presetClass="entr" presetSubtype="0" fill="hold" grpId="0" nodeType="clickEffect">
+                                  <p:stCondLst>
+                                    <p:cond delay="0"/>
+                                  </p:stCondLst>
+                                  <p:childTnLst>
+                                    <p:set>
+                                      <p:cBhvr>
+                                        <p:cTn id="53" dur="1" fill="hold">
+                                          <p:stCondLst>
+                                            <p:cond delay="0"/>
+                                          </p:stCondLst>
+                                        </p:cTn>
+                                        <p:tgtEl>
+                                          <p:spTgt spid="3">
+                                            <p:txEl>
+                                              <p:pRg st="2" end="2"/>
+                                            </p:txEl>
+                                          </p:spTgt>
+                                        </p:tgtEl>
+                                        <p:attrNameLst>
+                                          <p:attrName>style.visibility</p:attrName>
+                                        </p:attrNameLst>
+                                      </p:cBhvr>
+                                      <p:to>
+                                        <p:strVal val="visible"/>
+                                      </p:to>
+                                    </p:set>
+                                    <p:animEffect transition="in" filter="wipe(down)">
+                                      <p:cBhvr>
+                                        <p:cTn id="54" dur="580">
+                                          <p:stCondLst>
+                                            <p:cond delay="0"/>
+                                          </p:stCondLst>
+                                        </p:cTn>
+                                        <p:tgtEl>
+                                          <p:spTgt spid="3">
+                                            <p:txEl>
+                                              <p:pRg st="2" end="2"/>
+                                            </p:txEl>
+                                          </p:spTgt>
+                                        </p:tgtEl>
+                                      </p:cBhvr>
+                                    </p:animEffect>
+                                    <p:anim calcmode="lin" valueType="num">
+                                      <p:cBhvr>
+                                        <p:cTn id="55" dur="1822" tmFilter="0,0; 0.14,0.36; 0.43,0.73; 0.71,0.91; 1.0,1.0">
+                                          <p:stCondLst>
+                                            <p:cond delay="0"/>
+                                          </p:stCondLst>
+                                        </p:cTn>
+                                        <p:tgtEl>
+                                          <p:spTgt spid="3">
+                                            <p:txEl>
+                                              <p:pRg st="2" end="2"/>
+                                            </p:txEl>
+                                          </p:spTgt>
+                                        </p:tgtEl>
+                                        <p:attrNameLst>
+                                          <p:attrName>ppt_x</p:attrName>
+                                        </p:attrNameLst>
+                                      </p:cBhvr>
+                                      <p:tavLst>
+                                        <p:tav tm="0">
+                                          <p:val>
+                                            <p:strVal val="#ppt_x-0.25"/>
+                                          </p:val>
+                                        </p:tav>
+                                        <p:tav tm="100000">
+                                          <p:val>
+                                            <p:strVal val="#ppt_x"/>
+                                          </p:val>
+                                        </p:tav>
+                                      </p:tavLst>
+                                    </p:anim>
+                                    <p:anim calcmode="lin" valueType="num">
+                                      <p:cBhvr>
+                                        <p:cTn id="56" dur="664" tmFilter="0.0,0.0; 0.25,0.07; 0.50,0.2; 0.75,0.467; 1.0,1.0">
+                                          <p:stCondLst>
+                                            <p:cond delay="0"/>
+                                          </p:stCondLst>
+                                        </p:cTn>
+                                        <p:tgtEl>
+                                          <p:spTgt spid="3">
+                                            <p:txEl>
+                                              <p:pRg st="2" end="2"/>
+                                            </p:txEl>
+                                          </p:spTgt>
+                                        </p:tgtEl>
+                                        <p:attrNameLst>
+                                          <p:attrName>ppt_y</p:attrName>
+                                        </p:attrNameLst>
+                                      </p:cBhvr>
+                                      <p:tavLst>
+                                        <p:tav tm="0" fmla="#ppt_y-sin(pi*$)/3">
+                                          <p:val>
+                                            <p:fltVal val="0.5"/>
+                                          </p:val>
+                                        </p:tav>
+                                        <p:tav tm="100000">
+                                          <p:val>
+                                            <p:fltVal val="1"/>
+                                          </p:val>
+                                        </p:tav>
+                                      </p:tavLst>
+                                    </p:anim>
+                                    <p:anim calcmode="lin" valueType="num">
+                                      <p:cBhvr>
+                                        <p:cTn id="57" dur="664" tmFilter="0, 0; 0.125,0.2665; 0.25,0.4; 0.375,0.465; 0.5,0.5;  0.625,0.535; 0.75,0.6; 0.875,0.7335; 1,1">
+                                          <p:stCondLst>
+                                            <p:cond delay="664"/>
+                                          </p:stCondLst>
+                                        </p:cTn>
+                                        <p:tgtEl>
+                                          <p:spTgt spid="3">
+                                            <p:txEl>
+                                              <p:pRg st="2" end="2"/>
+                                            </p:txEl>
+                                          </p:spTgt>
+                                        </p:tgtEl>
+                                        <p:attrNameLst>
+                                          <p:attrName>ppt_y</p:attrName>
+                                        </p:attrNameLst>
+                                      </p:cBhvr>
+                                      <p:tavLst>
+                                        <p:tav tm="0" fmla="#ppt_y-sin(pi*$)/9">
+                                          <p:val>
+                                            <p:fltVal val="0"/>
+                                          </p:val>
+                                        </p:tav>
+                                        <p:tav tm="100000">
+                                          <p:val>
+                                            <p:fltVal val="1"/>
+                                          </p:val>
+                                        </p:tav>
+                                      </p:tavLst>
+                                    </p:anim>
+                                    <p:anim calcmode="lin" valueType="num">
+                                      <p:cBhvr>
+                                        <p:cTn id="58" dur="332" tmFilter="0, 0; 0.125,0.2665; 0.25,0.4; 0.375,0.465; 0.5,0.5;  0.625,0.535; 0.75,0.6; 0.875,0.7335; 1,1">
+                                          <p:stCondLst>
+                                            <p:cond delay="1324"/>
+                                          </p:stCondLst>
+                                        </p:cTn>
+                                        <p:tgtEl>
+                                          <p:spTgt spid="3">
+                                            <p:txEl>
+                                              <p:pRg st="2" end="2"/>
+                                            </p:txEl>
+                                          </p:spTgt>
+                                        </p:tgtEl>
+                                        <p:attrNameLst>
+                                          <p:attrName>ppt_y</p:attrName>
+                                        </p:attrNameLst>
+                                      </p:cBhvr>
+                                      <p:tavLst>
+                                        <p:tav tm="0" fmla="#ppt_y-sin(pi*$)/27">
+                                          <p:val>
+                                            <p:fltVal val="0"/>
+                                          </p:val>
+                                        </p:tav>
+                                        <p:tav tm="100000">
+                                          <p:val>
+                                            <p:fltVal val="1"/>
+                                          </p:val>
+                                        </p:tav>
+                                      </p:tavLst>
+                                    </p:anim>
+                                    <p:anim calcmode="lin" valueType="num">
+                                      <p:cBhvr>
+                                        <p:cTn id="59" dur="164" tmFilter="0, 0; 0.125,0.2665; 0.25,0.4; 0.375,0.465; 0.5,0.5;  0.625,0.535; 0.75,0.6; 0.875,0.7335; 1,1">
+                                          <p:stCondLst>
+                                            <p:cond delay="1656"/>
+                                          </p:stCondLst>
+                                        </p:cTn>
+                                        <p:tgtEl>
+                                          <p:spTgt spid="3">
+                                            <p:txEl>
+                                              <p:pRg st="2" end="2"/>
+                                            </p:txEl>
+                                          </p:spTgt>
+                                        </p:tgtEl>
+                                        <p:attrNameLst>
+                                          <p:attrName>ppt_y</p:attrName>
+                                        </p:attrNameLst>
+                                      </p:cBhvr>
+                                      <p:tavLst>
+                                        <p:tav tm="0" fmla="#ppt_y-sin(pi*$)/81">
+                                          <p:val>
+                                            <p:fltVal val="0"/>
+                                          </p:val>
+                                        </p:tav>
+                                        <p:tav tm="100000">
+                                          <p:val>
+                                            <p:fltVal val="1"/>
+                                          </p:val>
+                                        </p:tav>
+                                      </p:tavLst>
+                                    </p:anim>
+                                    <p:animScale>
+                                      <p:cBhvr>
+                                        <p:cTn id="60" dur="26">
+                                          <p:stCondLst>
+                                            <p:cond delay="650"/>
+                                          </p:stCondLst>
+                                        </p:cTn>
+                                        <p:tgtEl>
+                                          <p:spTgt spid="3">
+                                            <p:txEl>
+                                              <p:pRg st="2" end="2"/>
+                                            </p:txEl>
+                                          </p:spTgt>
+                                        </p:tgtEl>
+                                      </p:cBhvr>
+                                      <p:to x="100000" y="60000"/>
+                                    </p:animScale>
+                                    <p:animScale>
+                                      <p:cBhvr>
+                                        <p:cTn id="61" dur="166" decel="50000">
+                                          <p:stCondLst>
+                                            <p:cond delay="676"/>
+                                          </p:stCondLst>
+                                        </p:cTn>
+                                        <p:tgtEl>
+                                          <p:spTgt spid="3">
+                                            <p:txEl>
+                                              <p:pRg st="2" end="2"/>
+                                            </p:txEl>
+                                          </p:spTgt>
+                                        </p:tgtEl>
+                                      </p:cBhvr>
+                                      <p:to x="100000" y="100000"/>
+                                    </p:animScale>
+                                    <p:animScale>
+                                      <p:cBhvr>
+                                        <p:cTn id="62" dur="26">
+                                          <p:stCondLst>
+                                            <p:cond delay="1312"/>
+                                          </p:stCondLst>
+                                        </p:cTn>
+                                        <p:tgtEl>
+                                          <p:spTgt spid="3">
+                                            <p:txEl>
+                                              <p:pRg st="2" end="2"/>
+                                            </p:txEl>
+                                          </p:spTgt>
+                                        </p:tgtEl>
+                                      </p:cBhvr>
+                                      <p:to x="100000" y="80000"/>
+                                    </p:animScale>
+                                    <p:animScale>
+                                      <p:cBhvr>
+                                        <p:cTn id="63" dur="166" decel="50000">
+                                          <p:stCondLst>
+                                            <p:cond delay="1338"/>
+                                          </p:stCondLst>
+                                        </p:cTn>
+                                        <p:tgtEl>
+                                          <p:spTgt spid="3">
+                                            <p:txEl>
+                                              <p:pRg st="2" end="2"/>
+                                            </p:txEl>
+                                          </p:spTgt>
+                                        </p:tgtEl>
+                                      </p:cBhvr>
+                                      <p:to x="100000" y="100000"/>
+                                    </p:animScale>
+                                    <p:animScale>
+                                      <p:cBhvr>
+                                        <p:cTn id="64" dur="26">
+                                          <p:stCondLst>
+                                            <p:cond delay="1642"/>
+                                          </p:stCondLst>
+                                        </p:cTn>
+                                        <p:tgtEl>
+                                          <p:spTgt spid="3">
+                                            <p:txEl>
+                                              <p:pRg st="2" end="2"/>
+                                            </p:txEl>
+                                          </p:spTgt>
+                                        </p:tgtEl>
+                                      </p:cBhvr>
+                                      <p:to x="100000" y="90000"/>
+                                    </p:animScale>
+                                    <p:animScale>
+                                      <p:cBhvr>
+                                        <p:cTn id="65" dur="166" decel="50000">
+                                          <p:stCondLst>
+                                            <p:cond delay="1668"/>
+                                          </p:stCondLst>
+                                        </p:cTn>
+                                        <p:tgtEl>
+                                          <p:spTgt spid="3">
+                                            <p:txEl>
+                                              <p:pRg st="2" end="2"/>
+                                            </p:txEl>
+                                          </p:spTgt>
+                                        </p:tgtEl>
+                                      </p:cBhvr>
+                                      <p:to x="100000" y="100000"/>
+                                    </p:animScale>
+                                    <p:animScale>
+                                      <p:cBhvr>
+                                        <p:cTn id="66" dur="26">
+                                          <p:stCondLst>
+                                            <p:cond delay="1808"/>
+                                          </p:stCondLst>
+                                        </p:cTn>
+                                        <p:tgtEl>
+                                          <p:spTgt spid="3">
+                                            <p:txEl>
+                                              <p:pRg st="2" end="2"/>
+                                            </p:txEl>
+                                          </p:spTgt>
+                                        </p:tgtEl>
+                                      </p:cBhvr>
+                                      <p:to x="100000" y="95000"/>
+                                    </p:animScale>
+                                    <p:animScale>
+                                      <p:cBhvr>
+                                        <p:cTn id="67" dur="166" decel="50000">
+                                          <p:stCondLst>
+                                            <p:cond delay="1834"/>
+                                          </p:stCondLst>
+                                        </p:cTn>
+                                        <p:tgtEl>
+                                          <p:spTgt spid="3">
+                                            <p:txEl>
+                                              <p:pRg st="2" end="2"/>
+                                            </p:txEl>
+                                          </p:spTgt>
+                                        </p:tgtEl>
+                                      </p:cBhvr>
+                                      <p:to x="100000" y="100000"/>
+                                    </p:animScale>
+                                  </p:childTnLst>
+                                </p:cTn>
+                              </p:par>
+                            </p:childTnLst>
+                          </p:cTn>
+                        </p:par>
+                      </p:childTnLst>
+                    </p:cTn>
+                  </p:par>
+                  <p:par>
+                    <p:cTn id="68" fill="hold">
+                      <p:stCondLst>
+                        <p:cond delay="indefinite"/>
+                      </p:stCondLst>
+                      <p:childTnLst>
+                        <p:par>
+                          <p:cTn id="69" fill="hold">
+                            <p:stCondLst>
+                              <p:cond delay="0"/>
+                            </p:stCondLst>
+                            <p:childTnLst>
+                              <p:par>
+                                <p:cTn id="70" presetID="26" presetClass="entr" presetSubtype="0" fill="hold" grpId="0" nodeType="clickEffect">
+                                  <p:stCondLst>
+                                    <p:cond delay="0"/>
+                                  </p:stCondLst>
+                                  <p:childTnLst>
+                                    <p:set>
+                                      <p:cBhvr>
+                                        <p:cTn id="71" dur="1" fill="hold">
+                                          <p:stCondLst>
+                                            <p:cond delay="0"/>
+                                          </p:stCondLst>
+                                        </p:cTn>
+                                        <p:tgtEl>
+                                          <p:spTgt spid="3">
+                                            <p:txEl>
+                                              <p:pRg st="3" end="3"/>
+                                            </p:txEl>
+                                          </p:spTgt>
+                                        </p:tgtEl>
+                                        <p:attrNameLst>
+                                          <p:attrName>style.visibility</p:attrName>
+                                        </p:attrNameLst>
+                                      </p:cBhvr>
+                                      <p:to>
+                                        <p:strVal val="visible"/>
+                                      </p:to>
+                                    </p:set>
+                                    <p:animEffect transition="in" filter="wipe(down)">
+                                      <p:cBhvr>
+                                        <p:cTn id="72" dur="580">
+                                          <p:stCondLst>
+                                            <p:cond delay="0"/>
+                                          </p:stCondLst>
+                                        </p:cTn>
+                                        <p:tgtEl>
+                                          <p:spTgt spid="3">
+                                            <p:txEl>
+                                              <p:pRg st="3" end="3"/>
+                                            </p:txEl>
+                                          </p:spTgt>
+                                        </p:tgtEl>
+                                      </p:cBhvr>
+                                    </p:animEffect>
+                                    <p:anim calcmode="lin" valueType="num">
+                                      <p:cBhvr>
+                                        <p:cTn id="73" dur="1822" tmFilter="0,0; 0.14,0.36; 0.43,0.73; 0.71,0.91; 1.0,1.0">
+                                          <p:stCondLst>
+                                            <p:cond delay="0"/>
+                                          </p:stCondLst>
+                                        </p:cTn>
+                                        <p:tgtEl>
+                                          <p:spTgt spid="3">
+                                            <p:txEl>
+                                              <p:pRg st="3" end="3"/>
+                                            </p:txEl>
+                                          </p:spTgt>
+                                        </p:tgtEl>
+                                        <p:attrNameLst>
+                                          <p:attrName>ppt_x</p:attrName>
+                                        </p:attrNameLst>
+                                      </p:cBhvr>
+                                      <p:tavLst>
+                                        <p:tav tm="0">
+                                          <p:val>
+                                            <p:strVal val="#ppt_x-0.25"/>
+                                          </p:val>
+                                        </p:tav>
+                                        <p:tav tm="100000">
+                                          <p:val>
+                                            <p:strVal val="#ppt_x"/>
+                                          </p:val>
+                                        </p:tav>
+                                      </p:tavLst>
+                                    </p:anim>
+                                    <p:anim calcmode="lin" valueType="num">
+                                      <p:cBhvr>
+                                        <p:cTn id="74" dur="664" tmFilter="0.0,0.0; 0.25,0.07; 0.50,0.2; 0.75,0.467; 1.0,1.0">
+                                          <p:stCondLst>
+                                            <p:cond delay="0"/>
+                                          </p:stCondLst>
+                                        </p:cTn>
+                                        <p:tgtEl>
+                                          <p:spTgt spid="3">
+                                            <p:txEl>
+                                              <p:pRg st="3" end="3"/>
+                                            </p:txEl>
+                                          </p:spTgt>
+                                        </p:tgtEl>
+                                        <p:attrNameLst>
+                                          <p:attrName>ppt_y</p:attrName>
+                                        </p:attrNameLst>
+                                      </p:cBhvr>
+                                      <p:tavLst>
+                                        <p:tav tm="0" fmla="#ppt_y-sin(pi*$)/3">
+                                          <p:val>
+                                            <p:fltVal val="0.5"/>
+                                          </p:val>
+                                        </p:tav>
+                                        <p:tav tm="100000">
+                                          <p:val>
+                                            <p:fltVal val="1"/>
+                                          </p:val>
+                                        </p:tav>
+                                      </p:tavLst>
+                                    </p:anim>
+                                    <p:anim calcmode="lin" valueType="num">
+                                      <p:cBhvr>
+                                        <p:cTn id="75" dur="664" tmFilter="0, 0; 0.125,0.2665; 0.25,0.4; 0.375,0.465; 0.5,0.5;  0.625,0.535; 0.75,0.6; 0.875,0.7335; 1,1">
+                                          <p:stCondLst>
+                                            <p:cond delay="664"/>
+                                          </p:stCondLst>
+                                        </p:cTn>
+                                        <p:tgtEl>
+                                          <p:spTgt spid="3">
+                                            <p:txEl>
+                                              <p:pRg st="3" end="3"/>
+                                            </p:txEl>
+                                          </p:spTgt>
+                                        </p:tgtEl>
+                                        <p:attrNameLst>
+                                          <p:attrName>ppt_y</p:attrName>
+                                        </p:attrNameLst>
+                                      </p:cBhvr>
+                                      <p:tavLst>
+                                        <p:tav tm="0" fmla="#ppt_y-sin(pi*$)/9">
+                                          <p:val>
+                                            <p:fltVal val="0"/>
+                                          </p:val>
+                                        </p:tav>
+                                        <p:tav tm="100000">
+                                          <p:val>
+                                            <p:fltVal val="1"/>
+                                          </p:val>
+                                        </p:tav>
+                                      </p:tavLst>
+                                    </p:anim>
+                                    <p:anim calcmode="lin" valueType="num">
+                                      <p:cBhvr>
+                                        <p:cTn id="76" dur="332" tmFilter="0, 0; 0.125,0.2665; 0.25,0.4; 0.375,0.465; 0.5,0.5;  0.625,0.535; 0.75,0.6; 0.875,0.7335; 1,1">
+                                          <p:stCondLst>
+                                            <p:cond delay="1324"/>
+                                          </p:stCondLst>
+                                        </p:cTn>
+                                        <p:tgtEl>
+                                          <p:spTgt spid="3">
+                                            <p:txEl>
+                                              <p:pRg st="3" end="3"/>
+                                            </p:txEl>
+                                          </p:spTgt>
+                                        </p:tgtEl>
+                                        <p:attrNameLst>
+                                          <p:attrName>ppt_y</p:attrName>
+                                        </p:attrNameLst>
+                                      </p:cBhvr>
+                                      <p:tavLst>
+                                        <p:tav tm="0" fmla="#ppt_y-sin(pi*$)/27">
+                                          <p:val>
+                                            <p:fltVal val="0"/>
+                                          </p:val>
+                                        </p:tav>
+                                        <p:tav tm="100000">
+                                          <p:val>
+                                            <p:fltVal val="1"/>
+                                          </p:val>
+                                        </p:tav>
+                                      </p:tavLst>
+                                    </p:anim>
+                                    <p:anim calcmode="lin" valueType="num">
+                                      <p:cBhvr>
+                                        <p:cTn id="77" dur="164" tmFilter="0, 0; 0.125,0.2665; 0.25,0.4; 0.375,0.465; 0.5,0.5;  0.625,0.535; 0.75,0.6; 0.875,0.7335; 1,1">
+                                          <p:stCondLst>
+                                            <p:cond delay="1656"/>
+                                          </p:stCondLst>
+                                        </p:cTn>
+                                        <p:tgtEl>
+                                          <p:spTgt spid="3">
+                                            <p:txEl>
+                                              <p:pRg st="3" end="3"/>
+                                            </p:txEl>
+                                          </p:spTgt>
+                                        </p:tgtEl>
+                                        <p:attrNameLst>
+                                          <p:attrName>ppt_y</p:attrName>
+                                        </p:attrNameLst>
+                                      </p:cBhvr>
+                                      <p:tavLst>
+                                        <p:tav tm="0" fmla="#ppt_y-sin(pi*$)/81">
+                                          <p:val>
+                                            <p:fltVal val="0"/>
+                                          </p:val>
+                                        </p:tav>
+                                        <p:tav tm="100000">
+                                          <p:val>
+                                            <p:fltVal val="1"/>
+                                          </p:val>
+                                        </p:tav>
+                                      </p:tavLst>
+                                    </p:anim>
+                                    <p:animScale>
+                                      <p:cBhvr>
+                                        <p:cTn id="78" dur="26">
+                                          <p:stCondLst>
+                                            <p:cond delay="650"/>
+                                          </p:stCondLst>
+                                        </p:cTn>
+                                        <p:tgtEl>
+                                          <p:spTgt spid="3">
+                                            <p:txEl>
+                                              <p:pRg st="3" end="3"/>
+                                            </p:txEl>
+                                          </p:spTgt>
+                                        </p:tgtEl>
+                                      </p:cBhvr>
+                                      <p:to x="100000" y="60000"/>
+                                    </p:animScale>
+                                    <p:animScale>
+                                      <p:cBhvr>
+                                        <p:cTn id="79" dur="166" decel="50000">
+                                          <p:stCondLst>
+                                            <p:cond delay="676"/>
+                                          </p:stCondLst>
+                                        </p:cTn>
+                                        <p:tgtEl>
+                                          <p:spTgt spid="3">
+                                            <p:txEl>
+                                              <p:pRg st="3" end="3"/>
+                                            </p:txEl>
+                                          </p:spTgt>
+                                        </p:tgtEl>
+                                      </p:cBhvr>
+                                      <p:to x="100000" y="100000"/>
+                                    </p:animScale>
+                                    <p:animScale>
+                                      <p:cBhvr>
+                                        <p:cTn id="80" dur="26">
+                                          <p:stCondLst>
+                                            <p:cond delay="1312"/>
+                                          </p:stCondLst>
+                                        </p:cTn>
+                                        <p:tgtEl>
+                                          <p:spTgt spid="3">
+                                            <p:txEl>
+                                              <p:pRg st="3" end="3"/>
+                                            </p:txEl>
+                                          </p:spTgt>
+                                        </p:tgtEl>
+                                      </p:cBhvr>
+                                      <p:to x="100000" y="80000"/>
+                                    </p:animScale>
+                                    <p:animScale>
+                                      <p:cBhvr>
+                                        <p:cTn id="81" dur="166" decel="50000">
+                                          <p:stCondLst>
+                                            <p:cond delay="1338"/>
+                                          </p:stCondLst>
+                                        </p:cTn>
+                                        <p:tgtEl>
+                                          <p:spTgt spid="3">
+                                            <p:txEl>
+                                              <p:pRg st="3" end="3"/>
+                                            </p:txEl>
+                                          </p:spTgt>
+                                        </p:tgtEl>
+                                      </p:cBhvr>
+                                      <p:to x="100000" y="100000"/>
+                                    </p:animScale>
+                                    <p:animScale>
+                                      <p:cBhvr>
+                                        <p:cTn id="82" dur="26">
+                                          <p:stCondLst>
+                                            <p:cond delay="1642"/>
+                                          </p:stCondLst>
+                                        </p:cTn>
+                                        <p:tgtEl>
+                                          <p:spTgt spid="3">
+                                            <p:txEl>
+                                              <p:pRg st="3" end="3"/>
+                                            </p:txEl>
+                                          </p:spTgt>
+                                        </p:tgtEl>
+                                      </p:cBhvr>
+                                      <p:to x="100000" y="90000"/>
+                                    </p:animScale>
+                                    <p:animScale>
+                                      <p:cBhvr>
+                                        <p:cTn id="83" dur="166" decel="50000">
+                                          <p:stCondLst>
+                                            <p:cond delay="1668"/>
+                                          </p:stCondLst>
+                                        </p:cTn>
+                                        <p:tgtEl>
+                                          <p:spTgt spid="3">
+                                            <p:txEl>
+                                              <p:pRg st="3" end="3"/>
+                                            </p:txEl>
+                                          </p:spTgt>
+                                        </p:tgtEl>
+                                      </p:cBhvr>
+                                      <p:to x="100000" y="100000"/>
+                                    </p:animScale>
+                                    <p:animScale>
+                                      <p:cBhvr>
+                                        <p:cTn id="84" dur="26">
+                                          <p:stCondLst>
+                                            <p:cond delay="1808"/>
+                                          </p:stCondLst>
+                                        </p:cTn>
+                                        <p:tgtEl>
+                                          <p:spTgt spid="3">
+                                            <p:txEl>
+                                              <p:pRg st="3" end="3"/>
+                                            </p:txEl>
+                                          </p:spTgt>
+                                        </p:tgtEl>
+                                      </p:cBhvr>
+                                      <p:to x="100000" y="95000"/>
+                                    </p:animScale>
+                                    <p:animScale>
+                                      <p:cBhvr>
+                                        <p:cTn id="85" dur="166" decel="50000">
+                                          <p:stCondLst>
+                                            <p:cond delay="1834"/>
+                                          </p:stCondLst>
+                                        </p:cTn>
+                                        <p:tgtEl>
+                                          <p:spTgt spid="3">
+                                            <p:txEl>
+                                              <p:pRg st="3" end="3"/>
+                                            </p:txEl>
+                                          </p:spTgt>
+                                        </p:tgtEl>
+                                      </p:cBhvr>
+                                      <p:to x="100000" y="100000"/>
+                                    </p:animScale>
+                                  </p:childTnLst>
+                                </p:cTn>
+                              </p:par>
+                            </p:childTnLst>
+                          </p:cTn>
+                        </p:par>
+                      </p:childTnLst>
+                    </p:cTn>
+                  </p:par>
+                  <p:par>
+                    <p:cTn id="86" fill="hold">
+                      <p:stCondLst>
+                        <p:cond delay="indefinite"/>
+                      </p:stCondLst>
+                      <p:childTnLst>
+                        <p:par>
+                          <p:cTn id="87" fill="hold">
+                            <p:stCondLst>
+                              <p:cond delay="0"/>
+                            </p:stCondLst>
+                            <p:childTnLst>
+                              <p:par>
+                                <p:cTn id="88" presetID="22" presetClass="exit" presetSubtype="4" fill="hold" nodeType="clickEffect">
+                                  <p:stCondLst>
+                                    <p:cond delay="0"/>
+                                  </p:stCondLst>
+                                  <p:childTnLst>
+                                    <p:animEffect transition="out" filter="wipe(down)">
+                                      <p:cBhvr>
+                                        <p:cTn id="89" dur="500"/>
+                                        <p:tgtEl>
+                                          <p:spTgt spid="4"/>
+                                        </p:tgtEl>
+                                      </p:cBhvr>
+                                    </p:animEffect>
+                                    <p:set>
+                                      <p:cBhvr>
+                                        <p:cTn id="90" dur="1" fill="hold">
+                                          <p:stCondLst>
+                                            <p:cond delay="499"/>
+                                          </p:stCondLst>
+                                        </p:cTn>
+                                        <p:tgtEl>
+                                          <p:spTgt spid="4"/>
+                                        </p:tgtEl>
+                                        <p:attrNameLst>
+                                          <p:attrName>style.visibility</p:attrName>
+                                        </p:attrNameLst>
+                                      </p:cBhvr>
+                                      <p:to>
+                                        <p:strVal val="hidden"/>
+                                      </p:to>
+                                    </p:set>
+                                  </p:childTnLst>
+                                </p:cTn>
+                              </p:par>
+                            </p:childTnLst>
+                          </p:cTn>
+                        </p:par>
+                      </p:childTnLst>
+                    </p:cTn>
+                  </p:par>
+                  <p:par>
+                    <p:cTn id="91" fill="hold">
+                      <p:stCondLst>
+                        <p:cond delay="indefinite"/>
+                      </p:stCondLst>
+                      <p:childTnLst>
+                        <p:par>
+                          <p:cTn id="92" fill="hold">
+                            <p:stCondLst>
+                              <p:cond delay="0"/>
+                            </p:stCondLst>
+                            <p:childTnLst>
+                              <p:par>
+                                <p:cTn id="93" presetID="2" presetClass="exit" presetSubtype="9" fill="hold" nodeType="clickEffect">
+                                  <p:stCondLst>
+                                    <p:cond delay="0"/>
+                                  </p:stCondLst>
+                                  <p:childTnLst>
+                                    <p:anim calcmode="lin" valueType="num">
+                                      <p:cBhvr additive="base">
+                                        <p:cTn id="94" dur="500"/>
+                                        <p:tgtEl>
+                                          <p:spTgt spid="5"/>
+                                        </p:tgtEl>
+                                        <p:attrNameLst>
+                                          <p:attrName>ppt_x</p:attrName>
+                                        </p:attrNameLst>
+                                      </p:cBhvr>
+                                      <p:tavLst>
+                                        <p:tav tm="0">
+                                          <p:val>
+                                            <p:strVal val="ppt_x"/>
+                                          </p:val>
+                                        </p:tav>
+                                        <p:tav tm="100000">
+                                          <p:val>
+                                            <p:strVal val="0-ppt_w/2"/>
+                                          </p:val>
+                                        </p:tav>
+                                      </p:tavLst>
+                                    </p:anim>
+                                    <p:anim calcmode="lin" valueType="num">
+                                      <p:cBhvr additive="base">
+                                        <p:cTn id="95" dur="500"/>
+                                        <p:tgtEl>
+                                          <p:spTgt spid="5"/>
+                                        </p:tgtEl>
+                                        <p:attrNameLst>
+                                          <p:attrName>ppt_y</p:attrName>
+                                        </p:attrNameLst>
+                                      </p:cBhvr>
+                                      <p:tavLst>
+                                        <p:tav tm="0">
+                                          <p:val>
+                                            <p:strVal val="ppt_y"/>
+                                          </p:val>
+                                        </p:tav>
+                                        <p:tav tm="100000">
+                                          <p:val>
+                                            <p:strVal val="0-ppt_h/2"/>
+                                          </p:val>
+                                        </p:tav>
+                                      </p:tavLst>
+                                    </p:anim>
+                                    <p:set>
+                                      <p:cBhvr>
+                                        <p:cTn id="96" dur="1" fill="hold">
+                                          <p:stCondLst>
+                                            <p:cond delay="499"/>
+                                          </p:stCondLst>
+                                        </p:cTn>
+                                        <p:tgtEl>
+                                          <p:spTgt spid="5"/>
+                                        </p:tgtEl>
+                                        <p:attrNameLst>
+                                          <p:attrName>style.visibility</p:attrName>
+                                        </p:attrNameLst>
+                                      </p:cBhvr>
+                                      <p:to>
+                                        <p:strVal val="hidden"/>
+                                      </p:to>
+                                    </p:set>
+                                  </p:childTnLst>
+                                </p:cTn>
+                              </p:par>
+                            </p:childTnLst>
+                          </p:cTn>
+                        </p:par>
+                      </p:childTnLst>
+                    </p:cTn>
+                  </p:par>
+                </p:childTnLst>
+              </p:cTn>
+              <p:prevCondLst>
+                <p:cond evt="onPrev" delay="0">
+                  <p:tgtEl>
+                    <p:sldTgt/>
+                  </p:tgtEl>
+                </p:cond>
+              </p:prevCondLst>
+              <p:nextCondLst>
+                <p:cond evt="onNext" delay="0">
+                  <p:tgtEl>
+                    <p:sldTgt/>
+                  </p:tgtEl>
+                </p:cond>
+              </p:nextCondLst>
+            </p:seq>
+          </p:childTnLst>
+        </p:cTn>
       </p:par>
     </p:tnLst>
+    <p:bldLst>
+      <p:bldP spid="3" grpId="0" uiExpand="1" build="p"/>
+    </p:bldLst>
   </p:timing>
 </p:sld>
 </file>

--- a/OOSD_Project2_Team5_Presentation.pptx
+++ b/OOSD_Project2_Team5_Presentation.pptx
@@ -13900,6 +13900,66 @@
           </a:p>
         </p:txBody>
       </p:sp>
+      <p:pic>
+        <p:nvPicPr>
+          <p:cNvPr id="4" name="Picture 3"/>
+          <p:cNvPicPr>
+            <a:picLocks noChangeAspect="1"/>
+          </p:cNvPicPr>
+          <p:nvPr/>
+        </p:nvPicPr>
+        <p:blipFill>
+          <a:blip r:embed="rId2">
+            <a:extLst>
+              <a:ext uri="{28A0092B-C50C-407E-A947-70E740481C1C}">
+                <a14:useLocalDpi xmlns:a14="http://schemas.microsoft.com/office/drawing/2010/main" val="0"/>
+              </a:ext>
+            </a:extLst>
+          </a:blip>
+          <a:stretch>
+            <a:fillRect/>
+          </a:stretch>
+        </p:blipFill>
+        <p:spPr>
+          <a:xfrm>
+            <a:off x="2447353" y="3405759"/>
+            <a:ext cx="2524125" cy="2990850"/>
+          </a:xfrm>
+          <a:prstGeom prst="rect">
+            <a:avLst/>
+          </a:prstGeom>
+        </p:spPr>
+      </p:pic>
+      <p:pic>
+        <p:nvPicPr>
+          <p:cNvPr id="5" name="Picture 4"/>
+          <p:cNvPicPr>
+            <a:picLocks noChangeAspect="1"/>
+          </p:cNvPicPr>
+          <p:nvPr/>
+        </p:nvPicPr>
+        <p:blipFill>
+          <a:blip r:embed="rId3">
+            <a:extLst>
+              <a:ext uri="{28A0092B-C50C-407E-A947-70E740481C1C}">
+                <a14:useLocalDpi xmlns:a14="http://schemas.microsoft.com/office/drawing/2010/main" val="0"/>
+              </a:ext>
+            </a:extLst>
+          </a:blip>
+          <a:stretch>
+            <a:fillRect/>
+          </a:stretch>
+        </p:blipFill>
+        <p:spPr>
+          <a:xfrm>
+            <a:off x="6791509" y="3953263"/>
+            <a:ext cx="2526417" cy="2186559"/>
+          </a:xfrm>
+          <a:prstGeom prst="rect">
+            <a:avLst/>
+          </a:prstGeom>
+        </p:spPr>
+      </p:pic>
     </p:spTree>
     <p:extLst>
       <p:ext uri="{BB962C8B-B14F-4D97-AF65-F5344CB8AC3E}">
@@ -13925,9 +13985,607 @@
   <p:timing>
     <p:tnLst>
       <p:par>
-        <p:cTn id="1" dur="indefinite" restart="never" nodeType="tmRoot"/>
+        <p:cTn id="1" dur="indefinite" restart="never" nodeType="tmRoot">
+          <p:childTnLst>
+            <p:seq concurrent="1" nextAc="seek">
+              <p:cTn id="2" dur="indefinite" nodeType="mainSeq">
+                <p:childTnLst>
+                  <p:par>
+                    <p:cTn id="3" fill="hold">
+                      <p:stCondLst>
+                        <p:cond delay="indefinite"/>
+                      </p:stCondLst>
+                      <p:childTnLst>
+                        <p:par>
+                          <p:cTn id="4" fill="hold">
+                            <p:stCondLst>
+                              <p:cond delay="0"/>
+                            </p:stCondLst>
+                            <p:childTnLst>
+                              <p:par>
+                                <p:cTn id="5" presetID="31" presetClass="entr" presetSubtype="0" fill="hold" grpId="0" nodeType="clickEffect">
+                                  <p:stCondLst>
+                                    <p:cond delay="0"/>
+                                  </p:stCondLst>
+                                  <p:childTnLst>
+                                    <p:set>
+                                      <p:cBhvr>
+                                        <p:cTn id="6" dur="1" fill="hold">
+                                          <p:stCondLst>
+                                            <p:cond delay="0"/>
+                                          </p:stCondLst>
+                                        </p:cTn>
+                                        <p:tgtEl>
+                                          <p:spTgt spid="3">
+                                            <p:txEl>
+                                              <p:pRg st="0" end="0"/>
+                                            </p:txEl>
+                                          </p:spTgt>
+                                        </p:tgtEl>
+                                        <p:attrNameLst>
+                                          <p:attrName>style.visibility</p:attrName>
+                                        </p:attrNameLst>
+                                      </p:cBhvr>
+                                      <p:to>
+                                        <p:strVal val="visible"/>
+                                      </p:to>
+                                    </p:set>
+                                    <p:anim calcmode="lin" valueType="num">
+                                      <p:cBhvr>
+                                        <p:cTn id="7" dur="1000" fill="hold"/>
+                                        <p:tgtEl>
+                                          <p:spTgt spid="3">
+                                            <p:txEl>
+                                              <p:pRg st="0" end="0"/>
+                                            </p:txEl>
+                                          </p:spTgt>
+                                        </p:tgtEl>
+                                        <p:attrNameLst>
+                                          <p:attrName>ppt_w</p:attrName>
+                                        </p:attrNameLst>
+                                      </p:cBhvr>
+                                      <p:tavLst>
+                                        <p:tav tm="0">
+                                          <p:val>
+                                            <p:fltVal val="0"/>
+                                          </p:val>
+                                        </p:tav>
+                                        <p:tav tm="100000">
+                                          <p:val>
+                                            <p:strVal val="#ppt_w"/>
+                                          </p:val>
+                                        </p:tav>
+                                      </p:tavLst>
+                                    </p:anim>
+                                    <p:anim calcmode="lin" valueType="num">
+                                      <p:cBhvr>
+                                        <p:cTn id="8" dur="1000" fill="hold"/>
+                                        <p:tgtEl>
+                                          <p:spTgt spid="3">
+                                            <p:txEl>
+                                              <p:pRg st="0" end="0"/>
+                                            </p:txEl>
+                                          </p:spTgt>
+                                        </p:tgtEl>
+                                        <p:attrNameLst>
+                                          <p:attrName>ppt_h</p:attrName>
+                                        </p:attrNameLst>
+                                      </p:cBhvr>
+                                      <p:tavLst>
+                                        <p:tav tm="0">
+                                          <p:val>
+                                            <p:fltVal val="0"/>
+                                          </p:val>
+                                        </p:tav>
+                                        <p:tav tm="100000">
+                                          <p:val>
+                                            <p:strVal val="#ppt_h"/>
+                                          </p:val>
+                                        </p:tav>
+                                      </p:tavLst>
+                                    </p:anim>
+                                    <p:anim calcmode="lin" valueType="num">
+                                      <p:cBhvr>
+                                        <p:cTn id="9" dur="1000" fill="hold"/>
+                                        <p:tgtEl>
+                                          <p:spTgt spid="3">
+                                            <p:txEl>
+                                              <p:pRg st="0" end="0"/>
+                                            </p:txEl>
+                                          </p:spTgt>
+                                        </p:tgtEl>
+                                        <p:attrNameLst>
+                                          <p:attrName>style.rotation</p:attrName>
+                                        </p:attrNameLst>
+                                      </p:cBhvr>
+                                      <p:tavLst>
+                                        <p:tav tm="0">
+                                          <p:val>
+                                            <p:fltVal val="90"/>
+                                          </p:val>
+                                        </p:tav>
+                                        <p:tav tm="100000">
+                                          <p:val>
+                                            <p:fltVal val="0"/>
+                                          </p:val>
+                                        </p:tav>
+                                      </p:tavLst>
+                                    </p:anim>
+                                    <p:animEffect transition="in" filter="fade">
+                                      <p:cBhvr>
+                                        <p:cTn id="10" dur="1000"/>
+                                        <p:tgtEl>
+                                          <p:spTgt spid="3">
+                                            <p:txEl>
+                                              <p:pRg st="0" end="0"/>
+                                            </p:txEl>
+                                          </p:spTgt>
+                                        </p:tgtEl>
+                                      </p:cBhvr>
+                                    </p:animEffect>
+                                  </p:childTnLst>
+                                </p:cTn>
+                              </p:par>
+                            </p:childTnLst>
+                          </p:cTn>
+                        </p:par>
+                      </p:childTnLst>
+                    </p:cTn>
+                  </p:par>
+                  <p:par>
+                    <p:cTn id="11" fill="hold">
+                      <p:stCondLst>
+                        <p:cond delay="indefinite"/>
+                      </p:stCondLst>
+                      <p:childTnLst>
+                        <p:par>
+                          <p:cTn id="12" fill="hold">
+                            <p:stCondLst>
+                              <p:cond delay="0"/>
+                            </p:stCondLst>
+                            <p:childTnLst>
+                              <p:par>
+                                <p:cTn id="13" presetID="6" presetClass="entr" presetSubtype="16" fill="hold" nodeType="clickEffect">
+                                  <p:stCondLst>
+                                    <p:cond delay="0"/>
+                                  </p:stCondLst>
+                                  <p:childTnLst>
+                                    <p:set>
+                                      <p:cBhvr>
+                                        <p:cTn id="14" dur="1" fill="hold">
+                                          <p:stCondLst>
+                                            <p:cond delay="0"/>
+                                          </p:stCondLst>
+                                        </p:cTn>
+                                        <p:tgtEl>
+                                          <p:spTgt spid="4"/>
+                                        </p:tgtEl>
+                                        <p:attrNameLst>
+                                          <p:attrName>style.visibility</p:attrName>
+                                        </p:attrNameLst>
+                                      </p:cBhvr>
+                                      <p:to>
+                                        <p:strVal val="visible"/>
+                                      </p:to>
+                                    </p:set>
+                                    <p:animEffect transition="in" filter="circle(in)">
+                                      <p:cBhvr>
+                                        <p:cTn id="15" dur="2000"/>
+                                        <p:tgtEl>
+                                          <p:spTgt spid="4"/>
+                                        </p:tgtEl>
+                                      </p:cBhvr>
+                                    </p:animEffect>
+                                  </p:childTnLst>
+                                </p:cTn>
+                              </p:par>
+                            </p:childTnLst>
+                          </p:cTn>
+                        </p:par>
+                      </p:childTnLst>
+                    </p:cTn>
+                  </p:par>
+                  <p:par>
+                    <p:cTn id="16" fill="hold">
+                      <p:stCondLst>
+                        <p:cond delay="indefinite"/>
+                      </p:stCondLst>
+                      <p:childTnLst>
+                        <p:par>
+                          <p:cTn id="17" fill="hold">
+                            <p:stCondLst>
+                              <p:cond delay="0"/>
+                            </p:stCondLst>
+                            <p:childTnLst>
+                              <p:par>
+                                <p:cTn id="18" presetID="2" presetClass="entr" presetSubtype="6" fill="hold" nodeType="clickEffect">
+                                  <p:stCondLst>
+                                    <p:cond delay="0"/>
+                                  </p:stCondLst>
+                                  <p:childTnLst>
+                                    <p:set>
+                                      <p:cBhvr>
+                                        <p:cTn id="19" dur="1" fill="hold">
+                                          <p:stCondLst>
+                                            <p:cond delay="0"/>
+                                          </p:stCondLst>
+                                        </p:cTn>
+                                        <p:tgtEl>
+                                          <p:spTgt spid="5"/>
+                                        </p:tgtEl>
+                                        <p:attrNameLst>
+                                          <p:attrName>style.visibility</p:attrName>
+                                        </p:attrNameLst>
+                                      </p:cBhvr>
+                                      <p:to>
+                                        <p:strVal val="visible"/>
+                                      </p:to>
+                                    </p:set>
+                                    <p:anim calcmode="lin" valueType="num">
+                                      <p:cBhvr additive="base">
+                                        <p:cTn id="20" dur="500" fill="hold"/>
+                                        <p:tgtEl>
+                                          <p:spTgt spid="5"/>
+                                        </p:tgtEl>
+                                        <p:attrNameLst>
+                                          <p:attrName>ppt_x</p:attrName>
+                                        </p:attrNameLst>
+                                      </p:cBhvr>
+                                      <p:tavLst>
+                                        <p:tav tm="0">
+                                          <p:val>
+                                            <p:strVal val="1+#ppt_w/2"/>
+                                          </p:val>
+                                        </p:tav>
+                                        <p:tav tm="100000">
+                                          <p:val>
+                                            <p:strVal val="#ppt_x"/>
+                                          </p:val>
+                                        </p:tav>
+                                      </p:tavLst>
+                                    </p:anim>
+                                    <p:anim calcmode="lin" valueType="num">
+                                      <p:cBhvr additive="base">
+                                        <p:cTn id="21" dur="500" fill="hold"/>
+                                        <p:tgtEl>
+                                          <p:spTgt spid="5"/>
+                                        </p:tgtEl>
+                                        <p:attrNameLst>
+                                          <p:attrName>ppt_y</p:attrName>
+                                        </p:attrNameLst>
+                                      </p:cBhvr>
+                                      <p:tavLst>
+                                        <p:tav tm="0">
+                                          <p:val>
+                                            <p:strVal val="1+#ppt_h/2"/>
+                                          </p:val>
+                                        </p:tav>
+                                        <p:tav tm="100000">
+                                          <p:val>
+                                            <p:strVal val="#ppt_y"/>
+                                          </p:val>
+                                        </p:tav>
+                                      </p:tavLst>
+                                    </p:anim>
+                                  </p:childTnLst>
+                                </p:cTn>
+                              </p:par>
+                            </p:childTnLst>
+                          </p:cTn>
+                        </p:par>
+                      </p:childTnLst>
+                    </p:cTn>
+                  </p:par>
+                  <p:par>
+                    <p:cTn id="22" fill="hold">
+                      <p:stCondLst>
+                        <p:cond delay="indefinite"/>
+                      </p:stCondLst>
+                      <p:childTnLst>
+                        <p:par>
+                          <p:cTn id="23" fill="hold">
+                            <p:stCondLst>
+                              <p:cond delay="0"/>
+                            </p:stCondLst>
+                            <p:childTnLst>
+                              <p:par>
+                                <p:cTn id="24" presetID="31" presetClass="entr" presetSubtype="0" fill="hold" grpId="0" nodeType="clickEffect">
+                                  <p:stCondLst>
+                                    <p:cond delay="0"/>
+                                  </p:stCondLst>
+                                  <p:childTnLst>
+                                    <p:set>
+                                      <p:cBhvr>
+                                        <p:cTn id="25" dur="1" fill="hold">
+                                          <p:stCondLst>
+                                            <p:cond delay="0"/>
+                                          </p:stCondLst>
+                                        </p:cTn>
+                                        <p:tgtEl>
+                                          <p:spTgt spid="3">
+                                            <p:txEl>
+                                              <p:pRg st="1" end="1"/>
+                                            </p:txEl>
+                                          </p:spTgt>
+                                        </p:tgtEl>
+                                        <p:attrNameLst>
+                                          <p:attrName>style.visibility</p:attrName>
+                                        </p:attrNameLst>
+                                      </p:cBhvr>
+                                      <p:to>
+                                        <p:strVal val="visible"/>
+                                      </p:to>
+                                    </p:set>
+                                    <p:anim calcmode="lin" valueType="num">
+                                      <p:cBhvr>
+                                        <p:cTn id="26" dur="1000" fill="hold"/>
+                                        <p:tgtEl>
+                                          <p:spTgt spid="3">
+                                            <p:txEl>
+                                              <p:pRg st="1" end="1"/>
+                                            </p:txEl>
+                                          </p:spTgt>
+                                        </p:tgtEl>
+                                        <p:attrNameLst>
+                                          <p:attrName>ppt_w</p:attrName>
+                                        </p:attrNameLst>
+                                      </p:cBhvr>
+                                      <p:tavLst>
+                                        <p:tav tm="0">
+                                          <p:val>
+                                            <p:fltVal val="0"/>
+                                          </p:val>
+                                        </p:tav>
+                                        <p:tav tm="100000">
+                                          <p:val>
+                                            <p:strVal val="#ppt_w"/>
+                                          </p:val>
+                                        </p:tav>
+                                      </p:tavLst>
+                                    </p:anim>
+                                    <p:anim calcmode="lin" valueType="num">
+                                      <p:cBhvr>
+                                        <p:cTn id="27" dur="1000" fill="hold"/>
+                                        <p:tgtEl>
+                                          <p:spTgt spid="3">
+                                            <p:txEl>
+                                              <p:pRg st="1" end="1"/>
+                                            </p:txEl>
+                                          </p:spTgt>
+                                        </p:tgtEl>
+                                        <p:attrNameLst>
+                                          <p:attrName>ppt_h</p:attrName>
+                                        </p:attrNameLst>
+                                      </p:cBhvr>
+                                      <p:tavLst>
+                                        <p:tav tm="0">
+                                          <p:val>
+                                            <p:fltVal val="0"/>
+                                          </p:val>
+                                        </p:tav>
+                                        <p:tav tm="100000">
+                                          <p:val>
+                                            <p:strVal val="#ppt_h"/>
+                                          </p:val>
+                                        </p:tav>
+                                      </p:tavLst>
+                                    </p:anim>
+                                    <p:anim calcmode="lin" valueType="num">
+                                      <p:cBhvr>
+                                        <p:cTn id="28" dur="1000" fill="hold"/>
+                                        <p:tgtEl>
+                                          <p:spTgt spid="3">
+                                            <p:txEl>
+                                              <p:pRg st="1" end="1"/>
+                                            </p:txEl>
+                                          </p:spTgt>
+                                        </p:tgtEl>
+                                        <p:attrNameLst>
+                                          <p:attrName>style.rotation</p:attrName>
+                                        </p:attrNameLst>
+                                      </p:cBhvr>
+                                      <p:tavLst>
+                                        <p:tav tm="0">
+                                          <p:val>
+                                            <p:fltVal val="90"/>
+                                          </p:val>
+                                        </p:tav>
+                                        <p:tav tm="100000">
+                                          <p:val>
+                                            <p:fltVal val="0"/>
+                                          </p:val>
+                                        </p:tav>
+                                      </p:tavLst>
+                                    </p:anim>
+                                    <p:animEffect transition="in" filter="fade">
+                                      <p:cBhvr>
+                                        <p:cTn id="29" dur="1000"/>
+                                        <p:tgtEl>
+                                          <p:spTgt spid="3">
+                                            <p:txEl>
+                                              <p:pRg st="1" end="1"/>
+                                            </p:txEl>
+                                          </p:spTgt>
+                                        </p:tgtEl>
+                                      </p:cBhvr>
+                                    </p:animEffect>
+                                  </p:childTnLst>
+                                </p:cTn>
+                              </p:par>
+                            </p:childTnLst>
+                          </p:cTn>
+                        </p:par>
+                      </p:childTnLst>
+                    </p:cTn>
+                  </p:par>
+                  <p:par>
+                    <p:cTn id="30" fill="hold">
+                      <p:stCondLst>
+                        <p:cond delay="indefinite"/>
+                      </p:stCondLst>
+                      <p:childTnLst>
+                        <p:par>
+                          <p:cTn id="31" fill="hold">
+                            <p:stCondLst>
+                              <p:cond delay="0"/>
+                            </p:stCondLst>
+                            <p:childTnLst>
+                              <p:par>
+                                <p:cTn id="32" presetID="16" presetClass="exit" presetSubtype="21" fill="hold" nodeType="clickEffect">
+                                  <p:stCondLst>
+                                    <p:cond delay="0"/>
+                                  </p:stCondLst>
+                                  <p:childTnLst>
+                                    <p:animEffect transition="out" filter="barn(inVertical)">
+                                      <p:cBhvr>
+                                        <p:cTn id="33" dur="500"/>
+                                        <p:tgtEl>
+                                          <p:spTgt spid="4"/>
+                                        </p:tgtEl>
+                                      </p:cBhvr>
+                                    </p:animEffect>
+                                    <p:set>
+                                      <p:cBhvr>
+                                        <p:cTn id="34" dur="1" fill="hold">
+                                          <p:stCondLst>
+                                            <p:cond delay="499"/>
+                                          </p:stCondLst>
+                                        </p:cTn>
+                                        <p:tgtEl>
+                                          <p:spTgt spid="4"/>
+                                        </p:tgtEl>
+                                        <p:attrNameLst>
+                                          <p:attrName>style.visibility</p:attrName>
+                                        </p:attrNameLst>
+                                      </p:cBhvr>
+                                      <p:to>
+                                        <p:strVal val="hidden"/>
+                                      </p:to>
+                                    </p:set>
+                                  </p:childTnLst>
+                                </p:cTn>
+                              </p:par>
+                            </p:childTnLst>
+                          </p:cTn>
+                        </p:par>
+                      </p:childTnLst>
+                    </p:cTn>
+                  </p:par>
+                  <p:par>
+                    <p:cTn id="35" fill="hold">
+                      <p:stCondLst>
+                        <p:cond delay="indefinite"/>
+                      </p:stCondLst>
+                      <p:childTnLst>
+                        <p:par>
+                          <p:cTn id="36" fill="hold">
+                            <p:stCondLst>
+                              <p:cond delay="0"/>
+                            </p:stCondLst>
+                            <p:childTnLst>
+                              <p:par>
+                                <p:cTn id="37" presetID="2" presetClass="exit" presetSubtype="9" fill="hold" nodeType="clickEffect">
+                                  <p:stCondLst>
+                                    <p:cond delay="0"/>
+                                  </p:stCondLst>
+                                  <p:childTnLst>
+                                    <p:anim calcmode="lin" valueType="num">
+                                      <p:cBhvr additive="base">
+                                        <p:cTn id="38" dur="500"/>
+                                        <p:tgtEl>
+                                          <p:spTgt spid="5"/>
+                                        </p:tgtEl>
+                                        <p:attrNameLst>
+                                          <p:attrName>ppt_x</p:attrName>
+                                        </p:attrNameLst>
+                                      </p:cBhvr>
+                                      <p:tavLst>
+                                        <p:tav tm="0">
+                                          <p:val>
+                                            <p:strVal val="ppt_x"/>
+                                          </p:val>
+                                        </p:tav>
+                                        <p:tav tm="100000">
+                                          <p:val>
+                                            <p:strVal val="0-ppt_w/2"/>
+                                          </p:val>
+                                        </p:tav>
+                                      </p:tavLst>
+                                    </p:anim>
+                                    <p:anim calcmode="lin" valueType="num">
+                                      <p:cBhvr additive="base">
+                                        <p:cTn id="39" dur="500"/>
+                                        <p:tgtEl>
+                                          <p:spTgt spid="5"/>
+                                        </p:tgtEl>
+                                        <p:attrNameLst>
+                                          <p:attrName>ppt_y</p:attrName>
+                                        </p:attrNameLst>
+                                      </p:cBhvr>
+                                      <p:tavLst>
+                                        <p:tav tm="0">
+                                          <p:val>
+                                            <p:strVal val="ppt_y"/>
+                                          </p:val>
+                                        </p:tav>
+                                        <p:tav tm="100000">
+                                          <p:val>
+                                            <p:strVal val="0-ppt_h/2"/>
+                                          </p:val>
+                                        </p:tav>
+                                      </p:tavLst>
+                                    </p:anim>
+                                    <p:set>
+                                      <p:cBhvr>
+                                        <p:cTn id="40" dur="1" fill="hold">
+                                          <p:stCondLst>
+                                            <p:cond delay="499"/>
+                                          </p:stCondLst>
+                                        </p:cTn>
+                                        <p:tgtEl>
+                                          <p:spTgt spid="5"/>
+                                        </p:tgtEl>
+                                        <p:attrNameLst>
+                                          <p:attrName>style.visibility</p:attrName>
+                                        </p:attrNameLst>
+                                      </p:cBhvr>
+                                      <p:to>
+                                        <p:strVal val="hidden"/>
+                                      </p:to>
+                                    </p:set>
+                                  </p:childTnLst>
+                                </p:cTn>
+                              </p:par>
+                            </p:childTnLst>
+                          </p:cTn>
+                        </p:par>
+                      </p:childTnLst>
+                    </p:cTn>
+                  </p:par>
+                </p:childTnLst>
+              </p:cTn>
+              <p:prevCondLst>
+                <p:cond evt="onPrev" delay="0">
+                  <p:tgtEl>
+                    <p:sldTgt/>
+                  </p:tgtEl>
+                </p:cond>
+              </p:prevCondLst>
+              <p:nextCondLst>
+                <p:cond evt="onNext" delay="0">
+                  <p:tgtEl>
+                    <p:sldTgt/>
+                  </p:tgtEl>
+                </p:cond>
+              </p:nextCondLst>
+            </p:seq>
+          </p:childTnLst>
+        </p:cTn>
       </p:par>
     </p:tnLst>
+    <p:bldLst>
+      <p:bldP spid="3" grpId="0" uiExpand="1" build="p"/>
+    </p:bldLst>
   </p:timing>
 </p:sld>
 </file>

--- a/OOSD_Project2_Team5_Presentation.pptx
+++ b/OOSD_Project2_Team5_Presentation.pptx
@@ -14645,10 +14645,80 @@
           <a:bodyPr/>
           <a:lstStyle/>
           <a:p>
+            <a:r>
+              <a:rPr lang="en-US" dirty="0" smtClean="0"/>
+              <a:t>Working with the Microsoft Technologies has proven to be a challenging, yet rewarding experience for the package manager and the website.</a:t>
+            </a:r>
+          </a:p>
+          <a:p>
+            <a:r>
+              <a:rPr lang="en-US" dirty="0" smtClean="0"/>
+              <a:t>We hope to work with building for mobile app development soon.</a:t>
+            </a:r>
             <a:endParaRPr lang="en-US" dirty="0"/>
           </a:p>
         </p:txBody>
       </p:sp>
+      <p:pic>
+        <p:nvPicPr>
+          <p:cNvPr id="4" name="Picture 3"/>
+          <p:cNvPicPr>
+            <a:picLocks noChangeAspect="1"/>
+          </p:cNvPicPr>
+          <p:nvPr/>
+        </p:nvPicPr>
+        <p:blipFill>
+          <a:blip r:embed="rId2">
+            <a:extLst>
+              <a:ext uri="{28A0092B-C50C-407E-A947-70E740481C1C}">
+                <a14:useLocalDpi xmlns:a14="http://schemas.microsoft.com/office/drawing/2010/main" val="0"/>
+              </a:ext>
+            </a:extLst>
+          </a:blip>
+          <a:stretch>
+            <a:fillRect/>
+          </a:stretch>
+        </p:blipFill>
+        <p:spPr>
+          <a:xfrm>
+            <a:off x="2589212" y="3392268"/>
+            <a:ext cx="3526536" cy="2518954"/>
+          </a:xfrm>
+          <a:prstGeom prst="rect">
+            <a:avLst/>
+          </a:prstGeom>
+        </p:spPr>
+      </p:pic>
+      <p:pic>
+        <p:nvPicPr>
+          <p:cNvPr id="5" name="Picture 4"/>
+          <p:cNvPicPr>
+            <a:picLocks noChangeAspect="1"/>
+          </p:cNvPicPr>
+          <p:nvPr/>
+        </p:nvPicPr>
+        <p:blipFill>
+          <a:blip r:embed="rId3">
+            <a:extLst>
+              <a:ext uri="{28A0092B-C50C-407E-A947-70E740481C1C}">
+                <a14:useLocalDpi xmlns:a14="http://schemas.microsoft.com/office/drawing/2010/main" val="0"/>
+              </a:ext>
+            </a:extLst>
+          </a:blip>
+          <a:stretch>
+            <a:fillRect/>
+          </a:stretch>
+        </p:blipFill>
+        <p:spPr>
+          <a:xfrm>
+            <a:off x="2134028" y="0"/>
+            <a:ext cx="7924371" cy="6858370"/>
+          </a:xfrm>
+          <a:prstGeom prst="rect">
+            <a:avLst/>
+          </a:prstGeom>
+        </p:spPr>
+      </p:pic>
     </p:spTree>
     <p:extLst>
       <p:ext uri="{BB962C8B-B14F-4D97-AF65-F5344CB8AC3E}">
@@ -14674,9 +14744,421 @@
   <p:timing>
     <p:tnLst>
       <p:par>
-        <p:cTn id="1" dur="indefinite" restart="never" nodeType="tmRoot"/>
+        <p:cTn id="1" dur="indefinite" restart="never" nodeType="tmRoot">
+          <p:childTnLst>
+            <p:seq concurrent="1" nextAc="seek">
+              <p:cTn id="2" dur="indefinite" nodeType="mainSeq">
+                <p:childTnLst>
+                  <p:par>
+                    <p:cTn id="3" fill="hold">
+                      <p:stCondLst>
+                        <p:cond delay="indefinite"/>
+                      </p:stCondLst>
+                      <p:childTnLst>
+                        <p:par>
+                          <p:cTn id="4" fill="hold">
+                            <p:stCondLst>
+                              <p:cond delay="0"/>
+                            </p:stCondLst>
+                            <p:childTnLst>
+                              <p:par>
+                                <p:cTn id="5" presetID="10" presetClass="entr" presetSubtype="0" fill="hold" nodeType="clickEffect">
+                                  <p:stCondLst>
+                                    <p:cond delay="0"/>
+                                  </p:stCondLst>
+                                  <p:childTnLst>
+                                    <p:set>
+                                      <p:cBhvr>
+                                        <p:cTn id="6" dur="1" fill="hold">
+                                          <p:stCondLst>
+                                            <p:cond delay="0"/>
+                                          </p:stCondLst>
+                                        </p:cTn>
+                                        <p:tgtEl>
+                                          <p:spTgt spid="4"/>
+                                        </p:tgtEl>
+                                        <p:attrNameLst>
+                                          <p:attrName>style.visibility</p:attrName>
+                                        </p:attrNameLst>
+                                      </p:cBhvr>
+                                      <p:to>
+                                        <p:strVal val="visible"/>
+                                      </p:to>
+                                    </p:set>
+                                    <p:animEffect transition="in" filter="fade">
+                                      <p:cBhvr>
+                                        <p:cTn id="7" dur="500"/>
+                                        <p:tgtEl>
+                                          <p:spTgt spid="4"/>
+                                        </p:tgtEl>
+                                      </p:cBhvr>
+                                    </p:animEffect>
+                                  </p:childTnLst>
+                                </p:cTn>
+                              </p:par>
+                            </p:childTnLst>
+                          </p:cTn>
+                        </p:par>
+                      </p:childTnLst>
+                    </p:cTn>
+                  </p:par>
+                  <p:par>
+                    <p:cTn id="8" fill="hold">
+                      <p:stCondLst>
+                        <p:cond delay="indefinite"/>
+                      </p:stCondLst>
+                      <p:childTnLst>
+                        <p:par>
+                          <p:cTn id="9" fill="hold">
+                            <p:stCondLst>
+                              <p:cond delay="0"/>
+                            </p:stCondLst>
+                            <p:childTnLst>
+                              <p:par>
+                                <p:cTn id="10" presetID="22" presetClass="entr" presetSubtype="4" fill="hold" grpId="0" nodeType="clickEffect">
+                                  <p:stCondLst>
+                                    <p:cond delay="0"/>
+                                  </p:stCondLst>
+                                  <p:childTnLst>
+                                    <p:set>
+                                      <p:cBhvr>
+                                        <p:cTn id="11" dur="1" fill="hold">
+                                          <p:stCondLst>
+                                            <p:cond delay="0"/>
+                                          </p:stCondLst>
+                                        </p:cTn>
+                                        <p:tgtEl>
+                                          <p:spTgt spid="3">
+                                            <p:txEl>
+                                              <p:pRg st="0" end="0"/>
+                                            </p:txEl>
+                                          </p:spTgt>
+                                        </p:tgtEl>
+                                        <p:attrNameLst>
+                                          <p:attrName>style.visibility</p:attrName>
+                                        </p:attrNameLst>
+                                      </p:cBhvr>
+                                      <p:to>
+                                        <p:strVal val="visible"/>
+                                      </p:to>
+                                    </p:set>
+                                    <p:animEffect transition="in" filter="wipe(down)">
+                                      <p:cBhvr>
+                                        <p:cTn id="12" dur="500"/>
+                                        <p:tgtEl>
+                                          <p:spTgt spid="3">
+                                            <p:txEl>
+                                              <p:pRg st="0" end="0"/>
+                                            </p:txEl>
+                                          </p:spTgt>
+                                        </p:tgtEl>
+                                      </p:cBhvr>
+                                    </p:animEffect>
+                                  </p:childTnLst>
+                                </p:cTn>
+                              </p:par>
+                            </p:childTnLst>
+                          </p:cTn>
+                        </p:par>
+                      </p:childTnLst>
+                    </p:cTn>
+                  </p:par>
+                  <p:par>
+                    <p:cTn id="13" fill="hold">
+                      <p:stCondLst>
+                        <p:cond delay="indefinite"/>
+                      </p:stCondLst>
+                      <p:childTnLst>
+                        <p:par>
+                          <p:cTn id="14" fill="hold">
+                            <p:stCondLst>
+                              <p:cond delay="0"/>
+                            </p:stCondLst>
+                            <p:childTnLst>
+                              <p:par>
+                                <p:cTn id="15" presetID="22" presetClass="entr" presetSubtype="4" fill="hold" grpId="0" nodeType="clickEffect">
+                                  <p:stCondLst>
+                                    <p:cond delay="0"/>
+                                  </p:stCondLst>
+                                  <p:childTnLst>
+                                    <p:set>
+                                      <p:cBhvr>
+                                        <p:cTn id="16" dur="1" fill="hold">
+                                          <p:stCondLst>
+                                            <p:cond delay="0"/>
+                                          </p:stCondLst>
+                                        </p:cTn>
+                                        <p:tgtEl>
+                                          <p:spTgt spid="3">
+                                            <p:txEl>
+                                              <p:pRg st="1" end="1"/>
+                                            </p:txEl>
+                                          </p:spTgt>
+                                        </p:tgtEl>
+                                        <p:attrNameLst>
+                                          <p:attrName>style.visibility</p:attrName>
+                                        </p:attrNameLst>
+                                      </p:cBhvr>
+                                      <p:to>
+                                        <p:strVal val="visible"/>
+                                      </p:to>
+                                    </p:set>
+                                    <p:animEffect transition="in" filter="wipe(down)">
+                                      <p:cBhvr>
+                                        <p:cTn id="17" dur="500"/>
+                                        <p:tgtEl>
+                                          <p:spTgt spid="3">
+                                            <p:txEl>
+                                              <p:pRg st="1" end="1"/>
+                                            </p:txEl>
+                                          </p:spTgt>
+                                        </p:tgtEl>
+                                      </p:cBhvr>
+                                    </p:animEffect>
+                                  </p:childTnLst>
+                                </p:cTn>
+                              </p:par>
+                            </p:childTnLst>
+                          </p:cTn>
+                        </p:par>
+                      </p:childTnLst>
+                    </p:cTn>
+                  </p:par>
+                  <p:par>
+                    <p:cTn id="18" fill="hold">
+                      <p:stCondLst>
+                        <p:cond delay="indefinite"/>
+                      </p:stCondLst>
+                      <p:childTnLst>
+                        <p:par>
+                          <p:cTn id="19" fill="hold">
+                            <p:stCondLst>
+                              <p:cond delay="0"/>
+                            </p:stCondLst>
+                            <p:childTnLst>
+                              <p:par>
+                                <p:cTn id="20" presetID="10" presetClass="exit" presetSubtype="0" fill="hold" nodeType="clickEffect">
+                                  <p:stCondLst>
+                                    <p:cond delay="0"/>
+                                  </p:stCondLst>
+                                  <p:childTnLst>
+                                    <p:animEffect transition="out" filter="fade">
+                                      <p:cBhvr>
+                                        <p:cTn id="21" dur="500"/>
+                                        <p:tgtEl>
+                                          <p:spTgt spid="4"/>
+                                        </p:tgtEl>
+                                      </p:cBhvr>
+                                    </p:animEffect>
+                                    <p:set>
+                                      <p:cBhvr>
+                                        <p:cTn id="22" dur="1" fill="hold">
+                                          <p:stCondLst>
+                                            <p:cond delay="499"/>
+                                          </p:stCondLst>
+                                        </p:cTn>
+                                        <p:tgtEl>
+                                          <p:spTgt spid="4"/>
+                                        </p:tgtEl>
+                                        <p:attrNameLst>
+                                          <p:attrName>style.visibility</p:attrName>
+                                        </p:attrNameLst>
+                                      </p:cBhvr>
+                                      <p:to>
+                                        <p:strVal val="hidden"/>
+                                      </p:to>
+                                    </p:set>
+                                  </p:childTnLst>
+                                </p:cTn>
+                              </p:par>
+                            </p:childTnLst>
+                          </p:cTn>
+                        </p:par>
+                      </p:childTnLst>
+                    </p:cTn>
+                  </p:par>
+                  <p:par>
+                    <p:cTn id="23" fill="hold">
+                      <p:stCondLst>
+                        <p:cond delay="indefinite"/>
+                      </p:stCondLst>
+                      <p:childTnLst>
+                        <p:par>
+                          <p:cTn id="24" fill="hold">
+                            <p:stCondLst>
+                              <p:cond delay="0"/>
+                            </p:stCondLst>
+                            <p:childTnLst>
+                              <p:par>
+                                <p:cTn id="25" presetID="31" presetClass="entr" presetSubtype="0" fill="hold" nodeType="clickEffect">
+                                  <p:stCondLst>
+                                    <p:cond delay="0"/>
+                                  </p:stCondLst>
+                                  <p:childTnLst>
+                                    <p:set>
+                                      <p:cBhvr>
+                                        <p:cTn id="26" dur="1" fill="hold">
+                                          <p:stCondLst>
+                                            <p:cond delay="0"/>
+                                          </p:stCondLst>
+                                        </p:cTn>
+                                        <p:tgtEl>
+                                          <p:spTgt spid="5"/>
+                                        </p:tgtEl>
+                                        <p:attrNameLst>
+                                          <p:attrName>style.visibility</p:attrName>
+                                        </p:attrNameLst>
+                                      </p:cBhvr>
+                                      <p:to>
+                                        <p:strVal val="visible"/>
+                                      </p:to>
+                                    </p:set>
+                                    <p:anim calcmode="lin" valueType="num">
+                                      <p:cBhvr>
+                                        <p:cTn id="27" dur="1000" fill="hold"/>
+                                        <p:tgtEl>
+                                          <p:spTgt spid="5"/>
+                                        </p:tgtEl>
+                                        <p:attrNameLst>
+                                          <p:attrName>ppt_w</p:attrName>
+                                        </p:attrNameLst>
+                                      </p:cBhvr>
+                                      <p:tavLst>
+                                        <p:tav tm="0">
+                                          <p:val>
+                                            <p:fltVal val="0"/>
+                                          </p:val>
+                                        </p:tav>
+                                        <p:tav tm="100000">
+                                          <p:val>
+                                            <p:strVal val="#ppt_w"/>
+                                          </p:val>
+                                        </p:tav>
+                                      </p:tavLst>
+                                    </p:anim>
+                                    <p:anim calcmode="lin" valueType="num">
+                                      <p:cBhvr>
+                                        <p:cTn id="28" dur="1000" fill="hold"/>
+                                        <p:tgtEl>
+                                          <p:spTgt spid="5"/>
+                                        </p:tgtEl>
+                                        <p:attrNameLst>
+                                          <p:attrName>ppt_h</p:attrName>
+                                        </p:attrNameLst>
+                                      </p:cBhvr>
+                                      <p:tavLst>
+                                        <p:tav tm="0">
+                                          <p:val>
+                                            <p:fltVal val="0"/>
+                                          </p:val>
+                                        </p:tav>
+                                        <p:tav tm="100000">
+                                          <p:val>
+                                            <p:strVal val="#ppt_h"/>
+                                          </p:val>
+                                        </p:tav>
+                                      </p:tavLst>
+                                    </p:anim>
+                                    <p:anim calcmode="lin" valueType="num">
+                                      <p:cBhvr>
+                                        <p:cTn id="29" dur="1000" fill="hold"/>
+                                        <p:tgtEl>
+                                          <p:spTgt spid="5"/>
+                                        </p:tgtEl>
+                                        <p:attrNameLst>
+                                          <p:attrName>style.rotation</p:attrName>
+                                        </p:attrNameLst>
+                                      </p:cBhvr>
+                                      <p:tavLst>
+                                        <p:tav tm="0">
+                                          <p:val>
+                                            <p:fltVal val="90"/>
+                                          </p:val>
+                                        </p:tav>
+                                        <p:tav tm="100000">
+                                          <p:val>
+                                            <p:fltVal val="0"/>
+                                          </p:val>
+                                        </p:tav>
+                                      </p:tavLst>
+                                    </p:anim>
+                                    <p:animEffect transition="in" filter="fade">
+                                      <p:cBhvr>
+                                        <p:cTn id="30" dur="1000"/>
+                                        <p:tgtEl>
+                                          <p:spTgt spid="5"/>
+                                        </p:tgtEl>
+                                      </p:cBhvr>
+                                    </p:animEffect>
+                                  </p:childTnLst>
+                                </p:cTn>
+                              </p:par>
+                            </p:childTnLst>
+                          </p:cTn>
+                        </p:par>
+                      </p:childTnLst>
+                    </p:cTn>
+                  </p:par>
+                  <p:par>
+                    <p:cTn id="31" fill="hold">
+                      <p:stCondLst>
+                        <p:cond delay="indefinite"/>
+                      </p:stCondLst>
+                      <p:childTnLst>
+                        <p:par>
+                          <p:cTn id="32" fill="hold">
+                            <p:stCondLst>
+                              <p:cond delay="0"/>
+                            </p:stCondLst>
+                            <p:childTnLst>
+                              <p:par>
+                                <p:cTn id="33" presetID="6" presetClass="emph" presetSubtype="0" fill="hold" nodeType="clickEffect">
+                                  <p:stCondLst>
+                                    <p:cond delay="0"/>
+                                  </p:stCondLst>
+                                  <p:childTnLst>
+                                    <p:animScale>
+                                      <p:cBhvr>
+                                        <p:cTn id="34" dur="2000" fill="hold"/>
+                                        <p:tgtEl>
+                                          <p:spTgt spid="5"/>
+                                        </p:tgtEl>
+                                      </p:cBhvr>
+                                      <p:by x="150000" y="150000"/>
+                                    </p:animScale>
+                                  </p:childTnLst>
+                                </p:cTn>
+                              </p:par>
+                            </p:childTnLst>
+                          </p:cTn>
+                        </p:par>
+                      </p:childTnLst>
+                    </p:cTn>
+                  </p:par>
+                </p:childTnLst>
+              </p:cTn>
+              <p:prevCondLst>
+                <p:cond evt="onPrev" delay="0">
+                  <p:tgtEl>
+                    <p:sldTgt/>
+                  </p:tgtEl>
+                </p:cond>
+              </p:prevCondLst>
+              <p:nextCondLst>
+                <p:cond evt="onNext" delay="0">
+                  <p:tgtEl>
+                    <p:sldTgt/>
+                  </p:tgtEl>
+                </p:cond>
+              </p:nextCondLst>
+            </p:seq>
+          </p:childTnLst>
+        </p:cTn>
       </p:par>
     </p:tnLst>
+    <p:bldLst>
+      <p:bldP spid="3" grpId="0" uiExpand="1" build="p"/>
+    </p:bldLst>
   </p:timing>
 </p:sld>
 </file>

--- a/OOSD_Project2_Team5_Presentation.pptx
+++ b/OOSD_Project2_Team5_Presentation.pptx
@@ -11975,11 +11975,7 @@
           <a:p>
             <a:r>
               <a:rPr lang="en-US" dirty="0" smtClean="0"/>
-              <a:t>There’s even a “complaints” page that is linked from the about page</a:t>
-            </a:r>
-            <a:r>
-              <a:rPr lang="en-US" dirty="0" smtClean="0"/>
-              <a:t>.</a:t>
+              <a:t>There’s even a “complaints” page that is linked from the about page.</a:t>
             </a:r>
           </a:p>
           <a:p>
@@ -12067,13 +12063,13 @@
   <p:clrMapOvr>
     <a:masterClrMapping/>
   </p:clrMapOvr>
-  <mc:AlternateContent xmlns:mc="http://schemas.openxmlformats.org/markup-compatibility/2006">
-    <mc:Choice xmlns:p14="http://schemas.microsoft.com/office/powerpoint/2010/main" Requires="p14">
+  <mc:AlternateContent xmlns:mc="http://schemas.openxmlformats.org/markup-compatibility/2006" xmlns:p14="http://schemas.microsoft.com/office/powerpoint/2010/main">
+    <mc:Choice Requires="p14">
       <p:transition spd="slow" p14:dur="1400">
         <p14:doors dir="vert"/>
       </p:transition>
     </mc:Choice>
-    <mc:Fallback>
+    <mc:Fallback xmlns="">
       <p:transition spd="slow">
         <p:fade/>
       </p:transition>
@@ -13884,7 +13880,13 @@
           <a:p>
             <a:r>
               <a:rPr lang="en-US" dirty="0" smtClean="0"/>
-              <a:t>Building a mobile app for customers to set up their vacations through packages</a:t>
+              <a:t>Building a mobile app for customers to set up their vacations through packages.</a:t>
+            </a:r>
+          </a:p>
+          <a:p>
+            <a:r>
+              <a:rPr lang="en-US" dirty="0" smtClean="0"/>
+              <a:t>Building a Mac/”Linux” version for non-Windows workstations</a:t>
             </a:r>
             <a:r>
               <a:rPr lang="en-US" dirty="0" smtClean="0"/>
@@ -13894,7 +13896,23 @@
           <a:p>
             <a:r>
               <a:rPr lang="en-US" dirty="0" smtClean="0"/>
-              <a:t>Building a Mac/”Linux” version for non-Windows workstations.</a:t>
+              <a:t>Using </a:t>
+            </a:r>
+            <a:r>
+              <a:rPr lang="en-US" dirty="0" err="1" smtClean="0"/>
+              <a:t>FaceBook’s</a:t>
+            </a:r>
+            <a:r>
+              <a:rPr lang="en-US" dirty="0" smtClean="0"/>
+              <a:t> </a:t>
+            </a:r>
+            <a:r>
+              <a:rPr lang="en-US" dirty="0" err="1" smtClean="0"/>
+              <a:t>OpenAuth</a:t>
+            </a:r>
+            <a:r>
+              <a:rPr lang="en-US" dirty="0" smtClean="0"/>
+              <a:t> to login and register customers.</a:t>
             </a:r>
             <a:endParaRPr lang="en-US" dirty="0"/>
           </a:p>
@@ -13922,8 +13940,8 @@
         </p:blipFill>
         <p:spPr>
           <a:xfrm>
-            <a:off x="2447353" y="3405759"/>
-            <a:ext cx="2524125" cy="2990850"/>
+            <a:off x="2447353" y="3590487"/>
+            <a:ext cx="2524125" cy="2806121"/>
           </a:xfrm>
           <a:prstGeom prst="rect">
             <a:avLst/>
@@ -13970,13 +13988,13 @@
   <p:clrMapOvr>
     <a:masterClrMapping/>
   </p:clrMapOvr>
-  <mc:AlternateContent xmlns:mc="http://schemas.openxmlformats.org/markup-compatibility/2006">
-    <mc:Choice xmlns:p14="http://schemas.microsoft.com/office/powerpoint/2010/main" Requires="p14">
+  <mc:AlternateContent xmlns:mc="http://schemas.openxmlformats.org/markup-compatibility/2006" xmlns:p14="http://schemas.microsoft.com/office/powerpoint/2010/main">
+    <mc:Choice Requires="p14">
       <p:transition spd="slow" p14:dur="3900">
         <p14:glitter pattern="hexagon"/>
       </p:transition>
     </mc:Choice>
-    <mc:Fallback>
+    <mc:Fallback xmlns="">
       <p:transition spd="slow">
         <p:fade/>
       </p:transition>
@@ -14431,14 +14449,156 @@
                             </p:stCondLst>
                             <p:childTnLst>
                               <p:par>
-                                <p:cTn id="32" presetID="16" presetClass="exit" presetSubtype="21" fill="hold" nodeType="clickEffect">
+                                <p:cTn id="32" presetID="31" presetClass="entr" presetSubtype="0" fill="hold" grpId="0" nodeType="clickEffect">
+                                  <p:stCondLst>
+                                    <p:cond delay="0"/>
+                                  </p:stCondLst>
+                                  <p:childTnLst>
+                                    <p:set>
+                                      <p:cBhvr>
+                                        <p:cTn id="33" dur="1" fill="hold">
+                                          <p:stCondLst>
+                                            <p:cond delay="0"/>
+                                          </p:stCondLst>
+                                        </p:cTn>
+                                        <p:tgtEl>
+                                          <p:spTgt spid="3">
+                                            <p:txEl>
+                                              <p:pRg st="2" end="2"/>
+                                            </p:txEl>
+                                          </p:spTgt>
+                                        </p:tgtEl>
+                                        <p:attrNameLst>
+                                          <p:attrName>style.visibility</p:attrName>
+                                        </p:attrNameLst>
+                                      </p:cBhvr>
+                                      <p:to>
+                                        <p:strVal val="visible"/>
+                                      </p:to>
+                                    </p:set>
+                                    <p:anim calcmode="lin" valueType="num">
+                                      <p:cBhvr>
+                                        <p:cTn id="34" dur="1000" fill="hold"/>
+                                        <p:tgtEl>
+                                          <p:spTgt spid="3">
+                                            <p:txEl>
+                                              <p:pRg st="2" end="2"/>
+                                            </p:txEl>
+                                          </p:spTgt>
+                                        </p:tgtEl>
+                                        <p:attrNameLst>
+                                          <p:attrName>ppt_w</p:attrName>
+                                        </p:attrNameLst>
+                                      </p:cBhvr>
+                                      <p:tavLst>
+                                        <p:tav tm="0">
+                                          <p:val>
+                                            <p:fltVal val="0"/>
+                                          </p:val>
+                                        </p:tav>
+                                        <p:tav tm="100000">
+                                          <p:val>
+                                            <p:strVal val="#ppt_w"/>
+                                          </p:val>
+                                        </p:tav>
+                                      </p:tavLst>
+                                    </p:anim>
+                                    <p:anim calcmode="lin" valueType="num">
+                                      <p:cBhvr>
+                                        <p:cTn id="35" dur="1000" fill="hold"/>
+                                        <p:tgtEl>
+                                          <p:spTgt spid="3">
+                                            <p:txEl>
+                                              <p:pRg st="2" end="2"/>
+                                            </p:txEl>
+                                          </p:spTgt>
+                                        </p:tgtEl>
+                                        <p:attrNameLst>
+                                          <p:attrName>ppt_h</p:attrName>
+                                        </p:attrNameLst>
+                                      </p:cBhvr>
+                                      <p:tavLst>
+                                        <p:tav tm="0">
+                                          <p:val>
+                                            <p:fltVal val="0"/>
+                                          </p:val>
+                                        </p:tav>
+                                        <p:tav tm="100000">
+                                          <p:val>
+                                            <p:strVal val="#ppt_h"/>
+                                          </p:val>
+                                        </p:tav>
+                                      </p:tavLst>
+                                    </p:anim>
+                                    <p:anim calcmode="lin" valueType="num">
+                                      <p:cBhvr>
+                                        <p:cTn id="36" dur="1000" fill="hold"/>
+                                        <p:tgtEl>
+                                          <p:spTgt spid="3">
+                                            <p:txEl>
+                                              <p:pRg st="2" end="2"/>
+                                            </p:txEl>
+                                          </p:spTgt>
+                                        </p:tgtEl>
+                                        <p:attrNameLst>
+                                          <p:attrName>style.rotation</p:attrName>
+                                        </p:attrNameLst>
+                                      </p:cBhvr>
+                                      <p:tavLst>
+                                        <p:tav tm="0">
+                                          <p:val>
+                                            <p:fltVal val="90"/>
+                                          </p:val>
+                                        </p:tav>
+                                        <p:tav tm="100000">
+                                          <p:val>
+                                            <p:fltVal val="0"/>
+                                          </p:val>
+                                        </p:tav>
+                                      </p:tavLst>
+                                    </p:anim>
+                                    <p:animEffect transition="in" filter="fade">
+                                      <p:cBhvr>
+                                        <p:cTn id="37" dur="1000"/>
+                                        <p:tgtEl>
+                                          <p:spTgt spid="3">
+                                            <p:txEl>
+                                              <p:pRg st="2" end="2"/>
+                                            </p:txEl>
+                                          </p:spTgt>
+                                        </p:tgtEl>
+                                      </p:cBhvr>
+                                    </p:animEffect>
+                                  </p:childTnLst>
+                                </p:cTn>
+                              </p:par>
+                            </p:childTnLst>
+                          </p:cTn>
+                        </p:par>
+                      </p:childTnLst>
+                    </p:cTn>
+                  </p:par>
+                  <p:par>
+                    <p:cTn id="38" fill="hold">
+                      <p:stCondLst>
+                        <p:cond delay="indefinite"/>
+                      </p:stCondLst>
+                      <p:childTnLst>
+                        <p:par>
+                          <p:cTn id="39" fill="hold">
+                            <p:stCondLst>
+                              <p:cond delay="0"/>
+                            </p:stCondLst>
+                            <p:childTnLst>
+                              <p:par>
+                                <p:cTn id="40" presetID="16" presetClass="exit" presetSubtype="21" fill="hold" nodeType="clickEffect">
                                   <p:stCondLst>
                                     <p:cond delay="0"/>
                                   </p:stCondLst>
                                   <p:childTnLst>
                                     <p:animEffect transition="out" filter="barn(inVertical)">
                                       <p:cBhvr>
-                                        <p:cTn id="33" dur="500"/>
+                                        <p:cTn id="41" dur="500"/>
                                         <p:tgtEl>
                                           <p:spTgt spid="4"/>
                                         </p:tgtEl>
@@ -14446,7 +14606,7 @@
                                     </p:animEffect>
                                     <p:set>
                                       <p:cBhvr>
-                                        <p:cTn id="34" dur="1" fill="hold">
+                                        <p:cTn id="42" dur="1" fill="hold">
                                           <p:stCondLst>
                                             <p:cond delay="499"/>
                                           </p:stCondLst>
@@ -14472,26 +14632,26 @@
                     </p:cTn>
                   </p:par>
                   <p:par>
-                    <p:cTn id="35" fill="hold">
+                    <p:cTn id="43" fill="hold">
                       <p:stCondLst>
                         <p:cond delay="indefinite"/>
                       </p:stCondLst>
                       <p:childTnLst>
                         <p:par>
-                          <p:cTn id="36" fill="hold">
+                          <p:cTn id="44" fill="hold">
                             <p:stCondLst>
                               <p:cond delay="0"/>
                             </p:stCondLst>
                             <p:childTnLst>
                               <p:par>
-                                <p:cTn id="37" presetID="2" presetClass="exit" presetSubtype="9" fill="hold" nodeType="clickEffect">
+                                <p:cTn id="45" presetID="2" presetClass="exit" presetSubtype="9" fill="hold" nodeType="clickEffect">
                                   <p:stCondLst>
                                     <p:cond delay="0"/>
                                   </p:stCondLst>
                                   <p:childTnLst>
                                     <p:anim calcmode="lin" valueType="num">
                                       <p:cBhvr additive="base">
-                                        <p:cTn id="38" dur="500"/>
+                                        <p:cTn id="46" dur="500"/>
                                         <p:tgtEl>
                                           <p:spTgt spid="5"/>
                                         </p:tgtEl>
@@ -14514,7 +14674,7 @@
                                     </p:anim>
                                     <p:anim calcmode="lin" valueType="num">
                                       <p:cBhvr additive="base">
-                                        <p:cTn id="39" dur="500"/>
+                                        <p:cTn id="47" dur="500"/>
                                         <p:tgtEl>
                                           <p:spTgt spid="5"/>
                                         </p:tgtEl>
@@ -14537,7 +14697,7 @@
                                     </p:anim>
                                     <p:set>
                                       <p:cBhvr>
-                                        <p:cTn id="40" dur="1" fill="hold">
+                                        <p:cTn id="48" dur="1" fill="hold">
                                           <p:stCondLst>
                                             <p:cond delay="499"/>
                                           </p:stCondLst>
@@ -14729,13 +14889,13 @@
   <p:clrMapOvr>
     <a:masterClrMapping/>
   </p:clrMapOvr>
-  <mc:AlternateContent xmlns:mc="http://schemas.openxmlformats.org/markup-compatibility/2006">
-    <mc:Choice xmlns:p14="http://schemas.microsoft.com/office/powerpoint/2010/main" Requires="p14">
+  <mc:AlternateContent xmlns:mc="http://schemas.openxmlformats.org/markup-compatibility/2006" xmlns:p14="http://schemas.microsoft.com/office/powerpoint/2010/main">
+    <mc:Choice Requires="p14">
       <p:transition spd="slow" p14:dur="1600">
         <p14:gallery dir="l"/>
       </p:transition>
     </mc:Choice>
-    <mc:Fallback>
+    <mc:Fallback xmlns="">
       <p:transition spd="slow">
         <p:fade/>
       </p:transition>

--- a/OOSD_Project2_Team5_Presentation.pptx
+++ b/OOSD_Project2_Team5_Presentation.pptx
@@ -7,11 +7,12 @@
   <p:sldIdLst>
     <p:sldId id="256" r:id="rId2"/>
     <p:sldId id="257" r:id="rId3"/>
-    <p:sldId id="258" r:id="rId4"/>
-    <p:sldId id="259" r:id="rId5"/>
-    <p:sldId id="260" r:id="rId6"/>
-    <p:sldId id="261" r:id="rId7"/>
-    <p:sldId id="262" r:id="rId8"/>
+    <p:sldId id="263" r:id="rId4"/>
+    <p:sldId id="258" r:id="rId5"/>
+    <p:sldId id="259" r:id="rId6"/>
+    <p:sldId id="260" r:id="rId7"/>
+    <p:sldId id="261" r:id="rId8"/>
+    <p:sldId id="262" r:id="rId9"/>
   </p:sldIdLst>
   <p:sldSz cx="12192000" cy="6858000"/>
   <p:notesSz cx="6858000" cy="9144000"/>
@@ -7609,11 +7610,11 @@
           <a:p>
             <a:r>
               <a:rPr lang="en-US" dirty="0" smtClean="0"/>
-              <a:t>Our take on Microsoft Technologies. (</a:t>
+              <a:t>The Microsoft Prototype (Status </a:t>
             </a:r>
             <a:r>
-              <a:rPr lang="en-US" smtClean="0"/>
-              <a:t>Status Report)</a:t>
+              <a:rPr lang="en-US" dirty="0" smtClean="0"/>
+              <a:t>Report)</a:t>
             </a:r>
             <a:endParaRPr lang="en-US" dirty="0"/>
           </a:p>
@@ -8786,6 +8787,1031 @@
           <a:lstStyle/>
           <a:p>
             <a:r>
+              <a:rPr lang="en-US" smtClean="0"/>
+              <a:t>Highlights </a:t>
+            </a:r>
+            <a:r>
+              <a:rPr lang="en-US" dirty="0" smtClean="0"/>
+              <a:t>of Microsoft Technologies</a:t>
+            </a:r>
+            <a:endParaRPr lang="en-US" dirty="0"/>
+          </a:p>
+        </p:txBody>
+      </p:sp>
+      <p:sp>
+        <p:nvSpPr>
+          <p:cNvPr id="3" name="Content Placeholder 2"/>
+          <p:cNvSpPr>
+            <a:spLocks noGrp="1"/>
+          </p:cNvSpPr>
+          <p:nvPr>
+            <p:ph idx="1"/>
+          </p:nvPr>
+        </p:nvSpPr>
+        <p:spPr/>
+        <p:txBody>
+          <a:bodyPr/>
+          <a:lstStyle/>
+          <a:p>
+            <a:r>
+              <a:rPr lang="en-US" dirty="0" smtClean="0"/>
+              <a:t>Microsoft Technologies cost more. (IIS, SQL Server)</a:t>
+            </a:r>
+          </a:p>
+          <a:p>
+            <a:r>
+              <a:rPr lang="en-US" dirty="0" smtClean="0"/>
+              <a:t>Microsoft offers more source security. (Prevents hackers from changing data more maliciously).</a:t>
+            </a:r>
+          </a:p>
+          <a:p>
+            <a:r>
+              <a:rPr lang="en-US" dirty="0" smtClean="0"/>
+              <a:t>Microsoft has more reusable code. (Less resources, more built around modular design, more professional and saves a handful of time).</a:t>
+            </a:r>
+          </a:p>
+          <a:p>
+            <a:r>
+              <a:rPr lang="en-US" dirty="0" smtClean="0"/>
+              <a:t>Microsoft is less flexible. (Less native support for Mac/Linux).</a:t>
+            </a:r>
+          </a:p>
+          <a:p>
+            <a:endParaRPr lang="en-US" dirty="0"/>
+          </a:p>
+        </p:txBody>
+      </p:sp>
+      <p:pic>
+        <p:nvPicPr>
+          <p:cNvPr id="4" name="Picture 3"/>
+          <p:cNvPicPr>
+            <a:picLocks noChangeAspect="1"/>
+          </p:cNvPicPr>
+          <p:nvPr/>
+        </p:nvPicPr>
+        <p:blipFill>
+          <a:blip r:embed="rId2">
+            <a:extLst>
+              <a:ext uri="{28A0092B-C50C-407E-A947-70E740481C1C}">
+                <a14:useLocalDpi xmlns:a14="http://schemas.microsoft.com/office/drawing/2010/main" val="0"/>
+              </a:ext>
+            </a:extLst>
+          </a:blip>
+          <a:stretch>
+            <a:fillRect/>
+          </a:stretch>
+        </p:blipFill>
+        <p:spPr>
+          <a:xfrm>
+            <a:off x="489839" y="2133600"/>
+            <a:ext cx="1879514" cy="1626678"/>
+          </a:xfrm>
+          <a:prstGeom prst="rect">
+            <a:avLst/>
+          </a:prstGeom>
+        </p:spPr>
+      </p:pic>
+      <p:pic>
+        <p:nvPicPr>
+          <p:cNvPr id="5" name="Picture 4"/>
+          <p:cNvPicPr>
+            <a:picLocks noChangeAspect="1"/>
+          </p:cNvPicPr>
+          <p:nvPr/>
+        </p:nvPicPr>
+        <p:blipFill>
+          <a:blip r:embed="rId3">
+            <a:extLst>
+              <a:ext uri="{28A0092B-C50C-407E-A947-70E740481C1C}">
+                <a14:useLocalDpi xmlns:a14="http://schemas.microsoft.com/office/drawing/2010/main" val="0"/>
+              </a:ext>
+            </a:extLst>
+          </a:blip>
+          <a:stretch>
+            <a:fillRect/>
+          </a:stretch>
+        </p:blipFill>
+        <p:spPr>
+          <a:xfrm>
+            <a:off x="4154108" y="4512620"/>
+            <a:ext cx="2892804" cy="1627202"/>
+          </a:xfrm>
+          <a:prstGeom prst="rect">
+            <a:avLst/>
+          </a:prstGeom>
+        </p:spPr>
+      </p:pic>
+    </p:spTree>
+    <p:extLst>
+      <p:ext uri="{BB962C8B-B14F-4D97-AF65-F5344CB8AC3E}">
+        <p14:creationId xmlns:p14="http://schemas.microsoft.com/office/powerpoint/2010/main" val="1289290287"/>
+      </p:ext>
+    </p:extLst>
+  </p:cSld>
+  <p:clrMapOvr>
+    <a:masterClrMapping/>
+  </p:clrMapOvr>
+  <p:timing>
+    <p:tnLst>
+      <p:par>
+        <p:cTn id="1" dur="indefinite" restart="never" nodeType="tmRoot">
+          <p:childTnLst>
+            <p:seq concurrent="1" nextAc="seek">
+              <p:cTn id="2" dur="indefinite" nodeType="mainSeq">
+                <p:childTnLst>
+                  <p:par>
+                    <p:cTn id="3" fill="hold">
+                      <p:stCondLst>
+                        <p:cond delay="indefinite"/>
+                      </p:stCondLst>
+                      <p:childTnLst>
+                        <p:par>
+                          <p:cTn id="4" fill="hold">
+                            <p:stCondLst>
+                              <p:cond delay="0"/>
+                            </p:stCondLst>
+                            <p:childTnLst>
+                              <p:par>
+                                <p:cTn id="5" presetID="2" presetClass="entr" presetSubtype="4" fill="hold" nodeType="clickEffect">
+                                  <p:stCondLst>
+                                    <p:cond delay="0"/>
+                                  </p:stCondLst>
+                                  <p:childTnLst>
+                                    <p:set>
+                                      <p:cBhvr>
+                                        <p:cTn id="6" dur="1" fill="hold">
+                                          <p:stCondLst>
+                                            <p:cond delay="0"/>
+                                          </p:stCondLst>
+                                        </p:cTn>
+                                        <p:tgtEl>
+                                          <p:spTgt spid="5"/>
+                                        </p:tgtEl>
+                                        <p:attrNameLst>
+                                          <p:attrName>style.visibility</p:attrName>
+                                        </p:attrNameLst>
+                                      </p:cBhvr>
+                                      <p:to>
+                                        <p:strVal val="visible"/>
+                                      </p:to>
+                                    </p:set>
+                                    <p:anim calcmode="lin" valueType="num">
+                                      <p:cBhvr additive="base">
+                                        <p:cTn id="7" dur="500" fill="hold"/>
+                                        <p:tgtEl>
+                                          <p:spTgt spid="5"/>
+                                        </p:tgtEl>
+                                        <p:attrNameLst>
+                                          <p:attrName>ppt_x</p:attrName>
+                                        </p:attrNameLst>
+                                      </p:cBhvr>
+                                      <p:tavLst>
+                                        <p:tav tm="0">
+                                          <p:val>
+                                            <p:strVal val="#ppt_x"/>
+                                          </p:val>
+                                        </p:tav>
+                                        <p:tav tm="100000">
+                                          <p:val>
+                                            <p:strVal val="#ppt_x"/>
+                                          </p:val>
+                                        </p:tav>
+                                      </p:tavLst>
+                                    </p:anim>
+                                    <p:anim calcmode="lin" valueType="num">
+                                      <p:cBhvr additive="base">
+                                        <p:cTn id="8" dur="500" fill="hold"/>
+                                        <p:tgtEl>
+                                          <p:spTgt spid="5"/>
+                                        </p:tgtEl>
+                                        <p:attrNameLst>
+                                          <p:attrName>ppt_y</p:attrName>
+                                        </p:attrNameLst>
+                                      </p:cBhvr>
+                                      <p:tavLst>
+                                        <p:tav tm="0">
+                                          <p:val>
+                                            <p:strVal val="1+#ppt_h/2"/>
+                                          </p:val>
+                                        </p:tav>
+                                        <p:tav tm="100000">
+                                          <p:val>
+                                            <p:strVal val="#ppt_y"/>
+                                          </p:val>
+                                        </p:tav>
+                                      </p:tavLst>
+                                    </p:anim>
+                                  </p:childTnLst>
+                                </p:cTn>
+                              </p:par>
+                            </p:childTnLst>
+                          </p:cTn>
+                        </p:par>
+                      </p:childTnLst>
+                    </p:cTn>
+                  </p:par>
+                  <p:par>
+                    <p:cTn id="9" fill="hold">
+                      <p:stCondLst>
+                        <p:cond delay="indefinite"/>
+                      </p:stCondLst>
+                      <p:childTnLst>
+                        <p:par>
+                          <p:cTn id="10" fill="hold">
+                            <p:stCondLst>
+                              <p:cond delay="0"/>
+                            </p:stCondLst>
+                            <p:childTnLst>
+                              <p:par>
+                                <p:cTn id="11" presetID="2" presetClass="entr" presetSubtype="12" fill="hold" nodeType="clickEffect">
+                                  <p:stCondLst>
+                                    <p:cond delay="0"/>
+                                  </p:stCondLst>
+                                  <p:childTnLst>
+                                    <p:set>
+                                      <p:cBhvr>
+                                        <p:cTn id="12" dur="1" fill="hold">
+                                          <p:stCondLst>
+                                            <p:cond delay="0"/>
+                                          </p:stCondLst>
+                                        </p:cTn>
+                                        <p:tgtEl>
+                                          <p:spTgt spid="4"/>
+                                        </p:tgtEl>
+                                        <p:attrNameLst>
+                                          <p:attrName>style.visibility</p:attrName>
+                                        </p:attrNameLst>
+                                      </p:cBhvr>
+                                      <p:to>
+                                        <p:strVal val="visible"/>
+                                      </p:to>
+                                    </p:set>
+                                    <p:anim calcmode="lin" valueType="num">
+                                      <p:cBhvr additive="base">
+                                        <p:cTn id="13" dur="500" fill="hold"/>
+                                        <p:tgtEl>
+                                          <p:spTgt spid="4"/>
+                                        </p:tgtEl>
+                                        <p:attrNameLst>
+                                          <p:attrName>ppt_x</p:attrName>
+                                        </p:attrNameLst>
+                                      </p:cBhvr>
+                                      <p:tavLst>
+                                        <p:tav tm="0">
+                                          <p:val>
+                                            <p:strVal val="0-#ppt_w/2"/>
+                                          </p:val>
+                                        </p:tav>
+                                        <p:tav tm="100000">
+                                          <p:val>
+                                            <p:strVal val="#ppt_x"/>
+                                          </p:val>
+                                        </p:tav>
+                                      </p:tavLst>
+                                    </p:anim>
+                                    <p:anim calcmode="lin" valueType="num">
+                                      <p:cBhvr additive="base">
+                                        <p:cTn id="14" dur="500" fill="hold"/>
+                                        <p:tgtEl>
+                                          <p:spTgt spid="4"/>
+                                        </p:tgtEl>
+                                        <p:attrNameLst>
+                                          <p:attrName>ppt_y</p:attrName>
+                                        </p:attrNameLst>
+                                      </p:cBhvr>
+                                      <p:tavLst>
+                                        <p:tav tm="0">
+                                          <p:val>
+                                            <p:strVal val="1+#ppt_h/2"/>
+                                          </p:val>
+                                        </p:tav>
+                                        <p:tav tm="100000">
+                                          <p:val>
+                                            <p:strVal val="#ppt_y"/>
+                                          </p:val>
+                                        </p:tav>
+                                      </p:tavLst>
+                                    </p:anim>
+                                  </p:childTnLst>
+                                </p:cTn>
+                              </p:par>
+                            </p:childTnLst>
+                          </p:cTn>
+                        </p:par>
+                      </p:childTnLst>
+                    </p:cTn>
+                  </p:par>
+                  <p:par>
+                    <p:cTn id="15" fill="hold">
+                      <p:stCondLst>
+                        <p:cond delay="indefinite"/>
+                      </p:stCondLst>
+                      <p:childTnLst>
+                        <p:par>
+                          <p:cTn id="16" fill="hold">
+                            <p:stCondLst>
+                              <p:cond delay="0"/>
+                            </p:stCondLst>
+                            <p:childTnLst>
+                              <p:par>
+                                <p:cTn id="17" presetID="42" presetClass="entr" presetSubtype="0" fill="hold" grpId="0" nodeType="clickEffect">
+                                  <p:stCondLst>
+                                    <p:cond delay="0"/>
+                                  </p:stCondLst>
+                                  <p:childTnLst>
+                                    <p:set>
+                                      <p:cBhvr>
+                                        <p:cTn id="18" dur="1" fill="hold">
+                                          <p:stCondLst>
+                                            <p:cond delay="0"/>
+                                          </p:stCondLst>
+                                        </p:cTn>
+                                        <p:tgtEl>
+                                          <p:spTgt spid="3">
+                                            <p:txEl>
+                                              <p:pRg st="0" end="0"/>
+                                            </p:txEl>
+                                          </p:spTgt>
+                                        </p:tgtEl>
+                                        <p:attrNameLst>
+                                          <p:attrName>style.visibility</p:attrName>
+                                        </p:attrNameLst>
+                                      </p:cBhvr>
+                                      <p:to>
+                                        <p:strVal val="visible"/>
+                                      </p:to>
+                                    </p:set>
+                                    <p:animEffect transition="in" filter="fade">
+                                      <p:cBhvr>
+                                        <p:cTn id="19" dur="1000"/>
+                                        <p:tgtEl>
+                                          <p:spTgt spid="3">
+                                            <p:txEl>
+                                              <p:pRg st="0" end="0"/>
+                                            </p:txEl>
+                                          </p:spTgt>
+                                        </p:tgtEl>
+                                      </p:cBhvr>
+                                    </p:animEffect>
+                                    <p:anim calcmode="lin" valueType="num">
+                                      <p:cBhvr>
+                                        <p:cTn id="20" dur="1000" fill="hold"/>
+                                        <p:tgtEl>
+                                          <p:spTgt spid="3">
+                                            <p:txEl>
+                                              <p:pRg st="0" end="0"/>
+                                            </p:txEl>
+                                          </p:spTgt>
+                                        </p:tgtEl>
+                                        <p:attrNameLst>
+                                          <p:attrName>ppt_x</p:attrName>
+                                        </p:attrNameLst>
+                                      </p:cBhvr>
+                                      <p:tavLst>
+                                        <p:tav tm="0">
+                                          <p:val>
+                                            <p:strVal val="#ppt_x"/>
+                                          </p:val>
+                                        </p:tav>
+                                        <p:tav tm="100000">
+                                          <p:val>
+                                            <p:strVal val="#ppt_x"/>
+                                          </p:val>
+                                        </p:tav>
+                                      </p:tavLst>
+                                    </p:anim>
+                                    <p:anim calcmode="lin" valueType="num">
+                                      <p:cBhvr>
+                                        <p:cTn id="21" dur="1000" fill="hold"/>
+                                        <p:tgtEl>
+                                          <p:spTgt spid="3">
+                                            <p:txEl>
+                                              <p:pRg st="0" end="0"/>
+                                            </p:txEl>
+                                          </p:spTgt>
+                                        </p:tgtEl>
+                                        <p:attrNameLst>
+                                          <p:attrName>ppt_y</p:attrName>
+                                        </p:attrNameLst>
+                                      </p:cBhvr>
+                                      <p:tavLst>
+                                        <p:tav tm="0">
+                                          <p:val>
+                                            <p:strVal val="#ppt_y+.1"/>
+                                          </p:val>
+                                        </p:tav>
+                                        <p:tav tm="100000">
+                                          <p:val>
+                                            <p:strVal val="#ppt_y"/>
+                                          </p:val>
+                                        </p:tav>
+                                      </p:tavLst>
+                                    </p:anim>
+                                  </p:childTnLst>
+                                </p:cTn>
+                              </p:par>
+                            </p:childTnLst>
+                          </p:cTn>
+                        </p:par>
+                      </p:childTnLst>
+                    </p:cTn>
+                  </p:par>
+                  <p:par>
+                    <p:cTn id="22" fill="hold">
+                      <p:stCondLst>
+                        <p:cond delay="indefinite"/>
+                      </p:stCondLst>
+                      <p:childTnLst>
+                        <p:par>
+                          <p:cTn id="23" fill="hold">
+                            <p:stCondLst>
+                              <p:cond delay="0"/>
+                            </p:stCondLst>
+                            <p:childTnLst>
+                              <p:par>
+                                <p:cTn id="24" presetID="42" presetClass="entr" presetSubtype="0" fill="hold" grpId="0" nodeType="clickEffect">
+                                  <p:stCondLst>
+                                    <p:cond delay="0"/>
+                                  </p:stCondLst>
+                                  <p:childTnLst>
+                                    <p:set>
+                                      <p:cBhvr>
+                                        <p:cTn id="25" dur="1" fill="hold">
+                                          <p:stCondLst>
+                                            <p:cond delay="0"/>
+                                          </p:stCondLst>
+                                        </p:cTn>
+                                        <p:tgtEl>
+                                          <p:spTgt spid="3">
+                                            <p:txEl>
+                                              <p:pRg st="1" end="1"/>
+                                            </p:txEl>
+                                          </p:spTgt>
+                                        </p:tgtEl>
+                                        <p:attrNameLst>
+                                          <p:attrName>style.visibility</p:attrName>
+                                        </p:attrNameLst>
+                                      </p:cBhvr>
+                                      <p:to>
+                                        <p:strVal val="visible"/>
+                                      </p:to>
+                                    </p:set>
+                                    <p:animEffect transition="in" filter="fade">
+                                      <p:cBhvr>
+                                        <p:cTn id="26" dur="1000"/>
+                                        <p:tgtEl>
+                                          <p:spTgt spid="3">
+                                            <p:txEl>
+                                              <p:pRg st="1" end="1"/>
+                                            </p:txEl>
+                                          </p:spTgt>
+                                        </p:tgtEl>
+                                      </p:cBhvr>
+                                    </p:animEffect>
+                                    <p:anim calcmode="lin" valueType="num">
+                                      <p:cBhvr>
+                                        <p:cTn id="27" dur="1000" fill="hold"/>
+                                        <p:tgtEl>
+                                          <p:spTgt spid="3">
+                                            <p:txEl>
+                                              <p:pRg st="1" end="1"/>
+                                            </p:txEl>
+                                          </p:spTgt>
+                                        </p:tgtEl>
+                                        <p:attrNameLst>
+                                          <p:attrName>ppt_x</p:attrName>
+                                        </p:attrNameLst>
+                                      </p:cBhvr>
+                                      <p:tavLst>
+                                        <p:tav tm="0">
+                                          <p:val>
+                                            <p:strVal val="#ppt_x"/>
+                                          </p:val>
+                                        </p:tav>
+                                        <p:tav tm="100000">
+                                          <p:val>
+                                            <p:strVal val="#ppt_x"/>
+                                          </p:val>
+                                        </p:tav>
+                                      </p:tavLst>
+                                    </p:anim>
+                                    <p:anim calcmode="lin" valueType="num">
+                                      <p:cBhvr>
+                                        <p:cTn id="28" dur="1000" fill="hold"/>
+                                        <p:tgtEl>
+                                          <p:spTgt spid="3">
+                                            <p:txEl>
+                                              <p:pRg st="1" end="1"/>
+                                            </p:txEl>
+                                          </p:spTgt>
+                                        </p:tgtEl>
+                                        <p:attrNameLst>
+                                          <p:attrName>ppt_y</p:attrName>
+                                        </p:attrNameLst>
+                                      </p:cBhvr>
+                                      <p:tavLst>
+                                        <p:tav tm="0">
+                                          <p:val>
+                                            <p:strVal val="#ppt_y+.1"/>
+                                          </p:val>
+                                        </p:tav>
+                                        <p:tav tm="100000">
+                                          <p:val>
+                                            <p:strVal val="#ppt_y"/>
+                                          </p:val>
+                                        </p:tav>
+                                      </p:tavLst>
+                                    </p:anim>
+                                  </p:childTnLst>
+                                </p:cTn>
+                              </p:par>
+                            </p:childTnLst>
+                          </p:cTn>
+                        </p:par>
+                      </p:childTnLst>
+                    </p:cTn>
+                  </p:par>
+                  <p:par>
+                    <p:cTn id="29" fill="hold">
+                      <p:stCondLst>
+                        <p:cond delay="indefinite"/>
+                      </p:stCondLst>
+                      <p:childTnLst>
+                        <p:par>
+                          <p:cTn id="30" fill="hold">
+                            <p:stCondLst>
+                              <p:cond delay="0"/>
+                            </p:stCondLst>
+                            <p:childTnLst>
+                              <p:par>
+                                <p:cTn id="31" presetID="42" presetClass="entr" presetSubtype="0" fill="hold" grpId="0" nodeType="clickEffect">
+                                  <p:stCondLst>
+                                    <p:cond delay="0"/>
+                                  </p:stCondLst>
+                                  <p:childTnLst>
+                                    <p:set>
+                                      <p:cBhvr>
+                                        <p:cTn id="32" dur="1" fill="hold">
+                                          <p:stCondLst>
+                                            <p:cond delay="0"/>
+                                          </p:stCondLst>
+                                        </p:cTn>
+                                        <p:tgtEl>
+                                          <p:spTgt spid="3">
+                                            <p:txEl>
+                                              <p:pRg st="2" end="2"/>
+                                            </p:txEl>
+                                          </p:spTgt>
+                                        </p:tgtEl>
+                                        <p:attrNameLst>
+                                          <p:attrName>style.visibility</p:attrName>
+                                        </p:attrNameLst>
+                                      </p:cBhvr>
+                                      <p:to>
+                                        <p:strVal val="visible"/>
+                                      </p:to>
+                                    </p:set>
+                                    <p:animEffect transition="in" filter="fade">
+                                      <p:cBhvr>
+                                        <p:cTn id="33" dur="1000"/>
+                                        <p:tgtEl>
+                                          <p:spTgt spid="3">
+                                            <p:txEl>
+                                              <p:pRg st="2" end="2"/>
+                                            </p:txEl>
+                                          </p:spTgt>
+                                        </p:tgtEl>
+                                      </p:cBhvr>
+                                    </p:animEffect>
+                                    <p:anim calcmode="lin" valueType="num">
+                                      <p:cBhvr>
+                                        <p:cTn id="34" dur="1000" fill="hold"/>
+                                        <p:tgtEl>
+                                          <p:spTgt spid="3">
+                                            <p:txEl>
+                                              <p:pRg st="2" end="2"/>
+                                            </p:txEl>
+                                          </p:spTgt>
+                                        </p:tgtEl>
+                                        <p:attrNameLst>
+                                          <p:attrName>ppt_x</p:attrName>
+                                        </p:attrNameLst>
+                                      </p:cBhvr>
+                                      <p:tavLst>
+                                        <p:tav tm="0">
+                                          <p:val>
+                                            <p:strVal val="#ppt_x"/>
+                                          </p:val>
+                                        </p:tav>
+                                        <p:tav tm="100000">
+                                          <p:val>
+                                            <p:strVal val="#ppt_x"/>
+                                          </p:val>
+                                        </p:tav>
+                                      </p:tavLst>
+                                    </p:anim>
+                                    <p:anim calcmode="lin" valueType="num">
+                                      <p:cBhvr>
+                                        <p:cTn id="35" dur="1000" fill="hold"/>
+                                        <p:tgtEl>
+                                          <p:spTgt spid="3">
+                                            <p:txEl>
+                                              <p:pRg st="2" end="2"/>
+                                            </p:txEl>
+                                          </p:spTgt>
+                                        </p:tgtEl>
+                                        <p:attrNameLst>
+                                          <p:attrName>ppt_y</p:attrName>
+                                        </p:attrNameLst>
+                                      </p:cBhvr>
+                                      <p:tavLst>
+                                        <p:tav tm="0">
+                                          <p:val>
+                                            <p:strVal val="#ppt_y+.1"/>
+                                          </p:val>
+                                        </p:tav>
+                                        <p:tav tm="100000">
+                                          <p:val>
+                                            <p:strVal val="#ppt_y"/>
+                                          </p:val>
+                                        </p:tav>
+                                      </p:tavLst>
+                                    </p:anim>
+                                  </p:childTnLst>
+                                </p:cTn>
+                              </p:par>
+                            </p:childTnLst>
+                          </p:cTn>
+                        </p:par>
+                      </p:childTnLst>
+                    </p:cTn>
+                  </p:par>
+                  <p:par>
+                    <p:cTn id="36" fill="hold">
+                      <p:stCondLst>
+                        <p:cond delay="indefinite"/>
+                      </p:stCondLst>
+                      <p:childTnLst>
+                        <p:par>
+                          <p:cTn id="37" fill="hold">
+                            <p:stCondLst>
+                              <p:cond delay="0"/>
+                            </p:stCondLst>
+                            <p:childTnLst>
+                              <p:par>
+                                <p:cTn id="38" presetID="42" presetClass="entr" presetSubtype="0" fill="hold" grpId="0" nodeType="clickEffect">
+                                  <p:stCondLst>
+                                    <p:cond delay="0"/>
+                                  </p:stCondLst>
+                                  <p:childTnLst>
+                                    <p:set>
+                                      <p:cBhvr>
+                                        <p:cTn id="39" dur="1" fill="hold">
+                                          <p:stCondLst>
+                                            <p:cond delay="0"/>
+                                          </p:stCondLst>
+                                        </p:cTn>
+                                        <p:tgtEl>
+                                          <p:spTgt spid="3">
+                                            <p:txEl>
+                                              <p:pRg st="3" end="3"/>
+                                            </p:txEl>
+                                          </p:spTgt>
+                                        </p:tgtEl>
+                                        <p:attrNameLst>
+                                          <p:attrName>style.visibility</p:attrName>
+                                        </p:attrNameLst>
+                                      </p:cBhvr>
+                                      <p:to>
+                                        <p:strVal val="visible"/>
+                                      </p:to>
+                                    </p:set>
+                                    <p:animEffect transition="in" filter="fade">
+                                      <p:cBhvr>
+                                        <p:cTn id="40" dur="1000"/>
+                                        <p:tgtEl>
+                                          <p:spTgt spid="3">
+                                            <p:txEl>
+                                              <p:pRg st="3" end="3"/>
+                                            </p:txEl>
+                                          </p:spTgt>
+                                        </p:tgtEl>
+                                      </p:cBhvr>
+                                    </p:animEffect>
+                                    <p:anim calcmode="lin" valueType="num">
+                                      <p:cBhvr>
+                                        <p:cTn id="41" dur="1000" fill="hold"/>
+                                        <p:tgtEl>
+                                          <p:spTgt spid="3">
+                                            <p:txEl>
+                                              <p:pRg st="3" end="3"/>
+                                            </p:txEl>
+                                          </p:spTgt>
+                                        </p:tgtEl>
+                                        <p:attrNameLst>
+                                          <p:attrName>ppt_x</p:attrName>
+                                        </p:attrNameLst>
+                                      </p:cBhvr>
+                                      <p:tavLst>
+                                        <p:tav tm="0">
+                                          <p:val>
+                                            <p:strVal val="#ppt_x"/>
+                                          </p:val>
+                                        </p:tav>
+                                        <p:tav tm="100000">
+                                          <p:val>
+                                            <p:strVal val="#ppt_x"/>
+                                          </p:val>
+                                        </p:tav>
+                                      </p:tavLst>
+                                    </p:anim>
+                                    <p:anim calcmode="lin" valueType="num">
+                                      <p:cBhvr>
+                                        <p:cTn id="42" dur="1000" fill="hold"/>
+                                        <p:tgtEl>
+                                          <p:spTgt spid="3">
+                                            <p:txEl>
+                                              <p:pRg st="3" end="3"/>
+                                            </p:txEl>
+                                          </p:spTgt>
+                                        </p:tgtEl>
+                                        <p:attrNameLst>
+                                          <p:attrName>ppt_y</p:attrName>
+                                        </p:attrNameLst>
+                                      </p:cBhvr>
+                                      <p:tavLst>
+                                        <p:tav tm="0">
+                                          <p:val>
+                                            <p:strVal val="#ppt_y+.1"/>
+                                          </p:val>
+                                        </p:tav>
+                                        <p:tav tm="100000">
+                                          <p:val>
+                                            <p:strVal val="#ppt_y"/>
+                                          </p:val>
+                                        </p:tav>
+                                      </p:tavLst>
+                                    </p:anim>
+                                  </p:childTnLst>
+                                </p:cTn>
+                              </p:par>
+                            </p:childTnLst>
+                          </p:cTn>
+                        </p:par>
+                      </p:childTnLst>
+                    </p:cTn>
+                  </p:par>
+                  <p:par>
+                    <p:cTn id="43" fill="hold">
+                      <p:stCondLst>
+                        <p:cond delay="indefinite"/>
+                      </p:stCondLst>
+                      <p:childTnLst>
+                        <p:par>
+                          <p:cTn id="44" fill="hold">
+                            <p:stCondLst>
+                              <p:cond delay="0"/>
+                            </p:stCondLst>
+                            <p:childTnLst>
+                              <p:par>
+                                <p:cTn id="45" presetID="42" presetClass="exit" presetSubtype="0" fill="hold" nodeType="clickEffect">
+                                  <p:stCondLst>
+                                    <p:cond delay="0"/>
+                                  </p:stCondLst>
+                                  <p:childTnLst>
+                                    <p:animEffect transition="out" filter="fade">
+                                      <p:cBhvr>
+                                        <p:cTn id="46" dur="1000"/>
+                                        <p:tgtEl>
+                                          <p:spTgt spid="5"/>
+                                        </p:tgtEl>
+                                      </p:cBhvr>
+                                    </p:animEffect>
+                                    <p:anim calcmode="lin" valueType="num">
+                                      <p:cBhvr>
+                                        <p:cTn id="47" dur="1000"/>
+                                        <p:tgtEl>
+                                          <p:spTgt spid="5"/>
+                                        </p:tgtEl>
+                                        <p:attrNameLst>
+                                          <p:attrName>ppt_x</p:attrName>
+                                        </p:attrNameLst>
+                                      </p:cBhvr>
+                                      <p:tavLst>
+                                        <p:tav tm="0">
+                                          <p:val>
+                                            <p:strVal val="ppt_x"/>
+                                          </p:val>
+                                        </p:tav>
+                                        <p:tav tm="100000">
+                                          <p:val>
+                                            <p:strVal val="ppt_x"/>
+                                          </p:val>
+                                        </p:tav>
+                                      </p:tavLst>
+                                    </p:anim>
+                                    <p:anim calcmode="lin" valueType="num">
+                                      <p:cBhvr>
+                                        <p:cTn id="48" dur="1000"/>
+                                        <p:tgtEl>
+                                          <p:spTgt spid="5"/>
+                                        </p:tgtEl>
+                                        <p:attrNameLst>
+                                          <p:attrName>ppt_y</p:attrName>
+                                        </p:attrNameLst>
+                                      </p:cBhvr>
+                                      <p:tavLst>
+                                        <p:tav tm="0">
+                                          <p:val>
+                                            <p:strVal val="ppt_y"/>
+                                          </p:val>
+                                        </p:tav>
+                                        <p:tav tm="100000">
+                                          <p:val>
+                                            <p:strVal val="ppt_y+.1"/>
+                                          </p:val>
+                                        </p:tav>
+                                      </p:tavLst>
+                                    </p:anim>
+                                    <p:set>
+                                      <p:cBhvr>
+                                        <p:cTn id="49" dur="1" fill="hold">
+                                          <p:stCondLst>
+                                            <p:cond delay="999"/>
+                                          </p:stCondLst>
+                                        </p:cTn>
+                                        <p:tgtEl>
+                                          <p:spTgt spid="5"/>
+                                        </p:tgtEl>
+                                        <p:attrNameLst>
+                                          <p:attrName>style.visibility</p:attrName>
+                                        </p:attrNameLst>
+                                      </p:cBhvr>
+                                      <p:to>
+                                        <p:strVal val="hidden"/>
+                                      </p:to>
+                                    </p:set>
+                                  </p:childTnLst>
+                                </p:cTn>
+                              </p:par>
+                            </p:childTnLst>
+                          </p:cTn>
+                        </p:par>
+                      </p:childTnLst>
+                    </p:cTn>
+                  </p:par>
+                  <p:par>
+                    <p:cTn id="50" fill="hold">
+                      <p:stCondLst>
+                        <p:cond delay="indefinite"/>
+                      </p:stCondLst>
+                      <p:childTnLst>
+                        <p:par>
+                          <p:cTn id="51" fill="hold">
+                            <p:stCondLst>
+                              <p:cond delay="0"/>
+                            </p:stCondLst>
+                            <p:childTnLst>
+                              <p:par>
+                                <p:cTn id="52" presetID="2" presetClass="exit" presetSubtype="3" fill="hold" nodeType="clickEffect">
+                                  <p:stCondLst>
+                                    <p:cond delay="0"/>
+                                  </p:stCondLst>
+                                  <p:childTnLst>
+                                    <p:anim calcmode="lin" valueType="num">
+                                      <p:cBhvr additive="base">
+                                        <p:cTn id="53" dur="500"/>
+                                        <p:tgtEl>
+                                          <p:spTgt spid="4"/>
+                                        </p:tgtEl>
+                                        <p:attrNameLst>
+                                          <p:attrName>ppt_x</p:attrName>
+                                        </p:attrNameLst>
+                                      </p:cBhvr>
+                                      <p:tavLst>
+                                        <p:tav tm="0">
+                                          <p:val>
+                                            <p:strVal val="ppt_x"/>
+                                          </p:val>
+                                        </p:tav>
+                                        <p:tav tm="100000">
+                                          <p:val>
+                                            <p:strVal val="1+ppt_w/2"/>
+                                          </p:val>
+                                        </p:tav>
+                                      </p:tavLst>
+                                    </p:anim>
+                                    <p:anim calcmode="lin" valueType="num">
+                                      <p:cBhvr additive="base">
+                                        <p:cTn id="54" dur="500"/>
+                                        <p:tgtEl>
+                                          <p:spTgt spid="4"/>
+                                        </p:tgtEl>
+                                        <p:attrNameLst>
+                                          <p:attrName>ppt_y</p:attrName>
+                                        </p:attrNameLst>
+                                      </p:cBhvr>
+                                      <p:tavLst>
+                                        <p:tav tm="0">
+                                          <p:val>
+                                            <p:strVal val="ppt_y"/>
+                                          </p:val>
+                                        </p:tav>
+                                        <p:tav tm="100000">
+                                          <p:val>
+                                            <p:strVal val="0-ppt_h/2"/>
+                                          </p:val>
+                                        </p:tav>
+                                      </p:tavLst>
+                                    </p:anim>
+                                    <p:set>
+                                      <p:cBhvr>
+                                        <p:cTn id="55" dur="1" fill="hold">
+                                          <p:stCondLst>
+                                            <p:cond delay="499"/>
+                                          </p:stCondLst>
+                                        </p:cTn>
+                                        <p:tgtEl>
+                                          <p:spTgt spid="4"/>
+                                        </p:tgtEl>
+                                        <p:attrNameLst>
+                                          <p:attrName>style.visibility</p:attrName>
+                                        </p:attrNameLst>
+                                      </p:cBhvr>
+                                      <p:to>
+                                        <p:strVal val="hidden"/>
+                                      </p:to>
+                                    </p:set>
+                                  </p:childTnLst>
+                                </p:cTn>
+                              </p:par>
+                            </p:childTnLst>
+                          </p:cTn>
+                        </p:par>
+                      </p:childTnLst>
+                    </p:cTn>
+                  </p:par>
+                </p:childTnLst>
+              </p:cTn>
+              <p:prevCondLst>
+                <p:cond evt="onPrev" delay="0">
+                  <p:tgtEl>
+                    <p:sldTgt/>
+                  </p:tgtEl>
+                </p:cond>
+              </p:prevCondLst>
+              <p:nextCondLst>
+                <p:cond evt="onNext" delay="0">
+                  <p:tgtEl>
+                    <p:sldTgt/>
+                  </p:tgtEl>
+                </p:cond>
+              </p:nextCondLst>
+            </p:seq>
+          </p:childTnLst>
+        </p:cTn>
+      </p:par>
+    </p:tnLst>
+    <p:bldLst>
+      <p:bldP spid="3" grpId="0" uiExpand="1" build="p"/>
+    </p:bldLst>
+  </p:timing>
+</p:sld>
+</file>
+
+<file path=ppt/slides/slide4.xml><?xml version="1.0" encoding="utf-8"?>
+<p:sld xmlns:a="http://schemas.openxmlformats.org/drawingml/2006/main" xmlns:r="http://schemas.openxmlformats.org/officeDocument/2006/relationships" xmlns:p="http://schemas.openxmlformats.org/presentationml/2006/main">
+  <p:cSld>
+    <p:spTree>
+      <p:nvGrpSpPr>
+        <p:cNvPr id="1" name=""/>
+        <p:cNvGrpSpPr/>
+        <p:nvPr/>
+      </p:nvGrpSpPr>
+      <p:grpSpPr>
+        <a:xfrm>
+          <a:off x="0" y="0"/>
+          <a:ext cx="0" cy="0"/>
+          <a:chOff x="0" y="0"/>
+          <a:chExt cx="0" cy="0"/>
+        </a:xfrm>
+      </p:grpSpPr>
+      <p:sp>
+        <p:nvSpPr>
+          <p:cNvPr id="2" name="Title 1"/>
+          <p:cNvSpPr>
+            <a:spLocks noGrp="1"/>
+          </p:cNvSpPr>
+          <p:nvPr>
+            <p:ph type="title"/>
+          </p:nvPr>
+        </p:nvSpPr>
+        <p:spPr/>
+        <p:txBody>
+          <a:bodyPr/>
+          <a:lstStyle/>
+          <a:p>
+            <a:r>
               <a:rPr lang="en-US" dirty="0" smtClean="0"/>
               <a:t>Our Products</a:t>
             </a:r>
@@ -10247,7 +11273,7 @@
 </p:sld>
 </file>
 
-<file path=ppt/slides/slide4.xml><?xml version="1.0" encoding="utf-8"?>
+<file path=ppt/slides/slide5.xml><?xml version="1.0" encoding="utf-8"?>
 <p:sld xmlns:a="http://schemas.openxmlformats.org/drawingml/2006/main" xmlns:r="http://schemas.openxmlformats.org/officeDocument/2006/relationships" xmlns:p="http://schemas.openxmlformats.org/presentationml/2006/main">
   <p:cSld>
     <p:spTree>
@@ -11912,7 +12938,7 @@
 </p:sld>
 </file>
 
-<file path=ppt/slides/slide5.xml><?xml version="1.0" encoding="utf-8"?>
+<file path=ppt/slides/slide6.xml><?xml version="1.0" encoding="utf-8"?>
 <p:sld xmlns:a="http://schemas.openxmlformats.org/drawingml/2006/main" xmlns:r="http://schemas.openxmlformats.org/officeDocument/2006/relationships" xmlns:p="http://schemas.openxmlformats.org/presentationml/2006/main">
   <p:cSld>
     <p:spTree>
@@ -13823,7 +14849,7 @@
 </p:sld>
 </file>
 
-<file path=ppt/slides/slide6.xml><?xml version="1.0" encoding="utf-8"?>
+<file path=ppt/slides/slide7.xml><?xml version="1.0" encoding="utf-8"?>
 <p:sld xmlns:a="http://schemas.openxmlformats.org/drawingml/2006/main" xmlns:r="http://schemas.openxmlformats.org/officeDocument/2006/relationships" xmlns:p="http://schemas.openxmlformats.org/presentationml/2006/main">
   <p:cSld>
     <p:spTree>
@@ -13904,15 +14930,7 @@
             </a:r>
             <a:r>
               <a:rPr lang="en-US" dirty="0" smtClean="0"/>
-              <a:t> </a:t>
-            </a:r>
-            <a:r>
-              <a:rPr lang="en-US" dirty="0" err="1" smtClean="0"/>
-              <a:t>OpenAuth</a:t>
-            </a:r>
-            <a:r>
-              <a:rPr lang="en-US" dirty="0" smtClean="0"/>
-              <a:t> to login and register customers.</a:t>
+              <a:t> OAuth to login and register customers.</a:t>
             </a:r>
             <a:endParaRPr lang="en-US" dirty="0"/>
           </a:p>
@@ -14750,7 +15768,7 @@
 </p:sld>
 </file>
 
-<file path=ppt/slides/slide7.xml><?xml version="1.0" encoding="utf-8"?>
+<file path=ppt/slides/slide8.xml><?xml version="1.0" encoding="utf-8"?>
 <p:sld xmlns:a="http://schemas.openxmlformats.org/drawingml/2006/main" xmlns:r="http://schemas.openxmlformats.org/officeDocument/2006/relationships" xmlns:p="http://schemas.openxmlformats.org/presentationml/2006/main">
   <p:cSld>
     <p:spTree>
@@ -14807,13 +15825,33 @@
           <a:p>
             <a:r>
               <a:rPr lang="en-US" dirty="0" smtClean="0"/>
-              <a:t>Working with the Microsoft Technologies has proven to be a challenging, yet rewarding experience for the package manager and the website.</a:t>
+              <a:t>Working with the Microsoft Technologies has proven to be a challenging, yet </a:t>
+            </a:r>
+            <a:r>
+              <a:rPr lang="en-US" dirty="0" smtClean="0"/>
+              <a:t>beneficial </a:t>
+            </a:r>
+            <a:r>
+              <a:rPr lang="en-US" dirty="0" smtClean="0"/>
+              <a:t>experience for the package manager and the website.</a:t>
             </a:r>
           </a:p>
           <a:p>
             <a:r>
               <a:rPr lang="en-US" dirty="0" smtClean="0"/>
-              <a:t>We hope to work with building for mobile app development soon.</a:t>
+              <a:t>We hope to work with building </a:t>
+            </a:r>
+            <a:r>
+              <a:rPr lang="en-US" dirty="0" smtClean="0"/>
+              <a:t>with</a:t>
+            </a:r>
+            <a:r>
+              <a:rPr lang="en-US" dirty="0" smtClean="0"/>
+              <a:t> </a:t>
+            </a:r>
+            <a:r>
+              <a:rPr lang="en-US" dirty="0" smtClean="0"/>
+              <a:t>mobile app development soon.</a:t>
             </a:r>
             <a:endParaRPr lang="en-US" dirty="0"/>
           </a:p>
@@ -14871,8 +15909,8 @@
         </p:blipFill>
         <p:spPr>
           <a:xfrm>
-            <a:off x="2134028" y="0"/>
-            <a:ext cx="7924371" cy="6858370"/>
+            <a:off x="2134029" y="7914"/>
+            <a:ext cx="7915227" cy="6850457"/>
           </a:xfrm>
           <a:prstGeom prst="rect">
             <a:avLst/>

--- a/OOSD_Project2_Team5_Presentation.pptx
+++ b/OOSD_Project2_Team5_Presentation.pptx
@@ -11,8 +11,9 @@
     <p:sldId id="258" r:id="rId5"/>
     <p:sldId id="259" r:id="rId6"/>
     <p:sldId id="260" r:id="rId7"/>
-    <p:sldId id="261" r:id="rId8"/>
-    <p:sldId id="262" r:id="rId9"/>
+    <p:sldId id="264" r:id="rId8"/>
+    <p:sldId id="261" r:id="rId9"/>
+    <p:sldId id="262" r:id="rId10"/>
   </p:sldIdLst>
   <p:sldSz cx="12192000" cy="6858000"/>
   <p:notesSz cx="6858000" cy="9144000"/>
@@ -308,7 +309,7 @@
             <a:fld id="{B61BEF0D-F0BB-DE4B-95CE-6DB70DBA9567}" type="datetimeFigureOut">
               <a:rPr lang="en-US" dirty="0"/>
               <a:pPr/>
-              <a:t>2/3/2016</a:t>
+              <a:t>2/4/2016</a:t>
             </a:fld>
             <a:endParaRPr lang="en-US" dirty="0"/>
           </a:p>
@@ -643,7 +644,7 @@
             <a:fld id="{B61BEF0D-F0BB-DE4B-95CE-6DB70DBA9567}" type="datetimeFigureOut">
               <a:rPr lang="en-US" dirty="0"/>
               <a:pPr/>
-              <a:t>2/3/2016</a:t>
+              <a:t>2/4/2016</a:t>
             </a:fld>
             <a:endParaRPr lang="en-US" dirty="0"/>
           </a:p>
@@ -1041,7 +1042,7 @@
             <a:fld id="{B61BEF0D-F0BB-DE4B-95CE-6DB70DBA9567}" type="datetimeFigureOut">
               <a:rPr lang="en-US" dirty="0"/>
               <a:pPr/>
-              <a:t>2/3/2016</a:t>
+              <a:t>2/4/2016</a:t>
             </a:fld>
             <a:endParaRPr lang="en-US" dirty="0"/>
           </a:p>
@@ -1374,7 +1375,7 @@
             <a:fld id="{B61BEF0D-F0BB-DE4B-95CE-6DB70DBA9567}" type="datetimeFigureOut">
               <a:rPr lang="en-US" dirty="0"/>
               <a:pPr/>
-              <a:t>2/3/2016</a:t>
+              <a:t>2/4/2016</a:t>
             </a:fld>
             <a:endParaRPr lang="en-US" dirty="0"/>
           </a:p>
@@ -1691,7 +1692,7 @@
             <a:fld id="{B61BEF0D-F0BB-DE4B-95CE-6DB70DBA9567}" type="datetimeFigureOut">
               <a:rPr lang="en-US" dirty="0"/>
               <a:pPr/>
-              <a:t>2/3/2016</a:t>
+              <a:t>2/4/2016</a:t>
             </a:fld>
             <a:endParaRPr lang="en-US" dirty="0"/>
           </a:p>
@@ -2084,7 +2085,7 @@
             <a:fld id="{B61BEF0D-F0BB-DE4B-95CE-6DB70DBA9567}" type="datetimeFigureOut">
               <a:rPr lang="en-US" dirty="0"/>
               <a:pPr/>
-              <a:t>2/3/2016</a:t>
+              <a:t>2/4/2016</a:t>
             </a:fld>
             <a:endParaRPr lang="en-US" dirty="0"/>
           </a:p>
@@ -2338,7 +2339,7 @@
             <a:fld id="{B61BEF0D-F0BB-DE4B-95CE-6DB70DBA9567}" type="datetimeFigureOut">
               <a:rPr lang="en-US" dirty="0"/>
               <a:pPr/>
-              <a:t>2/3/2016</a:t>
+              <a:t>2/4/2016</a:t>
             </a:fld>
             <a:endParaRPr lang="en-US" dirty="0"/>
           </a:p>
@@ -2597,7 +2598,7 @@
             <a:fld id="{B61BEF0D-F0BB-DE4B-95CE-6DB70DBA9567}" type="datetimeFigureOut">
               <a:rPr lang="en-US" dirty="0"/>
               <a:pPr/>
-              <a:t>2/3/2016</a:t>
+              <a:t>2/4/2016</a:t>
             </a:fld>
             <a:endParaRPr lang="en-US" dirty="0"/>
           </a:p>
@@ -2856,7 +2857,7 @@
             <a:fld id="{B61BEF0D-F0BB-DE4B-95CE-6DB70DBA9567}" type="datetimeFigureOut">
               <a:rPr lang="en-US" dirty="0"/>
               <a:pPr/>
-              <a:t>2/3/2016</a:t>
+              <a:t>2/4/2016</a:t>
             </a:fld>
             <a:endParaRPr lang="en-US" dirty="0"/>
           </a:p>
@@ -3182,7 +3183,7 @@
             <a:fld id="{B61BEF0D-F0BB-DE4B-95CE-6DB70DBA9567}" type="datetimeFigureOut">
               <a:rPr lang="en-US" dirty="0"/>
               <a:pPr/>
-              <a:t>2/3/2016</a:t>
+              <a:t>2/4/2016</a:t>
             </a:fld>
             <a:endParaRPr lang="en-US" dirty="0"/>
           </a:p>
@@ -3502,7 +3503,7 @@
             <a:fld id="{B61BEF0D-F0BB-DE4B-95CE-6DB70DBA9567}" type="datetimeFigureOut">
               <a:rPr lang="en-US" dirty="0"/>
               <a:pPr/>
-              <a:t>2/3/2016</a:t>
+              <a:t>2/4/2016</a:t>
             </a:fld>
             <a:endParaRPr lang="en-US" dirty="0"/>
           </a:p>
@@ -3956,7 +3957,7 @@
             <a:fld id="{B61BEF0D-F0BB-DE4B-95CE-6DB70DBA9567}" type="datetimeFigureOut">
               <a:rPr lang="en-US" dirty="0"/>
               <a:pPr/>
-              <a:t>2/3/2016</a:t>
+              <a:t>2/4/2016</a:t>
             </a:fld>
             <a:endParaRPr lang="en-US" dirty="0"/>
           </a:p>
@@ -4158,7 +4159,7 @@
             <a:fld id="{B61BEF0D-F0BB-DE4B-95CE-6DB70DBA9567}" type="datetimeFigureOut">
               <a:rPr lang="en-US" dirty="0"/>
               <a:pPr/>
-              <a:t>2/3/2016</a:t>
+              <a:t>2/4/2016</a:t>
             </a:fld>
             <a:endParaRPr lang="en-US" dirty="0"/>
           </a:p>
@@ -4332,7 +4333,7 @@
             <a:fld id="{B61BEF0D-F0BB-DE4B-95CE-6DB70DBA9567}" type="datetimeFigureOut">
               <a:rPr lang="en-US" dirty="0"/>
               <a:pPr/>
-              <a:t>2/3/2016</a:t>
+              <a:t>2/4/2016</a:t>
             </a:fld>
             <a:endParaRPr lang="en-US" dirty="0"/>
           </a:p>
@@ -4662,7 +4663,7 @@
             <a:fld id="{B61BEF0D-F0BB-DE4B-95CE-6DB70DBA9567}" type="datetimeFigureOut">
               <a:rPr lang="en-US" dirty="0"/>
               <a:pPr/>
-              <a:t>2/3/2016</a:t>
+              <a:t>2/4/2016</a:t>
             </a:fld>
             <a:endParaRPr lang="en-US" dirty="0"/>
           </a:p>
@@ -5004,7 +5005,7 @@
             <a:fld id="{B61BEF0D-F0BB-DE4B-95CE-6DB70DBA9567}" type="datetimeFigureOut">
               <a:rPr lang="en-US" dirty="0"/>
               <a:pPr/>
-              <a:t>2/3/2016</a:t>
+              <a:t>2/4/2016</a:t>
             </a:fld>
             <a:endParaRPr lang="en-US" dirty="0"/>
           </a:p>
@@ -7055,7 +7056,7 @@
             <a:fld id="{B61BEF0D-F0BB-DE4B-95CE-6DB70DBA9567}" type="datetimeFigureOut">
               <a:rPr lang="en-US" dirty="0"/>
               <a:pPr/>
-              <a:t>2/3/2016</a:t>
+              <a:t>2/4/2016</a:t>
             </a:fld>
             <a:endParaRPr lang="en-US" dirty="0"/>
           </a:p>
@@ -7610,11 +7611,7 @@
           <a:p>
             <a:r>
               <a:rPr lang="en-US" dirty="0" smtClean="0"/>
-              <a:t>The Microsoft Prototype (Status </a:t>
-            </a:r>
-            <a:r>
-              <a:rPr lang="en-US" dirty="0" smtClean="0"/>
-              <a:t>Report)</a:t>
+              <a:t>The Microsoft Prototype (Status Report)</a:t>
             </a:r>
             <a:endParaRPr lang="en-US" dirty="0"/>
           </a:p>
@@ -14876,14 +14873,19 @@
             <p:ph type="title"/>
           </p:nvPr>
         </p:nvSpPr>
-        <p:spPr/>
+        <p:spPr>
+          <a:xfrm>
+            <a:off x="2589212" y="852710"/>
+            <a:ext cx="8911687" cy="1280890"/>
+          </a:xfrm>
+        </p:spPr>
         <p:txBody>
           <a:bodyPr/>
           <a:lstStyle/>
           <a:p>
             <a:r>
               <a:rPr lang="en-US" dirty="0" smtClean="0"/>
-              <a:t>Future Projects</a:t>
+              <a:t>Wrap up</a:t>
             </a:r>
             <a:endParaRPr lang="en-US" dirty="0"/>
           </a:p>
@@ -14906,33 +14908,181 @@
           <a:p>
             <a:r>
               <a:rPr lang="en-US" dirty="0" smtClean="0"/>
-              <a:t>Building a mobile app for customers to set up their vacations through packages.</a:t>
+              <a:t>Graphically appealing</a:t>
             </a:r>
           </a:p>
           <a:p>
             <a:r>
               <a:rPr lang="en-US" dirty="0" smtClean="0"/>
-              <a:t>Building a Mac/”Linux” version for non-Windows workstations</a:t>
+              <a:t>User friendly and Validates information</a:t>
+            </a:r>
+          </a:p>
+          <a:p>
+            <a:r>
+              <a:rPr lang="en-US" dirty="0" smtClean="0"/>
+              <a:t>Easy to navigate as guides </a:t>
             </a:r>
             <a:r>
-              <a:rPr lang="en-US" dirty="0" smtClean="0"/>
-              <a:t>.</a:t>
+              <a:rPr lang="en-US" smtClean="0"/>
+              <a:t>you through</a:t>
             </a:r>
+            <a:endParaRPr lang="en-US" dirty="0" smtClean="0"/>
           </a:p>
           <a:p>
             <a:r>
               <a:rPr lang="en-US" dirty="0" smtClean="0"/>
-              <a:t>Using </a:t>
+              <a:t>Browser friendly</a:t>
             </a:r>
-            <a:r>
-              <a:rPr lang="en-US" dirty="0" err="1" smtClean="0"/>
-              <a:t>FaceBook’s</a:t>
-            </a:r>
+          </a:p>
+          <a:p>
             <a:r>
               <a:rPr lang="en-US" dirty="0" smtClean="0"/>
-              <a:t> OAuth to login and register customers.</a:t>
+              <a:t>Code reusability</a:t>
+            </a:r>
+          </a:p>
+          <a:p>
+            <a:r>
+              <a:rPr lang="en-US" dirty="0" smtClean="0"/>
+              <a:t>Loading speed</a:t>
+            </a:r>
+          </a:p>
+          <a:p>
+            <a:r>
+              <a:rPr lang="en-US" dirty="0" smtClean="0"/>
+              <a:t>Secure and Consistent Layout</a:t>
+            </a:r>
+          </a:p>
+          <a:p>
+            <a:endParaRPr lang="en-US" dirty="0" smtClean="0"/>
+          </a:p>
+          <a:p>
+            <a:endParaRPr lang="en-US" dirty="0" smtClean="0"/>
+          </a:p>
+        </p:txBody>
+      </p:sp>
+    </p:spTree>
+    <p:extLst>
+      <p:ext uri="{BB962C8B-B14F-4D97-AF65-F5344CB8AC3E}">
+        <p14:creationId xmlns:p14="http://schemas.microsoft.com/office/powerpoint/2010/main" val="4024891549"/>
+      </p:ext>
+    </p:extLst>
+  </p:cSld>
+  <p:clrMapOvr>
+    <a:masterClrMapping/>
+  </p:clrMapOvr>
+</p:sld>
+</file>
+
+<file path=ppt/slides/slide8.xml><?xml version="1.0" encoding="utf-8"?>
+<p:sld xmlns:a="http://schemas.openxmlformats.org/drawingml/2006/main" xmlns:r="http://schemas.openxmlformats.org/officeDocument/2006/relationships" xmlns:p="http://schemas.openxmlformats.org/presentationml/2006/main">
+  <p:cSld>
+    <p:spTree>
+      <p:nvGrpSpPr>
+        <p:cNvPr id="1" name=""/>
+        <p:cNvGrpSpPr/>
+        <p:nvPr/>
+      </p:nvGrpSpPr>
+      <p:grpSpPr>
+        <a:xfrm>
+          <a:off x="0" y="0"/>
+          <a:ext cx="0" cy="0"/>
+          <a:chOff x="0" y="0"/>
+          <a:chExt cx="0" cy="0"/>
+        </a:xfrm>
+      </p:grpSpPr>
+      <p:sp>
+        <p:nvSpPr>
+          <p:cNvPr id="2" name="Title 1"/>
+          <p:cNvSpPr>
+            <a:spLocks noGrp="1"/>
+          </p:cNvSpPr>
+          <p:nvPr>
+            <p:ph type="title"/>
+          </p:nvPr>
+        </p:nvSpPr>
+        <p:spPr/>
+        <p:txBody>
+          <a:bodyPr/>
+          <a:lstStyle/>
+          <a:p>
+            <a:r>
+              <a:rPr lang="en-US" dirty="0" smtClean="0"/>
+              <a:t>Future Projects</a:t>
             </a:r>
             <a:endParaRPr lang="en-US" dirty="0"/>
+          </a:p>
+        </p:txBody>
+      </p:sp>
+      <p:sp>
+        <p:nvSpPr>
+          <p:cNvPr id="3" name="Content Placeholder 2"/>
+          <p:cNvSpPr>
+            <a:spLocks noGrp="1"/>
+          </p:cNvSpPr>
+          <p:nvPr>
+            <p:ph idx="1"/>
+          </p:nvPr>
+        </p:nvSpPr>
+        <p:spPr>
+          <a:xfrm>
+            <a:off x="1342239" y="1328256"/>
+            <a:ext cx="9675812" cy="4325923"/>
+          </a:xfrm>
+        </p:spPr>
+        <p:txBody>
+          <a:bodyPr/>
+          <a:lstStyle/>
+          <a:p>
+            <a:r>
+              <a:rPr lang="en-US" dirty="0" smtClean="0"/>
+              <a:t>App development </a:t>
+            </a:r>
+            <a:endParaRPr lang="en-US" dirty="0" smtClean="0"/>
+          </a:p>
+          <a:p>
+            <a:r>
+              <a:rPr lang="en-US" dirty="0"/>
+              <a:t>More semantic</a:t>
+            </a:r>
+          </a:p>
+          <a:p>
+            <a:r>
+              <a:rPr lang="en-US" dirty="0"/>
+              <a:t>Customers reviews and ratings</a:t>
+            </a:r>
+          </a:p>
+          <a:p>
+            <a:r>
+              <a:rPr lang="en-US" dirty="0"/>
+              <a:t>Social media plugins</a:t>
+            </a:r>
+          </a:p>
+          <a:p>
+            <a:r>
+              <a:rPr lang="en-US" dirty="0"/>
+              <a:t>Add vacation dates in your calendars</a:t>
+            </a:r>
+          </a:p>
+          <a:p>
+            <a:r>
+              <a:rPr lang="en-US" dirty="0"/>
+              <a:t>Cross-browser and cross-device support</a:t>
+            </a:r>
+          </a:p>
+          <a:p>
+            <a:r>
+              <a:rPr lang="en-US" dirty="0"/>
+              <a:t>Add accessibility</a:t>
+            </a:r>
+          </a:p>
+          <a:p>
+            <a:r>
+              <a:rPr lang="en-US" dirty="0"/>
+              <a:t>Multi language support</a:t>
+            </a:r>
+          </a:p>
+          <a:p>
+            <a:endParaRPr lang="en-US" dirty="0" smtClean="0"/>
           </a:p>
         </p:txBody>
       </p:sp>
@@ -14958,7 +15108,7 @@
         </p:blipFill>
         <p:spPr>
           <a:xfrm>
-            <a:off x="2447353" y="3590487"/>
+            <a:off x="8493926" y="912711"/>
             <a:ext cx="2524125" cy="2806121"/>
           </a:xfrm>
           <a:prstGeom prst="rect">
@@ -14988,7 +15138,7 @@
         </p:blipFill>
         <p:spPr>
           <a:xfrm>
-            <a:off x="6791509" y="3953263"/>
+            <a:off x="5529446" y="4322379"/>
             <a:ext cx="2526417" cy="2186559"/>
           </a:xfrm>
           <a:prstGeom prst="rect">
@@ -15181,7 +15331,7 @@
                             </p:stCondLst>
                             <p:childTnLst>
                               <p:par>
-                                <p:cTn id="13" presetID="6" presetClass="entr" presetSubtype="16" fill="hold" nodeType="clickEffect">
+                                <p:cTn id="13" presetID="31" presetClass="entr" presetSubtype="0" fill="hold" grpId="0" nodeType="clickEffect">
                                   <p:stCondLst>
                                     <p:cond delay="0"/>
                                   </p:stCondLst>
@@ -15194,7 +15344,11 @@
                                           </p:stCondLst>
                                         </p:cTn>
                                         <p:tgtEl>
-                                          <p:spTgt spid="4"/>
+                                          <p:spTgt spid="3">
+                                            <p:txEl>
+                                              <p:pRg st="1" end="1"/>
+                                            </p:txEl>
+                                          </p:spTgt>
                                         </p:tgtEl>
                                         <p:attrNameLst>
                                           <p:attrName>style.visibility</p:attrName>
@@ -15204,11 +15358,96 @@
                                         <p:strVal val="visible"/>
                                       </p:to>
                                     </p:set>
-                                    <p:animEffect transition="in" filter="circle(in)">
-                                      <p:cBhvr>
-                                        <p:cTn id="15" dur="2000"/>
-                                        <p:tgtEl>
-                                          <p:spTgt spid="4"/>
+                                    <p:anim calcmode="lin" valueType="num">
+                                      <p:cBhvr>
+                                        <p:cTn id="15" dur="1000" fill="hold"/>
+                                        <p:tgtEl>
+                                          <p:spTgt spid="3">
+                                            <p:txEl>
+                                              <p:pRg st="1" end="1"/>
+                                            </p:txEl>
+                                          </p:spTgt>
+                                        </p:tgtEl>
+                                        <p:attrNameLst>
+                                          <p:attrName>ppt_w</p:attrName>
+                                        </p:attrNameLst>
+                                      </p:cBhvr>
+                                      <p:tavLst>
+                                        <p:tav tm="0">
+                                          <p:val>
+                                            <p:fltVal val="0"/>
+                                          </p:val>
+                                        </p:tav>
+                                        <p:tav tm="100000">
+                                          <p:val>
+                                            <p:strVal val="#ppt_w"/>
+                                          </p:val>
+                                        </p:tav>
+                                      </p:tavLst>
+                                    </p:anim>
+                                    <p:anim calcmode="lin" valueType="num">
+                                      <p:cBhvr>
+                                        <p:cTn id="16" dur="1000" fill="hold"/>
+                                        <p:tgtEl>
+                                          <p:spTgt spid="3">
+                                            <p:txEl>
+                                              <p:pRg st="1" end="1"/>
+                                            </p:txEl>
+                                          </p:spTgt>
+                                        </p:tgtEl>
+                                        <p:attrNameLst>
+                                          <p:attrName>ppt_h</p:attrName>
+                                        </p:attrNameLst>
+                                      </p:cBhvr>
+                                      <p:tavLst>
+                                        <p:tav tm="0">
+                                          <p:val>
+                                            <p:fltVal val="0"/>
+                                          </p:val>
+                                        </p:tav>
+                                        <p:tav tm="100000">
+                                          <p:val>
+                                            <p:strVal val="#ppt_h"/>
+                                          </p:val>
+                                        </p:tav>
+                                      </p:tavLst>
+                                    </p:anim>
+                                    <p:anim calcmode="lin" valueType="num">
+                                      <p:cBhvr>
+                                        <p:cTn id="17" dur="1000" fill="hold"/>
+                                        <p:tgtEl>
+                                          <p:spTgt spid="3">
+                                            <p:txEl>
+                                              <p:pRg st="1" end="1"/>
+                                            </p:txEl>
+                                          </p:spTgt>
+                                        </p:tgtEl>
+                                        <p:attrNameLst>
+                                          <p:attrName>style.rotation</p:attrName>
+                                        </p:attrNameLst>
+                                      </p:cBhvr>
+                                      <p:tavLst>
+                                        <p:tav tm="0">
+                                          <p:val>
+                                            <p:fltVal val="90"/>
+                                          </p:val>
+                                        </p:tav>
+                                        <p:tav tm="100000">
+                                          <p:val>
+                                            <p:fltVal val="0"/>
+                                          </p:val>
+                                        </p:tav>
+                                      </p:tavLst>
+                                    </p:anim>
+                                    <p:animEffect transition="in" filter="fade">
+                                      <p:cBhvr>
+                                        <p:cTn id="18" dur="1000"/>
+                                        <p:tgtEl>
+                                          <p:spTgt spid="3">
+                                            <p:txEl>
+                                              <p:pRg st="1" end="1"/>
+                                            </p:txEl>
+                                          </p:spTgt>
                                         </p:tgtEl>
                                       </p:cBhvr>
                                     </p:animEffect>
@@ -15222,32 +15461,36 @@
                     </p:cTn>
                   </p:par>
                   <p:par>
-                    <p:cTn id="16" fill="hold">
+                    <p:cTn id="19" fill="hold">
                       <p:stCondLst>
                         <p:cond delay="indefinite"/>
                       </p:stCondLst>
                       <p:childTnLst>
                         <p:par>
-                          <p:cTn id="17" fill="hold">
+                          <p:cTn id="20" fill="hold">
                             <p:stCondLst>
                               <p:cond delay="0"/>
                             </p:stCondLst>
                             <p:childTnLst>
                               <p:par>
-                                <p:cTn id="18" presetID="2" presetClass="entr" presetSubtype="6" fill="hold" nodeType="clickEffect">
+                                <p:cTn id="21" presetID="31" presetClass="entr" presetSubtype="0" fill="hold" grpId="0" nodeType="clickEffect">
                                   <p:stCondLst>
                                     <p:cond delay="0"/>
                                   </p:stCondLst>
                                   <p:childTnLst>
                                     <p:set>
                                       <p:cBhvr>
-                                        <p:cTn id="19" dur="1" fill="hold">
+                                        <p:cTn id="22" dur="1" fill="hold">
                                           <p:stCondLst>
                                             <p:cond delay="0"/>
                                           </p:stCondLst>
                                         </p:cTn>
                                         <p:tgtEl>
-                                          <p:spTgt spid="5"/>
+                                          <p:spTgt spid="3">
+                                            <p:txEl>
+                                              <p:pRg st="2" end="2"/>
+                                            </p:txEl>
+                                          </p:spTgt>
                                         </p:tgtEl>
                                         <p:attrNameLst>
                                           <p:attrName>style.visibility</p:attrName>
@@ -15258,161 +15501,66 @@
                                       </p:to>
                                     </p:set>
                                     <p:anim calcmode="lin" valueType="num">
-                                      <p:cBhvr additive="base">
-                                        <p:cTn id="20" dur="500" fill="hold"/>
-                                        <p:tgtEl>
-                                          <p:spTgt spid="5"/>
-                                        </p:tgtEl>
-                                        <p:attrNameLst>
-                                          <p:attrName>ppt_x</p:attrName>
+                                      <p:cBhvr>
+                                        <p:cTn id="23" dur="1000" fill="hold"/>
+                                        <p:tgtEl>
+                                          <p:spTgt spid="3">
+                                            <p:txEl>
+                                              <p:pRg st="2" end="2"/>
+                                            </p:txEl>
+                                          </p:spTgt>
+                                        </p:tgtEl>
+                                        <p:attrNameLst>
+                                          <p:attrName>ppt_w</p:attrName>
                                         </p:attrNameLst>
                                       </p:cBhvr>
                                       <p:tavLst>
                                         <p:tav tm="0">
                                           <p:val>
-                                            <p:strVal val="1+#ppt_w/2"/>
+                                            <p:fltVal val="0"/>
                                           </p:val>
                                         </p:tav>
                                         <p:tav tm="100000">
                                           <p:val>
-                                            <p:strVal val="#ppt_x"/>
+                                            <p:strVal val="#ppt_w"/>
                                           </p:val>
                                         </p:tav>
                                       </p:tavLst>
                                     </p:anim>
                                     <p:anim calcmode="lin" valueType="num">
-                                      <p:cBhvr additive="base">
-                                        <p:cTn id="21" dur="500" fill="hold"/>
-                                        <p:tgtEl>
-                                          <p:spTgt spid="5"/>
-                                        </p:tgtEl>
-                                        <p:attrNameLst>
-                                          <p:attrName>ppt_y</p:attrName>
+                                      <p:cBhvr>
+                                        <p:cTn id="24" dur="1000" fill="hold"/>
+                                        <p:tgtEl>
+                                          <p:spTgt spid="3">
+                                            <p:txEl>
+                                              <p:pRg st="2" end="2"/>
+                                            </p:txEl>
+                                          </p:spTgt>
+                                        </p:tgtEl>
+                                        <p:attrNameLst>
+                                          <p:attrName>ppt_h</p:attrName>
                                         </p:attrNameLst>
                                       </p:cBhvr>
                                       <p:tavLst>
                                         <p:tav tm="0">
                                           <p:val>
-                                            <p:strVal val="1+#ppt_h/2"/>
+                                            <p:fltVal val="0"/>
                                           </p:val>
                                         </p:tav>
                                         <p:tav tm="100000">
                                           <p:val>
-                                            <p:strVal val="#ppt_y"/>
-                                          </p:val>
-                                        </p:tav>
-                                      </p:tavLst>
-                                    </p:anim>
-                                  </p:childTnLst>
-                                </p:cTn>
-                              </p:par>
-                            </p:childTnLst>
-                          </p:cTn>
-                        </p:par>
-                      </p:childTnLst>
-                    </p:cTn>
-                  </p:par>
-                  <p:par>
-                    <p:cTn id="22" fill="hold">
-                      <p:stCondLst>
-                        <p:cond delay="indefinite"/>
-                      </p:stCondLst>
-                      <p:childTnLst>
-                        <p:par>
-                          <p:cTn id="23" fill="hold">
-                            <p:stCondLst>
-                              <p:cond delay="0"/>
-                            </p:stCondLst>
-                            <p:childTnLst>
-                              <p:par>
-                                <p:cTn id="24" presetID="31" presetClass="entr" presetSubtype="0" fill="hold" grpId="0" nodeType="clickEffect">
-                                  <p:stCondLst>
-                                    <p:cond delay="0"/>
-                                  </p:stCondLst>
-                                  <p:childTnLst>
-                                    <p:set>
-                                      <p:cBhvr>
-                                        <p:cTn id="25" dur="1" fill="hold">
-                                          <p:stCondLst>
-                                            <p:cond delay="0"/>
-                                          </p:stCondLst>
-                                        </p:cTn>
-                                        <p:tgtEl>
-                                          <p:spTgt spid="3">
-                                            <p:txEl>
-                                              <p:pRg st="1" end="1"/>
-                                            </p:txEl>
-                                          </p:spTgt>
-                                        </p:tgtEl>
-                                        <p:attrNameLst>
-                                          <p:attrName>style.visibility</p:attrName>
-                                        </p:attrNameLst>
-                                      </p:cBhvr>
-                                      <p:to>
-                                        <p:strVal val="visible"/>
-                                      </p:to>
-                                    </p:set>
-                                    <p:anim calcmode="lin" valueType="num">
-                                      <p:cBhvr>
-                                        <p:cTn id="26" dur="1000" fill="hold"/>
-                                        <p:tgtEl>
-                                          <p:spTgt spid="3">
-                                            <p:txEl>
-                                              <p:pRg st="1" end="1"/>
-                                            </p:txEl>
-                                          </p:spTgt>
-                                        </p:tgtEl>
-                                        <p:attrNameLst>
-                                          <p:attrName>ppt_w</p:attrName>
-                                        </p:attrNameLst>
-                                      </p:cBhvr>
-                                      <p:tavLst>
-                                        <p:tav tm="0">
-                                          <p:val>
-                                            <p:fltVal val="0"/>
-                                          </p:val>
-                                        </p:tav>
-                                        <p:tav tm="100000">
-                                          <p:val>
-                                            <p:strVal val="#ppt_w"/>
+                                            <p:strVal val="#ppt_h"/>
                                           </p:val>
                                         </p:tav>
                                       </p:tavLst>
                                     </p:anim>
                                     <p:anim calcmode="lin" valueType="num">
                                       <p:cBhvr>
-                                        <p:cTn id="27" dur="1000" fill="hold"/>
+                                        <p:cTn id="25" dur="1000" fill="hold"/>
                                         <p:tgtEl>
                                           <p:spTgt spid="3">
                                             <p:txEl>
-                                              <p:pRg st="1" end="1"/>
-                                            </p:txEl>
-                                          </p:spTgt>
-                                        </p:tgtEl>
-                                        <p:attrNameLst>
-                                          <p:attrName>ppt_h</p:attrName>
-                                        </p:attrNameLst>
-                                      </p:cBhvr>
-                                      <p:tavLst>
-                                        <p:tav tm="0">
-                                          <p:val>
-                                            <p:fltVal val="0"/>
-                                          </p:val>
-                                        </p:tav>
-                                        <p:tav tm="100000">
-                                          <p:val>
-                                            <p:strVal val="#ppt_h"/>
-                                          </p:val>
-                                        </p:tav>
-                                      </p:tavLst>
-                                    </p:anim>
-                                    <p:anim calcmode="lin" valueType="num">
-                                      <p:cBhvr>
-                                        <p:cTn id="28" dur="1000" fill="hold"/>
-                                        <p:tgtEl>
-                                          <p:spTgt spid="3">
-                                            <p:txEl>
-                                              <p:pRg st="1" end="1"/>
+                                              <p:pRg st="2" end="2"/>
                                             </p:txEl>
                                           </p:spTgt>
                                         </p:tgtEl>
@@ -15435,11 +15583,11 @@
                                     </p:anim>
                                     <p:animEffect transition="in" filter="fade">
                                       <p:cBhvr>
-                                        <p:cTn id="29" dur="1000"/>
+                                        <p:cTn id="26" dur="1000"/>
                                         <p:tgtEl>
                                           <p:spTgt spid="3">
                                             <p:txEl>
-                                              <p:pRg st="1" end="1"/>
+                                              <p:pRg st="2" end="2"/>
                                             </p:txEl>
                                           </p:spTgt>
                                         </p:tgtEl>
@@ -15455,26 +15603,26 @@
                     </p:cTn>
                   </p:par>
                   <p:par>
-                    <p:cTn id="30" fill="hold">
+                    <p:cTn id="27" fill="hold">
                       <p:stCondLst>
                         <p:cond delay="indefinite"/>
                       </p:stCondLst>
                       <p:childTnLst>
                         <p:par>
-                          <p:cTn id="31" fill="hold">
+                          <p:cTn id="28" fill="hold">
                             <p:stCondLst>
                               <p:cond delay="0"/>
                             </p:stCondLst>
                             <p:childTnLst>
                               <p:par>
-                                <p:cTn id="32" presetID="31" presetClass="entr" presetSubtype="0" fill="hold" grpId="0" nodeType="clickEffect">
+                                <p:cTn id="29" presetID="31" presetClass="entr" presetSubtype="0" fill="hold" grpId="0" nodeType="clickEffect">
                                   <p:stCondLst>
                                     <p:cond delay="0"/>
                                   </p:stCondLst>
                                   <p:childTnLst>
                                     <p:set>
                                       <p:cBhvr>
-                                        <p:cTn id="33" dur="1" fill="hold">
+                                        <p:cTn id="30" dur="1" fill="hold">
                                           <p:stCondLst>
                                             <p:cond delay="0"/>
                                           </p:stCondLst>
@@ -15482,7 +15630,7 @@
                                         <p:tgtEl>
                                           <p:spTgt spid="3">
                                             <p:txEl>
-                                              <p:pRg st="2" end="2"/>
+                                              <p:pRg st="3" end="3"/>
                                             </p:txEl>
                                           </p:spTgt>
                                         </p:tgtEl>
@@ -15496,11 +15644,11 @@
                                     </p:set>
                                     <p:anim calcmode="lin" valueType="num">
                                       <p:cBhvr>
-                                        <p:cTn id="34" dur="1000" fill="hold"/>
+                                        <p:cTn id="31" dur="1000" fill="hold"/>
                                         <p:tgtEl>
                                           <p:spTgt spid="3">
                                             <p:txEl>
-                                              <p:pRg st="2" end="2"/>
+                                              <p:pRg st="3" end="3"/>
                                             </p:txEl>
                                           </p:spTgt>
                                         </p:tgtEl>
@@ -15523,11 +15671,11 @@
                                     </p:anim>
                                     <p:anim calcmode="lin" valueType="num">
                                       <p:cBhvr>
-                                        <p:cTn id="35" dur="1000" fill="hold"/>
+                                        <p:cTn id="32" dur="1000" fill="hold"/>
                                         <p:tgtEl>
                                           <p:spTgt spid="3">
                                             <p:txEl>
-                                              <p:pRg st="2" end="2"/>
+                                              <p:pRg st="3" end="3"/>
                                             </p:txEl>
                                           </p:spTgt>
                                         </p:tgtEl>
@@ -15550,11 +15698,11 @@
                                     </p:anim>
                                     <p:anim calcmode="lin" valueType="num">
                                       <p:cBhvr>
-                                        <p:cTn id="36" dur="1000" fill="hold"/>
+                                        <p:cTn id="33" dur="1000" fill="hold"/>
                                         <p:tgtEl>
                                           <p:spTgt spid="3">
                                             <p:txEl>
-                                              <p:pRg st="2" end="2"/>
+                                              <p:pRg st="3" end="3"/>
                                             </p:txEl>
                                           </p:spTgt>
                                         </p:tgtEl>
@@ -15577,11 +15725,11 @@
                                     </p:anim>
                                     <p:animEffect transition="in" filter="fade">
                                       <p:cBhvr>
-                                        <p:cTn id="37" dur="1000"/>
+                                        <p:cTn id="34" dur="1000"/>
                                         <p:tgtEl>
                                           <p:spTgt spid="3">
                                             <p:txEl>
-                                              <p:pRg st="2" end="2"/>
+                                              <p:pRg st="3" end="3"/>
                                             </p:txEl>
                                           </p:spTgt>
                                         </p:tgtEl>
@@ -15597,49 +15745,138 @@
                     </p:cTn>
                   </p:par>
                   <p:par>
-                    <p:cTn id="38" fill="hold">
+                    <p:cTn id="35" fill="hold">
                       <p:stCondLst>
                         <p:cond delay="indefinite"/>
                       </p:stCondLst>
                       <p:childTnLst>
                         <p:par>
-                          <p:cTn id="39" fill="hold">
+                          <p:cTn id="36" fill="hold">
                             <p:stCondLst>
                               <p:cond delay="0"/>
                             </p:stCondLst>
                             <p:childTnLst>
                               <p:par>
-                                <p:cTn id="40" presetID="16" presetClass="exit" presetSubtype="21" fill="hold" nodeType="clickEffect">
+                                <p:cTn id="37" presetID="31" presetClass="entr" presetSubtype="0" fill="hold" grpId="0" nodeType="clickEffect">
                                   <p:stCondLst>
                                     <p:cond delay="0"/>
                                   </p:stCondLst>
                                   <p:childTnLst>
-                                    <p:animEffect transition="out" filter="barn(inVertical)">
-                                      <p:cBhvr>
-                                        <p:cTn id="41" dur="500"/>
-                                        <p:tgtEl>
-                                          <p:spTgt spid="4"/>
-                                        </p:tgtEl>
-                                      </p:cBhvr>
-                                    </p:animEffect>
                                     <p:set>
                                       <p:cBhvr>
-                                        <p:cTn id="42" dur="1" fill="hold">
+                                        <p:cTn id="38" dur="1" fill="hold">
                                           <p:stCondLst>
-                                            <p:cond delay="499"/>
+                                            <p:cond delay="0"/>
                                           </p:stCondLst>
                                         </p:cTn>
                                         <p:tgtEl>
-                                          <p:spTgt spid="4"/>
+                                          <p:spTgt spid="3">
+                                            <p:txEl>
+                                              <p:pRg st="4" end="4"/>
+                                            </p:txEl>
+                                          </p:spTgt>
                                         </p:tgtEl>
                                         <p:attrNameLst>
                                           <p:attrName>style.visibility</p:attrName>
                                         </p:attrNameLst>
                                       </p:cBhvr>
                                       <p:to>
-                                        <p:strVal val="hidden"/>
+                                        <p:strVal val="visible"/>
                                       </p:to>
                                     </p:set>
+                                    <p:anim calcmode="lin" valueType="num">
+                                      <p:cBhvr>
+                                        <p:cTn id="39" dur="1000" fill="hold"/>
+                                        <p:tgtEl>
+                                          <p:spTgt spid="3">
+                                            <p:txEl>
+                                              <p:pRg st="4" end="4"/>
+                                            </p:txEl>
+                                          </p:spTgt>
+                                        </p:tgtEl>
+                                        <p:attrNameLst>
+                                          <p:attrName>ppt_w</p:attrName>
+                                        </p:attrNameLst>
+                                      </p:cBhvr>
+                                      <p:tavLst>
+                                        <p:tav tm="0">
+                                          <p:val>
+                                            <p:fltVal val="0"/>
+                                          </p:val>
+                                        </p:tav>
+                                        <p:tav tm="100000">
+                                          <p:val>
+                                            <p:strVal val="#ppt_w"/>
+                                          </p:val>
+                                        </p:tav>
+                                      </p:tavLst>
+                                    </p:anim>
+                                    <p:anim calcmode="lin" valueType="num">
+                                      <p:cBhvr>
+                                        <p:cTn id="40" dur="1000" fill="hold"/>
+                                        <p:tgtEl>
+                                          <p:spTgt spid="3">
+                                            <p:txEl>
+                                              <p:pRg st="4" end="4"/>
+                                            </p:txEl>
+                                          </p:spTgt>
+                                        </p:tgtEl>
+                                        <p:attrNameLst>
+                                          <p:attrName>ppt_h</p:attrName>
+                                        </p:attrNameLst>
+                                      </p:cBhvr>
+                                      <p:tavLst>
+                                        <p:tav tm="0">
+                                          <p:val>
+                                            <p:fltVal val="0"/>
+                                          </p:val>
+                                        </p:tav>
+                                        <p:tav tm="100000">
+                                          <p:val>
+                                            <p:strVal val="#ppt_h"/>
+                                          </p:val>
+                                        </p:tav>
+                                      </p:tavLst>
+                                    </p:anim>
+                                    <p:anim calcmode="lin" valueType="num">
+                                      <p:cBhvr>
+                                        <p:cTn id="41" dur="1000" fill="hold"/>
+                                        <p:tgtEl>
+                                          <p:spTgt spid="3">
+                                            <p:txEl>
+                                              <p:pRg st="4" end="4"/>
+                                            </p:txEl>
+                                          </p:spTgt>
+                                        </p:tgtEl>
+                                        <p:attrNameLst>
+                                          <p:attrName>style.rotation</p:attrName>
+                                        </p:attrNameLst>
+                                      </p:cBhvr>
+                                      <p:tavLst>
+                                        <p:tav tm="0">
+                                          <p:val>
+                                            <p:fltVal val="90"/>
+                                          </p:val>
+                                        </p:tav>
+                                        <p:tav tm="100000">
+                                          <p:val>
+                                            <p:fltVal val="0"/>
+                                          </p:val>
+                                        </p:tav>
+                                      </p:tavLst>
+                                    </p:anim>
+                                    <p:animEffect transition="in" filter="fade">
+                                      <p:cBhvr>
+                                        <p:cTn id="42" dur="1000"/>
+                                        <p:tgtEl>
+                                          <p:spTgt spid="3">
+                                            <p:txEl>
+                                              <p:pRg st="4" end="4"/>
+                                            </p:txEl>
+                                          </p:spTgt>
+                                        </p:tgtEl>
+                                      </p:cBhvr>
+                                    </p:animEffect>
                                   </p:childTnLst>
                                 </p:cTn>
                               </p:par>
@@ -15662,14 +15899,637 @@
                             </p:stCondLst>
                             <p:childTnLst>
                               <p:par>
-                                <p:cTn id="45" presetID="2" presetClass="exit" presetSubtype="9" fill="hold" nodeType="clickEffect">
+                                <p:cTn id="45" presetID="31" presetClass="entr" presetSubtype="0" fill="hold" grpId="0" nodeType="clickEffect">
+                                  <p:stCondLst>
+                                    <p:cond delay="0"/>
+                                  </p:stCondLst>
+                                  <p:childTnLst>
+                                    <p:set>
+                                      <p:cBhvr>
+                                        <p:cTn id="46" dur="1" fill="hold">
+                                          <p:stCondLst>
+                                            <p:cond delay="0"/>
+                                          </p:stCondLst>
+                                        </p:cTn>
+                                        <p:tgtEl>
+                                          <p:spTgt spid="3">
+                                            <p:txEl>
+                                              <p:pRg st="5" end="5"/>
+                                            </p:txEl>
+                                          </p:spTgt>
+                                        </p:tgtEl>
+                                        <p:attrNameLst>
+                                          <p:attrName>style.visibility</p:attrName>
+                                        </p:attrNameLst>
+                                      </p:cBhvr>
+                                      <p:to>
+                                        <p:strVal val="visible"/>
+                                      </p:to>
+                                    </p:set>
+                                    <p:anim calcmode="lin" valueType="num">
+                                      <p:cBhvr>
+                                        <p:cTn id="47" dur="1000" fill="hold"/>
+                                        <p:tgtEl>
+                                          <p:spTgt spid="3">
+                                            <p:txEl>
+                                              <p:pRg st="5" end="5"/>
+                                            </p:txEl>
+                                          </p:spTgt>
+                                        </p:tgtEl>
+                                        <p:attrNameLst>
+                                          <p:attrName>ppt_w</p:attrName>
+                                        </p:attrNameLst>
+                                      </p:cBhvr>
+                                      <p:tavLst>
+                                        <p:tav tm="0">
+                                          <p:val>
+                                            <p:fltVal val="0"/>
+                                          </p:val>
+                                        </p:tav>
+                                        <p:tav tm="100000">
+                                          <p:val>
+                                            <p:strVal val="#ppt_w"/>
+                                          </p:val>
+                                        </p:tav>
+                                      </p:tavLst>
+                                    </p:anim>
+                                    <p:anim calcmode="lin" valueType="num">
+                                      <p:cBhvr>
+                                        <p:cTn id="48" dur="1000" fill="hold"/>
+                                        <p:tgtEl>
+                                          <p:spTgt spid="3">
+                                            <p:txEl>
+                                              <p:pRg st="5" end="5"/>
+                                            </p:txEl>
+                                          </p:spTgt>
+                                        </p:tgtEl>
+                                        <p:attrNameLst>
+                                          <p:attrName>ppt_h</p:attrName>
+                                        </p:attrNameLst>
+                                      </p:cBhvr>
+                                      <p:tavLst>
+                                        <p:tav tm="0">
+                                          <p:val>
+                                            <p:fltVal val="0"/>
+                                          </p:val>
+                                        </p:tav>
+                                        <p:tav tm="100000">
+                                          <p:val>
+                                            <p:strVal val="#ppt_h"/>
+                                          </p:val>
+                                        </p:tav>
+                                      </p:tavLst>
+                                    </p:anim>
+                                    <p:anim calcmode="lin" valueType="num">
+                                      <p:cBhvr>
+                                        <p:cTn id="49" dur="1000" fill="hold"/>
+                                        <p:tgtEl>
+                                          <p:spTgt spid="3">
+                                            <p:txEl>
+                                              <p:pRg st="5" end="5"/>
+                                            </p:txEl>
+                                          </p:spTgt>
+                                        </p:tgtEl>
+                                        <p:attrNameLst>
+                                          <p:attrName>style.rotation</p:attrName>
+                                        </p:attrNameLst>
+                                      </p:cBhvr>
+                                      <p:tavLst>
+                                        <p:tav tm="0">
+                                          <p:val>
+                                            <p:fltVal val="90"/>
+                                          </p:val>
+                                        </p:tav>
+                                        <p:tav tm="100000">
+                                          <p:val>
+                                            <p:fltVal val="0"/>
+                                          </p:val>
+                                        </p:tav>
+                                      </p:tavLst>
+                                    </p:anim>
+                                    <p:animEffect transition="in" filter="fade">
+                                      <p:cBhvr>
+                                        <p:cTn id="50" dur="1000"/>
+                                        <p:tgtEl>
+                                          <p:spTgt spid="3">
+                                            <p:txEl>
+                                              <p:pRg st="5" end="5"/>
+                                            </p:txEl>
+                                          </p:spTgt>
+                                        </p:tgtEl>
+                                      </p:cBhvr>
+                                    </p:animEffect>
+                                  </p:childTnLst>
+                                </p:cTn>
+                              </p:par>
+                            </p:childTnLst>
+                          </p:cTn>
+                        </p:par>
+                      </p:childTnLst>
+                    </p:cTn>
+                  </p:par>
+                  <p:par>
+                    <p:cTn id="51" fill="hold">
+                      <p:stCondLst>
+                        <p:cond delay="indefinite"/>
+                      </p:stCondLst>
+                      <p:childTnLst>
+                        <p:par>
+                          <p:cTn id="52" fill="hold">
+                            <p:stCondLst>
+                              <p:cond delay="0"/>
+                            </p:stCondLst>
+                            <p:childTnLst>
+                              <p:par>
+                                <p:cTn id="53" presetID="31" presetClass="entr" presetSubtype="0" fill="hold" grpId="0" nodeType="clickEffect">
+                                  <p:stCondLst>
+                                    <p:cond delay="0"/>
+                                  </p:stCondLst>
+                                  <p:childTnLst>
+                                    <p:set>
+                                      <p:cBhvr>
+                                        <p:cTn id="54" dur="1" fill="hold">
+                                          <p:stCondLst>
+                                            <p:cond delay="0"/>
+                                          </p:stCondLst>
+                                        </p:cTn>
+                                        <p:tgtEl>
+                                          <p:spTgt spid="3">
+                                            <p:txEl>
+                                              <p:pRg st="6" end="6"/>
+                                            </p:txEl>
+                                          </p:spTgt>
+                                        </p:tgtEl>
+                                        <p:attrNameLst>
+                                          <p:attrName>style.visibility</p:attrName>
+                                        </p:attrNameLst>
+                                      </p:cBhvr>
+                                      <p:to>
+                                        <p:strVal val="visible"/>
+                                      </p:to>
+                                    </p:set>
+                                    <p:anim calcmode="lin" valueType="num">
+                                      <p:cBhvr>
+                                        <p:cTn id="55" dur="1000" fill="hold"/>
+                                        <p:tgtEl>
+                                          <p:spTgt spid="3">
+                                            <p:txEl>
+                                              <p:pRg st="6" end="6"/>
+                                            </p:txEl>
+                                          </p:spTgt>
+                                        </p:tgtEl>
+                                        <p:attrNameLst>
+                                          <p:attrName>ppt_w</p:attrName>
+                                        </p:attrNameLst>
+                                      </p:cBhvr>
+                                      <p:tavLst>
+                                        <p:tav tm="0">
+                                          <p:val>
+                                            <p:fltVal val="0"/>
+                                          </p:val>
+                                        </p:tav>
+                                        <p:tav tm="100000">
+                                          <p:val>
+                                            <p:strVal val="#ppt_w"/>
+                                          </p:val>
+                                        </p:tav>
+                                      </p:tavLst>
+                                    </p:anim>
+                                    <p:anim calcmode="lin" valueType="num">
+                                      <p:cBhvr>
+                                        <p:cTn id="56" dur="1000" fill="hold"/>
+                                        <p:tgtEl>
+                                          <p:spTgt spid="3">
+                                            <p:txEl>
+                                              <p:pRg st="6" end="6"/>
+                                            </p:txEl>
+                                          </p:spTgt>
+                                        </p:tgtEl>
+                                        <p:attrNameLst>
+                                          <p:attrName>ppt_h</p:attrName>
+                                        </p:attrNameLst>
+                                      </p:cBhvr>
+                                      <p:tavLst>
+                                        <p:tav tm="0">
+                                          <p:val>
+                                            <p:fltVal val="0"/>
+                                          </p:val>
+                                        </p:tav>
+                                        <p:tav tm="100000">
+                                          <p:val>
+                                            <p:strVal val="#ppt_h"/>
+                                          </p:val>
+                                        </p:tav>
+                                      </p:tavLst>
+                                    </p:anim>
+                                    <p:anim calcmode="lin" valueType="num">
+                                      <p:cBhvr>
+                                        <p:cTn id="57" dur="1000" fill="hold"/>
+                                        <p:tgtEl>
+                                          <p:spTgt spid="3">
+                                            <p:txEl>
+                                              <p:pRg st="6" end="6"/>
+                                            </p:txEl>
+                                          </p:spTgt>
+                                        </p:tgtEl>
+                                        <p:attrNameLst>
+                                          <p:attrName>style.rotation</p:attrName>
+                                        </p:attrNameLst>
+                                      </p:cBhvr>
+                                      <p:tavLst>
+                                        <p:tav tm="0">
+                                          <p:val>
+                                            <p:fltVal val="90"/>
+                                          </p:val>
+                                        </p:tav>
+                                        <p:tav tm="100000">
+                                          <p:val>
+                                            <p:fltVal val="0"/>
+                                          </p:val>
+                                        </p:tav>
+                                      </p:tavLst>
+                                    </p:anim>
+                                    <p:animEffect transition="in" filter="fade">
+                                      <p:cBhvr>
+                                        <p:cTn id="58" dur="1000"/>
+                                        <p:tgtEl>
+                                          <p:spTgt spid="3">
+                                            <p:txEl>
+                                              <p:pRg st="6" end="6"/>
+                                            </p:txEl>
+                                          </p:spTgt>
+                                        </p:tgtEl>
+                                      </p:cBhvr>
+                                    </p:animEffect>
+                                  </p:childTnLst>
+                                </p:cTn>
+                              </p:par>
+                            </p:childTnLst>
+                          </p:cTn>
+                        </p:par>
+                      </p:childTnLst>
+                    </p:cTn>
+                  </p:par>
+                  <p:par>
+                    <p:cTn id="59" fill="hold">
+                      <p:stCondLst>
+                        <p:cond delay="indefinite"/>
+                      </p:stCondLst>
+                      <p:childTnLst>
+                        <p:par>
+                          <p:cTn id="60" fill="hold">
+                            <p:stCondLst>
+                              <p:cond delay="0"/>
+                            </p:stCondLst>
+                            <p:childTnLst>
+                              <p:par>
+                                <p:cTn id="61" presetID="31" presetClass="entr" presetSubtype="0" fill="hold" grpId="0" nodeType="clickEffect">
+                                  <p:stCondLst>
+                                    <p:cond delay="0"/>
+                                  </p:stCondLst>
+                                  <p:childTnLst>
+                                    <p:set>
+                                      <p:cBhvr>
+                                        <p:cTn id="62" dur="1" fill="hold">
+                                          <p:stCondLst>
+                                            <p:cond delay="0"/>
+                                          </p:stCondLst>
+                                        </p:cTn>
+                                        <p:tgtEl>
+                                          <p:spTgt spid="3">
+                                            <p:txEl>
+                                              <p:pRg st="7" end="7"/>
+                                            </p:txEl>
+                                          </p:spTgt>
+                                        </p:tgtEl>
+                                        <p:attrNameLst>
+                                          <p:attrName>style.visibility</p:attrName>
+                                        </p:attrNameLst>
+                                      </p:cBhvr>
+                                      <p:to>
+                                        <p:strVal val="visible"/>
+                                      </p:to>
+                                    </p:set>
+                                    <p:anim calcmode="lin" valueType="num">
+                                      <p:cBhvr>
+                                        <p:cTn id="63" dur="1000" fill="hold"/>
+                                        <p:tgtEl>
+                                          <p:spTgt spid="3">
+                                            <p:txEl>
+                                              <p:pRg st="7" end="7"/>
+                                            </p:txEl>
+                                          </p:spTgt>
+                                        </p:tgtEl>
+                                        <p:attrNameLst>
+                                          <p:attrName>ppt_w</p:attrName>
+                                        </p:attrNameLst>
+                                      </p:cBhvr>
+                                      <p:tavLst>
+                                        <p:tav tm="0">
+                                          <p:val>
+                                            <p:fltVal val="0"/>
+                                          </p:val>
+                                        </p:tav>
+                                        <p:tav tm="100000">
+                                          <p:val>
+                                            <p:strVal val="#ppt_w"/>
+                                          </p:val>
+                                        </p:tav>
+                                      </p:tavLst>
+                                    </p:anim>
+                                    <p:anim calcmode="lin" valueType="num">
+                                      <p:cBhvr>
+                                        <p:cTn id="64" dur="1000" fill="hold"/>
+                                        <p:tgtEl>
+                                          <p:spTgt spid="3">
+                                            <p:txEl>
+                                              <p:pRg st="7" end="7"/>
+                                            </p:txEl>
+                                          </p:spTgt>
+                                        </p:tgtEl>
+                                        <p:attrNameLst>
+                                          <p:attrName>ppt_h</p:attrName>
+                                        </p:attrNameLst>
+                                      </p:cBhvr>
+                                      <p:tavLst>
+                                        <p:tav tm="0">
+                                          <p:val>
+                                            <p:fltVal val="0"/>
+                                          </p:val>
+                                        </p:tav>
+                                        <p:tav tm="100000">
+                                          <p:val>
+                                            <p:strVal val="#ppt_h"/>
+                                          </p:val>
+                                        </p:tav>
+                                      </p:tavLst>
+                                    </p:anim>
+                                    <p:anim calcmode="lin" valueType="num">
+                                      <p:cBhvr>
+                                        <p:cTn id="65" dur="1000" fill="hold"/>
+                                        <p:tgtEl>
+                                          <p:spTgt spid="3">
+                                            <p:txEl>
+                                              <p:pRg st="7" end="7"/>
+                                            </p:txEl>
+                                          </p:spTgt>
+                                        </p:tgtEl>
+                                        <p:attrNameLst>
+                                          <p:attrName>style.rotation</p:attrName>
+                                        </p:attrNameLst>
+                                      </p:cBhvr>
+                                      <p:tavLst>
+                                        <p:tav tm="0">
+                                          <p:val>
+                                            <p:fltVal val="90"/>
+                                          </p:val>
+                                        </p:tav>
+                                        <p:tav tm="100000">
+                                          <p:val>
+                                            <p:fltVal val="0"/>
+                                          </p:val>
+                                        </p:tav>
+                                      </p:tavLst>
+                                    </p:anim>
+                                    <p:animEffect transition="in" filter="fade">
+                                      <p:cBhvr>
+                                        <p:cTn id="66" dur="1000"/>
+                                        <p:tgtEl>
+                                          <p:spTgt spid="3">
+                                            <p:txEl>
+                                              <p:pRg st="7" end="7"/>
+                                            </p:txEl>
+                                          </p:spTgt>
+                                        </p:tgtEl>
+                                      </p:cBhvr>
+                                    </p:animEffect>
+                                  </p:childTnLst>
+                                </p:cTn>
+                              </p:par>
+                            </p:childTnLst>
+                          </p:cTn>
+                        </p:par>
+                      </p:childTnLst>
+                    </p:cTn>
+                  </p:par>
+                  <p:par>
+                    <p:cTn id="67" fill="hold">
+                      <p:stCondLst>
+                        <p:cond delay="indefinite"/>
+                      </p:stCondLst>
+                      <p:childTnLst>
+                        <p:par>
+                          <p:cTn id="68" fill="hold">
+                            <p:stCondLst>
+                              <p:cond delay="0"/>
+                            </p:stCondLst>
+                            <p:childTnLst>
+                              <p:par>
+                                <p:cTn id="69" presetID="6" presetClass="entr" presetSubtype="16" fill="hold" nodeType="clickEffect">
+                                  <p:stCondLst>
+                                    <p:cond delay="0"/>
+                                  </p:stCondLst>
+                                  <p:childTnLst>
+                                    <p:set>
+                                      <p:cBhvr>
+                                        <p:cTn id="70" dur="1" fill="hold">
+                                          <p:stCondLst>
+                                            <p:cond delay="0"/>
+                                          </p:stCondLst>
+                                        </p:cTn>
+                                        <p:tgtEl>
+                                          <p:spTgt spid="4"/>
+                                        </p:tgtEl>
+                                        <p:attrNameLst>
+                                          <p:attrName>style.visibility</p:attrName>
+                                        </p:attrNameLst>
+                                      </p:cBhvr>
+                                      <p:to>
+                                        <p:strVal val="visible"/>
+                                      </p:to>
+                                    </p:set>
+                                    <p:animEffect transition="in" filter="circle(in)">
+                                      <p:cBhvr>
+                                        <p:cTn id="71" dur="2000"/>
+                                        <p:tgtEl>
+                                          <p:spTgt spid="4"/>
+                                        </p:tgtEl>
+                                      </p:cBhvr>
+                                    </p:animEffect>
+                                  </p:childTnLst>
+                                </p:cTn>
+                              </p:par>
+                            </p:childTnLst>
+                          </p:cTn>
+                        </p:par>
+                      </p:childTnLst>
+                    </p:cTn>
+                  </p:par>
+                  <p:par>
+                    <p:cTn id="72" fill="hold">
+                      <p:stCondLst>
+                        <p:cond delay="indefinite"/>
+                      </p:stCondLst>
+                      <p:childTnLst>
+                        <p:par>
+                          <p:cTn id="73" fill="hold">
+                            <p:stCondLst>
+                              <p:cond delay="0"/>
+                            </p:stCondLst>
+                            <p:childTnLst>
+                              <p:par>
+                                <p:cTn id="74" presetID="2" presetClass="entr" presetSubtype="6" fill="hold" nodeType="clickEffect">
+                                  <p:stCondLst>
+                                    <p:cond delay="0"/>
+                                  </p:stCondLst>
+                                  <p:childTnLst>
+                                    <p:set>
+                                      <p:cBhvr>
+                                        <p:cTn id="75" dur="1" fill="hold">
+                                          <p:stCondLst>
+                                            <p:cond delay="0"/>
+                                          </p:stCondLst>
+                                        </p:cTn>
+                                        <p:tgtEl>
+                                          <p:spTgt spid="5"/>
+                                        </p:tgtEl>
+                                        <p:attrNameLst>
+                                          <p:attrName>style.visibility</p:attrName>
+                                        </p:attrNameLst>
+                                      </p:cBhvr>
+                                      <p:to>
+                                        <p:strVal val="visible"/>
+                                      </p:to>
+                                    </p:set>
+                                    <p:anim calcmode="lin" valueType="num">
+                                      <p:cBhvr additive="base">
+                                        <p:cTn id="76" dur="500" fill="hold"/>
+                                        <p:tgtEl>
+                                          <p:spTgt spid="5"/>
+                                        </p:tgtEl>
+                                        <p:attrNameLst>
+                                          <p:attrName>ppt_x</p:attrName>
+                                        </p:attrNameLst>
+                                      </p:cBhvr>
+                                      <p:tavLst>
+                                        <p:tav tm="0">
+                                          <p:val>
+                                            <p:strVal val="1+#ppt_w/2"/>
+                                          </p:val>
+                                        </p:tav>
+                                        <p:tav tm="100000">
+                                          <p:val>
+                                            <p:strVal val="#ppt_x"/>
+                                          </p:val>
+                                        </p:tav>
+                                      </p:tavLst>
+                                    </p:anim>
+                                    <p:anim calcmode="lin" valueType="num">
+                                      <p:cBhvr additive="base">
+                                        <p:cTn id="77" dur="500" fill="hold"/>
+                                        <p:tgtEl>
+                                          <p:spTgt spid="5"/>
+                                        </p:tgtEl>
+                                        <p:attrNameLst>
+                                          <p:attrName>ppt_y</p:attrName>
+                                        </p:attrNameLst>
+                                      </p:cBhvr>
+                                      <p:tavLst>
+                                        <p:tav tm="0">
+                                          <p:val>
+                                            <p:strVal val="1+#ppt_h/2"/>
+                                          </p:val>
+                                        </p:tav>
+                                        <p:tav tm="100000">
+                                          <p:val>
+                                            <p:strVal val="#ppt_y"/>
+                                          </p:val>
+                                        </p:tav>
+                                      </p:tavLst>
+                                    </p:anim>
+                                  </p:childTnLst>
+                                </p:cTn>
+                              </p:par>
+                            </p:childTnLst>
+                          </p:cTn>
+                        </p:par>
+                      </p:childTnLst>
+                    </p:cTn>
+                  </p:par>
+                  <p:par>
+                    <p:cTn id="78" fill="hold">
+                      <p:stCondLst>
+                        <p:cond delay="indefinite"/>
+                      </p:stCondLst>
+                      <p:childTnLst>
+                        <p:par>
+                          <p:cTn id="79" fill="hold">
+                            <p:stCondLst>
+                              <p:cond delay="0"/>
+                            </p:stCondLst>
+                            <p:childTnLst>
+                              <p:par>
+                                <p:cTn id="80" presetID="16" presetClass="exit" presetSubtype="21" fill="hold" nodeType="clickEffect">
+                                  <p:stCondLst>
+                                    <p:cond delay="0"/>
+                                  </p:stCondLst>
+                                  <p:childTnLst>
+                                    <p:animEffect transition="out" filter="barn(inVertical)">
+                                      <p:cBhvr>
+                                        <p:cTn id="81" dur="500"/>
+                                        <p:tgtEl>
+                                          <p:spTgt spid="4"/>
+                                        </p:tgtEl>
+                                      </p:cBhvr>
+                                    </p:animEffect>
+                                    <p:set>
+                                      <p:cBhvr>
+                                        <p:cTn id="82" dur="1" fill="hold">
+                                          <p:stCondLst>
+                                            <p:cond delay="499"/>
+                                          </p:stCondLst>
+                                        </p:cTn>
+                                        <p:tgtEl>
+                                          <p:spTgt spid="4"/>
+                                        </p:tgtEl>
+                                        <p:attrNameLst>
+                                          <p:attrName>style.visibility</p:attrName>
+                                        </p:attrNameLst>
+                                      </p:cBhvr>
+                                      <p:to>
+                                        <p:strVal val="hidden"/>
+                                      </p:to>
+                                    </p:set>
+                                  </p:childTnLst>
+                                </p:cTn>
+                              </p:par>
+                            </p:childTnLst>
+                          </p:cTn>
+                        </p:par>
+                      </p:childTnLst>
+                    </p:cTn>
+                  </p:par>
+                  <p:par>
+                    <p:cTn id="83" fill="hold">
+                      <p:stCondLst>
+                        <p:cond delay="indefinite"/>
+                      </p:stCondLst>
+                      <p:childTnLst>
+                        <p:par>
+                          <p:cTn id="84" fill="hold">
+                            <p:stCondLst>
+                              <p:cond delay="0"/>
+                            </p:stCondLst>
+                            <p:childTnLst>
+                              <p:par>
+                                <p:cTn id="85" presetID="2" presetClass="exit" presetSubtype="9" fill="hold" nodeType="clickEffect">
                                   <p:stCondLst>
                                     <p:cond delay="0"/>
                                   </p:stCondLst>
                                   <p:childTnLst>
                                     <p:anim calcmode="lin" valueType="num">
                                       <p:cBhvr additive="base">
-                                        <p:cTn id="46" dur="500"/>
+                                        <p:cTn id="86" dur="500"/>
                                         <p:tgtEl>
                                           <p:spTgt spid="5"/>
                                         </p:tgtEl>
@@ -15692,7 +16552,7 @@
                                     </p:anim>
                                     <p:anim calcmode="lin" valueType="num">
                                       <p:cBhvr additive="base">
-                                        <p:cTn id="47" dur="500"/>
+                                        <p:cTn id="87" dur="500"/>
                                         <p:tgtEl>
                                           <p:spTgt spid="5"/>
                                         </p:tgtEl>
@@ -15715,7 +16575,7 @@
                                     </p:anim>
                                     <p:set>
                                       <p:cBhvr>
-                                        <p:cTn id="48" dur="1" fill="hold">
+                                        <p:cTn id="88" dur="1" fill="hold">
                                           <p:stCondLst>
                                             <p:cond delay="499"/>
                                           </p:stCondLst>
@@ -15768,7 +16628,7 @@
 </p:sld>
 </file>
 
-<file path=ppt/slides/slide8.xml><?xml version="1.0" encoding="utf-8"?>
+<file path=ppt/slides/slide9.xml><?xml version="1.0" encoding="utf-8"?>
 <p:sld xmlns:a="http://schemas.openxmlformats.org/drawingml/2006/main" xmlns:r="http://schemas.openxmlformats.org/officeDocument/2006/relationships" xmlns:p="http://schemas.openxmlformats.org/presentationml/2006/main">
   <p:cSld>
     <p:spTree>
@@ -15825,33 +16685,13 @@
           <a:p>
             <a:r>
               <a:rPr lang="en-US" dirty="0" smtClean="0"/>
-              <a:t>Working with the Microsoft Technologies has proven to be a challenging, yet </a:t>
+              <a:t>Working with the Microsoft Technologies has proven to be a challenging, yet beneficial experience for the package manager and the website.</a:t>
             </a:r>
+          </a:p>
+          <a:p>
             <a:r>
               <a:rPr lang="en-US" dirty="0" smtClean="0"/>
-              <a:t>beneficial </a:t>
-            </a:r>
-            <a:r>
-              <a:rPr lang="en-US" dirty="0" smtClean="0"/>
-              <a:t>experience for the package manager and the website.</a:t>
-            </a:r>
-          </a:p>
-          <a:p>
-            <a:r>
-              <a:rPr lang="en-US" dirty="0" smtClean="0"/>
-              <a:t>We hope to work with building </a:t>
-            </a:r>
-            <a:r>
-              <a:rPr lang="en-US" dirty="0" smtClean="0"/>
-              <a:t>with</a:t>
-            </a:r>
-            <a:r>
-              <a:rPr lang="en-US" dirty="0" smtClean="0"/>
-              <a:t> </a:t>
-            </a:r>
-            <a:r>
-              <a:rPr lang="en-US" dirty="0" smtClean="0"/>
-              <a:t>mobile app development soon.</a:t>
+              <a:t>We hope to work with building with mobile app development soon.</a:t>
             </a:r>
             <a:endParaRPr lang="en-US" dirty="0"/>
           </a:p>

--- a/OOSD_Project2_Team5_Presentation.pptx
+++ b/OOSD_Project2_Team5_Presentation.pptx
@@ -308,7 +308,7 @@
             <a:fld id="{B61BEF0D-F0BB-DE4B-95CE-6DB70DBA9567}" type="datetimeFigureOut">
               <a:rPr lang="en-US" dirty="0"/>
               <a:pPr/>
-              <a:t>2/3/2016</a:t>
+              <a:t>2/5/2016</a:t>
             </a:fld>
             <a:endParaRPr lang="en-US" dirty="0"/>
           </a:p>
@@ -643,7 +643,7 @@
             <a:fld id="{B61BEF0D-F0BB-DE4B-95CE-6DB70DBA9567}" type="datetimeFigureOut">
               <a:rPr lang="en-US" dirty="0"/>
               <a:pPr/>
-              <a:t>2/3/2016</a:t>
+              <a:t>2/5/2016</a:t>
             </a:fld>
             <a:endParaRPr lang="en-US" dirty="0"/>
           </a:p>
@@ -1041,7 +1041,7 @@
             <a:fld id="{B61BEF0D-F0BB-DE4B-95CE-6DB70DBA9567}" type="datetimeFigureOut">
               <a:rPr lang="en-US" dirty="0"/>
               <a:pPr/>
-              <a:t>2/3/2016</a:t>
+              <a:t>2/5/2016</a:t>
             </a:fld>
             <a:endParaRPr lang="en-US" dirty="0"/>
           </a:p>
@@ -1374,7 +1374,7 @@
             <a:fld id="{B61BEF0D-F0BB-DE4B-95CE-6DB70DBA9567}" type="datetimeFigureOut">
               <a:rPr lang="en-US" dirty="0"/>
               <a:pPr/>
-              <a:t>2/3/2016</a:t>
+              <a:t>2/5/2016</a:t>
             </a:fld>
             <a:endParaRPr lang="en-US" dirty="0"/>
           </a:p>
@@ -1691,7 +1691,7 @@
             <a:fld id="{B61BEF0D-F0BB-DE4B-95CE-6DB70DBA9567}" type="datetimeFigureOut">
               <a:rPr lang="en-US" dirty="0"/>
               <a:pPr/>
-              <a:t>2/3/2016</a:t>
+              <a:t>2/5/2016</a:t>
             </a:fld>
             <a:endParaRPr lang="en-US" dirty="0"/>
           </a:p>
@@ -2084,7 +2084,7 @@
             <a:fld id="{B61BEF0D-F0BB-DE4B-95CE-6DB70DBA9567}" type="datetimeFigureOut">
               <a:rPr lang="en-US" dirty="0"/>
               <a:pPr/>
-              <a:t>2/3/2016</a:t>
+              <a:t>2/5/2016</a:t>
             </a:fld>
             <a:endParaRPr lang="en-US" dirty="0"/>
           </a:p>
@@ -2338,7 +2338,7 @@
             <a:fld id="{B61BEF0D-F0BB-DE4B-95CE-6DB70DBA9567}" type="datetimeFigureOut">
               <a:rPr lang="en-US" dirty="0"/>
               <a:pPr/>
-              <a:t>2/3/2016</a:t>
+              <a:t>2/5/2016</a:t>
             </a:fld>
             <a:endParaRPr lang="en-US" dirty="0"/>
           </a:p>
@@ -2597,7 +2597,7 @@
             <a:fld id="{B61BEF0D-F0BB-DE4B-95CE-6DB70DBA9567}" type="datetimeFigureOut">
               <a:rPr lang="en-US" dirty="0"/>
               <a:pPr/>
-              <a:t>2/3/2016</a:t>
+              <a:t>2/5/2016</a:t>
             </a:fld>
             <a:endParaRPr lang="en-US" dirty="0"/>
           </a:p>
@@ -2856,7 +2856,7 @@
             <a:fld id="{B61BEF0D-F0BB-DE4B-95CE-6DB70DBA9567}" type="datetimeFigureOut">
               <a:rPr lang="en-US" dirty="0"/>
               <a:pPr/>
-              <a:t>2/3/2016</a:t>
+              <a:t>2/5/2016</a:t>
             </a:fld>
             <a:endParaRPr lang="en-US" dirty="0"/>
           </a:p>
@@ -3182,7 +3182,7 @@
             <a:fld id="{B61BEF0D-F0BB-DE4B-95CE-6DB70DBA9567}" type="datetimeFigureOut">
               <a:rPr lang="en-US" dirty="0"/>
               <a:pPr/>
-              <a:t>2/3/2016</a:t>
+              <a:t>2/5/2016</a:t>
             </a:fld>
             <a:endParaRPr lang="en-US" dirty="0"/>
           </a:p>
@@ -3502,7 +3502,7 @@
             <a:fld id="{B61BEF0D-F0BB-DE4B-95CE-6DB70DBA9567}" type="datetimeFigureOut">
               <a:rPr lang="en-US" dirty="0"/>
               <a:pPr/>
-              <a:t>2/3/2016</a:t>
+              <a:t>2/5/2016</a:t>
             </a:fld>
             <a:endParaRPr lang="en-US" dirty="0"/>
           </a:p>
@@ -3956,7 +3956,7 @@
             <a:fld id="{B61BEF0D-F0BB-DE4B-95CE-6DB70DBA9567}" type="datetimeFigureOut">
               <a:rPr lang="en-US" dirty="0"/>
               <a:pPr/>
-              <a:t>2/3/2016</a:t>
+              <a:t>2/5/2016</a:t>
             </a:fld>
             <a:endParaRPr lang="en-US" dirty="0"/>
           </a:p>
@@ -4158,7 +4158,7 @@
             <a:fld id="{B61BEF0D-F0BB-DE4B-95CE-6DB70DBA9567}" type="datetimeFigureOut">
               <a:rPr lang="en-US" dirty="0"/>
               <a:pPr/>
-              <a:t>2/3/2016</a:t>
+              <a:t>2/5/2016</a:t>
             </a:fld>
             <a:endParaRPr lang="en-US" dirty="0"/>
           </a:p>
@@ -4332,7 +4332,7 @@
             <a:fld id="{B61BEF0D-F0BB-DE4B-95CE-6DB70DBA9567}" type="datetimeFigureOut">
               <a:rPr lang="en-US" dirty="0"/>
               <a:pPr/>
-              <a:t>2/3/2016</a:t>
+              <a:t>2/5/2016</a:t>
             </a:fld>
             <a:endParaRPr lang="en-US" dirty="0"/>
           </a:p>
@@ -4662,7 +4662,7 @@
             <a:fld id="{B61BEF0D-F0BB-DE4B-95CE-6DB70DBA9567}" type="datetimeFigureOut">
               <a:rPr lang="en-US" dirty="0"/>
               <a:pPr/>
-              <a:t>2/3/2016</a:t>
+              <a:t>2/5/2016</a:t>
             </a:fld>
             <a:endParaRPr lang="en-US" dirty="0"/>
           </a:p>
@@ -5004,7 +5004,7 @@
             <a:fld id="{B61BEF0D-F0BB-DE4B-95CE-6DB70DBA9567}" type="datetimeFigureOut">
               <a:rPr lang="en-US" dirty="0"/>
               <a:pPr/>
-              <a:t>2/3/2016</a:t>
+              <a:t>2/5/2016</a:t>
             </a:fld>
             <a:endParaRPr lang="en-US" dirty="0"/>
           </a:p>
@@ -7055,7 +7055,7 @@
             <a:fld id="{B61BEF0D-F0BB-DE4B-95CE-6DB70DBA9567}" type="datetimeFigureOut">
               <a:rPr lang="en-US" dirty="0"/>
               <a:pPr/>
-              <a:t>2/3/2016</a:t>
+              <a:t>2/5/2016</a:t>
             </a:fld>
             <a:endParaRPr lang="en-US" dirty="0"/>
           </a:p>
@@ -7610,11 +7610,7 @@
           <a:p>
             <a:r>
               <a:rPr lang="en-US" dirty="0" smtClean="0"/>
-              <a:t>The Microsoft Prototype (Status </a:t>
-            </a:r>
-            <a:r>
-              <a:rPr lang="en-US" dirty="0" smtClean="0"/>
-              <a:t>Report)</a:t>
+              <a:t>The Microsoft Prototype (Status Report)</a:t>
             </a:r>
             <a:endParaRPr lang="en-US" dirty="0"/>
           </a:p>
@@ -12995,25 +12991,39 @@
           <a:p>
             <a:r>
               <a:rPr lang="en-US" dirty="0" smtClean="0"/>
-              <a:t>Complete with homepage, packages, about, login/register, contacts page.</a:t>
+              <a:t>Complete with homepage, packages, about, </a:t>
+            </a:r>
+            <a:r>
+              <a:rPr lang="en-US" dirty="0" smtClean="0"/>
+              <a:t>login/register pages.</a:t>
+            </a:r>
+            <a:endParaRPr lang="en-US" dirty="0" smtClean="0"/>
+          </a:p>
+          <a:p>
+            <a:r>
+              <a:rPr lang="en-US" dirty="0"/>
+              <a:t>Graphically rich package browsing page with data connection</a:t>
+            </a:r>
+            <a:r>
+              <a:rPr lang="en-US" dirty="0" smtClean="0"/>
+              <a:t>.</a:t>
             </a:r>
           </a:p>
           <a:p>
             <a:r>
               <a:rPr lang="en-US" dirty="0" smtClean="0"/>
-              <a:t>There’s even a “complaints” page that is linked from the about page.</a:t>
+              <a:t>Multi-stepped registration form</a:t>
             </a:r>
+            <a:r>
+              <a:rPr lang="en-US" dirty="0" smtClean="0"/>
+              <a:t>.</a:t>
+            </a:r>
+            <a:endParaRPr lang="en-US" dirty="0" smtClean="0"/>
           </a:p>
           <a:p>
             <a:r>
               <a:rPr lang="en-US" dirty="0" smtClean="0"/>
-              <a:t>Customers can book packages with ease.</a:t>
-            </a:r>
-          </a:p>
-          <a:p>
-            <a:r>
-              <a:rPr lang="en-US" dirty="0" smtClean="0"/>
-              <a:t>The site has a nice, tropical design.</a:t>
+              <a:t>Updateable user profile page with session.</a:t>
             </a:r>
             <a:endParaRPr lang="en-US" dirty="0"/>
           </a:p>
@@ -14912,11 +14922,7 @@
           <a:p>
             <a:r>
               <a:rPr lang="en-US" dirty="0" smtClean="0"/>
-              <a:t>Building a Mac/”Linux” version for non-Windows workstations</a:t>
-            </a:r>
-            <a:r>
-              <a:rPr lang="en-US" dirty="0" smtClean="0"/>
-              <a:t>.</a:t>
+              <a:t>Building a Mac/”Linux” version for non-Windows workstations.</a:t>
             </a:r>
           </a:p>
           <a:p>
@@ -15825,33 +15831,13 @@
           <a:p>
             <a:r>
               <a:rPr lang="en-US" dirty="0" smtClean="0"/>
-              <a:t>Working with the Microsoft Technologies has proven to be a challenging, yet </a:t>
-            </a:r>
-            <a:r>
-              <a:rPr lang="en-US" dirty="0" smtClean="0"/>
-              <a:t>beneficial </a:t>
-            </a:r>
-            <a:r>
-              <a:rPr lang="en-US" dirty="0" smtClean="0"/>
-              <a:t>experience for the package manager and the website.</a:t>
+              <a:t>Working with the Microsoft Technologies has proven to be a challenging, yet beneficial experience for the package manager and the website.</a:t>
             </a:r>
           </a:p>
           <a:p>
             <a:r>
               <a:rPr lang="en-US" dirty="0" smtClean="0"/>
-              <a:t>We hope to work with building </a:t>
-            </a:r>
-            <a:r>
-              <a:rPr lang="en-US" dirty="0" smtClean="0"/>
-              <a:t>with</a:t>
-            </a:r>
-            <a:r>
-              <a:rPr lang="en-US" dirty="0" smtClean="0"/>
-              <a:t> </a:t>
-            </a:r>
-            <a:r>
-              <a:rPr lang="en-US" dirty="0" smtClean="0"/>
-              <a:t>mobile app development soon.</a:t>
+              <a:t>We hope to work with building with mobile app development soon.</a:t>
             </a:r>
             <a:endParaRPr lang="en-US" dirty="0"/>
           </a:p>
